--- a/PosterPresentation.pptx
+++ b/PosterPresentation.pptx
@@ -197,7 +197,7 @@
           <a:p>
             <a:fld id="{C0C879F5-FACF-7142-AF02-D40C8EE9EF74}" type="datetimeFigureOut">
               <a:rPr lang="en-US" smtClean="0"/>
-              <a:t>7/18/22</a:t>
+              <a:t>7/19/22</a:t>
             </a:fld>
             <a:endParaRPr lang="en-US"/>
           </a:p>
@@ -684,7 +684,7 @@
           <a:p>
             <a:fld id="{63C8CE8D-F073-5543-9253-FAF9CC6C9F73}" type="datetimeFigureOut">
               <a:rPr lang="en-US" smtClean="0"/>
-              <a:t>7/18/22</a:t>
+              <a:t>7/19/22</a:t>
             </a:fld>
             <a:endParaRPr lang="en-US"/>
           </a:p>
@@ -854,7 +854,7 @@
           <a:p>
             <a:fld id="{63C8CE8D-F073-5543-9253-FAF9CC6C9F73}" type="datetimeFigureOut">
               <a:rPr lang="en-US" smtClean="0"/>
-              <a:t>7/18/22</a:t>
+              <a:t>7/19/22</a:t>
             </a:fld>
             <a:endParaRPr lang="en-US"/>
           </a:p>
@@ -1034,7 +1034,7 @@
           <a:p>
             <a:fld id="{63C8CE8D-F073-5543-9253-FAF9CC6C9F73}" type="datetimeFigureOut">
               <a:rPr lang="en-US" smtClean="0"/>
-              <a:t>7/18/22</a:t>
+              <a:t>7/19/22</a:t>
             </a:fld>
             <a:endParaRPr lang="en-US"/>
           </a:p>
@@ -1204,7 +1204,7 @@
           <a:p>
             <a:fld id="{63C8CE8D-F073-5543-9253-FAF9CC6C9F73}" type="datetimeFigureOut">
               <a:rPr lang="en-US" smtClean="0"/>
-              <a:t>7/18/22</a:t>
+              <a:t>7/19/22</a:t>
             </a:fld>
             <a:endParaRPr lang="en-US"/>
           </a:p>
@@ -1448,7 +1448,7 @@
           <a:p>
             <a:fld id="{63C8CE8D-F073-5543-9253-FAF9CC6C9F73}" type="datetimeFigureOut">
               <a:rPr lang="en-US" smtClean="0"/>
-              <a:t>7/18/22</a:t>
+              <a:t>7/19/22</a:t>
             </a:fld>
             <a:endParaRPr lang="en-US"/>
           </a:p>
@@ -1680,7 +1680,7 @@
           <a:p>
             <a:fld id="{63C8CE8D-F073-5543-9253-FAF9CC6C9F73}" type="datetimeFigureOut">
               <a:rPr lang="en-US" smtClean="0"/>
-              <a:t>7/18/22</a:t>
+              <a:t>7/19/22</a:t>
             </a:fld>
             <a:endParaRPr lang="en-US"/>
           </a:p>
@@ -2047,7 +2047,7 @@
           <a:p>
             <a:fld id="{63C8CE8D-F073-5543-9253-FAF9CC6C9F73}" type="datetimeFigureOut">
               <a:rPr lang="en-US" smtClean="0"/>
-              <a:t>7/18/22</a:t>
+              <a:t>7/19/22</a:t>
             </a:fld>
             <a:endParaRPr lang="en-US"/>
           </a:p>
@@ -2165,7 +2165,7 @@
           <a:p>
             <a:fld id="{63C8CE8D-F073-5543-9253-FAF9CC6C9F73}" type="datetimeFigureOut">
               <a:rPr lang="en-US" smtClean="0"/>
-              <a:t>7/18/22</a:t>
+              <a:t>7/19/22</a:t>
             </a:fld>
             <a:endParaRPr lang="en-US"/>
           </a:p>
@@ -2260,7 +2260,7 @@
           <a:p>
             <a:fld id="{63C8CE8D-F073-5543-9253-FAF9CC6C9F73}" type="datetimeFigureOut">
               <a:rPr lang="en-US" smtClean="0"/>
-              <a:t>7/18/22</a:t>
+              <a:t>7/19/22</a:t>
             </a:fld>
             <a:endParaRPr lang="en-US"/>
           </a:p>
@@ -2537,7 +2537,7 @@
           <a:p>
             <a:fld id="{63C8CE8D-F073-5543-9253-FAF9CC6C9F73}" type="datetimeFigureOut">
               <a:rPr lang="en-US" smtClean="0"/>
-              <a:t>7/18/22</a:t>
+              <a:t>7/19/22</a:t>
             </a:fld>
             <a:endParaRPr lang="en-US"/>
           </a:p>
@@ -2794,7 +2794,7 @@
           <a:p>
             <a:fld id="{63C8CE8D-F073-5543-9253-FAF9CC6C9F73}" type="datetimeFigureOut">
               <a:rPr lang="en-US" smtClean="0"/>
-              <a:t>7/18/22</a:t>
+              <a:t>7/19/22</a:t>
             </a:fld>
             <a:endParaRPr lang="en-US"/>
           </a:p>
@@ -3007,7 +3007,7 @@
           <a:p>
             <a:fld id="{63C8CE8D-F073-5543-9253-FAF9CC6C9F73}" type="datetimeFigureOut">
               <a:rPr lang="en-US" smtClean="0"/>
-              <a:t>7/18/22</a:t>
+              <a:t>7/19/22</a:t>
             </a:fld>
             <a:endParaRPr lang="en-US"/>
           </a:p>
@@ -3480,7 +3480,7 @@
             </a:extLst>
           </p:cNvPr>
           <p:cNvSpPr>
-            <a:spLocks/>
+            <a:spLocks noChangeAspect="1"/>
           </p:cNvSpPr>
           <p:nvPr/>
         </p:nvSpPr>
@@ -3543,8 +3543,8 @@
         </p:blipFill>
         <p:spPr>
           <a:xfrm>
-            <a:off x="4696231" y="644833"/>
-            <a:ext cx="2672852" cy="1310534"/>
+            <a:off x="4291297" y="701349"/>
+            <a:ext cx="2459142" cy="1205749"/>
           </a:xfrm>
           <a:prstGeom prst="rect">
             <a:avLst/>
@@ -3573,7 +3573,7 @@
         </p:blipFill>
         <p:spPr>
           <a:xfrm>
-            <a:off x="462869" y="526445"/>
+            <a:off x="382822" y="526444"/>
             <a:ext cx="2908197" cy="1660343"/>
           </a:xfrm>
           <a:prstGeom prst="rect">
@@ -3603,50 +3603,14 @@
         </p:blipFill>
         <p:spPr>
           <a:xfrm>
-            <a:off x="3128772" y="355774"/>
-            <a:ext cx="1814065" cy="1822495"/>
+            <a:off x="3042878" y="540516"/>
+            <a:ext cx="1451190" cy="1457934"/>
           </a:xfrm>
           <a:prstGeom prst="rect">
             <a:avLst/>
           </a:prstGeom>
         </p:spPr>
       </p:pic>
-      <p:sp>
-        <p:nvSpPr>
-          <p:cNvPr id="15" name="TextBox 14">
-            <a:extLst>
-              <a:ext uri="{FF2B5EF4-FFF2-40B4-BE49-F238E27FC236}">
-                <a16:creationId xmlns:a16="http://schemas.microsoft.com/office/drawing/2014/main" id="{1DB44B38-F5C2-F94E-D03B-C7031D419468}"/>
-              </a:ext>
-            </a:extLst>
-          </p:cNvPr>
-          <p:cNvSpPr txBox="1"/>
-          <p:nvPr/>
-        </p:nvSpPr>
-        <p:spPr>
-          <a:xfrm>
-            <a:off x="7720346" y="495282"/>
-            <a:ext cx="24749018" cy="757130"/>
-          </a:xfrm>
-          <a:prstGeom prst="rect">
-            <a:avLst/>
-          </a:prstGeom>
-          <a:noFill/>
-        </p:spPr>
-        <p:txBody>
-          <a:bodyPr wrap="square" rtlCol="0">
-            <a:spAutoFit/>
-          </a:bodyPr>
-          <a:lstStyle/>
-          <a:p>
-            <a:r>
-              <a:rPr lang="en-US" sz="4320" b="1" dirty="0"/>
-              <a:t>Enhancing early diagnosis of autism with machine learning algorithms using postural control features</a:t>
-            </a:r>
-            <a:endParaRPr lang="en-US" sz="4320" dirty="0"/>
-          </a:p>
-        </p:txBody>
-      </p:sp>
       <p:sp>
         <p:nvSpPr>
           <p:cNvPr id="17" name="Rectangle 16">
@@ -3656,13 +3620,15 @@
               </a:ext>
             </a:extLst>
           </p:cNvPr>
-          <p:cNvSpPr/>
+          <p:cNvSpPr>
+            <a:spLocks noChangeAspect="1"/>
+          </p:cNvSpPr>
           <p:nvPr/>
         </p:nvSpPr>
         <p:spPr>
           <a:xfrm>
-            <a:off x="351263" y="2639158"/>
-            <a:ext cx="32215874" cy="18811160"/>
+            <a:off x="351263" y="2520769"/>
+            <a:ext cx="32215874" cy="18809208"/>
           </a:xfrm>
           <a:prstGeom prst="rect">
             <a:avLst/>
@@ -3692,7 +3658,43 @@
           <a:lstStyle/>
           <a:p>
             <a:pPr algn="ctr"/>
-            <a:endParaRPr lang="en-US" sz="13997"/>
+            <a:endParaRPr lang="en-US" sz="13997" dirty="0"/>
+          </a:p>
+        </p:txBody>
+      </p:sp>
+      <p:sp>
+        <p:nvSpPr>
+          <p:cNvPr id="15" name="TextBox 14">
+            <a:extLst>
+              <a:ext uri="{FF2B5EF4-FFF2-40B4-BE49-F238E27FC236}">
+                <a16:creationId xmlns:a16="http://schemas.microsoft.com/office/drawing/2014/main" id="{1DB44B38-F5C2-F94E-D03B-C7031D419468}"/>
+              </a:ext>
+            </a:extLst>
+          </p:cNvPr>
+          <p:cNvSpPr txBox="1"/>
+          <p:nvPr/>
+        </p:nvSpPr>
+        <p:spPr>
+          <a:xfrm>
+            <a:off x="6376737" y="495282"/>
+            <a:ext cx="26092627" cy="830997"/>
+          </a:xfrm>
+          <a:prstGeom prst="rect">
+            <a:avLst/>
+          </a:prstGeom>
+          <a:noFill/>
+        </p:spPr>
+        <p:txBody>
+          <a:bodyPr wrap="square" rtlCol="0">
+            <a:spAutoFit/>
+          </a:bodyPr>
+          <a:lstStyle/>
+          <a:p>
+            <a:r>
+              <a:rPr lang="en-US" sz="4800" b="1" dirty="0"/>
+              <a:t>Enhancing early diagnosis of autism with machine learning algorithms using postural control features</a:t>
+            </a:r>
+            <a:endParaRPr lang="en-US" sz="4800" dirty="0"/>
           </a:p>
         </p:txBody>
       </p:sp>
@@ -3711,7 +3713,7 @@
         <p:spPr>
           <a:xfrm>
             <a:off x="747972" y="3194215"/>
-            <a:ext cx="7323121" cy="3416320"/>
+            <a:ext cx="7323121" cy="5509200"/>
           </a:xfrm>
           <a:prstGeom prst="rect">
             <a:avLst/>
@@ -3732,8 +3734,67 @@
           <a:lstStyle/>
           <a:p>
             <a:r>
-              <a:rPr lang="en-US" sz="2400" dirty="0"/>
+              <a:rPr lang="en-US" sz="3200" dirty="0"/>
               <a:t>The diagnosis of Autism Spectrum Disorder, or ASD, is done without any standard clinical trial. There exists much data and research on the behavioral and physical conditions attributed to ASD, with one of these being poor postural control. Through the analysis of multiple variables on the center of pressure these postural attributes can be used alongside machine learning in order to classify and help diagnose Autism early on in a child’s life. </a:t>
+            </a:r>
+          </a:p>
+        </p:txBody>
+      </p:sp>
+      <p:sp>
+        <p:nvSpPr>
+          <p:cNvPr id="2" name="TextBox 1">
+            <a:extLst>
+              <a:ext uri="{FF2B5EF4-FFF2-40B4-BE49-F238E27FC236}">
+                <a16:creationId xmlns:a16="http://schemas.microsoft.com/office/drawing/2014/main" id="{7DC5C4E7-E668-7CFA-A87C-7E618ED0250F}"/>
+              </a:ext>
+            </a:extLst>
+          </p:cNvPr>
+          <p:cNvSpPr txBox="1"/>
+          <p:nvPr/>
+        </p:nvSpPr>
+        <p:spPr>
+          <a:xfrm>
+            <a:off x="12841198" y="1205176"/>
+            <a:ext cx="11176038" cy="954107"/>
+          </a:xfrm>
+          <a:prstGeom prst="rect">
+            <a:avLst/>
+          </a:prstGeom>
+          <a:noFill/>
+        </p:spPr>
+        <p:txBody>
+          <a:bodyPr wrap="square" rtlCol="0">
+            <a:spAutoFit/>
+          </a:bodyPr>
+          <a:lstStyle/>
+          <a:p>
+            <a:pPr algn="ctr"/>
+            <a:r>
+              <a:rPr lang="en-US" sz="2800" dirty="0"/>
+              <a:t>Hayden </a:t>
+            </a:r>
+            <a:r>
+              <a:rPr lang="en-US" sz="2800" dirty="0" err="1"/>
+              <a:t>Cressman</a:t>
+            </a:r>
+            <a:r>
+              <a:rPr lang="en-US" sz="2800" dirty="0"/>
+              <a:t> </a:t>
+            </a:r>
+          </a:p>
+          <a:p>
+            <a:pPr algn="ctr"/>
+            <a:r>
+              <a:rPr lang="en-US" sz="2800" dirty="0"/>
+              <a:t>Mentor: </a:t>
+            </a:r>
+            <a:r>
+              <a:rPr lang="en-US" sz="2800" dirty="0" err="1"/>
+              <a:t>Yumeng</a:t>
+            </a:r>
+            <a:r>
+              <a:rPr lang="en-US" sz="2800" dirty="0"/>
+              <a:t> Li, Ph.D.</a:t>
             </a:r>
           </a:p>
         </p:txBody>

--- a/PosterPresentation.pptx
+++ b/PosterPresentation.pptx
@@ -197,7 +197,7 @@
           <a:p>
             <a:fld id="{C0C879F5-FACF-7142-AF02-D40C8EE9EF74}" type="datetimeFigureOut">
               <a:rPr lang="en-US" smtClean="0"/>
-              <a:t>7/19/22</a:t>
+              <a:t>7/19/2022</a:t>
             </a:fld>
             <a:endParaRPr lang="en-US"/>
           </a:p>
@@ -684,7 +684,7 @@
           <a:p>
             <a:fld id="{63C8CE8D-F073-5543-9253-FAF9CC6C9F73}" type="datetimeFigureOut">
               <a:rPr lang="en-US" smtClean="0"/>
-              <a:t>7/19/22</a:t>
+              <a:t>7/19/2022</a:t>
             </a:fld>
             <a:endParaRPr lang="en-US"/>
           </a:p>
@@ -854,7 +854,7 @@
           <a:p>
             <a:fld id="{63C8CE8D-F073-5543-9253-FAF9CC6C9F73}" type="datetimeFigureOut">
               <a:rPr lang="en-US" smtClean="0"/>
-              <a:t>7/19/22</a:t>
+              <a:t>7/19/2022</a:t>
             </a:fld>
             <a:endParaRPr lang="en-US"/>
           </a:p>
@@ -1034,7 +1034,7 @@
           <a:p>
             <a:fld id="{63C8CE8D-F073-5543-9253-FAF9CC6C9F73}" type="datetimeFigureOut">
               <a:rPr lang="en-US" smtClean="0"/>
-              <a:t>7/19/22</a:t>
+              <a:t>7/19/2022</a:t>
             </a:fld>
             <a:endParaRPr lang="en-US"/>
           </a:p>
@@ -1204,7 +1204,7 @@
           <a:p>
             <a:fld id="{63C8CE8D-F073-5543-9253-FAF9CC6C9F73}" type="datetimeFigureOut">
               <a:rPr lang="en-US" smtClean="0"/>
-              <a:t>7/19/22</a:t>
+              <a:t>7/19/2022</a:t>
             </a:fld>
             <a:endParaRPr lang="en-US"/>
           </a:p>
@@ -1448,7 +1448,7 @@
           <a:p>
             <a:fld id="{63C8CE8D-F073-5543-9253-FAF9CC6C9F73}" type="datetimeFigureOut">
               <a:rPr lang="en-US" smtClean="0"/>
-              <a:t>7/19/22</a:t>
+              <a:t>7/19/2022</a:t>
             </a:fld>
             <a:endParaRPr lang="en-US"/>
           </a:p>
@@ -1680,7 +1680,7 @@
           <a:p>
             <a:fld id="{63C8CE8D-F073-5543-9253-FAF9CC6C9F73}" type="datetimeFigureOut">
               <a:rPr lang="en-US" smtClean="0"/>
-              <a:t>7/19/22</a:t>
+              <a:t>7/19/2022</a:t>
             </a:fld>
             <a:endParaRPr lang="en-US"/>
           </a:p>
@@ -2047,7 +2047,7 @@
           <a:p>
             <a:fld id="{63C8CE8D-F073-5543-9253-FAF9CC6C9F73}" type="datetimeFigureOut">
               <a:rPr lang="en-US" smtClean="0"/>
-              <a:t>7/19/22</a:t>
+              <a:t>7/19/2022</a:t>
             </a:fld>
             <a:endParaRPr lang="en-US"/>
           </a:p>
@@ -2165,7 +2165,7 @@
           <a:p>
             <a:fld id="{63C8CE8D-F073-5543-9253-FAF9CC6C9F73}" type="datetimeFigureOut">
               <a:rPr lang="en-US" smtClean="0"/>
-              <a:t>7/19/22</a:t>
+              <a:t>7/19/2022</a:t>
             </a:fld>
             <a:endParaRPr lang="en-US"/>
           </a:p>
@@ -2260,7 +2260,7 @@
           <a:p>
             <a:fld id="{63C8CE8D-F073-5543-9253-FAF9CC6C9F73}" type="datetimeFigureOut">
               <a:rPr lang="en-US" smtClean="0"/>
-              <a:t>7/19/22</a:t>
+              <a:t>7/19/2022</a:t>
             </a:fld>
             <a:endParaRPr lang="en-US"/>
           </a:p>
@@ -2537,7 +2537,7 @@
           <a:p>
             <a:fld id="{63C8CE8D-F073-5543-9253-FAF9CC6C9F73}" type="datetimeFigureOut">
               <a:rPr lang="en-US" smtClean="0"/>
-              <a:t>7/19/22</a:t>
+              <a:t>7/19/2022</a:t>
             </a:fld>
             <a:endParaRPr lang="en-US"/>
           </a:p>
@@ -2794,7 +2794,7 @@
           <a:p>
             <a:fld id="{63C8CE8D-F073-5543-9253-FAF9CC6C9F73}" type="datetimeFigureOut">
               <a:rPr lang="en-US" smtClean="0"/>
-              <a:t>7/19/22</a:t>
+              <a:t>7/19/2022</a:t>
             </a:fld>
             <a:endParaRPr lang="en-US"/>
           </a:p>
@@ -3007,7 +3007,7 @@
           <a:p>
             <a:fld id="{63C8CE8D-F073-5543-9253-FAF9CC6C9F73}" type="datetimeFigureOut">
               <a:rPr lang="en-US" smtClean="0"/>
-              <a:t>7/19/22</a:t>
+              <a:t>7/19/2022</a:t>
             </a:fld>
             <a:endParaRPr lang="en-US"/>
           </a:p>
@@ -3480,7 +3480,7 @@
             </a:extLst>
           </p:cNvPr>
           <p:cNvSpPr>
-            <a:spLocks noChangeAspect="1"/>
+            <a:spLocks noGrp="1" noRot="1" noChangeAspect="1" noMove="1" noResize="1" noEditPoints="1" noAdjustHandles="1" noChangeArrowheads="1" noChangeShapeType="1"/>
           </p:cNvSpPr>
           <p:nvPr/>
         </p:nvSpPr>
@@ -3621,14 +3621,14 @@
             </a:extLst>
           </p:cNvPr>
           <p:cNvSpPr>
-            <a:spLocks noChangeAspect="1"/>
+            <a:spLocks noGrp="1" noRot="1" noChangeAspect="1" noMove="1" noResize="1" noEditPoints="1" noAdjustHandles="1" noChangeArrowheads="1" noChangeShapeType="1"/>
           </p:cNvSpPr>
           <p:nvPr/>
         </p:nvSpPr>
         <p:spPr>
           <a:xfrm>
             <a:off x="351263" y="2520769"/>
-            <a:ext cx="32215874" cy="18809208"/>
+            <a:ext cx="32215874" cy="17396006"/>
           </a:xfrm>
           <a:prstGeom prst="rect">
             <a:avLst/>
@@ -3712,8 +3712,8 @@
         </p:nvSpPr>
         <p:spPr>
           <a:xfrm>
-            <a:off x="747972" y="3194215"/>
-            <a:ext cx="7323121" cy="5509200"/>
+            <a:off x="629735" y="16008511"/>
+            <a:ext cx="7771314" cy="3046988"/>
           </a:xfrm>
           <a:prstGeom prst="rect">
             <a:avLst/>
@@ -3734,8 +3734,11 @@
           <a:lstStyle/>
           <a:p>
             <a:r>
-              <a:rPr lang="en-US" sz="3200" dirty="0"/>
-              <a:t>The diagnosis of Autism Spectrum Disorder, or ASD, is done without any standard clinical trial. There exists much data and research on the behavioral and physical conditions attributed to ASD, with one of these being poor postural control. Through the analysis of multiple variables on the center of pressure these postural attributes can be used alongside machine learning in order to classify and help diagnose Autism early on in a child’s life. </a:t>
+              <a:rPr lang="en-US" sz="2400" dirty="0">
+                <a:latin typeface="Helvetica" panose="020B0604020202020204" pitchFamily="34" charset="0"/>
+                <a:cs typeface="Helvetica" panose="020B0604020202020204" pitchFamily="34" charset="0"/>
+              </a:rPr>
+              <a:t>There exists many tests both behavioral and physical to diagnose autism in an individual. However, there is no absolute medical test for diagnosis. By using the data from a child's postural sway, we can use machine learning to devise a method of accurately predicting and classifying autism at an early age. This can help especially in fringe cases or in cases where behavioral data is difficult to produce.</a:t>
             </a:r>
           </a:p>
         </p:txBody>
@@ -3795,6 +3798,770 @@
             <a:r>
               <a:rPr lang="en-US" sz="2800" dirty="0"/>
               <a:t> Li, Ph.D.</a:t>
+            </a:r>
+          </a:p>
+        </p:txBody>
+      </p:sp>
+      <p:sp>
+        <p:nvSpPr>
+          <p:cNvPr id="3" name="TextBox 2">
+            <a:extLst>
+              <a:ext uri="{FF2B5EF4-FFF2-40B4-BE49-F238E27FC236}">
+                <a16:creationId xmlns:a16="http://schemas.microsoft.com/office/drawing/2014/main" id="{971CBFDC-F55E-3F1D-7411-0F3EF8D10697}"/>
+              </a:ext>
+            </a:extLst>
+          </p:cNvPr>
+          <p:cNvSpPr txBox="1"/>
+          <p:nvPr/>
+        </p:nvSpPr>
+        <p:spPr>
+          <a:xfrm>
+            <a:off x="629736" y="2974079"/>
+            <a:ext cx="7323121" cy="646331"/>
+          </a:xfrm>
+          <a:prstGeom prst="rect">
+            <a:avLst/>
+          </a:prstGeom>
+          <a:noFill/>
+        </p:spPr>
+        <p:txBody>
+          <a:bodyPr wrap="square" rtlCol="0">
+            <a:spAutoFit/>
+          </a:bodyPr>
+          <a:lstStyle/>
+          <a:p>
+            <a:r>
+              <a:rPr lang="en-US" sz="3600" b="1" dirty="0">
+                <a:latin typeface="Helvetica" panose="020B0604020202020204" pitchFamily="34" charset="0"/>
+                <a:cs typeface="Helvetica" panose="020B0604020202020204" pitchFamily="34" charset="0"/>
+              </a:rPr>
+              <a:t>Abstract</a:t>
+            </a:r>
+          </a:p>
+        </p:txBody>
+      </p:sp>
+      <p:sp>
+        <p:nvSpPr>
+          <p:cNvPr id="6" name="TextBox 5">
+            <a:extLst>
+              <a:ext uri="{FF2B5EF4-FFF2-40B4-BE49-F238E27FC236}">
+                <a16:creationId xmlns:a16="http://schemas.microsoft.com/office/drawing/2014/main" id="{D42CB007-96C7-F98B-D39B-B1BCEC5454B9}"/>
+              </a:ext>
+            </a:extLst>
+          </p:cNvPr>
+          <p:cNvSpPr txBox="1"/>
+          <p:nvPr/>
+        </p:nvSpPr>
+        <p:spPr>
+          <a:xfrm>
+            <a:off x="629734" y="3620410"/>
+            <a:ext cx="7771315" cy="5632311"/>
+          </a:xfrm>
+          <a:prstGeom prst="rect">
+            <a:avLst/>
+          </a:prstGeom>
+          <a:noFill/>
+          <a:ln w="38100">
+            <a:solidFill>
+              <a:schemeClr val="accent2">
+                <a:lumMod val="75000"/>
+              </a:schemeClr>
+            </a:solidFill>
+          </a:ln>
+        </p:spPr>
+        <p:txBody>
+          <a:bodyPr wrap="square" rtlCol="0">
+            <a:spAutoFit/>
+          </a:bodyPr>
+          <a:lstStyle/>
+          <a:p>
+            <a:r>
+              <a:rPr lang="en-US" sz="2400" dirty="0">
+                <a:highlight>
+                  <a:srgbClr val="FFFF00"/>
+                </a:highlight>
+                <a:latin typeface="Helvetica" panose="020B0604020202020204" pitchFamily="34" charset="0"/>
+                <a:cs typeface="Helvetica" panose="020B0604020202020204" pitchFamily="34" charset="0"/>
+              </a:rPr>
+              <a:t>Autism Spectrum Disorder, or ASD, is a disorder that affects not only the behavior of an individual but the motor functionality as well. Found primarily in children with ASD, there are noticeable impairments to the fine and gross motor skills of the child. </a:t>
+            </a:r>
+            <a:r>
+              <a:rPr lang="en-US" sz="2400" dirty="0">
+                <a:latin typeface="Helvetica" panose="020B0604020202020204" pitchFamily="34" charset="0"/>
+                <a:cs typeface="Helvetica" panose="020B0604020202020204" pitchFamily="34" charset="0"/>
+              </a:rPr>
+              <a:t>One important factor of these motor impairments involves the individual's postural stability and their postural sway. These deficiencies can be quantified and labelled with various attributes and compared to the stability of typical development individuals. Stability can be derived from three primary sources; the visual system, the vestibular system, and the somatosensory system. Through slight variations in these systems, we can gather attributive data about the child's stability and use that for further study.</a:t>
+            </a:r>
+          </a:p>
+        </p:txBody>
+      </p:sp>
+      <p:sp>
+        <p:nvSpPr>
+          <p:cNvPr id="7" name="Rectangle 6">
+            <a:extLst>
+              <a:ext uri="{FF2B5EF4-FFF2-40B4-BE49-F238E27FC236}">
+                <a16:creationId xmlns:a16="http://schemas.microsoft.com/office/drawing/2014/main" id="{CF69ABB6-343B-CA16-086D-C54773DB4940}"/>
+              </a:ext>
+            </a:extLst>
+          </p:cNvPr>
+          <p:cNvSpPr>
+            <a:spLocks noGrp="1" noRot="1" noMove="1" noResize="1" noEditPoints="1" noAdjustHandles="1" noChangeArrowheads="1" noChangeShapeType="1"/>
+          </p:cNvSpPr>
+          <p:nvPr/>
+        </p:nvSpPr>
+        <p:spPr>
+          <a:xfrm>
+            <a:off x="351263" y="20145375"/>
+            <a:ext cx="32215874" cy="1530365"/>
+          </a:xfrm>
+          <a:prstGeom prst="rect">
+            <a:avLst/>
+          </a:prstGeom>
+          <a:solidFill>
+            <a:schemeClr val="bg1"/>
+          </a:solidFill>
+          <a:ln>
+            <a:solidFill>
+              <a:schemeClr val="tx1"/>
+            </a:solidFill>
+          </a:ln>
+        </p:spPr>
+        <p:style>
+          <a:lnRef idx="2">
+            <a:schemeClr val="accent1">
+              <a:shade val="50000"/>
+            </a:schemeClr>
+          </a:lnRef>
+          <a:fillRef idx="1">
+            <a:schemeClr val="accent1"/>
+          </a:fillRef>
+          <a:effectRef idx="0">
+            <a:schemeClr val="accent1"/>
+          </a:effectRef>
+          <a:fontRef idx="minor">
+            <a:schemeClr val="lt1"/>
+          </a:fontRef>
+        </p:style>
+        <p:txBody>
+          <a:bodyPr rtlCol="0" anchor="ctr"/>
+          <a:lstStyle/>
+          <a:p>
+            <a:pPr algn="ctr"/>
+            <a:endParaRPr lang="en-US"/>
+          </a:p>
+        </p:txBody>
+      </p:sp>
+      <p:sp>
+        <p:nvSpPr>
+          <p:cNvPr id="8" name="TextBox 7">
+            <a:extLst>
+              <a:ext uri="{FF2B5EF4-FFF2-40B4-BE49-F238E27FC236}">
+                <a16:creationId xmlns:a16="http://schemas.microsoft.com/office/drawing/2014/main" id="{B6EF872B-6270-20CA-C607-9ED7F4A31A2A}"/>
+              </a:ext>
+            </a:extLst>
+          </p:cNvPr>
+          <p:cNvSpPr txBox="1"/>
+          <p:nvPr/>
+        </p:nvSpPr>
+        <p:spPr>
+          <a:xfrm>
+            <a:off x="382822" y="20213136"/>
+            <a:ext cx="19806549" cy="923330"/>
+          </a:xfrm>
+          <a:prstGeom prst="rect">
+            <a:avLst/>
+          </a:prstGeom>
+          <a:noFill/>
+        </p:spPr>
+        <p:txBody>
+          <a:bodyPr wrap="square" rtlCol="0">
+            <a:spAutoFit/>
+          </a:bodyPr>
+          <a:lstStyle/>
+          <a:p>
+            <a:r>
+              <a:rPr lang="en-US" dirty="0"/>
+              <a:t>References: </a:t>
+            </a:r>
+          </a:p>
+          <a:p>
+            <a:pPr marL="342900" indent="-342900">
+              <a:buAutoNum type="arabicPeriod"/>
+            </a:pPr>
+            <a:r>
+              <a:rPr lang="en-US" dirty="0">
+                <a:highlight>
+                  <a:srgbClr val="FFFF00"/>
+                </a:highlight>
+                <a:hlinkClick r:id="rId6"/>
+              </a:rPr>
+              <a:t>https://www.ncbi.nlm.nih.gov/pmc/articles/PMC4267489/</a:t>
+            </a:r>
+            <a:endParaRPr lang="en-US" dirty="0">
+              <a:highlight>
+                <a:srgbClr val="FFFF00"/>
+              </a:highlight>
+            </a:endParaRPr>
+          </a:p>
+          <a:p>
+            <a:pPr marL="342900" indent="-342900">
+              <a:buAutoNum type="arabicPeriod"/>
+            </a:pPr>
+            <a:r>
+              <a:rPr lang="en-US" dirty="0">
+                <a:highlight>
+                  <a:srgbClr val="00FF00"/>
+                </a:highlight>
+              </a:rPr>
+              <a:t>https://www.autismspeaks.org/autism-statistics-asd</a:t>
+            </a:r>
+          </a:p>
+        </p:txBody>
+      </p:sp>
+      <p:sp>
+        <p:nvSpPr>
+          <p:cNvPr id="9" name="TextBox 8">
+            <a:extLst>
+              <a:ext uri="{FF2B5EF4-FFF2-40B4-BE49-F238E27FC236}">
+                <a16:creationId xmlns:a16="http://schemas.microsoft.com/office/drawing/2014/main" id="{1C82A8A3-B830-FD5C-2BCE-E82CD356180C}"/>
+              </a:ext>
+            </a:extLst>
+          </p:cNvPr>
+          <p:cNvSpPr txBox="1"/>
+          <p:nvPr/>
+        </p:nvSpPr>
+        <p:spPr>
+          <a:xfrm>
+            <a:off x="629735" y="15328299"/>
+            <a:ext cx="3864333" cy="646331"/>
+          </a:xfrm>
+          <a:prstGeom prst="rect">
+            <a:avLst/>
+          </a:prstGeom>
+          <a:noFill/>
+        </p:spPr>
+        <p:txBody>
+          <a:bodyPr wrap="square" rtlCol="0">
+            <a:spAutoFit/>
+          </a:bodyPr>
+          <a:lstStyle/>
+          <a:p>
+            <a:r>
+              <a:rPr lang="en-US" sz="3600" b="1" dirty="0">
+                <a:latin typeface="Helvetica" panose="020B0604020202020204" pitchFamily="34" charset="0"/>
+                <a:cs typeface="Helvetica" panose="020B0604020202020204" pitchFamily="34" charset="0"/>
+              </a:rPr>
+              <a:t>Purpose</a:t>
+            </a:r>
+          </a:p>
+        </p:txBody>
+      </p:sp>
+      <p:sp>
+        <p:nvSpPr>
+          <p:cNvPr id="16" name="Rectangle 15">
+            <a:extLst>
+              <a:ext uri="{FF2B5EF4-FFF2-40B4-BE49-F238E27FC236}">
+                <a16:creationId xmlns:a16="http://schemas.microsoft.com/office/drawing/2014/main" id="{69003219-F039-EEAD-86F6-B4C96C302AC6}"/>
+              </a:ext>
+            </a:extLst>
+          </p:cNvPr>
+          <p:cNvSpPr/>
+          <p:nvPr/>
+        </p:nvSpPr>
+        <p:spPr>
+          <a:xfrm>
+            <a:off x="629735" y="9899052"/>
+            <a:ext cx="7771315" cy="5429247"/>
+          </a:xfrm>
+          <a:prstGeom prst="rect">
+            <a:avLst/>
+          </a:prstGeom>
+          <a:noFill/>
+          <a:ln w="76200">
+            <a:solidFill>
+              <a:schemeClr val="accent4">
+                <a:lumMod val="50000"/>
+              </a:schemeClr>
+            </a:solidFill>
+          </a:ln>
+        </p:spPr>
+        <p:style>
+          <a:lnRef idx="2">
+            <a:schemeClr val="accent1">
+              <a:shade val="50000"/>
+            </a:schemeClr>
+          </a:lnRef>
+          <a:fillRef idx="1">
+            <a:schemeClr val="accent1"/>
+          </a:fillRef>
+          <a:effectRef idx="0">
+            <a:schemeClr val="accent1"/>
+          </a:effectRef>
+          <a:fontRef idx="minor">
+            <a:schemeClr val="lt1"/>
+          </a:fontRef>
+        </p:style>
+        <p:txBody>
+          <a:bodyPr rtlCol="0" anchor="ctr"/>
+          <a:lstStyle/>
+          <a:p>
+            <a:pPr algn="ctr"/>
+            <a:endParaRPr lang="en-US">
+              <a:ln w="76200">
+                <a:solidFill>
+                  <a:srgbClr val="00B050"/>
+                </a:solidFill>
+              </a:ln>
+            </a:endParaRPr>
+          </a:p>
+        </p:txBody>
+      </p:sp>
+      <p:sp>
+        <p:nvSpPr>
+          <p:cNvPr id="19" name="TextBox 18">
+            <a:extLst>
+              <a:ext uri="{FF2B5EF4-FFF2-40B4-BE49-F238E27FC236}">
+                <a16:creationId xmlns:a16="http://schemas.microsoft.com/office/drawing/2014/main" id="{82F5ABA5-10BD-E62B-7D54-4FE063CEEB97}"/>
+              </a:ext>
+            </a:extLst>
+          </p:cNvPr>
+          <p:cNvSpPr txBox="1"/>
+          <p:nvPr/>
+        </p:nvSpPr>
+        <p:spPr>
+          <a:xfrm>
+            <a:off x="3291019" y="12415341"/>
+            <a:ext cx="2233481" cy="1477328"/>
+          </a:xfrm>
+          <a:prstGeom prst="rect">
+            <a:avLst/>
+          </a:prstGeom>
+          <a:noFill/>
+        </p:spPr>
+        <p:txBody>
+          <a:bodyPr wrap="square" rtlCol="0">
+            <a:spAutoFit/>
+          </a:bodyPr>
+          <a:lstStyle/>
+          <a:p>
+            <a:r>
+              <a:rPr lang="en-US" dirty="0"/>
+              <a:t>Image 1</a:t>
+            </a:r>
+          </a:p>
+          <a:p>
+            <a:pPr marL="285750" indent="-285750">
+              <a:buFontTx/>
+              <a:buChar char="-"/>
+            </a:pPr>
+            <a:r>
+              <a:rPr lang="en-US" dirty="0"/>
+              <a:t>The three systems</a:t>
+            </a:r>
+          </a:p>
+          <a:p>
+            <a:pPr marL="285750" indent="-285750">
+              <a:buFontTx/>
+              <a:buChar char="-"/>
+            </a:pPr>
+            <a:r>
+              <a:rPr lang="en-US" dirty="0"/>
+              <a:t>Child with autism</a:t>
+            </a:r>
+          </a:p>
+          <a:p>
+            <a:pPr marL="285750" indent="-285750">
+              <a:buFontTx/>
+              <a:buChar char="-"/>
+            </a:pPr>
+            <a:r>
+              <a:rPr lang="en-US" dirty="0"/>
+              <a:t>Standing on pressure plate</a:t>
+            </a:r>
+          </a:p>
+        </p:txBody>
+      </p:sp>
+      <p:sp>
+        <p:nvSpPr>
+          <p:cNvPr id="20" name="TextBox 19">
+            <a:extLst>
+              <a:ext uri="{FF2B5EF4-FFF2-40B4-BE49-F238E27FC236}">
+                <a16:creationId xmlns:a16="http://schemas.microsoft.com/office/drawing/2014/main" id="{AB8A2012-4212-2450-0BCD-9F4C6E9ED6B1}"/>
+              </a:ext>
+            </a:extLst>
+          </p:cNvPr>
+          <p:cNvSpPr txBox="1"/>
+          <p:nvPr/>
+        </p:nvSpPr>
+        <p:spPr>
+          <a:xfrm>
+            <a:off x="9235546" y="3515722"/>
+            <a:ext cx="23053117" cy="1569660"/>
+          </a:xfrm>
+          <a:prstGeom prst="rect">
+            <a:avLst/>
+          </a:prstGeom>
+          <a:noFill/>
+          <a:ln w="38100">
+            <a:solidFill>
+              <a:schemeClr val="accent2">
+                <a:lumMod val="75000"/>
+              </a:schemeClr>
+            </a:solidFill>
+          </a:ln>
+        </p:spPr>
+        <p:txBody>
+          <a:bodyPr wrap="square" rtlCol="0">
+            <a:spAutoFit/>
+          </a:bodyPr>
+          <a:lstStyle/>
+          <a:p>
+            <a:r>
+              <a:rPr lang="en-US" sz="2400" dirty="0">
+                <a:latin typeface="Helvetica" panose="020B0604020202020204" pitchFamily="34" charset="0"/>
+                <a:cs typeface="Helvetica" panose="020B0604020202020204" pitchFamily="34" charset="0"/>
+              </a:rPr>
+              <a:t>For this process we take several measurements of both control TD subjects and then test ASD subjects. The data takes the form of center of pressure measurements over the course of 30 seconds at a rate of 60hz. In total there are four tests, all with the child standing at rest on a force plate below them. Two of the tests are done with eyes open, and two of them with eyes closed. This is done to both control and test subjects in order to show greater instability when one of the three systems used in stability is removed.</a:t>
+            </a:r>
+          </a:p>
+        </p:txBody>
+      </p:sp>
+      <p:sp>
+        <p:nvSpPr>
+          <p:cNvPr id="21" name="TextBox 20">
+            <a:extLst>
+              <a:ext uri="{FF2B5EF4-FFF2-40B4-BE49-F238E27FC236}">
+                <a16:creationId xmlns:a16="http://schemas.microsoft.com/office/drawing/2014/main" id="{05F0B123-16D5-180D-2079-E2B9086CF089}"/>
+              </a:ext>
+            </a:extLst>
+          </p:cNvPr>
+          <p:cNvSpPr txBox="1"/>
+          <p:nvPr/>
+        </p:nvSpPr>
+        <p:spPr>
+          <a:xfrm>
+            <a:off x="9235546" y="2869177"/>
+            <a:ext cx="4419600" cy="646331"/>
+          </a:xfrm>
+          <a:prstGeom prst="rect">
+            <a:avLst/>
+          </a:prstGeom>
+          <a:noFill/>
+        </p:spPr>
+        <p:txBody>
+          <a:bodyPr wrap="square" rtlCol="0">
+            <a:spAutoFit/>
+          </a:bodyPr>
+          <a:lstStyle/>
+          <a:p>
+            <a:r>
+              <a:rPr lang="en-US" sz="3600" b="1" dirty="0">
+                <a:latin typeface="Helvetica" panose="020B0604020202020204" pitchFamily="34" charset="0"/>
+                <a:cs typeface="Helvetica" panose="020B0604020202020204" pitchFamily="34" charset="0"/>
+              </a:rPr>
+              <a:t>Methods</a:t>
+            </a:r>
+          </a:p>
+        </p:txBody>
+      </p:sp>
+      <p:sp>
+        <p:nvSpPr>
+          <p:cNvPr id="22" name="Rectangle 21">
+            <a:extLst>
+              <a:ext uri="{FF2B5EF4-FFF2-40B4-BE49-F238E27FC236}">
+                <a16:creationId xmlns:a16="http://schemas.microsoft.com/office/drawing/2014/main" id="{DED6F244-75C4-57A4-CE4D-EFEE298916AC}"/>
+              </a:ext>
+            </a:extLst>
+          </p:cNvPr>
+          <p:cNvSpPr/>
+          <p:nvPr/>
+        </p:nvSpPr>
+        <p:spPr>
+          <a:xfrm>
+            <a:off x="9235546" y="5302493"/>
+            <a:ext cx="7323121" cy="3810000"/>
+          </a:xfrm>
+          <a:prstGeom prst="rect">
+            <a:avLst/>
+          </a:prstGeom>
+          <a:noFill/>
+          <a:ln w="76200"/>
+        </p:spPr>
+        <p:style>
+          <a:lnRef idx="2">
+            <a:schemeClr val="accent1">
+              <a:shade val="50000"/>
+            </a:schemeClr>
+          </a:lnRef>
+          <a:fillRef idx="1">
+            <a:schemeClr val="accent1"/>
+          </a:fillRef>
+          <a:effectRef idx="0">
+            <a:schemeClr val="accent1"/>
+          </a:effectRef>
+          <a:fontRef idx="minor">
+            <a:schemeClr val="lt1"/>
+          </a:fontRef>
+        </p:style>
+        <p:txBody>
+          <a:bodyPr rtlCol="0" anchor="ctr"/>
+          <a:lstStyle/>
+          <a:p>
+            <a:pPr algn="ctr"/>
+            <a:endParaRPr lang="en-US"/>
+          </a:p>
+        </p:txBody>
+      </p:sp>
+      <p:sp>
+        <p:nvSpPr>
+          <p:cNvPr id="23" name="TextBox 22">
+            <a:extLst>
+              <a:ext uri="{FF2B5EF4-FFF2-40B4-BE49-F238E27FC236}">
+                <a16:creationId xmlns:a16="http://schemas.microsoft.com/office/drawing/2014/main" id="{CF7B099C-00FD-C727-17EC-E0F02175DD0C}"/>
+              </a:ext>
+            </a:extLst>
+          </p:cNvPr>
+          <p:cNvSpPr txBox="1"/>
+          <p:nvPr/>
+        </p:nvSpPr>
+        <p:spPr>
+          <a:xfrm>
+            <a:off x="11445346" y="6801487"/>
+            <a:ext cx="3849952" cy="646331"/>
+          </a:xfrm>
+          <a:prstGeom prst="rect">
+            <a:avLst/>
+          </a:prstGeom>
+          <a:noFill/>
+        </p:spPr>
+        <p:txBody>
+          <a:bodyPr wrap="square" rtlCol="0">
+            <a:spAutoFit/>
+          </a:bodyPr>
+          <a:lstStyle/>
+          <a:p>
+            <a:r>
+              <a:rPr lang="en-US" dirty="0"/>
+              <a:t>Picture of COP scatter sway graph with ellipse </a:t>
+            </a:r>
+            <a:r>
+              <a:rPr lang="en-US" dirty="0">
+                <a:sym typeface="Wingdings" panose="05000000000000000000" pitchFamily="2" charset="2"/>
+              </a:rPr>
+              <a:t></a:t>
+            </a:r>
+            <a:endParaRPr lang="en-US" dirty="0"/>
+          </a:p>
+        </p:txBody>
+      </p:sp>
+      <p:sp>
+        <p:nvSpPr>
+          <p:cNvPr id="24" name="Rectangle 23">
+            <a:extLst>
+              <a:ext uri="{FF2B5EF4-FFF2-40B4-BE49-F238E27FC236}">
+                <a16:creationId xmlns:a16="http://schemas.microsoft.com/office/drawing/2014/main" id="{885B903B-0BE5-58A1-0AA7-7144556D83F8}"/>
+              </a:ext>
+            </a:extLst>
+          </p:cNvPr>
+          <p:cNvSpPr/>
+          <p:nvPr/>
+        </p:nvSpPr>
+        <p:spPr>
+          <a:xfrm>
+            <a:off x="16909930" y="5302493"/>
+            <a:ext cx="15378733" cy="3810000"/>
+          </a:xfrm>
+          <a:prstGeom prst="rect">
+            <a:avLst/>
+          </a:prstGeom>
+          <a:noFill/>
+          <a:ln w="76200"/>
+        </p:spPr>
+        <p:style>
+          <a:lnRef idx="2">
+            <a:schemeClr val="accent1">
+              <a:shade val="50000"/>
+            </a:schemeClr>
+          </a:lnRef>
+          <a:fillRef idx="1">
+            <a:schemeClr val="accent1"/>
+          </a:fillRef>
+          <a:effectRef idx="0">
+            <a:schemeClr val="accent1"/>
+          </a:effectRef>
+          <a:fontRef idx="minor">
+            <a:schemeClr val="lt1"/>
+          </a:fontRef>
+        </p:style>
+        <p:txBody>
+          <a:bodyPr rtlCol="0" anchor="ctr"/>
+          <a:lstStyle/>
+          <a:p>
+            <a:pPr algn="ctr"/>
+            <a:endParaRPr lang="en-US"/>
+          </a:p>
+        </p:txBody>
+      </p:sp>
+      <p:sp>
+        <p:nvSpPr>
+          <p:cNvPr id="25" name="TextBox 24">
+            <a:extLst>
+              <a:ext uri="{FF2B5EF4-FFF2-40B4-BE49-F238E27FC236}">
+                <a16:creationId xmlns:a16="http://schemas.microsoft.com/office/drawing/2014/main" id="{312CD48A-DC79-E44A-D336-333B0CE63693}"/>
+              </a:ext>
+            </a:extLst>
+          </p:cNvPr>
+          <p:cNvSpPr txBox="1"/>
+          <p:nvPr/>
+        </p:nvSpPr>
+        <p:spPr>
+          <a:xfrm>
+            <a:off x="9235545" y="9467850"/>
+            <a:ext cx="23053117" cy="1569660"/>
+          </a:xfrm>
+          <a:prstGeom prst="rect">
+            <a:avLst/>
+          </a:prstGeom>
+          <a:noFill/>
+          <a:ln>
+            <a:solidFill>
+              <a:schemeClr val="accent2">
+                <a:lumMod val="75000"/>
+              </a:schemeClr>
+            </a:solidFill>
+          </a:ln>
+        </p:spPr>
+        <p:txBody>
+          <a:bodyPr wrap="square" rtlCol="0">
+            <a:spAutoFit/>
+          </a:bodyPr>
+          <a:lstStyle/>
+          <a:p>
+            <a:r>
+              <a:rPr lang="en-US" sz="2400" dirty="0">
+                <a:latin typeface="Helvetica" panose="020B0604020202020204" pitchFamily="34" charset="0"/>
+                <a:cs typeface="Helvetica" panose="020B0604020202020204" pitchFamily="34" charset="0"/>
+              </a:rPr>
+              <a:t>The center of pressure data gives a good understanding of an individual's postural sway and instability through the calculation of several variables. Namely the area of the sway and the distance travelled in the mediolateral and anteroposterior direction. The multiscale entropy of the data is also used in order to find the complexity of it, thus effectively quantifying any randomness in the data. With these variables, a python program using both </a:t>
+            </a:r>
+            <a:r>
+              <a:rPr lang="en-US" sz="2400" dirty="0" err="1">
+                <a:highlight>
+                  <a:srgbClr val="C0C0C0"/>
+                </a:highlight>
+                <a:latin typeface="Helvetica" panose="020B0604020202020204" pitchFamily="34" charset="0"/>
+                <a:cs typeface="Helvetica" panose="020B0604020202020204" pitchFamily="34" charset="0"/>
+              </a:rPr>
+              <a:t>EntropyHub</a:t>
+            </a:r>
+            <a:r>
+              <a:rPr lang="en-US" sz="2400" dirty="0">
+                <a:latin typeface="Helvetica" panose="020B0604020202020204" pitchFamily="34" charset="0"/>
+                <a:cs typeface="Helvetica" panose="020B0604020202020204" pitchFamily="34" charset="0"/>
+              </a:rPr>
+              <a:t> and the </a:t>
+            </a:r>
+            <a:r>
+              <a:rPr lang="en-US" sz="2400" dirty="0">
+                <a:highlight>
+                  <a:srgbClr val="C0C0C0"/>
+                </a:highlight>
+                <a:latin typeface="Helvetica" panose="020B0604020202020204" pitchFamily="34" charset="0"/>
+                <a:cs typeface="Helvetica" panose="020B0604020202020204" pitchFamily="34" charset="0"/>
+              </a:rPr>
+              <a:t>Scikit learn library </a:t>
+            </a:r>
+            <a:r>
+              <a:rPr lang="en-US" sz="2400" dirty="0">
+                <a:latin typeface="Helvetica" panose="020B0604020202020204" pitchFamily="34" charset="0"/>
+                <a:cs typeface="Helvetica" panose="020B0604020202020204" pitchFamily="34" charset="0"/>
+              </a:rPr>
+              <a:t>to classify the data as belonging to either a TD or ASD individual.</a:t>
+            </a:r>
+          </a:p>
+        </p:txBody>
+      </p:sp>
+      <p:sp>
+        <p:nvSpPr>
+          <p:cNvPr id="26" name="TextBox 25">
+            <a:extLst>
+              <a:ext uri="{FF2B5EF4-FFF2-40B4-BE49-F238E27FC236}">
+                <a16:creationId xmlns:a16="http://schemas.microsoft.com/office/drawing/2014/main" id="{2B888319-45CC-4AF8-C52E-BF8E451EBC81}"/>
+              </a:ext>
+            </a:extLst>
+          </p:cNvPr>
+          <p:cNvSpPr txBox="1"/>
+          <p:nvPr/>
+        </p:nvSpPr>
+        <p:spPr>
+          <a:xfrm>
+            <a:off x="9235545" y="11857703"/>
+            <a:ext cx="23053117" cy="830997"/>
+          </a:xfrm>
+          <a:prstGeom prst="rect">
+            <a:avLst/>
+          </a:prstGeom>
+          <a:noFill/>
+          <a:ln>
+            <a:solidFill>
+              <a:schemeClr val="accent2">
+                <a:lumMod val="75000"/>
+              </a:schemeClr>
+            </a:solidFill>
+          </a:ln>
+        </p:spPr>
+        <p:txBody>
+          <a:bodyPr wrap="square" rtlCol="0">
+            <a:spAutoFit/>
+          </a:bodyPr>
+          <a:lstStyle/>
+          <a:p>
+            <a:r>
+              <a:rPr lang="en-US" sz="2400" dirty="0"/>
+              <a:t>By using Scikit learn packages we were able to create several confusion matrices which depict the accuracy of each algorithm when used on the dataset. So far, we have a total of 10 control subjects and 8 test subjects. The accuracy and F1 score can be seen for each algorithm used as presented by there </a:t>
+            </a:r>
+            <a:r>
+              <a:rPr lang="en-US" sz="2400"/>
+              <a:t>qualitative chart.  </a:t>
+            </a:r>
+            <a:endParaRPr lang="en-US" sz="2400" dirty="0"/>
+          </a:p>
+        </p:txBody>
+      </p:sp>
+      <p:sp>
+        <p:nvSpPr>
+          <p:cNvPr id="27" name="TextBox 26">
+            <a:extLst>
+              <a:ext uri="{FF2B5EF4-FFF2-40B4-BE49-F238E27FC236}">
+                <a16:creationId xmlns:a16="http://schemas.microsoft.com/office/drawing/2014/main" id="{9F89D7B1-5B63-2765-C548-40B227405444}"/>
+              </a:ext>
+            </a:extLst>
+          </p:cNvPr>
+          <p:cNvSpPr txBox="1"/>
+          <p:nvPr/>
+        </p:nvSpPr>
+        <p:spPr>
+          <a:xfrm>
+            <a:off x="9235545" y="11208201"/>
+            <a:ext cx="5011397" cy="646331"/>
+          </a:xfrm>
+          <a:prstGeom prst="rect">
+            <a:avLst/>
+          </a:prstGeom>
+          <a:noFill/>
+        </p:spPr>
+        <p:txBody>
+          <a:bodyPr wrap="square" rtlCol="0">
+            <a:spAutoFit/>
+          </a:bodyPr>
+          <a:lstStyle/>
+          <a:p>
+            <a:r>
+              <a:rPr lang="en-US" sz="3600" b="1" dirty="0">
+                <a:latin typeface="Helvetica" panose="020B0604020202020204" pitchFamily="34" charset="0"/>
+                <a:cs typeface="Helvetica" panose="020B0604020202020204" pitchFamily="34" charset="0"/>
+              </a:rPr>
+              <a:t>Findings</a:t>
             </a:r>
           </a:p>
         </p:txBody>

--- a/PosterPresentation.pptx
+++ b/PosterPresentation.pptx
@@ -197,7 +197,7 @@
           <a:p>
             <a:fld id="{C0C879F5-FACF-7142-AF02-D40C8EE9EF74}" type="datetimeFigureOut">
               <a:rPr lang="en-US" smtClean="0"/>
-              <a:t>7/19/2022</a:t>
+              <a:t>7/20/2022</a:t>
             </a:fld>
             <a:endParaRPr lang="en-US"/>
           </a:p>
@@ -684,7 +684,7 @@
           <a:p>
             <a:fld id="{63C8CE8D-F073-5543-9253-FAF9CC6C9F73}" type="datetimeFigureOut">
               <a:rPr lang="en-US" smtClean="0"/>
-              <a:t>7/19/2022</a:t>
+              <a:t>7/20/2022</a:t>
             </a:fld>
             <a:endParaRPr lang="en-US"/>
           </a:p>
@@ -854,7 +854,7 @@
           <a:p>
             <a:fld id="{63C8CE8D-F073-5543-9253-FAF9CC6C9F73}" type="datetimeFigureOut">
               <a:rPr lang="en-US" smtClean="0"/>
-              <a:t>7/19/2022</a:t>
+              <a:t>7/20/2022</a:t>
             </a:fld>
             <a:endParaRPr lang="en-US"/>
           </a:p>
@@ -1034,7 +1034,7 @@
           <a:p>
             <a:fld id="{63C8CE8D-F073-5543-9253-FAF9CC6C9F73}" type="datetimeFigureOut">
               <a:rPr lang="en-US" smtClean="0"/>
-              <a:t>7/19/2022</a:t>
+              <a:t>7/20/2022</a:t>
             </a:fld>
             <a:endParaRPr lang="en-US"/>
           </a:p>
@@ -1204,7 +1204,7 @@
           <a:p>
             <a:fld id="{63C8CE8D-F073-5543-9253-FAF9CC6C9F73}" type="datetimeFigureOut">
               <a:rPr lang="en-US" smtClean="0"/>
-              <a:t>7/19/2022</a:t>
+              <a:t>7/20/2022</a:t>
             </a:fld>
             <a:endParaRPr lang="en-US"/>
           </a:p>
@@ -1448,7 +1448,7 @@
           <a:p>
             <a:fld id="{63C8CE8D-F073-5543-9253-FAF9CC6C9F73}" type="datetimeFigureOut">
               <a:rPr lang="en-US" smtClean="0"/>
-              <a:t>7/19/2022</a:t>
+              <a:t>7/20/2022</a:t>
             </a:fld>
             <a:endParaRPr lang="en-US"/>
           </a:p>
@@ -1680,7 +1680,7 @@
           <a:p>
             <a:fld id="{63C8CE8D-F073-5543-9253-FAF9CC6C9F73}" type="datetimeFigureOut">
               <a:rPr lang="en-US" smtClean="0"/>
-              <a:t>7/19/2022</a:t>
+              <a:t>7/20/2022</a:t>
             </a:fld>
             <a:endParaRPr lang="en-US"/>
           </a:p>
@@ -2047,7 +2047,7 @@
           <a:p>
             <a:fld id="{63C8CE8D-F073-5543-9253-FAF9CC6C9F73}" type="datetimeFigureOut">
               <a:rPr lang="en-US" smtClean="0"/>
-              <a:t>7/19/2022</a:t>
+              <a:t>7/20/2022</a:t>
             </a:fld>
             <a:endParaRPr lang="en-US"/>
           </a:p>
@@ -2165,7 +2165,7 @@
           <a:p>
             <a:fld id="{63C8CE8D-F073-5543-9253-FAF9CC6C9F73}" type="datetimeFigureOut">
               <a:rPr lang="en-US" smtClean="0"/>
-              <a:t>7/19/2022</a:t>
+              <a:t>7/20/2022</a:t>
             </a:fld>
             <a:endParaRPr lang="en-US"/>
           </a:p>
@@ -2260,7 +2260,7 @@
           <a:p>
             <a:fld id="{63C8CE8D-F073-5543-9253-FAF9CC6C9F73}" type="datetimeFigureOut">
               <a:rPr lang="en-US" smtClean="0"/>
-              <a:t>7/19/2022</a:t>
+              <a:t>7/20/2022</a:t>
             </a:fld>
             <a:endParaRPr lang="en-US"/>
           </a:p>
@@ -2537,7 +2537,7 @@
           <a:p>
             <a:fld id="{63C8CE8D-F073-5543-9253-FAF9CC6C9F73}" type="datetimeFigureOut">
               <a:rPr lang="en-US" smtClean="0"/>
-              <a:t>7/19/2022</a:t>
+              <a:t>7/20/2022</a:t>
             </a:fld>
             <a:endParaRPr lang="en-US"/>
           </a:p>
@@ -2794,7 +2794,7 @@
           <a:p>
             <a:fld id="{63C8CE8D-F073-5543-9253-FAF9CC6C9F73}" type="datetimeFigureOut">
               <a:rPr lang="en-US" smtClean="0"/>
-              <a:t>7/19/2022</a:t>
+              <a:t>7/20/2022</a:t>
             </a:fld>
             <a:endParaRPr lang="en-US"/>
           </a:p>
@@ -3007,7 +3007,7 @@
           <a:p>
             <a:fld id="{63C8CE8D-F073-5543-9253-FAF9CC6C9F73}" type="datetimeFigureOut">
               <a:rPr lang="en-US" smtClean="0"/>
-              <a:t>7/19/2022</a:t>
+              <a:t>7/20/2022</a:t>
             </a:fld>
             <a:endParaRPr lang="en-US"/>
           </a:p>
@@ -3712,8 +3712,8 @@
         </p:nvSpPr>
         <p:spPr>
           <a:xfrm>
-            <a:off x="629735" y="16008511"/>
-            <a:ext cx="7771314" cy="3046988"/>
+            <a:off x="629734" y="16008511"/>
+            <a:ext cx="9085765" cy="2677656"/>
           </a:xfrm>
           <a:prstGeom prst="rect">
             <a:avLst/>
@@ -3855,7 +3855,7 @@
         <p:spPr>
           <a:xfrm>
             <a:off x="629734" y="3620410"/>
-            <a:ext cx="7771315" cy="5632311"/>
+            <a:ext cx="9085764" cy="4893647"/>
           </a:xfrm>
           <a:prstGeom prst="rect">
             <a:avLst/>
@@ -4070,8 +4070,8 @@
         </p:nvSpPr>
         <p:spPr>
           <a:xfrm>
-            <a:off x="629735" y="9899052"/>
-            <a:ext cx="7771315" cy="5429247"/>
+            <a:off x="629735" y="9001030"/>
+            <a:ext cx="9085764" cy="6327270"/>
           </a:xfrm>
           <a:prstGeom prst="rect">
             <a:avLst/>
@@ -4195,8 +4195,8 @@
         </p:nvSpPr>
         <p:spPr>
           <a:xfrm>
-            <a:off x="9235546" y="3515722"/>
-            <a:ext cx="23053117" cy="1569660"/>
+            <a:off x="11575065" y="3209435"/>
+            <a:ext cx="9894283" cy="3046988"/>
           </a:xfrm>
           <a:prstGeom prst="rect">
             <a:avLst/>
@@ -4240,7 +4240,7 @@
         </p:nvSpPr>
         <p:spPr>
           <a:xfrm>
-            <a:off x="9235546" y="2869177"/>
+            <a:off x="11575065" y="2641687"/>
             <a:ext cx="4419600" cy="646331"/>
           </a:xfrm>
           <a:prstGeom prst="rect">
@@ -4266,10 +4266,52 @@
       </p:sp>
       <p:sp>
         <p:nvSpPr>
-          <p:cNvPr id="22" name="Rectangle 21">
+          <p:cNvPr id="23" name="TextBox 22">
             <a:extLst>
               <a:ext uri="{FF2B5EF4-FFF2-40B4-BE49-F238E27FC236}">
-                <a16:creationId xmlns:a16="http://schemas.microsoft.com/office/drawing/2014/main" id="{DED6F244-75C4-57A4-CE4D-EFEE298916AC}"/>
+                <a16:creationId xmlns:a16="http://schemas.microsoft.com/office/drawing/2014/main" id="{CF7B099C-00FD-C727-17EC-E0F02175DD0C}"/>
+              </a:ext>
+            </a:extLst>
+          </p:cNvPr>
+          <p:cNvSpPr txBox="1"/>
+          <p:nvPr/>
+        </p:nvSpPr>
+        <p:spPr>
+          <a:xfrm>
+            <a:off x="14069689" y="8343127"/>
+            <a:ext cx="3849952" cy="646331"/>
+          </a:xfrm>
+          <a:prstGeom prst="rect">
+            <a:avLst/>
+          </a:prstGeom>
+          <a:noFill/>
+        </p:spPr>
+        <p:txBody>
+          <a:bodyPr wrap="square" rtlCol="0">
+            <a:spAutoFit/>
+          </a:bodyPr>
+          <a:lstStyle/>
+          <a:p>
+            <a:r>
+              <a:rPr lang="en-US" dirty="0"/>
+              <a:t>Picture of COP scatter sway graph with ellipse </a:t>
+            </a:r>
+            <a:r>
+              <a:rPr lang="en-US" dirty="0">
+                <a:sym typeface="Wingdings" panose="05000000000000000000" pitchFamily="2" charset="2"/>
+              </a:rPr>
+              <a:t></a:t>
+            </a:r>
+            <a:endParaRPr lang="en-US" dirty="0"/>
+          </a:p>
+        </p:txBody>
+      </p:sp>
+      <p:sp>
+        <p:nvSpPr>
+          <p:cNvPr id="24" name="Rectangle 23">
+            <a:extLst>
+              <a:ext uri="{FF2B5EF4-FFF2-40B4-BE49-F238E27FC236}">
+                <a16:creationId xmlns:a16="http://schemas.microsoft.com/office/drawing/2014/main" id="{885B903B-0BE5-58A1-0AA7-7144556D83F8}"/>
               </a:ext>
             </a:extLst>
           </p:cNvPr>
@@ -4278,8 +4320,8 @@
         </p:nvSpPr>
         <p:spPr>
           <a:xfrm>
-            <a:off x="9235546" y="5302493"/>
-            <a:ext cx="7323121" cy="3810000"/>
+            <a:off x="11512058" y="6969119"/>
+            <a:ext cx="9894284" cy="3810000"/>
           </a:xfrm>
           <a:prstGeom prst="rect">
             <a:avLst/>
@@ -4314,10 +4356,10 @@
       </p:sp>
       <p:sp>
         <p:nvSpPr>
-          <p:cNvPr id="23" name="TextBox 22">
+          <p:cNvPr id="25" name="TextBox 24">
             <a:extLst>
               <a:ext uri="{FF2B5EF4-FFF2-40B4-BE49-F238E27FC236}">
-                <a16:creationId xmlns:a16="http://schemas.microsoft.com/office/drawing/2014/main" id="{CF7B099C-00FD-C727-17EC-E0F02175DD0C}"/>
+                <a16:creationId xmlns:a16="http://schemas.microsoft.com/office/drawing/2014/main" id="{312CD48A-DC79-E44A-D336-333B0CE63693}"/>
               </a:ext>
             </a:extLst>
           </p:cNvPr>
@@ -4326,13 +4368,20 @@
         </p:nvSpPr>
         <p:spPr>
           <a:xfrm>
-            <a:off x="11445346" y="6801487"/>
-            <a:ext cx="3849952" cy="646331"/>
+            <a:off x="11482722" y="15823845"/>
+            <a:ext cx="9952955" cy="3046988"/>
           </a:xfrm>
           <a:prstGeom prst="rect">
             <a:avLst/>
           </a:prstGeom>
           <a:noFill/>
+          <a:ln>
+            <a:solidFill>
+              <a:schemeClr val="accent2">
+                <a:lumMod val="75000"/>
+              </a:schemeClr>
+            </a:solidFill>
+          </a:ln>
         </p:spPr>
         <p:txBody>
           <a:bodyPr wrap="square" rtlCol="0">
@@ -4341,25 +4390,135 @@
           <a:lstStyle/>
           <a:p>
             <a:r>
-              <a:rPr lang="en-US" dirty="0"/>
-              <a:t>Picture of COP scatter sway graph with ellipse </a:t>
-            </a:r>
-            <a:r>
-              <a:rPr lang="en-US" dirty="0">
-                <a:sym typeface="Wingdings" panose="05000000000000000000" pitchFamily="2" charset="2"/>
+              <a:rPr lang="en-US" sz="2400" dirty="0">
+                <a:latin typeface="Helvetica" panose="020B0604020202020204" pitchFamily="34" charset="0"/>
+                <a:cs typeface="Helvetica" panose="020B0604020202020204" pitchFamily="34" charset="0"/>
               </a:rPr>
-              <a:t></a:t>
-            </a:r>
-            <a:endParaRPr lang="en-US" dirty="0"/>
-          </a:p>
-        </p:txBody>
-      </p:sp>
-      <p:sp>
-        <p:nvSpPr>
-          <p:cNvPr id="24" name="Rectangle 23">
+              <a:t>The center of pressure data gives a good understanding of an individual's postural sway and instability through the calculation of several variables. Namely the area of the sway and the distance travelled in the mediolateral and anteroposterior direction. The multiscale entropy of the data is also used in order to find the complexity of it, thus effectively quantifying any randomness in the data. With these variables, a python program using both </a:t>
+            </a:r>
+            <a:r>
+              <a:rPr lang="en-US" sz="2400" dirty="0" err="1">
+                <a:highlight>
+                  <a:srgbClr val="C0C0C0"/>
+                </a:highlight>
+                <a:latin typeface="Helvetica" panose="020B0604020202020204" pitchFamily="34" charset="0"/>
+                <a:cs typeface="Helvetica" panose="020B0604020202020204" pitchFamily="34" charset="0"/>
+              </a:rPr>
+              <a:t>EntropyHub</a:t>
+            </a:r>
+            <a:r>
+              <a:rPr lang="en-US" sz="2400" dirty="0">
+                <a:latin typeface="Helvetica" panose="020B0604020202020204" pitchFamily="34" charset="0"/>
+                <a:cs typeface="Helvetica" panose="020B0604020202020204" pitchFamily="34" charset="0"/>
+              </a:rPr>
+              <a:t> and the </a:t>
+            </a:r>
+            <a:r>
+              <a:rPr lang="en-US" sz="2400" dirty="0">
+                <a:highlight>
+                  <a:srgbClr val="C0C0C0"/>
+                </a:highlight>
+                <a:latin typeface="Helvetica" panose="020B0604020202020204" pitchFamily="34" charset="0"/>
+                <a:cs typeface="Helvetica" panose="020B0604020202020204" pitchFamily="34" charset="0"/>
+              </a:rPr>
+              <a:t>Scikit learn library </a:t>
+            </a:r>
+            <a:r>
+              <a:rPr lang="en-US" sz="2400" dirty="0">
+                <a:latin typeface="Helvetica" panose="020B0604020202020204" pitchFamily="34" charset="0"/>
+                <a:cs typeface="Helvetica" panose="020B0604020202020204" pitchFamily="34" charset="0"/>
+              </a:rPr>
+              <a:t>to classify the data as belonging to either a TD or ASD individual.</a:t>
+            </a:r>
+          </a:p>
+        </p:txBody>
+      </p:sp>
+      <p:sp>
+        <p:nvSpPr>
+          <p:cNvPr id="26" name="TextBox 25">
             <a:extLst>
               <a:ext uri="{FF2B5EF4-FFF2-40B4-BE49-F238E27FC236}">
-                <a16:creationId xmlns:a16="http://schemas.microsoft.com/office/drawing/2014/main" id="{885B903B-0BE5-58A1-0AA7-7144556D83F8}"/>
+                <a16:creationId xmlns:a16="http://schemas.microsoft.com/office/drawing/2014/main" id="{2B888319-45CC-4AF8-C52E-BF8E451EBC81}"/>
+              </a:ext>
+            </a:extLst>
+          </p:cNvPr>
+          <p:cNvSpPr txBox="1"/>
+          <p:nvPr/>
+        </p:nvSpPr>
+        <p:spPr>
+          <a:xfrm>
+            <a:off x="22963834" y="3620410"/>
+            <a:ext cx="9324830" cy="1938992"/>
+          </a:xfrm>
+          <a:prstGeom prst="rect">
+            <a:avLst/>
+          </a:prstGeom>
+          <a:noFill/>
+          <a:ln>
+            <a:solidFill>
+              <a:schemeClr val="accent2">
+                <a:lumMod val="75000"/>
+              </a:schemeClr>
+            </a:solidFill>
+          </a:ln>
+        </p:spPr>
+        <p:txBody>
+          <a:bodyPr wrap="square" rtlCol="0">
+            <a:spAutoFit/>
+          </a:bodyPr>
+          <a:lstStyle/>
+          <a:p>
+            <a:r>
+              <a:rPr lang="en-US" sz="2400" dirty="0"/>
+              <a:t>By using Scikit learn packages we were able to create several confusion matrices which depict the accuracy of each algorithm when used on the dataset. So far, we have a total of 10 control subjects and 8 test subjects. The accuracy and F1 score can be seen for each algorithm used as presented by there qualitative chart.  </a:t>
+            </a:r>
+          </a:p>
+        </p:txBody>
+      </p:sp>
+      <p:sp>
+        <p:nvSpPr>
+          <p:cNvPr id="27" name="TextBox 26">
+            <a:extLst>
+              <a:ext uri="{FF2B5EF4-FFF2-40B4-BE49-F238E27FC236}">
+                <a16:creationId xmlns:a16="http://schemas.microsoft.com/office/drawing/2014/main" id="{9F89D7B1-5B63-2765-C548-40B227405444}"/>
+              </a:ext>
+            </a:extLst>
+          </p:cNvPr>
+          <p:cNvSpPr txBox="1"/>
+          <p:nvPr/>
+        </p:nvSpPr>
+        <p:spPr>
+          <a:xfrm>
+            <a:off x="22963834" y="2845787"/>
+            <a:ext cx="5011397" cy="646331"/>
+          </a:xfrm>
+          <a:prstGeom prst="rect">
+            <a:avLst/>
+          </a:prstGeom>
+          <a:noFill/>
+        </p:spPr>
+        <p:txBody>
+          <a:bodyPr wrap="square" rtlCol="0">
+            <a:spAutoFit/>
+          </a:bodyPr>
+          <a:lstStyle/>
+          <a:p>
+            <a:r>
+              <a:rPr lang="en-US" sz="3600" b="1" dirty="0">
+                <a:latin typeface="Helvetica" panose="020B0604020202020204" pitchFamily="34" charset="0"/>
+                <a:cs typeface="Helvetica" panose="020B0604020202020204" pitchFamily="34" charset="0"/>
+              </a:rPr>
+              <a:t>Findings</a:t>
+            </a:r>
+          </a:p>
+        </p:txBody>
+      </p:sp>
+      <p:sp>
+        <p:nvSpPr>
+          <p:cNvPr id="11" name="Rectangle 10">
+            <a:extLst>
+              <a:ext uri="{FF2B5EF4-FFF2-40B4-BE49-F238E27FC236}">
+                <a16:creationId xmlns:a16="http://schemas.microsoft.com/office/drawing/2014/main" id="{93B0137B-F570-B1A0-EEB8-2EB5289F3E75}"/>
               </a:ext>
             </a:extLst>
           </p:cNvPr>
@@ -4368,8 +4527,8 @@
         </p:nvSpPr>
         <p:spPr>
           <a:xfrm>
-            <a:off x="16909930" y="5302493"/>
-            <a:ext cx="15378733" cy="3810000"/>
+            <a:off x="22963834" y="5867400"/>
+            <a:ext cx="9324830" cy="4509077"/>
           </a:xfrm>
           <a:prstGeom prst="rect">
             <a:avLst/>
@@ -4404,10 +4563,10 @@
       </p:sp>
       <p:sp>
         <p:nvSpPr>
-          <p:cNvPr id="25" name="TextBox 24">
+          <p:cNvPr id="13" name="TextBox 12">
             <a:extLst>
               <a:ext uri="{FF2B5EF4-FFF2-40B4-BE49-F238E27FC236}">
-                <a16:creationId xmlns:a16="http://schemas.microsoft.com/office/drawing/2014/main" id="{312CD48A-DC79-E44A-D336-333B0CE63693}"/>
+                <a16:creationId xmlns:a16="http://schemas.microsoft.com/office/drawing/2014/main" id="{62BC6900-8A71-B2E7-F467-F622E0574600}"/>
               </a:ext>
             </a:extLst>
           </p:cNvPr>
@@ -4416,20 +4575,13 @@
         </p:nvSpPr>
         <p:spPr>
           <a:xfrm>
-            <a:off x="9235545" y="9467850"/>
-            <a:ext cx="23053117" cy="1569660"/>
+            <a:off x="23328915" y="6256423"/>
+            <a:ext cx="3417285" cy="923330"/>
           </a:xfrm>
           <a:prstGeom prst="rect">
             <a:avLst/>
           </a:prstGeom>
           <a:noFill/>
-          <a:ln>
-            <a:solidFill>
-              <a:schemeClr val="accent2">
-                <a:lumMod val="75000"/>
-              </a:schemeClr>
-            </a:solidFill>
-          </a:ln>
         </p:spPr>
         <p:txBody>
           <a:bodyPr wrap="square" rtlCol="0">
@@ -4438,131 +4590,105 @@
           <a:lstStyle/>
           <a:p>
             <a:r>
-              <a:rPr lang="en-US" sz="2400" dirty="0">
-                <a:latin typeface="Helvetica" panose="020B0604020202020204" pitchFamily="34" charset="0"/>
-                <a:cs typeface="Helvetica" panose="020B0604020202020204" pitchFamily="34" charset="0"/>
-              </a:rPr>
-              <a:t>The center of pressure data gives a good understanding of an individual's postural sway and instability through the calculation of several variables. Namely the area of the sway and the distance travelled in the mediolateral and anteroposterior direction. The multiscale entropy of the data is also used in order to find the complexity of it, thus effectively quantifying any randomness in the data. With these variables, a python program using both </a:t>
-            </a:r>
-            <a:r>
-              <a:rPr lang="en-US" sz="2400" dirty="0" err="1">
-                <a:highlight>
-                  <a:srgbClr val="C0C0C0"/>
-                </a:highlight>
-                <a:latin typeface="Helvetica" panose="020B0604020202020204" pitchFamily="34" charset="0"/>
-                <a:cs typeface="Helvetica" panose="020B0604020202020204" pitchFamily="34" charset="0"/>
-              </a:rPr>
-              <a:t>EntropyHub</a:t>
-            </a:r>
-            <a:r>
-              <a:rPr lang="en-US" sz="2400" dirty="0">
-                <a:latin typeface="Helvetica" panose="020B0604020202020204" pitchFamily="34" charset="0"/>
-                <a:cs typeface="Helvetica" panose="020B0604020202020204" pitchFamily="34" charset="0"/>
-              </a:rPr>
-              <a:t> and the </a:t>
-            </a:r>
-            <a:r>
-              <a:rPr lang="en-US" sz="2400" dirty="0">
-                <a:highlight>
-                  <a:srgbClr val="C0C0C0"/>
-                </a:highlight>
-                <a:latin typeface="Helvetica" panose="020B0604020202020204" pitchFamily="34" charset="0"/>
-                <a:cs typeface="Helvetica" panose="020B0604020202020204" pitchFamily="34" charset="0"/>
-              </a:rPr>
-              <a:t>Scikit learn library </a:t>
-            </a:r>
-            <a:r>
-              <a:rPr lang="en-US" sz="2400" dirty="0">
-                <a:latin typeface="Helvetica" panose="020B0604020202020204" pitchFamily="34" charset="0"/>
-                <a:cs typeface="Helvetica" panose="020B0604020202020204" pitchFamily="34" charset="0"/>
-              </a:rPr>
-              <a:t>to classify the data as belonging to either a TD or ASD individual.</a:t>
-            </a:r>
-          </a:p>
-        </p:txBody>
-      </p:sp>
-      <p:sp>
-        <p:nvSpPr>
-          <p:cNvPr id="26" name="TextBox 25">
+              <a:rPr lang="en-US" dirty="0"/>
+              <a:t>Place confusion matrices and graphs of the accuracy, maybe a table of all the good stuff</a:t>
+            </a:r>
+          </a:p>
+        </p:txBody>
+      </p:sp>
+      <p:sp>
+        <p:nvSpPr>
+          <p:cNvPr id="28" name="Rectangle 27">
             <a:extLst>
               <a:ext uri="{FF2B5EF4-FFF2-40B4-BE49-F238E27FC236}">
-                <a16:creationId xmlns:a16="http://schemas.microsoft.com/office/drawing/2014/main" id="{2B888319-45CC-4AF8-C52E-BF8E451EBC81}"/>
+                <a16:creationId xmlns:a16="http://schemas.microsoft.com/office/drawing/2014/main" id="{770D29E7-FA00-1E17-9560-811C678AC3C0}"/>
               </a:ext>
             </a:extLst>
           </p:cNvPr>
-          <p:cNvSpPr txBox="1"/>
+          <p:cNvSpPr/>
           <p:nvPr/>
         </p:nvSpPr>
         <p:spPr>
           <a:xfrm>
-            <a:off x="9235545" y="11857703"/>
-            <a:ext cx="23053117" cy="830997"/>
+            <a:off x="22963834" y="10851549"/>
+            <a:ext cx="9324830" cy="8248264"/>
           </a:xfrm>
           <a:prstGeom prst="rect">
             <a:avLst/>
           </a:prstGeom>
           <a:noFill/>
-          <a:ln>
-            <a:solidFill>
-              <a:schemeClr val="accent2">
-                <a:lumMod val="75000"/>
-              </a:schemeClr>
-            </a:solidFill>
-          </a:ln>
-        </p:spPr>
-        <p:txBody>
-          <a:bodyPr wrap="square" rtlCol="0">
-            <a:spAutoFit/>
-          </a:bodyPr>
-          <a:lstStyle/>
-          <a:p>
-            <a:r>
-              <a:rPr lang="en-US" sz="2400" dirty="0"/>
-              <a:t>By using Scikit learn packages we were able to create several confusion matrices which depict the accuracy of each algorithm when used on the dataset. So far, we have a total of 10 control subjects and 8 test subjects. The accuracy and F1 score can be seen for each algorithm used as presented by there </a:t>
-            </a:r>
-            <a:r>
-              <a:rPr lang="en-US" sz="2400"/>
-              <a:t>qualitative chart.  </a:t>
-            </a:r>
-            <a:endParaRPr lang="en-US" sz="2400" dirty="0"/>
-          </a:p>
-        </p:txBody>
-      </p:sp>
-      <p:sp>
-        <p:nvSpPr>
-          <p:cNvPr id="27" name="TextBox 26">
+          <a:ln w="76200"/>
+        </p:spPr>
+        <p:style>
+          <a:lnRef idx="2">
+            <a:schemeClr val="accent1">
+              <a:shade val="50000"/>
+            </a:schemeClr>
+          </a:lnRef>
+          <a:fillRef idx="1">
+            <a:schemeClr val="accent1"/>
+          </a:fillRef>
+          <a:effectRef idx="0">
+            <a:schemeClr val="accent1"/>
+          </a:effectRef>
+          <a:fontRef idx="minor">
+            <a:schemeClr val="lt1"/>
+          </a:fontRef>
+        </p:style>
+        <p:txBody>
+          <a:bodyPr rtlCol="0" anchor="ctr"/>
+          <a:lstStyle/>
+          <a:p>
+            <a:pPr algn="ctr"/>
+            <a:endParaRPr lang="en-US"/>
+          </a:p>
+        </p:txBody>
+      </p:sp>
+      <p:sp>
+        <p:nvSpPr>
+          <p:cNvPr id="29" name="Rectangle 28">
             <a:extLst>
               <a:ext uri="{FF2B5EF4-FFF2-40B4-BE49-F238E27FC236}">
-                <a16:creationId xmlns:a16="http://schemas.microsoft.com/office/drawing/2014/main" id="{9F89D7B1-5B63-2765-C548-40B227405444}"/>
+                <a16:creationId xmlns:a16="http://schemas.microsoft.com/office/drawing/2014/main" id="{C958DFD7-2439-09EB-E234-6095F0A92248}"/>
               </a:ext>
             </a:extLst>
           </p:cNvPr>
-          <p:cNvSpPr txBox="1"/>
+          <p:cNvSpPr/>
           <p:nvPr/>
         </p:nvSpPr>
         <p:spPr>
           <a:xfrm>
-            <a:off x="9235545" y="11208201"/>
-            <a:ext cx="5011397" cy="646331"/>
+            <a:off x="11512058" y="11428573"/>
+            <a:ext cx="9894284" cy="3810000"/>
           </a:xfrm>
           <a:prstGeom prst="rect">
             <a:avLst/>
           </a:prstGeom>
           <a:noFill/>
-        </p:spPr>
-        <p:txBody>
-          <a:bodyPr wrap="square" rtlCol="0">
-            <a:spAutoFit/>
-          </a:bodyPr>
-          <a:lstStyle/>
-          <a:p>
-            <a:r>
-              <a:rPr lang="en-US" sz="3600" b="1" dirty="0">
-                <a:latin typeface="Helvetica" panose="020B0604020202020204" pitchFamily="34" charset="0"/>
-                <a:cs typeface="Helvetica" panose="020B0604020202020204" pitchFamily="34" charset="0"/>
-              </a:rPr>
-              <a:t>Findings</a:t>
-            </a:r>
+          <a:ln w="76200"/>
+        </p:spPr>
+        <p:style>
+          <a:lnRef idx="2">
+            <a:schemeClr val="accent1">
+              <a:shade val="50000"/>
+            </a:schemeClr>
+          </a:lnRef>
+          <a:fillRef idx="1">
+            <a:schemeClr val="accent1"/>
+          </a:fillRef>
+          <a:effectRef idx="0">
+            <a:schemeClr val="accent1"/>
+          </a:effectRef>
+          <a:fontRef idx="minor">
+            <a:schemeClr val="lt1"/>
+          </a:fontRef>
+        </p:style>
+        <p:txBody>
+          <a:bodyPr rtlCol="0" anchor="ctr"/>
+          <a:lstStyle/>
+          <a:p>
+            <a:pPr algn="ctr"/>
+            <a:endParaRPr lang="en-US"/>
           </a:p>
         </p:txBody>
       </p:sp>

--- a/PosterPresentation.pptx
+++ b/PosterPresentation.pptx
@@ -197,7 +197,7 @@
           <a:p>
             <a:fld id="{C0C879F5-FACF-7142-AF02-D40C8EE9EF74}" type="datetimeFigureOut">
               <a:rPr lang="en-US" smtClean="0"/>
-              <a:t>7/20/2022</a:t>
+              <a:t>7/20/22</a:t>
             </a:fld>
             <a:endParaRPr lang="en-US"/>
           </a:p>
@@ -684,7 +684,7 @@
           <a:p>
             <a:fld id="{63C8CE8D-F073-5543-9253-FAF9CC6C9F73}" type="datetimeFigureOut">
               <a:rPr lang="en-US" smtClean="0"/>
-              <a:t>7/20/2022</a:t>
+              <a:t>7/20/22</a:t>
             </a:fld>
             <a:endParaRPr lang="en-US"/>
           </a:p>
@@ -854,7 +854,7 @@
           <a:p>
             <a:fld id="{63C8CE8D-F073-5543-9253-FAF9CC6C9F73}" type="datetimeFigureOut">
               <a:rPr lang="en-US" smtClean="0"/>
-              <a:t>7/20/2022</a:t>
+              <a:t>7/20/22</a:t>
             </a:fld>
             <a:endParaRPr lang="en-US"/>
           </a:p>
@@ -1034,7 +1034,7 @@
           <a:p>
             <a:fld id="{63C8CE8D-F073-5543-9253-FAF9CC6C9F73}" type="datetimeFigureOut">
               <a:rPr lang="en-US" smtClean="0"/>
-              <a:t>7/20/2022</a:t>
+              <a:t>7/20/22</a:t>
             </a:fld>
             <a:endParaRPr lang="en-US"/>
           </a:p>
@@ -1204,7 +1204,7 @@
           <a:p>
             <a:fld id="{63C8CE8D-F073-5543-9253-FAF9CC6C9F73}" type="datetimeFigureOut">
               <a:rPr lang="en-US" smtClean="0"/>
-              <a:t>7/20/2022</a:t>
+              <a:t>7/20/22</a:t>
             </a:fld>
             <a:endParaRPr lang="en-US"/>
           </a:p>
@@ -1448,7 +1448,7 @@
           <a:p>
             <a:fld id="{63C8CE8D-F073-5543-9253-FAF9CC6C9F73}" type="datetimeFigureOut">
               <a:rPr lang="en-US" smtClean="0"/>
-              <a:t>7/20/2022</a:t>
+              <a:t>7/20/22</a:t>
             </a:fld>
             <a:endParaRPr lang="en-US"/>
           </a:p>
@@ -1680,7 +1680,7 @@
           <a:p>
             <a:fld id="{63C8CE8D-F073-5543-9253-FAF9CC6C9F73}" type="datetimeFigureOut">
               <a:rPr lang="en-US" smtClean="0"/>
-              <a:t>7/20/2022</a:t>
+              <a:t>7/20/22</a:t>
             </a:fld>
             <a:endParaRPr lang="en-US"/>
           </a:p>
@@ -2047,7 +2047,7 @@
           <a:p>
             <a:fld id="{63C8CE8D-F073-5543-9253-FAF9CC6C9F73}" type="datetimeFigureOut">
               <a:rPr lang="en-US" smtClean="0"/>
-              <a:t>7/20/2022</a:t>
+              <a:t>7/20/22</a:t>
             </a:fld>
             <a:endParaRPr lang="en-US"/>
           </a:p>
@@ -2165,7 +2165,7 @@
           <a:p>
             <a:fld id="{63C8CE8D-F073-5543-9253-FAF9CC6C9F73}" type="datetimeFigureOut">
               <a:rPr lang="en-US" smtClean="0"/>
-              <a:t>7/20/2022</a:t>
+              <a:t>7/20/22</a:t>
             </a:fld>
             <a:endParaRPr lang="en-US"/>
           </a:p>
@@ -2260,7 +2260,7 @@
           <a:p>
             <a:fld id="{63C8CE8D-F073-5543-9253-FAF9CC6C9F73}" type="datetimeFigureOut">
               <a:rPr lang="en-US" smtClean="0"/>
-              <a:t>7/20/2022</a:t>
+              <a:t>7/20/22</a:t>
             </a:fld>
             <a:endParaRPr lang="en-US"/>
           </a:p>
@@ -2537,7 +2537,7 @@
           <a:p>
             <a:fld id="{63C8CE8D-F073-5543-9253-FAF9CC6C9F73}" type="datetimeFigureOut">
               <a:rPr lang="en-US" smtClean="0"/>
-              <a:t>7/20/2022</a:t>
+              <a:t>7/20/22</a:t>
             </a:fld>
             <a:endParaRPr lang="en-US"/>
           </a:p>
@@ -2794,7 +2794,7 @@
           <a:p>
             <a:fld id="{63C8CE8D-F073-5543-9253-FAF9CC6C9F73}" type="datetimeFigureOut">
               <a:rPr lang="en-US" smtClean="0"/>
-              <a:t>7/20/2022</a:t>
+              <a:t>7/20/22</a:t>
             </a:fld>
             <a:endParaRPr lang="en-US"/>
           </a:p>
@@ -3007,7 +3007,7 @@
           <a:p>
             <a:fld id="{63C8CE8D-F073-5543-9253-FAF9CC6C9F73}" type="datetimeFigureOut">
               <a:rPr lang="en-US" smtClean="0"/>
-              <a:t>7/20/2022</a:t>
+              <a:t>7/20/22</a:t>
             </a:fld>
             <a:endParaRPr lang="en-US"/>
           </a:p>
@@ -3816,7 +3816,7 @@
         </p:nvSpPr>
         <p:spPr>
           <a:xfrm>
-            <a:off x="629736" y="2974079"/>
+            <a:off x="629736" y="2641687"/>
             <a:ext cx="7323121" cy="646331"/>
           </a:xfrm>
           <a:prstGeom prst="rect">
@@ -3854,8 +3854,8 @@
         </p:nvSpPr>
         <p:spPr>
           <a:xfrm>
-            <a:off x="629734" y="3620410"/>
-            <a:ext cx="9085764" cy="4893647"/>
+            <a:off x="678197" y="3325423"/>
+            <a:ext cx="9402382" cy="4524315"/>
           </a:xfrm>
           <a:prstGeom prst="rect">
             <a:avLst/>
@@ -4070,8 +4070,8 @@
         </p:nvSpPr>
         <p:spPr>
           <a:xfrm>
-            <a:off x="629735" y="9001030"/>
-            <a:ext cx="9085764" cy="6327270"/>
+            <a:off x="629735" y="8343127"/>
+            <a:ext cx="9085764" cy="6985173"/>
           </a:xfrm>
           <a:prstGeom prst="rect">
             <a:avLst/>

--- a/PosterPresentation.pptx
+++ b/PosterPresentation.pptx
@@ -447,8 +447,12 @@
   </c:chart>
   <c:spPr>
     <a:noFill/>
-    <a:ln>
-      <a:noFill/>
+    <a:ln w="38100">
+      <a:solidFill>
+        <a:schemeClr val="accent2">
+          <a:lumMod val="75000"/>
+        </a:schemeClr>
+      </a:solidFill>
     </a:ln>
     <a:effectLst/>
   </c:spPr>
@@ -1093,7 +1097,7 @@
           <a:p>
             <a:fld id="{C0C879F5-FACF-7142-AF02-D40C8EE9EF74}" type="datetimeFigureOut">
               <a:rPr lang="en-US" smtClean="0"/>
-              <a:t>7/20/22</a:t>
+              <a:t>7/20/2022</a:t>
             </a:fld>
             <a:endParaRPr lang="en-US"/>
           </a:p>
@@ -1580,7 +1584,7 @@
           <a:p>
             <a:fld id="{63C8CE8D-F073-5543-9253-FAF9CC6C9F73}" type="datetimeFigureOut">
               <a:rPr lang="en-US" smtClean="0"/>
-              <a:t>7/20/22</a:t>
+              <a:t>7/20/2022</a:t>
             </a:fld>
             <a:endParaRPr lang="en-US"/>
           </a:p>
@@ -1750,7 +1754,7 @@
           <a:p>
             <a:fld id="{63C8CE8D-F073-5543-9253-FAF9CC6C9F73}" type="datetimeFigureOut">
               <a:rPr lang="en-US" smtClean="0"/>
-              <a:t>7/20/22</a:t>
+              <a:t>7/20/2022</a:t>
             </a:fld>
             <a:endParaRPr lang="en-US"/>
           </a:p>
@@ -1930,7 +1934,7 @@
           <a:p>
             <a:fld id="{63C8CE8D-F073-5543-9253-FAF9CC6C9F73}" type="datetimeFigureOut">
               <a:rPr lang="en-US" smtClean="0"/>
-              <a:t>7/20/22</a:t>
+              <a:t>7/20/2022</a:t>
             </a:fld>
             <a:endParaRPr lang="en-US"/>
           </a:p>
@@ -2100,7 +2104,7 @@
           <a:p>
             <a:fld id="{63C8CE8D-F073-5543-9253-FAF9CC6C9F73}" type="datetimeFigureOut">
               <a:rPr lang="en-US" smtClean="0"/>
-              <a:t>7/20/22</a:t>
+              <a:t>7/20/2022</a:t>
             </a:fld>
             <a:endParaRPr lang="en-US"/>
           </a:p>
@@ -2344,7 +2348,7 @@
           <a:p>
             <a:fld id="{63C8CE8D-F073-5543-9253-FAF9CC6C9F73}" type="datetimeFigureOut">
               <a:rPr lang="en-US" smtClean="0"/>
-              <a:t>7/20/22</a:t>
+              <a:t>7/20/2022</a:t>
             </a:fld>
             <a:endParaRPr lang="en-US"/>
           </a:p>
@@ -2576,7 +2580,7 @@
           <a:p>
             <a:fld id="{63C8CE8D-F073-5543-9253-FAF9CC6C9F73}" type="datetimeFigureOut">
               <a:rPr lang="en-US" smtClean="0"/>
-              <a:t>7/20/22</a:t>
+              <a:t>7/20/2022</a:t>
             </a:fld>
             <a:endParaRPr lang="en-US"/>
           </a:p>
@@ -2943,7 +2947,7 @@
           <a:p>
             <a:fld id="{63C8CE8D-F073-5543-9253-FAF9CC6C9F73}" type="datetimeFigureOut">
               <a:rPr lang="en-US" smtClean="0"/>
-              <a:t>7/20/22</a:t>
+              <a:t>7/20/2022</a:t>
             </a:fld>
             <a:endParaRPr lang="en-US"/>
           </a:p>
@@ -3061,7 +3065,7 @@
           <a:p>
             <a:fld id="{63C8CE8D-F073-5543-9253-FAF9CC6C9F73}" type="datetimeFigureOut">
               <a:rPr lang="en-US" smtClean="0"/>
-              <a:t>7/20/22</a:t>
+              <a:t>7/20/2022</a:t>
             </a:fld>
             <a:endParaRPr lang="en-US"/>
           </a:p>
@@ -3156,7 +3160,7 @@
           <a:p>
             <a:fld id="{63C8CE8D-F073-5543-9253-FAF9CC6C9F73}" type="datetimeFigureOut">
               <a:rPr lang="en-US" smtClean="0"/>
-              <a:t>7/20/22</a:t>
+              <a:t>7/20/2022</a:t>
             </a:fld>
             <a:endParaRPr lang="en-US"/>
           </a:p>
@@ -3433,7 +3437,7 @@
           <a:p>
             <a:fld id="{63C8CE8D-F073-5543-9253-FAF9CC6C9F73}" type="datetimeFigureOut">
               <a:rPr lang="en-US" smtClean="0"/>
-              <a:t>7/20/22</a:t>
+              <a:t>7/20/2022</a:t>
             </a:fld>
             <a:endParaRPr lang="en-US"/>
           </a:p>
@@ -3690,7 +3694,7 @@
           <a:p>
             <a:fld id="{63C8CE8D-F073-5543-9253-FAF9CC6C9F73}" type="datetimeFigureOut">
               <a:rPr lang="en-US" smtClean="0"/>
-              <a:t>7/20/22</a:t>
+              <a:t>7/20/2022</a:t>
             </a:fld>
             <a:endParaRPr lang="en-US"/>
           </a:p>
@@ -3903,7 +3907,7 @@
           <a:p>
             <a:fld id="{63C8CE8D-F073-5543-9253-FAF9CC6C9F73}" type="datetimeFigureOut">
               <a:rPr lang="en-US" smtClean="0"/>
-              <a:t>7/20/22</a:t>
+              <a:t>7/20/2022</a:t>
             </a:fld>
             <a:endParaRPr lang="en-US"/>
           </a:p>
@@ -4751,7 +4755,7 @@
         <p:spPr>
           <a:xfrm>
             <a:off x="678197" y="3325423"/>
-            <a:ext cx="9402382" cy="461665"/>
+            <a:ext cx="9402382" cy="1569660"/>
           </a:xfrm>
           <a:prstGeom prst="rect">
             <a:avLst/>
@@ -4771,10 +4775,13 @@
           </a:bodyPr>
           <a:lstStyle/>
           <a:p>
-            <a:endParaRPr lang="en-US" sz="2400" dirty="0">
-              <a:latin typeface="Helvetica" panose="020B0604020202020204" pitchFamily="34" charset="0"/>
-              <a:cs typeface="Helvetica" panose="020B0604020202020204" pitchFamily="34" charset="0"/>
-            </a:endParaRPr>
+            <a:r>
+              <a:rPr lang="en-US" sz="2400" dirty="0">
+                <a:latin typeface="Helvetica" panose="020B0604020202020204" pitchFamily="34" charset="0"/>
+                <a:cs typeface="Helvetica" panose="020B0604020202020204" pitchFamily="34" charset="0"/>
+              </a:rPr>
+              <a:t>Autism spectrum disorder is known to cause deficits in motor functionality and stability when compared to children of typical development. The cause of this is still under research, but it is quantifiable and usable for classification.</a:t>
+            </a:r>
           </a:p>
         </p:txBody>
       </p:sp>
@@ -4849,7 +4856,7 @@
         <p:spPr>
           <a:xfrm>
             <a:off x="382822" y="20213136"/>
-            <a:ext cx="19806549" cy="923330"/>
+            <a:ext cx="19806549" cy="1200329"/>
           </a:xfrm>
           <a:prstGeom prst="rect">
             <a:avLst/>
@@ -4895,8 +4902,27 @@
                 <a:highlight>
                   <a:srgbClr val="00FF00"/>
                 </a:highlight>
+                <a:hlinkClick r:id="rId7"/>
               </a:rPr>
               <a:t>https://www.autismspeaks.org/autism-statistics-asd</a:t>
+            </a:r>
+            <a:endParaRPr lang="en-US" dirty="0">
+              <a:highlight>
+                <a:srgbClr val="00FF00"/>
+              </a:highlight>
+            </a:endParaRPr>
+          </a:p>
+          <a:p>
+            <a:pPr marL="342900" indent="-342900">
+              <a:buAutoNum type="arabicPeriod"/>
+            </a:pPr>
+            <a:r>
+              <a:rPr lang="en-US" dirty="0">
+                <a:highlight>
+                  <a:srgbClr val="00FF00"/>
+                </a:highlight>
+              </a:rPr>
+              <a:t>https://www.ncbi.nlm.nih.gov/pmc/articles/PMC5674672/</a:t>
             </a:r>
           </a:p>
         </p:txBody>
@@ -4935,131 +4961,6 @@
                 <a:cs typeface="Helvetica" panose="020B0604020202020204" pitchFamily="34" charset="0"/>
               </a:rPr>
               <a:t>Purpose</a:t>
-            </a:r>
-          </a:p>
-        </p:txBody>
-      </p:sp>
-      <p:sp>
-        <p:nvSpPr>
-          <p:cNvPr id="16" name="Rectangle 15">
-            <a:extLst>
-              <a:ext uri="{FF2B5EF4-FFF2-40B4-BE49-F238E27FC236}">
-                <a16:creationId xmlns:a16="http://schemas.microsoft.com/office/drawing/2014/main" id="{69003219-F039-EEAD-86F6-B4C96C302AC6}"/>
-              </a:ext>
-            </a:extLst>
-          </p:cNvPr>
-          <p:cNvSpPr/>
-          <p:nvPr/>
-        </p:nvSpPr>
-        <p:spPr>
-          <a:xfrm>
-            <a:off x="629735" y="8343127"/>
-            <a:ext cx="9085764" cy="6985173"/>
-          </a:xfrm>
-          <a:prstGeom prst="rect">
-            <a:avLst/>
-          </a:prstGeom>
-          <a:noFill/>
-          <a:ln w="76200">
-            <a:solidFill>
-              <a:schemeClr val="accent4">
-                <a:lumMod val="50000"/>
-              </a:schemeClr>
-            </a:solidFill>
-          </a:ln>
-        </p:spPr>
-        <p:style>
-          <a:lnRef idx="2">
-            <a:schemeClr val="accent1">
-              <a:shade val="50000"/>
-            </a:schemeClr>
-          </a:lnRef>
-          <a:fillRef idx="1">
-            <a:schemeClr val="accent1"/>
-          </a:fillRef>
-          <a:effectRef idx="0">
-            <a:schemeClr val="accent1"/>
-          </a:effectRef>
-          <a:fontRef idx="minor">
-            <a:schemeClr val="lt1"/>
-          </a:fontRef>
-        </p:style>
-        <p:txBody>
-          <a:bodyPr rtlCol="0" anchor="ctr"/>
-          <a:lstStyle/>
-          <a:p>
-            <a:pPr algn="ctr"/>
-            <a:endParaRPr lang="en-US">
-              <a:ln w="76200">
-                <a:solidFill>
-                  <a:srgbClr val="00B050"/>
-                </a:solidFill>
-              </a:ln>
-            </a:endParaRPr>
-          </a:p>
-        </p:txBody>
-      </p:sp>
-      <p:sp>
-        <p:nvSpPr>
-          <p:cNvPr id="19" name="TextBox 18">
-            <a:extLst>
-              <a:ext uri="{FF2B5EF4-FFF2-40B4-BE49-F238E27FC236}">
-                <a16:creationId xmlns:a16="http://schemas.microsoft.com/office/drawing/2014/main" id="{82F5ABA5-10BD-E62B-7D54-4FE063CEEB97}"/>
-              </a:ext>
-            </a:extLst>
-          </p:cNvPr>
-          <p:cNvSpPr txBox="1"/>
-          <p:nvPr/>
-        </p:nvSpPr>
-        <p:spPr>
-          <a:xfrm>
-            <a:off x="3291019" y="12415341"/>
-            <a:ext cx="2233481" cy="1200329"/>
-          </a:xfrm>
-          <a:prstGeom prst="rect">
-            <a:avLst/>
-          </a:prstGeom>
-          <a:noFill/>
-        </p:spPr>
-        <p:txBody>
-          <a:bodyPr wrap="square" rtlCol="0">
-            <a:spAutoFit/>
-          </a:bodyPr>
-          <a:lstStyle/>
-          <a:p>
-            <a:r>
-              <a:rPr lang="en-US" dirty="0"/>
-              <a:t>Image 1</a:t>
-            </a:r>
-          </a:p>
-          <a:p>
-            <a:pPr marL="285750" indent="-285750">
-              <a:buFontTx/>
-              <a:buChar char="-"/>
-            </a:pPr>
-            <a:r>
-              <a:rPr lang="en-US" dirty="0"/>
-              <a:t>The three systems</a:t>
-            </a:r>
-          </a:p>
-          <a:p>
-            <a:pPr marL="285750" indent="-285750">
-              <a:buFontTx/>
-              <a:buChar char="-"/>
-            </a:pPr>
-            <a:r>
-              <a:rPr lang="en-US" dirty="0"/>
-              <a:t>Child with autism</a:t>
-            </a:r>
-          </a:p>
-          <a:p>
-            <a:pPr marL="285750" indent="-285750">
-              <a:buFontTx/>
-              <a:buChar char="-"/>
-            </a:pPr>
-            <a:r>
-              <a:rPr lang="en-US" dirty="0"/>
-              <a:t>STICK FIGURE</a:t>
             </a:r>
           </a:p>
         </p:txBody>
@@ -5223,7 +5124,7 @@
         </p:nvSpPr>
         <p:spPr>
           <a:xfrm>
-            <a:off x="11575065" y="2641687"/>
+            <a:off x="11575065" y="2592591"/>
             <a:ext cx="4419600" cy="646331"/>
           </a:xfrm>
           <a:prstGeom prst="rect">
@@ -5262,13 +5163,13 @@
         <p:spPr>
           <a:xfrm>
             <a:off x="22963834" y="3620410"/>
-            <a:ext cx="9324830" cy="1938992"/>
+            <a:ext cx="9324830" cy="1569660"/>
           </a:xfrm>
           <a:prstGeom prst="rect">
             <a:avLst/>
           </a:prstGeom>
           <a:noFill/>
-          <a:ln>
+          <a:ln w="38100">
             <a:solidFill>
               <a:schemeClr val="accent2">
                 <a:lumMod val="75000"/>
@@ -5283,8 +5184,11 @@
           <a:lstStyle/>
           <a:p>
             <a:r>
-              <a:rPr lang="en-US" sz="2400" dirty="0"/>
-              <a:t>By using Scikit learn packages we were able to create several confusion matrices which depict the accuracy of each algorithm when used on the dataset. So far, we have a total of 10 control subjects and 8 test subjects. The accuracy and F1 score can be seen for each algorithm used as presented by there qualitative chart.  </a:t>
+              <a:rPr lang="en-US" sz="2400" dirty="0">
+                <a:latin typeface="Helvetica" panose="020B0604020202020204" pitchFamily="34" charset="0"/>
+                <a:cs typeface="Helvetica" panose="020B0604020202020204" pitchFamily="34" charset="0"/>
+              </a:rPr>
+              <a:t>The precision of each classification model can be seen below. Since we are working with a small sample size with possibility of outliers, the precision is fairly high all around. The data was run using a 70-30 split on the total data set.</a:t>
             </a:r>
           </a:p>
         </p:txBody>
@@ -5342,7 +5246,7 @@
           <p:nvPr>
             <p:extLst>
               <p:ext uri="{D42A27DB-BD31-4B8C-83A1-F6EECF244321}">
-                <p14:modId xmlns:p14="http://schemas.microsoft.com/office/powerpoint/2010/main" val="99545170"/>
+                <p14:modId xmlns:p14="http://schemas.microsoft.com/office/powerpoint/2010/main" val="72409100"/>
               </p:ext>
             </p:extLst>
           </p:nvPr>
@@ -5353,7 +5257,7 @@
         </p:xfrm>
         <a:graphic>
           <a:graphicData uri="http://schemas.openxmlformats.org/drawingml/2006/chart">
-            <c:chart xmlns:c="http://schemas.openxmlformats.org/drawingml/2006/chart" xmlns:r="http://schemas.openxmlformats.org/officeDocument/2006/relationships" r:id="rId7"/>
+            <c:chart xmlns:c="http://schemas.openxmlformats.org/drawingml/2006/chart" xmlns:r="http://schemas.openxmlformats.org/officeDocument/2006/relationships" r:id="rId8"/>
           </a:graphicData>
         </a:graphic>
       </p:graphicFrame>
@@ -5372,7 +5276,7 @@
           <p:nvPr/>
         </p:nvPicPr>
         <p:blipFill>
-          <a:blip r:embed="rId8"/>
+          <a:blip r:embed="rId9"/>
           <a:stretch>
             <a:fillRect/>
           </a:stretch>
@@ -5402,7 +5306,7 @@
           <p:nvPr/>
         </p:nvPicPr>
         <p:blipFill>
-          <a:blip r:embed="rId9"/>
+          <a:blip r:embed="rId10"/>
           <a:stretch>
             <a:fillRect/>
           </a:stretch>
@@ -6635,7 +6539,7 @@
           <p:nvPr/>
         </p:nvPicPr>
         <p:blipFill>
-          <a:blip r:embed="rId10"/>
+          <a:blip r:embed="rId11"/>
           <a:stretch>
             <a:fillRect/>
           </a:stretch>
@@ -13729,7 +13633,7 @@
           <p:nvPr/>
         </p:nvPicPr>
         <p:blipFill>
-          <a:blip r:embed="rId11"/>
+          <a:blip r:embed="rId12"/>
           <a:stretch>
             <a:fillRect/>
           </a:stretch>
@@ -13759,7 +13663,7 @@
           <p:nvPr/>
         </p:nvPicPr>
         <p:blipFill>
-          <a:blip r:embed="rId12"/>
+          <a:blip r:embed="rId13"/>
           <a:stretch>
             <a:fillRect/>
           </a:stretch>
@@ -16943,7 +16847,7 @@
           <p:nvPr/>
         </p:nvPicPr>
         <p:blipFill>
-          <a:blip r:embed="rId13"/>
+          <a:blip r:embed="rId14"/>
           <a:stretch>
             <a:fillRect/>
           </a:stretch>
@@ -16958,6 +16862,108 @@
           </a:prstGeom>
         </p:spPr>
       </p:pic>
+      <p:pic>
+        <p:nvPicPr>
+          <p:cNvPr id="13" name="Picture 12" descr="A picture containing icon&#10;&#10;Description automatically generated">
+            <a:extLst>
+              <a:ext uri="{FF2B5EF4-FFF2-40B4-BE49-F238E27FC236}">
+                <a16:creationId xmlns:a16="http://schemas.microsoft.com/office/drawing/2014/main" id="{D3DAE847-AFC8-3385-659C-830A4DAE1082}"/>
+              </a:ext>
+            </a:extLst>
+          </p:cNvPr>
+          <p:cNvPicPr>
+            <a:picLocks noChangeAspect="1"/>
+          </p:cNvPicPr>
+          <p:nvPr/>
+        </p:nvPicPr>
+        <p:blipFill>
+          <a:blip r:embed="rId15"/>
+          <a:stretch>
+            <a:fillRect/>
+          </a:stretch>
+        </p:blipFill>
+        <p:spPr>
+          <a:xfrm>
+            <a:off x="1235998" y="6426739"/>
+            <a:ext cx="8680949" cy="8557939"/>
+          </a:xfrm>
+          <a:prstGeom prst="rect">
+            <a:avLst/>
+          </a:prstGeom>
+        </p:spPr>
+      </p:pic>
+      <p:sp>
+        <p:nvSpPr>
+          <p:cNvPr id="22" name="TextBox 21">
+            <a:extLst>
+              <a:ext uri="{FF2B5EF4-FFF2-40B4-BE49-F238E27FC236}">
+                <a16:creationId xmlns:a16="http://schemas.microsoft.com/office/drawing/2014/main" id="{1476E8A7-C9D5-CFF0-6FE7-D5E8A7B7D153}"/>
+              </a:ext>
+            </a:extLst>
+          </p:cNvPr>
+          <p:cNvSpPr txBox="1"/>
+          <p:nvPr/>
+        </p:nvSpPr>
+        <p:spPr>
+          <a:xfrm>
+            <a:off x="1654065" y="5736474"/>
+            <a:ext cx="2495550" cy="461665"/>
+          </a:xfrm>
+          <a:prstGeom prst="rect">
+            <a:avLst/>
+          </a:prstGeom>
+          <a:noFill/>
+        </p:spPr>
+        <p:txBody>
+          <a:bodyPr wrap="square" rtlCol="0">
+            <a:spAutoFit/>
+          </a:bodyPr>
+          <a:lstStyle/>
+          <a:p>
+            <a:pPr algn="ctr"/>
+            <a:r>
+              <a:rPr lang="en-US" sz="2400" b="1" dirty="0"/>
+              <a:t>Eyes Open</a:t>
+            </a:r>
+          </a:p>
+        </p:txBody>
+      </p:sp>
+      <p:sp>
+        <p:nvSpPr>
+          <p:cNvPr id="40" name="TextBox 39">
+            <a:extLst>
+              <a:ext uri="{FF2B5EF4-FFF2-40B4-BE49-F238E27FC236}">
+                <a16:creationId xmlns:a16="http://schemas.microsoft.com/office/drawing/2014/main" id="{69BC334E-6236-E4E0-5926-CAAE4BECE396}"/>
+              </a:ext>
+            </a:extLst>
+          </p:cNvPr>
+          <p:cNvSpPr txBox="1"/>
+          <p:nvPr/>
+        </p:nvSpPr>
+        <p:spPr>
+          <a:xfrm>
+            <a:off x="6243387" y="5763980"/>
+            <a:ext cx="2495550" cy="461665"/>
+          </a:xfrm>
+          <a:prstGeom prst="rect">
+            <a:avLst/>
+          </a:prstGeom>
+          <a:noFill/>
+        </p:spPr>
+        <p:txBody>
+          <a:bodyPr wrap="square" rtlCol="0">
+            <a:spAutoFit/>
+          </a:bodyPr>
+          <a:lstStyle/>
+          <a:p>
+            <a:pPr algn="ctr"/>
+            <a:r>
+              <a:rPr lang="en-US" sz="2400" b="1" dirty="0"/>
+              <a:t>Eyes Closed</a:t>
+            </a:r>
+          </a:p>
+        </p:txBody>
+      </p:sp>
     </p:spTree>
     <p:extLst>
       <p:ext uri="{BB962C8B-B14F-4D97-AF65-F5344CB8AC3E}">

--- a/PosterPresentation.pptx
+++ b/PosterPresentation.pptx
@@ -1097,7 +1097,7 @@
           <a:p>
             <a:fld id="{C0C879F5-FACF-7142-AF02-D40C8EE9EF74}" type="datetimeFigureOut">
               <a:rPr lang="en-US" smtClean="0"/>
-              <a:t>7/20/2022</a:t>
+              <a:t>7/22/22</a:t>
             </a:fld>
             <a:endParaRPr lang="en-US"/>
           </a:p>
@@ -1584,7 +1584,7 @@
           <a:p>
             <a:fld id="{63C8CE8D-F073-5543-9253-FAF9CC6C9F73}" type="datetimeFigureOut">
               <a:rPr lang="en-US" smtClean="0"/>
-              <a:t>7/20/2022</a:t>
+              <a:t>7/22/22</a:t>
             </a:fld>
             <a:endParaRPr lang="en-US"/>
           </a:p>
@@ -1754,7 +1754,7 @@
           <a:p>
             <a:fld id="{63C8CE8D-F073-5543-9253-FAF9CC6C9F73}" type="datetimeFigureOut">
               <a:rPr lang="en-US" smtClean="0"/>
-              <a:t>7/20/2022</a:t>
+              <a:t>7/22/22</a:t>
             </a:fld>
             <a:endParaRPr lang="en-US"/>
           </a:p>
@@ -1934,7 +1934,7 @@
           <a:p>
             <a:fld id="{63C8CE8D-F073-5543-9253-FAF9CC6C9F73}" type="datetimeFigureOut">
               <a:rPr lang="en-US" smtClean="0"/>
-              <a:t>7/20/2022</a:t>
+              <a:t>7/22/22</a:t>
             </a:fld>
             <a:endParaRPr lang="en-US"/>
           </a:p>
@@ -2104,7 +2104,7 @@
           <a:p>
             <a:fld id="{63C8CE8D-F073-5543-9253-FAF9CC6C9F73}" type="datetimeFigureOut">
               <a:rPr lang="en-US" smtClean="0"/>
-              <a:t>7/20/2022</a:t>
+              <a:t>7/22/22</a:t>
             </a:fld>
             <a:endParaRPr lang="en-US"/>
           </a:p>
@@ -2348,7 +2348,7 @@
           <a:p>
             <a:fld id="{63C8CE8D-F073-5543-9253-FAF9CC6C9F73}" type="datetimeFigureOut">
               <a:rPr lang="en-US" smtClean="0"/>
-              <a:t>7/20/2022</a:t>
+              <a:t>7/22/22</a:t>
             </a:fld>
             <a:endParaRPr lang="en-US"/>
           </a:p>
@@ -2580,7 +2580,7 @@
           <a:p>
             <a:fld id="{63C8CE8D-F073-5543-9253-FAF9CC6C9F73}" type="datetimeFigureOut">
               <a:rPr lang="en-US" smtClean="0"/>
-              <a:t>7/20/2022</a:t>
+              <a:t>7/22/22</a:t>
             </a:fld>
             <a:endParaRPr lang="en-US"/>
           </a:p>
@@ -2947,7 +2947,7 @@
           <a:p>
             <a:fld id="{63C8CE8D-F073-5543-9253-FAF9CC6C9F73}" type="datetimeFigureOut">
               <a:rPr lang="en-US" smtClean="0"/>
-              <a:t>7/20/2022</a:t>
+              <a:t>7/22/22</a:t>
             </a:fld>
             <a:endParaRPr lang="en-US"/>
           </a:p>
@@ -3065,7 +3065,7 @@
           <a:p>
             <a:fld id="{63C8CE8D-F073-5543-9253-FAF9CC6C9F73}" type="datetimeFigureOut">
               <a:rPr lang="en-US" smtClean="0"/>
-              <a:t>7/20/2022</a:t>
+              <a:t>7/22/22</a:t>
             </a:fld>
             <a:endParaRPr lang="en-US"/>
           </a:p>
@@ -3160,7 +3160,7 @@
           <a:p>
             <a:fld id="{63C8CE8D-F073-5543-9253-FAF9CC6C9F73}" type="datetimeFigureOut">
               <a:rPr lang="en-US" smtClean="0"/>
-              <a:t>7/20/2022</a:t>
+              <a:t>7/22/22</a:t>
             </a:fld>
             <a:endParaRPr lang="en-US"/>
           </a:p>
@@ -3437,7 +3437,7 @@
           <a:p>
             <a:fld id="{63C8CE8D-F073-5543-9253-FAF9CC6C9F73}" type="datetimeFigureOut">
               <a:rPr lang="en-US" smtClean="0"/>
-              <a:t>7/20/2022</a:t>
+              <a:t>7/22/22</a:t>
             </a:fld>
             <a:endParaRPr lang="en-US"/>
           </a:p>
@@ -3694,7 +3694,7 @@
           <a:p>
             <a:fld id="{63C8CE8D-F073-5543-9253-FAF9CC6C9F73}" type="datetimeFigureOut">
               <a:rPr lang="en-US" smtClean="0"/>
-              <a:t>7/20/2022</a:t>
+              <a:t>7/22/22</a:t>
             </a:fld>
             <a:endParaRPr lang="en-US"/>
           </a:p>
@@ -3907,7 +3907,7 @@
           <a:p>
             <a:fld id="{63C8CE8D-F073-5543-9253-FAF9CC6C9F73}" type="datetimeFigureOut">
               <a:rPr lang="en-US" smtClean="0"/>
-              <a:t>7/20/2022</a:t>
+              <a:t>7/22/22</a:t>
             </a:fld>
             <a:endParaRPr lang="en-US"/>
           </a:p>
@@ -4326,7 +4326,7 @@
         </p:nvSpPr>
         <p:spPr>
           <a:xfrm>
-            <a:off x="0" y="0"/>
+            <a:off x="0" y="-65259"/>
             <a:ext cx="32918400" cy="21945600"/>
           </a:xfrm>
           <a:prstGeom prst="rect">
@@ -4443,7 +4443,7 @@
         </p:blipFill>
         <p:spPr>
           <a:xfrm>
-            <a:off x="4291297" y="701349"/>
+            <a:off x="4188422" y="692180"/>
             <a:ext cx="2459142" cy="1205749"/>
           </a:xfrm>
           <a:prstGeom prst="rect">
@@ -4466,14 +4466,25 @@
           <p:nvPr/>
         </p:nvPicPr>
         <p:blipFill>
-          <a:blip r:embed="rId4"/>
+          <a:blip r:embed="rId4">
+            <a:clrChange>
+              <a:clrFrom>
+                <a:srgbClr val="FFFFFF"/>
+              </a:clrFrom>
+              <a:clrTo>
+                <a:srgbClr val="FFFFFF">
+                  <a:alpha val="0"/>
+                </a:srgbClr>
+              </a:clrTo>
+            </a:clrChange>
+          </a:blip>
           <a:stretch>
             <a:fillRect/>
           </a:stretch>
         </p:blipFill>
         <p:spPr>
           <a:xfrm>
-            <a:off x="382822" y="526444"/>
+            <a:off x="382822" y="469427"/>
             <a:ext cx="2908197" cy="1660343"/>
           </a:xfrm>
           <a:prstGeom prst="rect">
@@ -4503,7 +4514,7 @@
         </p:blipFill>
         <p:spPr>
           <a:xfrm>
-            <a:off x="3042878" y="540516"/>
+            <a:off x="2937880" y="530953"/>
             <a:ext cx="1451190" cy="1457934"/>
           </a:xfrm>
           <a:prstGeom prst="rect">
@@ -4576,8 +4587,8 @@
         </p:nvSpPr>
         <p:spPr>
           <a:xfrm>
-            <a:off x="6376737" y="495282"/>
-            <a:ext cx="26092627" cy="830997"/>
+            <a:off x="6387983" y="527499"/>
+            <a:ext cx="26092627" cy="815608"/>
           </a:xfrm>
           <a:prstGeom prst="rect">
             <a:avLst/>
@@ -4590,11 +4601,12 @@
           </a:bodyPr>
           <a:lstStyle/>
           <a:p>
+            <a:pPr algn="ctr"/>
             <a:r>
-              <a:rPr lang="en-US" sz="4800" b="1" dirty="0"/>
-              <a:t>Enhancing early diagnosis of autism with machine learning algorithms using postural control features</a:t>
+              <a:rPr lang="en-US" sz="4700" b="1" dirty="0"/>
+              <a:t>Enhancing Early Diagnosis of Autism with Machine Learning Algorithms Using Postural Control Features</a:t>
             </a:r>
-            <a:endParaRPr lang="en-US" sz="4800" dirty="0"/>
+            <a:endParaRPr lang="en-US" sz="4700" dirty="0"/>
           </a:p>
         </p:txBody>
       </p:sp>
@@ -4613,7 +4625,7 @@
         <p:spPr>
           <a:xfrm>
             <a:off x="629734" y="16008511"/>
-            <a:ext cx="9085765" cy="2677656"/>
+            <a:ext cx="9085765" cy="1938992"/>
           </a:xfrm>
           <a:prstGeom prst="rect">
             <a:avLst/>
@@ -4638,7 +4650,7 @@
                 <a:latin typeface="Helvetica" panose="020B0604020202020204" pitchFamily="34" charset="0"/>
                 <a:cs typeface="Helvetica" panose="020B0604020202020204" pitchFamily="34" charset="0"/>
               </a:rPr>
-              <a:t>There exists many tests both behavioral and physical to diagnose autism in an individual. However, there is no absolute medical test for diagnosis. By using the data from a child's postural sway, we can use machine learning to devise a method of accurately predicting and classifying autism at an early age. This can help especially in fringe cases or in cases where behavioral data is difficult to produce.</a:t>
+              <a:t>There exists many tests both behavioral and physical to diagnose autism in an individual. However, there is no absolute medical test for diagnosis. By using the data from a child's postural sway, we can use machine learning to devise a method of accurately predicting and classifying autism at an early age.</a:t>
             </a:r>
           </a:p>
         </p:txBody>
@@ -5092,7 +5104,7 @@
                 <a:latin typeface="Helvetica" panose="020B0604020202020204" pitchFamily="34" charset="0"/>
                 <a:cs typeface="Helvetica" panose="020B0604020202020204" pitchFamily="34" charset="0"/>
               </a:rPr>
-              <a:t>Entropy in the Mediolateral and Anteroposterior Directions</a:t>
+              <a:t>Multiscale Entropy in the Mediolateral and Anteroposterior Directions</a:t>
             </a:r>
           </a:p>
           <a:p>
@@ -5105,7 +5117,7 @@
                 <a:latin typeface="Helvetica" panose="020B0604020202020204" pitchFamily="34" charset="0"/>
                 <a:cs typeface="Helvetica" panose="020B0604020202020204" pitchFamily="34" charset="0"/>
               </a:rPr>
-              <a:t>Complexity Index based off the Entropy</a:t>
+              <a:t>Complexity Index based off the Multiscale Entropy</a:t>
             </a:r>
           </a:p>
         </p:txBody>
@@ -5283,8 +5295,8 @@
         </p:blipFill>
         <p:spPr>
           <a:xfrm>
-            <a:off x="11699875" y="5867400"/>
-            <a:ext cx="5003800" cy="3352800"/>
+            <a:off x="9614781" y="5880254"/>
+            <a:ext cx="6589252" cy="4415133"/>
           </a:xfrm>
           <a:prstGeom prst="rect">
             <a:avLst/>
@@ -5313,1174 +5325,14 @@
         </p:blipFill>
         <p:spPr>
           <a:xfrm>
-            <a:off x="16703675" y="5869959"/>
-            <a:ext cx="4902200" cy="3352800"/>
+            <a:off x="16204033" y="5889238"/>
+            <a:ext cx="6455460" cy="4415133"/>
           </a:xfrm>
           <a:prstGeom prst="rect">
             <a:avLst/>
           </a:prstGeom>
         </p:spPr>
       </p:pic>
-      <p:graphicFrame>
-        <p:nvGraphicFramePr>
-          <p:cNvPr id="38" name="Table 37">
-            <a:extLst>
-              <a:ext uri="{FF2B5EF4-FFF2-40B4-BE49-F238E27FC236}">
-                <a16:creationId xmlns:a16="http://schemas.microsoft.com/office/drawing/2014/main" id="{5CB0D5BB-89EA-728A-E6F3-BEF1D0745022}"/>
-              </a:ext>
-            </a:extLst>
-          </p:cNvPr>
-          <p:cNvGraphicFramePr>
-            <a:graphicFrameLocks noGrp="1"/>
-          </p:cNvGraphicFramePr>
-          <p:nvPr>
-            <p:extLst>
-              <p:ext uri="{D42A27DB-BD31-4B8C-83A1-F6EECF244321}">
-                <p14:modId xmlns:p14="http://schemas.microsoft.com/office/powerpoint/2010/main" val="121525526"/>
-              </p:ext>
-            </p:extLst>
-          </p:nvPr>
-        </p:nvGraphicFramePr>
-        <p:xfrm>
-          <a:off x="11886340" y="9467219"/>
-          <a:ext cx="4736592" cy="859536"/>
-        </p:xfrm>
-        <a:graphic>
-          <a:graphicData uri="http://schemas.openxmlformats.org/drawingml/2006/table">
-            <a:tbl>
-              <a:tblPr>
-                <a:tableStyleId>{5C22544A-7EE6-4342-B048-85BDC9FD1C3A}</a:tableStyleId>
-              </a:tblPr>
-              <a:tblGrid>
-                <a:gridCol w="1184148">
-                  <a:extLst>
-                    <a:ext uri="{9D8B030D-6E8A-4147-A177-3AD203B41FA5}">
-                      <a16:colId xmlns:a16="http://schemas.microsoft.com/office/drawing/2014/main" val="1900689490"/>
-                    </a:ext>
-                  </a:extLst>
-                </a:gridCol>
-                <a:gridCol w="1184148">
-                  <a:extLst>
-                    <a:ext uri="{9D8B030D-6E8A-4147-A177-3AD203B41FA5}">
-                      <a16:colId xmlns:a16="http://schemas.microsoft.com/office/drawing/2014/main" val="1977975978"/>
-                    </a:ext>
-                  </a:extLst>
-                </a:gridCol>
-                <a:gridCol w="1184148">
-                  <a:extLst>
-                    <a:ext uri="{9D8B030D-6E8A-4147-A177-3AD203B41FA5}">
-                      <a16:colId xmlns:a16="http://schemas.microsoft.com/office/drawing/2014/main" val="3781674978"/>
-                    </a:ext>
-                  </a:extLst>
-                </a:gridCol>
-                <a:gridCol w="1184148">
-                  <a:extLst>
-                    <a:ext uri="{9D8B030D-6E8A-4147-A177-3AD203B41FA5}">
-                      <a16:colId xmlns:a16="http://schemas.microsoft.com/office/drawing/2014/main" val="3076006969"/>
-                    </a:ext>
-                  </a:extLst>
-                </a:gridCol>
-              </a:tblGrid>
-              <a:tr h="429768">
-                <a:tc>
-                  <a:txBody>
-                    <a:bodyPr/>
-                    <a:lstStyle/>
-                    <a:p>
-                      <a:pPr algn="ctr" fontAlgn="t"/>
-                      <a:r>
-                        <a:rPr lang="en-US" sz="1600" b="1" u="none" strike="noStrike" dirty="0">
-                          <a:effectLst/>
-                        </a:rPr>
-                        <a:t>Subject</a:t>
-                      </a:r>
-                      <a:endParaRPr lang="en-US" sz="1600" b="1" i="0" u="none" strike="noStrike" dirty="0">
-                        <a:solidFill>
-                          <a:srgbClr val="000000"/>
-                        </a:solidFill>
-                        <a:effectLst/>
-                        <a:latin typeface="Calibri" panose="020F0502020204030204" pitchFamily="34" charset="0"/>
-                      </a:endParaRPr>
-                    </a:p>
-                  </a:txBody>
-                  <a:tcPr marL="9525" marR="9525" marT="9525" marB="0" anchor="b">
-                    <a:lnL w="12700" cap="flat" cmpd="sng" algn="ctr">
-                      <a:solidFill>
-                        <a:schemeClr val="tx1"/>
-                      </a:solidFill>
-                      <a:prstDash val="solid"/>
-                      <a:round/>
-                      <a:headEnd type="none" w="med" len="med"/>
-                      <a:tailEnd type="none" w="med" len="med"/>
-                    </a:lnL>
-                    <a:lnR w="12700" cap="flat" cmpd="sng" algn="ctr">
-                      <a:solidFill>
-                        <a:schemeClr val="tx1"/>
-                      </a:solidFill>
-                      <a:prstDash val="solid"/>
-                      <a:round/>
-                      <a:headEnd type="none" w="med" len="med"/>
-                      <a:tailEnd type="none" w="med" len="med"/>
-                    </a:lnR>
-                    <a:lnT w="12700" cap="flat" cmpd="sng" algn="ctr">
-                      <a:solidFill>
-                        <a:schemeClr val="tx1"/>
-                      </a:solidFill>
-                      <a:prstDash val="solid"/>
-                      <a:round/>
-                      <a:headEnd type="none" w="med" len="med"/>
-                      <a:tailEnd type="none" w="med" len="med"/>
-                    </a:lnT>
-                    <a:lnB w="12700" cap="flat" cmpd="sng" algn="ctr">
-                      <a:solidFill>
-                        <a:schemeClr val="tx1"/>
-                      </a:solidFill>
-                      <a:prstDash val="solid"/>
-                      <a:round/>
-                      <a:headEnd type="none" w="med" len="med"/>
-                      <a:tailEnd type="none" w="med" len="med"/>
-                    </a:lnB>
-                  </a:tcPr>
-                </a:tc>
-                <a:tc>
-                  <a:txBody>
-                    <a:bodyPr/>
-                    <a:lstStyle/>
-                    <a:p>
-                      <a:pPr algn="ctr" fontAlgn="t"/>
-                      <a:r>
-                        <a:rPr lang="en-US" sz="1600" b="1" u="none" strike="noStrike" dirty="0">
-                          <a:effectLst/>
-                        </a:rPr>
-                        <a:t>Area (cm</a:t>
-                      </a:r>
-                      <a:r>
-                        <a:rPr lang="en-US" sz="1600" b="1" u="none" strike="noStrike" baseline="30000" dirty="0">
-                          <a:effectLst/>
-                        </a:rPr>
-                        <a:t>2</a:t>
-                      </a:r>
-                      <a:r>
-                        <a:rPr lang="en-US" sz="1600" b="1" u="none" strike="noStrike" dirty="0">
-                          <a:effectLst/>
-                        </a:rPr>
-                        <a:t>)</a:t>
-                      </a:r>
-                      <a:endParaRPr lang="en-US" sz="1600" b="1" u="none" strike="noStrike" baseline="30000" dirty="0">
-                        <a:effectLst/>
-                      </a:endParaRPr>
-                    </a:p>
-                  </a:txBody>
-                  <a:tcPr marL="9525" marR="9525" marT="9525" marB="0" anchor="b">
-                    <a:lnL w="12700" cap="flat" cmpd="sng" algn="ctr">
-                      <a:solidFill>
-                        <a:schemeClr val="tx1"/>
-                      </a:solidFill>
-                      <a:prstDash val="solid"/>
-                      <a:round/>
-                      <a:headEnd type="none" w="med" len="med"/>
-                      <a:tailEnd type="none" w="med" len="med"/>
-                    </a:lnL>
-                    <a:lnR w="12700" cap="flat" cmpd="sng" algn="ctr">
-                      <a:solidFill>
-                        <a:schemeClr val="tx1"/>
-                      </a:solidFill>
-                      <a:prstDash val="solid"/>
-                      <a:round/>
-                      <a:headEnd type="none" w="med" len="med"/>
-                      <a:tailEnd type="none" w="med" len="med"/>
-                    </a:lnR>
-                    <a:lnT w="12700" cap="flat" cmpd="sng" algn="ctr">
-                      <a:solidFill>
-                        <a:schemeClr val="tx1"/>
-                      </a:solidFill>
-                      <a:prstDash val="solid"/>
-                      <a:round/>
-                      <a:headEnd type="none" w="med" len="med"/>
-                      <a:tailEnd type="none" w="med" len="med"/>
-                    </a:lnT>
-                    <a:lnB w="12700" cap="flat" cmpd="sng" algn="ctr">
-                      <a:solidFill>
-                        <a:schemeClr val="tx1"/>
-                      </a:solidFill>
-                      <a:prstDash val="solid"/>
-                      <a:round/>
-                      <a:headEnd type="none" w="med" len="med"/>
-                      <a:tailEnd type="none" w="med" len="med"/>
-                    </a:lnB>
-                  </a:tcPr>
-                </a:tc>
-                <a:tc>
-                  <a:txBody>
-                    <a:bodyPr/>
-                    <a:lstStyle/>
-                    <a:p>
-                      <a:pPr algn="ctr" fontAlgn="t"/>
-                      <a:r>
-                        <a:rPr lang="en-US" sz="1600" b="1" u="none" strike="noStrike" dirty="0" err="1">
-                          <a:effectLst/>
-                        </a:rPr>
-                        <a:t>APDisp</a:t>
-                      </a:r>
-                      <a:r>
-                        <a:rPr lang="en-US" sz="1600" b="1" u="none" strike="noStrike" dirty="0">
-                          <a:effectLst/>
-                        </a:rPr>
-                        <a:t> (cm)</a:t>
-                      </a:r>
-                      <a:endParaRPr lang="en-US" sz="1600" b="1" i="0" u="none" strike="noStrike" dirty="0">
-                        <a:solidFill>
-                          <a:srgbClr val="000000"/>
-                        </a:solidFill>
-                        <a:effectLst/>
-                        <a:latin typeface="Calibri" panose="020F0502020204030204" pitchFamily="34" charset="0"/>
-                      </a:endParaRPr>
-                    </a:p>
-                  </a:txBody>
-                  <a:tcPr marL="9525" marR="9525" marT="9525" marB="0" anchor="b">
-                    <a:lnL w="12700" cap="flat" cmpd="sng" algn="ctr">
-                      <a:solidFill>
-                        <a:schemeClr val="tx1"/>
-                      </a:solidFill>
-                      <a:prstDash val="solid"/>
-                      <a:round/>
-                      <a:headEnd type="none" w="med" len="med"/>
-                      <a:tailEnd type="none" w="med" len="med"/>
-                    </a:lnL>
-                    <a:lnR w="12700" cap="flat" cmpd="sng" algn="ctr">
-                      <a:solidFill>
-                        <a:schemeClr val="tx1"/>
-                      </a:solidFill>
-                      <a:prstDash val="solid"/>
-                      <a:round/>
-                      <a:headEnd type="none" w="med" len="med"/>
-                      <a:tailEnd type="none" w="med" len="med"/>
-                    </a:lnR>
-                    <a:lnT w="12700" cap="flat" cmpd="sng" algn="ctr">
-                      <a:solidFill>
-                        <a:schemeClr val="tx1"/>
-                      </a:solidFill>
-                      <a:prstDash val="solid"/>
-                      <a:round/>
-                      <a:headEnd type="none" w="med" len="med"/>
-                      <a:tailEnd type="none" w="med" len="med"/>
-                    </a:lnT>
-                    <a:lnB w="12700" cap="flat" cmpd="sng" algn="ctr">
-                      <a:solidFill>
-                        <a:schemeClr val="tx1"/>
-                      </a:solidFill>
-                      <a:prstDash val="solid"/>
-                      <a:round/>
-                      <a:headEnd type="none" w="med" len="med"/>
-                      <a:tailEnd type="none" w="med" len="med"/>
-                    </a:lnB>
-                  </a:tcPr>
-                </a:tc>
-                <a:tc>
-                  <a:txBody>
-                    <a:bodyPr/>
-                    <a:lstStyle/>
-                    <a:p>
-                      <a:pPr algn="ctr" fontAlgn="t"/>
-                      <a:r>
-                        <a:rPr lang="en-US" sz="1600" b="1" u="none" strike="noStrike" dirty="0" err="1">
-                          <a:effectLst/>
-                        </a:rPr>
-                        <a:t>MLDisp</a:t>
-                      </a:r>
-                      <a:r>
-                        <a:rPr lang="en-US" sz="1600" b="1" u="none" strike="noStrike" dirty="0">
-                          <a:effectLst/>
-                        </a:rPr>
-                        <a:t> (cm)</a:t>
-                      </a:r>
-                      <a:endParaRPr lang="en-US" sz="1600" b="1" i="0" u="none" strike="noStrike" dirty="0">
-                        <a:solidFill>
-                          <a:srgbClr val="000000"/>
-                        </a:solidFill>
-                        <a:effectLst/>
-                        <a:latin typeface="Calibri" panose="020F0502020204030204" pitchFamily="34" charset="0"/>
-                      </a:endParaRPr>
-                    </a:p>
-                  </a:txBody>
-                  <a:tcPr marL="9525" marR="9525" marT="9525" marB="0" anchor="b">
-                    <a:lnL w="12700" cap="flat" cmpd="sng" algn="ctr">
-                      <a:solidFill>
-                        <a:schemeClr val="tx1"/>
-                      </a:solidFill>
-                      <a:prstDash val="solid"/>
-                      <a:round/>
-                      <a:headEnd type="none" w="med" len="med"/>
-                      <a:tailEnd type="none" w="med" len="med"/>
-                    </a:lnL>
-                    <a:lnR w="12700" cap="flat" cmpd="sng" algn="ctr">
-                      <a:solidFill>
-                        <a:schemeClr val="tx1"/>
-                      </a:solidFill>
-                      <a:prstDash val="solid"/>
-                      <a:round/>
-                      <a:headEnd type="none" w="med" len="med"/>
-                      <a:tailEnd type="none" w="med" len="med"/>
-                    </a:lnR>
-                    <a:lnT w="12700" cap="flat" cmpd="sng" algn="ctr">
-                      <a:solidFill>
-                        <a:schemeClr val="tx1"/>
-                      </a:solidFill>
-                      <a:prstDash val="solid"/>
-                      <a:round/>
-                      <a:headEnd type="none" w="med" len="med"/>
-                      <a:tailEnd type="none" w="med" len="med"/>
-                    </a:lnT>
-                    <a:lnB w="12700" cap="flat" cmpd="sng" algn="ctr">
-                      <a:solidFill>
-                        <a:schemeClr val="tx1"/>
-                      </a:solidFill>
-                      <a:prstDash val="solid"/>
-                      <a:round/>
-                      <a:headEnd type="none" w="med" len="med"/>
-                      <a:tailEnd type="none" w="med" len="med"/>
-                    </a:lnB>
-                  </a:tcPr>
-                </a:tc>
-                <a:extLst>
-                  <a:ext uri="{0D108BD9-81ED-4DB2-BD59-A6C34878D82A}">
-                    <a16:rowId xmlns:a16="http://schemas.microsoft.com/office/drawing/2014/main" val="1881174465"/>
-                  </a:ext>
-                </a:extLst>
-              </a:tr>
-              <a:tr h="429768">
-                <a:tc>
-                  <a:txBody>
-                    <a:bodyPr/>
-                    <a:lstStyle/>
-                    <a:p>
-                      <a:pPr algn="ctr" fontAlgn="b"/>
-                      <a:r>
-                        <a:rPr lang="en-US" sz="1600" u="none" strike="noStrike" dirty="0">
-                          <a:effectLst/>
-                        </a:rPr>
-                        <a:t>S0802</a:t>
-                      </a:r>
-                      <a:endParaRPr lang="en-US" sz="1600" b="0" i="0" u="none" strike="noStrike" dirty="0">
-                        <a:solidFill>
-                          <a:srgbClr val="000000"/>
-                        </a:solidFill>
-                        <a:effectLst/>
-                        <a:latin typeface="Calibri" panose="020F0502020204030204" pitchFamily="34" charset="0"/>
-                      </a:endParaRPr>
-                    </a:p>
-                  </a:txBody>
-                  <a:tcPr marL="9525" marR="9525" marT="9525" marB="0" anchor="b">
-                    <a:lnL w="12700" cap="flat" cmpd="sng" algn="ctr">
-                      <a:solidFill>
-                        <a:schemeClr val="tx1"/>
-                      </a:solidFill>
-                      <a:prstDash val="solid"/>
-                      <a:round/>
-                      <a:headEnd type="none" w="med" len="med"/>
-                      <a:tailEnd type="none" w="med" len="med"/>
-                    </a:lnL>
-                    <a:lnR w="12700" cap="flat" cmpd="sng" algn="ctr">
-                      <a:solidFill>
-                        <a:schemeClr val="tx1"/>
-                      </a:solidFill>
-                      <a:prstDash val="solid"/>
-                      <a:round/>
-                      <a:headEnd type="none" w="med" len="med"/>
-                      <a:tailEnd type="none" w="med" len="med"/>
-                    </a:lnR>
-                    <a:lnT w="12700" cap="flat" cmpd="sng" algn="ctr">
-                      <a:solidFill>
-                        <a:schemeClr val="tx1"/>
-                      </a:solidFill>
-                      <a:prstDash val="solid"/>
-                      <a:round/>
-                      <a:headEnd type="none" w="med" len="med"/>
-                      <a:tailEnd type="none" w="med" len="med"/>
-                    </a:lnT>
-                    <a:lnB w="12700" cap="flat" cmpd="sng" algn="ctr">
-                      <a:solidFill>
-                        <a:schemeClr val="tx1"/>
-                      </a:solidFill>
-                      <a:prstDash val="solid"/>
-                      <a:round/>
-                      <a:headEnd type="none" w="med" len="med"/>
-                      <a:tailEnd type="none" w="med" len="med"/>
-                    </a:lnB>
-                  </a:tcPr>
-                </a:tc>
-                <a:tc>
-                  <a:txBody>
-                    <a:bodyPr/>
-                    <a:lstStyle/>
-                    <a:p>
-                      <a:pPr algn="r" fontAlgn="b"/>
-                      <a:r>
-                        <a:rPr lang="en-US" sz="1600" u="none" strike="noStrike" dirty="0">
-                          <a:effectLst/>
-                        </a:rPr>
-                        <a:t>9.571985</a:t>
-                      </a:r>
-                      <a:endParaRPr lang="en-US" sz="1600" b="0" i="0" u="none" strike="noStrike" dirty="0">
-                        <a:solidFill>
-                          <a:srgbClr val="000000"/>
-                        </a:solidFill>
-                        <a:effectLst/>
-                        <a:latin typeface="Calibri" panose="020F0502020204030204" pitchFamily="34" charset="0"/>
-                      </a:endParaRPr>
-                    </a:p>
-                  </a:txBody>
-                  <a:tcPr marL="9525" marR="9525" marT="9525" marB="0" anchor="b">
-                    <a:lnL w="12700" cap="flat" cmpd="sng" algn="ctr">
-                      <a:solidFill>
-                        <a:schemeClr val="tx1"/>
-                      </a:solidFill>
-                      <a:prstDash val="solid"/>
-                      <a:round/>
-                      <a:headEnd type="none" w="med" len="med"/>
-                      <a:tailEnd type="none" w="med" len="med"/>
-                    </a:lnL>
-                    <a:lnR w="12700" cap="flat" cmpd="sng" algn="ctr">
-                      <a:solidFill>
-                        <a:schemeClr val="tx1"/>
-                      </a:solidFill>
-                      <a:prstDash val="solid"/>
-                      <a:round/>
-                      <a:headEnd type="none" w="med" len="med"/>
-                      <a:tailEnd type="none" w="med" len="med"/>
-                    </a:lnR>
-                    <a:lnT w="12700" cap="flat" cmpd="sng" algn="ctr">
-                      <a:solidFill>
-                        <a:schemeClr val="tx1"/>
-                      </a:solidFill>
-                      <a:prstDash val="solid"/>
-                      <a:round/>
-                      <a:headEnd type="none" w="med" len="med"/>
-                      <a:tailEnd type="none" w="med" len="med"/>
-                    </a:lnT>
-                    <a:lnB w="12700" cap="flat" cmpd="sng" algn="ctr">
-                      <a:solidFill>
-                        <a:schemeClr val="tx1"/>
-                      </a:solidFill>
-                      <a:prstDash val="solid"/>
-                      <a:round/>
-                      <a:headEnd type="none" w="med" len="med"/>
-                      <a:tailEnd type="none" w="med" len="med"/>
-                    </a:lnB>
-                  </a:tcPr>
-                </a:tc>
-                <a:tc>
-                  <a:txBody>
-                    <a:bodyPr/>
-                    <a:lstStyle/>
-                    <a:p>
-                      <a:pPr algn="r" fontAlgn="b"/>
-                      <a:r>
-                        <a:rPr lang="en-US" sz="1600" u="none" strike="noStrike" dirty="0">
-                          <a:effectLst/>
-                        </a:rPr>
-                        <a:t>4.1692</a:t>
-                      </a:r>
-                      <a:endParaRPr lang="en-US" sz="1600" b="0" i="0" u="none" strike="noStrike" dirty="0">
-                        <a:solidFill>
-                          <a:srgbClr val="000000"/>
-                        </a:solidFill>
-                        <a:effectLst/>
-                        <a:latin typeface="Calibri" panose="020F0502020204030204" pitchFamily="34" charset="0"/>
-                      </a:endParaRPr>
-                    </a:p>
-                  </a:txBody>
-                  <a:tcPr marL="9525" marR="9525" marT="9525" marB="0" anchor="b">
-                    <a:lnL w="12700" cap="flat" cmpd="sng" algn="ctr">
-                      <a:solidFill>
-                        <a:schemeClr val="tx1"/>
-                      </a:solidFill>
-                      <a:prstDash val="solid"/>
-                      <a:round/>
-                      <a:headEnd type="none" w="med" len="med"/>
-                      <a:tailEnd type="none" w="med" len="med"/>
-                    </a:lnL>
-                    <a:lnR w="12700" cap="flat" cmpd="sng" algn="ctr">
-                      <a:solidFill>
-                        <a:schemeClr val="tx1"/>
-                      </a:solidFill>
-                      <a:prstDash val="solid"/>
-                      <a:round/>
-                      <a:headEnd type="none" w="med" len="med"/>
-                      <a:tailEnd type="none" w="med" len="med"/>
-                    </a:lnR>
-                    <a:lnT w="12700" cap="flat" cmpd="sng" algn="ctr">
-                      <a:solidFill>
-                        <a:schemeClr val="tx1"/>
-                      </a:solidFill>
-                      <a:prstDash val="solid"/>
-                      <a:round/>
-                      <a:headEnd type="none" w="med" len="med"/>
-                      <a:tailEnd type="none" w="med" len="med"/>
-                    </a:lnT>
-                    <a:lnB w="12700" cap="flat" cmpd="sng" algn="ctr">
-                      <a:solidFill>
-                        <a:schemeClr val="tx1"/>
-                      </a:solidFill>
-                      <a:prstDash val="solid"/>
-                      <a:round/>
-                      <a:headEnd type="none" w="med" len="med"/>
-                      <a:tailEnd type="none" w="med" len="med"/>
-                    </a:lnB>
-                  </a:tcPr>
-                </a:tc>
-                <a:tc>
-                  <a:txBody>
-                    <a:bodyPr/>
-                    <a:lstStyle/>
-                    <a:p>
-                      <a:pPr algn="r" fontAlgn="b"/>
-                      <a:r>
-                        <a:rPr lang="en-US" sz="1600" u="none" strike="noStrike" dirty="0">
-                          <a:effectLst/>
-                        </a:rPr>
-                        <a:t>6.0299</a:t>
-                      </a:r>
-                      <a:endParaRPr lang="en-US" sz="1600" b="0" i="0" u="none" strike="noStrike" dirty="0">
-                        <a:solidFill>
-                          <a:srgbClr val="000000"/>
-                        </a:solidFill>
-                        <a:effectLst/>
-                        <a:latin typeface="Calibri" panose="020F0502020204030204" pitchFamily="34" charset="0"/>
-                      </a:endParaRPr>
-                    </a:p>
-                  </a:txBody>
-                  <a:tcPr marL="9525" marR="9525" marT="9525" marB="0" anchor="b">
-                    <a:lnL w="12700" cap="flat" cmpd="sng" algn="ctr">
-                      <a:solidFill>
-                        <a:schemeClr val="tx1"/>
-                      </a:solidFill>
-                      <a:prstDash val="solid"/>
-                      <a:round/>
-                      <a:headEnd type="none" w="med" len="med"/>
-                      <a:tailEnd type="none" w="med" len="med"/>
-                    </a:lnL>
-                    <a:lnR w="12700" cap="flat" cmpd="sng" algn="ctr">
-                      <a:solidFill>
-                        <a:schemeClr val="tx1"/>
-                      </a:solidFill>
-                      <a:prstDash val="solid"/>
-                      <a:round/>
-                      <a:headEnd type="none" w="med" len="med"/>
-                      <a:tailEnd type="none" w="med" len="med"/>
-                    </a:lnR>
-                    <a:lnT w="12700" cap="flat" cmpd="sng" algn="ctr">
-                      <a:solidFill>
-                        <a:schemeClr val="tx1"/>
-                      </a:solidFill>
-                      <a:prstDash val="solid"/>
-                      <a:round/>
-                      <a:headEnd type="none" w="med" len="med"/>
-                      <a:tailEnd type="none" w="med" len="med"/>
-                    </a:lnT>
-                    <a:lnB w="12700" cap="flat" cmpd="sng" algn="ctr">
-                      <a:solidFill>
-                        <a:schemeClr val="tx1"/>
-                      </a:solidFill>
-                      <a:prstDash val="solid"/>
-                      <a:round/>
-                      <a:headEnd type="none" w="med" len="med"/>
-                      <a:tailEnd type="none" w="med" len="med"/>
-                    </a:lnB>
-                  </a:tcPr>
-                </a:tc>
-                <a:extLst>
-                  <a:ext uri="{0D108BD9-81ED-4DB2-BD59-A6C34878D82A}">
-                    <a16:rowId xmlns:a16="http://schemas.microsoft.com/office/drawing/2014/main" val="4131366454"/>
-                  </a:ext>
-                </a:extLst>
-              </a:tr>
-            </a:tbl>
-          </a:graphicData>
-        </a:graphic>
-      </p:graphicFrame>
-      <p:graphicFrame>
-        <p:nvGraphicFramePr>
-          <p:cNvPr id="39" name="Table 38">
-            <a:extLst>
-              <a:ext uri="{FF2B5EF4-FFF2-40B4-BE49-F238E27FC236}">
-                <a16:creationId xmlns:a16="http://schemas.microsoft.com/office/drawing/2014/main" id="{580F92BB-DBF3-9C3D-D9D1-F23AE423EFE7}"/>
-              </a:ext>
-            </a:extLst>
-          </p:cNvPr>
-          <p:cNvGraphicFramePr>
-            <a:graphicFrameLocks noGrp="1"/>
-          </p:cNvGraphicFramePr>
-          <p:nvPr>
-            <p:extLst>
-              <p:ext uri="{D42A27DB-BD31-4B8C-83A1-F6EECF244321}">
-                <p14:modId xmlns:p14="http://schemas.microsoft.com/office/powerpoint/2010/main" val="1171042129"/>
-              </p:ext>
-            </p:extLst>
-          </p:nvPr>
-        </p:nvGraphicFramePr>
-        <p:xfrm>
-          <a:off x="16901407" y="9466355"/>
-          <a:ext cx="4738700" cy="860400"/>
-        </p:xfrm>
-        <a:graphic>
-          <a:graphicData uri="http://schemas.openxmlformats.org/drawingml/2006/table">
-            <a:tbl>
-              <a:tblPr>
-                <a:tableStyleId>{5C22544A-7EE6-4342-B048-85BDC9FD1C3A}</a:tableStyleId>
-              </a:tblPr>
-              <a:tblGrid>
-                <a:gridCol w="1184675">
-                  <a:extLst>
-                    <a:ext uri="{9D8B030D-6E8A-4147-A177-3AD203B41FA5}">
-                      <a16:colId xmlns:a16="http://schemas.microsoft.com/office/drawing/2014/main" val="1409672416"/>
-                    </a:ext>
-                  </a:extLst>
-                </a:gridCol>
-                <a:gridCol w="1184675">
-                  <a:extLst>
-                    <a:ext uri="{9D8B030D-6E8A-4147-A177-3AD203B41FA5}">
-                      <a16:colId xmlns:a16="http://schemas.microsoft.com/office/drawing/2014/main" val="1657763539"/>
-                    </a:ext>
-                  </a:extLst>
-                </a:gridCol>
-                <a:gridCol w="1184675">
-                  <a:extLst>
-                    <a:ext uri="{9D8B030D-6E8A-4147-A177-3AD203B41FA5}">
-                      <a16:colId xmlns:a16="http://schemas.microsoft.com/office/drawing/2014/main" val="4103440143"/>
-                    </a:ext>
-                  </a:extLst>
-                </a:gridCol>
-                <a:gridCol w="1184675">
-                  <a:extLst>
-                    <a:ext uri="{9D8B030D-6E8A-4147-A177-3AD203B41FA5}">
-                      <a16:colId xmlns:a16="http://schemas.microsoft.com/office/drawing/2014/main" val="215514328"/>
-                    </a:ext>
-                  </a:extLst>
-                </a:gridCol>
-              </a:tblGrid>
-              <a:tr h="430200">
-                <a:tc>
-                  <a:txBody>
-                    <a:bodyPr/>
-                    <a:lstStyle/>
-                    <a:p>
-                      <a:pPr algn="ctr" fontAlgn="t"/>
-                      <a:r>
-                        <a:rPr lang="en-US" sz="1600" b="1" u="none" strike="noStrike" dirty="0">
-                          <a:effectLst/>
-                        </a:rPr>
-                        <a:t>Subject</a:t>
-                      </a:r>
-                      <a:endParaRPr lang="en-US" sz="1600" b="1" i="0" u="none" strike="noStrike" dirty="0">
-                        <a:solidFill>
-                          <a:srgbClr val="000000"/>
-                        </a:solidFill>
-                        <a:effectLst/>
-                        <a:latin typeface="Calibri" panose="020F0502020204030204" pitchFamily="34" charset="0"/>
-                      </a:endParaRPr>
-                    </a:p>
-                  </a:txBody>
-                  <a:tcPr marL="9525" marR="9525" marT="9525" marB="0" anchor="b">
-                    <a:lnL w="12700" cap="flat" cmpd="sng" algn="ctr">
-                      <a:solidFill>
-                        <a:schemeClr val="tx1"/>
-                      </a:solidFill>
-                      <a:prstDash val="solid"/>
-                      <a:round/>
-                      <a:headEnd type="none" w="med" len="med"/>
-                      <a:tailEnd type="none" w="med" len="med"/>
-                    </a:lnL>
-                    <a:lnR w="12700" cap="flat" cmpd="sng" algn="ctr">
-                      <a:solidFill>
-                        <a:schemeClr val="tx1"/>
-                      </a:solidFill>
-                      <a:prstDash val="solid"/>
-                      <a:round/>
-                      <a:headEnd type="none" w="med" len="med"/>
-                      <a:tailEnd type="none" w="med" len="med"/>
-                    </a:lnR>
-                    <a:lnT w="12700" cap="flat" cmpd="sng" algn="ctr">
-                      <a:solidFill>
-                        <a:schemeClr val="tx1"/>
-                      </a:solidFill>
-                      <a:prstDash val="solid"/>
-                      <a:round/>
-                      <a:headEnd type="none" w="med" len="med"/>
-                      <a:tailEnd type="none" w="med" len="med"/>
-                    </a:lnT>
-                    <a:lnB w="12700" cap="flat" cmpd="sng" algn="ctr">
-                      <a:solidFill>
-                        <a:schemeClr val="tx1"/>
-                      </a:solidFill>
-                      <a:prstDash val="solid"/>
-                      <a:round/>
-                      <a:headEnd type="none" w="med" len="med"/>
-                      <a:tailEnd type="none" w="med" len="med"/>
-                    </a:lnB>
-                  </a:tcPr>
-                </a:tc>
-                <a:tc>
-                  <a:txBody>
-                    <a:bodyPr/>
-                    <a:lstStyle/>
-                    <a:p>
-                      <a:pPr algn="ctr" fontAlgn="t"/>
-                      <a:r>
-                        <a:rPr lang="en-US" sz="1600" b="1" u="none" strike="noStrike" dirty="0">
-                          <a:effectLst/>
-                        </a:rPr>
-                        <a:t>Area (cm</a:t>
-                      </a:r>
-                      <a:r>
-                        <a:rPr lang="en-US" sz="1600" b="1" u="none" strike="noStrike" baseline="30000" dirty="0">
-                          <a:effectLst/>
-                        </a:rPr>
-                        <a:t>2</a:t>
-                      </a:r>
-                      <a:r>
-                        <a:rPr lang="en-US" sz="1600" b="1" u="none" strike="noStrike" dirty="0">
-                          <a:effectLst/>
-                        </a:rPr>
-                        <a:t>)</a:t>
-                      </a:r>
-                      <a:endParaRPr lang="en-US" sz="1600" b="1" i="0" u="none" strike="noStrike" dirty="0">
-                        <a:solidFill>
-                          <a:srgbClr val="000000"/>
-                        </a:solidFill>
-                        <a:effectLst/>
-                        <a:latin typeface="Calibri" panose="020F0502020204030204" pitchFamily="34" charset="0"/>
-                      </a:endParaRPr>
-                    </a:p>
-                  </a:txBody>
-                  <a:tcPr marL="9525" marR="9525" marT="9525" marB="0" anchor="b">
-                    <a:lnL w="12700" cap="flat" cmpd="sng" algn="ctr">
-                      <a:solidFill>
-                        <a:schemeClr val="tx1"/>
-                      </a:solidFill>
-                      <a:prstDash val="solid"/>
-                      <a:round/>
-                      <a:headEnd type="none" w="med" len="med"/>
-                      <a:tailEnd type="none" w="med" len="med"/>
-                    </a:lnL>
-                    <a:lnR w="12700" cap="flat" cmpd="sng" algn="ctr">
-                      <a:solidFill>
-                        <a:schemeClr val="tx1"/>
-                      </a:solidFill>
-                      <a:prstDash val="solid"/>
-                      <a:round/>
-                      <a:headEnd type="none" w="med" len="med"/>
-                      <a:tailEnd type="none" w="med" len="med"/>
-                    </a:lnR>
-                    <a:lnT w="12700" cap="flat" cmpd="sng" algn="ctr">
-                      <a:solidFill>
-                        <a:schemeClr val="tx1"/>
-                      </a:solidFill>
-                      <a:prstDash val="solid"/>
-                      <a:round/>
-                      <a:headEnd type="none" w="med" len="med"/>
-                      <a:tailEnd type="none" w="med" len="med"/>
-                    </a:lnT>
-                    <a:lnB w="12700" cap="flat" cmpd="sng" algn="ctr">
-                      <a:solidFill>
-                        <a:schemeClr val="tx1"/>
-                      </a:solidFill>
-                      <a:prstDash val="solid"/>
-                      <a:round/>
-                      <a:headEnd type="none" w="med" len="med"/>
-                      <a:tailEnd type="none" w="med" len="med"/>
-                    </a:lnB>
-                  </a:tcPr>
-                </a:tc>
-                <a:tc>
-                  <a:txBody>
-                    <a:bodyPr/>
-                    <a:lstStyle/>
-                    <a:p>
-                      <a:pPr algn="ctr" fontAlgn="t"/>
-                      <a:r>
-                        <a:rPr lang="en-US" sz="1600" b="1" u="none" strike="noStrike" dirty="0" err="1">
-                          <a:effectLst/>
-                        </a:rPr>
-                        <a:t>APDisp</a:t>
-                      </a:r>
-                      <a:r>
-                        <a:rPr lang="en-US" sz="1600" b="1" u="none" strike="noStrike" dirty="0">
-                          <a:effectLst/>
-                        </a:rPr>
-                        <a:t> (cm)</a:t>
-                      </a:r>
-                      <a:endParaRPr lang="en-US" sz="1600" b="1" i="0" u="none" strike="noStrike" dirty="0">
-                        <a:solidFill>
-                          <a:srgbClr val="000000"/>
-                        </a:solidFill>
-                        <a:effectLst/>
-                        <a:latin typeface="Calibri" panose="020F0502020204030204" pitchFamily="34" charset="0"/>
-                      </a:endParaRPr>
-                    </a:p>
-                  </a:txBody>
-                  <a:tcPr marL="9525" marR="9525" marT="9525" marB="0" anchor="b">
-                    <a:lnL w="12700" cap="flat" cmpd="sng" algn="ctr">
-                      <a:solidFill>
-                        <a:schemeClr val="tx1"/>
-                      </a:solidFill>
-                      <a:prstDash val="solid"/>
-                      <a:round/>
-                      <a:headEnd type="none" w="med" len="med"/>
-                      <a:tailEnd type="none" w="med" len="med"/>
-                    </a:lnL>
-                    <a:lnR w="12700" cap="flat" cmpd="sng" algn="ctr">
-                      <a:solidFill>
-                        <a:schemeClr val="tx1"/>
-                      </a:solidFill>
-                      <a:prstDash val="solid"/>
-                      <a:round/>
-                      <a:headEnd type="none" w="med" len="med"/>
-                      <a:tailEnd type="none" w="med" len="med"/>
-                    </a:lnR>
-                    <a:lnT w="12700" cap="flat" cmpd="sng" algn="ctr">
-                      <a:solidFill>
-                        <a:schemeClr val="tx1"/>
-                      </a:solidFill>
-                      <a:prstDash val="solid"/>
-                      <a:round/>
-                      <a:headEnd type="none" w="med" len="med"/>
-                      <a:tailEnd type="none" w="med" len="med"/>
-                    </a:lnT>
-                    <a:lnB w="12700" cap="flat" cmpd="sng" algn="ctr">
-                      <a:solidFill>
-                        <a:schemeClr val="tx1"/>
-                      </a:solidFill>
-                      <a:prstDash val="solid"/>
-                      <a:round/>
-                      <a:headEnd type="none" w="med" len="med"/>
-                      <a:tailEnd type="none" w="med" len="med"/>
-                    </a:lnB>
-                  </a:tcPr>
-                </a:tc>
-                <a:tc>
-                  <a:txBody>
-                    <a:bodyPr/>
-                    <a:lstStyle/>
-                    <a:p>
-                      <a:pPr algn="ctr" fontAlgn="t"/>
-                      <a:r>
-                        <a:rPr lang="en-US" sz="1600" b="1" u="none" strike="noStrike" dirty="0" err="1">
-                          <a:effectLst/>
-                        </a:rPr>
-                        <a:t>MLDisp</a:t>
-                      </a:r>
-                      <a:r>
-                        <a:rPr lang="en-US" sz="1600" b="1" u="none" strike="noStrike" dirty="0">
-                          <a:effectLst/>
-                        </a:rPr>
-                        <a:t> (cm)</a:t>
-                      </a:r>
-                      <a:endParaRPr lang="en-US" sz="1600" b="1" i="0" u="none" strike="noStrike" dirty="0">
-                        <a:solidFill>
-                          <a:srgbClr val="000000"/>
-                        </a:solidFill>
-                        <a:effectLst/>
-                        <a:latin typeface="Calibri" panose="020F0502020204030204" pitchFamily="34" charset="0"/>
-                      </a:endParaRPr>
-                    </a:p>
-                  </a:txBody>
-                  <a:tcPr marL="9525" marR="9525" marT="9525" marB="0" anchor="b">
-                    <a:lnL w="12700" cap="flat" cmpd="sng" algn="ctr">
-                      <a:solidFill>
-                        <a:schemeClr val="tx1"/>
-                      </a:solidFill>
-                      <a:prstDash val="solid"/>
-                      <a:round/>
-                      <a:headEnd type="none" w="med" len="med"/>
-                      <a:tailEnd type="none" w="med" len="med"/>
-                    </a:lnL>
-                    <a:lnR w="12700" cap="flat" cmpd="sng" algn="ctr">
-                      <a:solidFill>
-                        <a:schemeClr val="tx1"/>
-                      </a:solidFill>
-                      <a:prstDash val="solid"/>
-                      <a:round/>
-                      <a:headEnd type="none" w="med" len="med"/>
-                      <a:tailEnd type="none" w="med" len="med"/>
-                    </a:lnR>
-                    <a:lnT w="12700" cap="flat" cmpd="sng" algn="ctr">
-                      <a:solidFill>
-                        <a:schemeClr val="tx1"/>
-                      </a:solidFill>
-                      <a:prstDash val="solid"/>
-                      <a:round/>
-                      <a:headEnd type="none" w="med" len="med"/>
-                      <a:tailEnd type="none" w="med" len="med"/>
-                    </a:lnT>
-                    <a:lnB w="12700" cap="flat" cmpd="sng" algn="ctr">
-                      <a:solidFill>
-                        <a:schemeClr val="tx1"/>
-                      </a:solidFill>
-                      <a:prstDash val="solid"/>
-                      <a:round/>
-                      <a:headEnd type="none" w="med" len="med"/>
-                      <a:tailEnd type="none" w="med" len="med"/>
-                    </a:lnB>
-                  </a:tcPr>
-                </a:tc>
-                <a:extLst>
-                  <a:ext uri="{0D108BD9-81ED-4DB2-BD59-A6C34878D82A}">
-                    <a16:rowId xmlns:a16="http://schemas.microsoft.com/office/drawing/2014/main" val="844615956"/>
-                  </a:ext>
-                </a:extLst>
-              </a:tr>
-              <a:tr h="430200">
-                <a:tc>
-                  <a:txBody>
-                    <a:bodyPr/>
-                    <a:lstStyle/>
-                    <a:p>
-                      <a:pPr algn="ctr" fontAlgn="b"/>
-                      <a:r>
-                        <a:rPr lang="en-US" sz="1600" u="none" strike="noStrike" dirty="0">
-                          <a:effectLst/>
-                        </a:rPr>
-                        <a:t>S0803</a:t>
-                      </a:r>
-                      <a:endParaRPr lang="en-US" sz="1600" b="0" i="0" u="none" strike="noStrike" dirty="0">
-                        <a:solidFill>
-                          <a:srgbClr val="000000"/>
-                        </a:solidFill>
-                        <a:effectLst/>
-                        <a:latin typeface="Calibri" panose="020F0502020204030204" pitchFamily="34" charset="0"/>
-                      </a:endParaRPr>
-                    </a:p>
-                  </a:txBody>
-                  <a:tcPr marL="9525" marR="9525" marT="9525" marB="0" anchor="b">
-                    <a:lnL w="12700" cap="flat" cmpd="sng" algn="ctr">
-                      <a:solidFill>
-                        <a:schemeClr val="tx1"/>
-                      </a:solidFill>
-                      <a:prstDash val="solid"/>
-                      <a:round/>
-                      <a:headEnd type="none" w="med" len="med"/>
-                      <a:tailEnd type="none" w="med" len="med"/>
-                    </a:lnL>
-                    <a:lnR w="12700" cap="flat" cmpd="sng" algn="ctr">
-                      <a:solidFill>
-                        <a:schemeClr val="tx1"/>
-                      </a:solidFill>
-                      <a:prstDash val="solid"/>
-                      <a:round/>
-                      <a:headEnd type="none" w="med" len="med"/>
-                      <a:tailEnd type="none" w="med" len="med"/>
-                    </a:lnR>
-                    <a:lnT w="12700" cap="flat" cmpd="sng" algn="ctr">
-                      <a:solidFill>
-                        <a:schemeClr val="tx1"/>
-                      </a:solidFill>
-                      <a:prstDash val="solid"/>
-                      <a:round/>
-                      <a:headEnd type="none" w="med" len="med"/>
-                      <a:tailEnd type="none" w="med" len="med"/>
-                    </a:lnT>
-                    <a:lnB w="12700" cap="flat" cmpd="sng" algn="ctr">
-                      <a:solidFill>
-                        <a:schemeClr val="tx1"/>
-                      </a:solidFill>
-                      <a:prstDash val="solid"/>
-                      <a:round/>
-                      <a:headEnd type="none" w="med" len="med"/>
-                      <a:tailEnd type="none" w="med" len="med"/>
-                    </a:lnB>
-                  </a:tcPr>
-                </a:tc>
-                <a:tc>
-                  <a:txBody>
-                    <a:bodyPr/>
-                    <a:lstStyle/>
-                    <a:p>
-                      <a:pPr algn="r" fontAlgn="b"/>
-                      <a:r>
-                        <a:rPr lang="en-US" sz="1600" u="none" strike="noStrike" dirty="0">
-                          <a:effectLst/>
-                        </a:rPr>
-                        <a:t>12.22329</a:t>
-                      </a:r>
-                      <a:endParaRPr lang="en-US" sz="1600" b="0" i="0" u="none" strike="noStrike" dirty="0">
-                        <a:solidFill>
-                          <a:srgbClr val="000000"/>
-                        </a:solidFill>
-                        <a:effectLst/>
-                        <a:latin typeface="Calibri" panose="020F0502020204030204" pitchFamily="34" charset="0"/>
-                      </a:endParaRPr>
-                    </a:p>
-                  </a:txBody>
-                  <a:tcPr marL="9525" marR="9525" marT="9525" marB="0" anchor="b">
-                    <a:lnL w="12700" cap="flat" cmpd="sng" algn="ctr">
-                      <a:solidFill>
-                        <a:schemeClr val="tx1"/>
-                      </a:solidFill>
-                      <a:prstDash val="solid"/>
-                      <a:round/>
-                      <a:headEnd type="none" w="med" len="med"/>
-                      <a:tailEnd type="none" w="med" len="med"/>
-                    </a:lnL>
-                    <a:lnR w="12700" cap="flat" cmpd="sng" algn="ctr">
-                      <a:solidFill>
-                        <a:schemeClr val="tx1"/>
-                      </a:solidFill>
-                      <a:prstDash val="solid"/>
-                      <a:round/>
-                      <a:headEnd type="none" w="med" len="med"/>
-                      <a:tailEnd type="none" w="med" len="med"/>
-                    </a:lnR>
-                    <a:lnT w="12700" cap="flat" cmpd="sng" algn="ctr">
-                      <a:solidFill>
-                        <a:schemeClr val="tx1"/>
-                      </a:solidFill>
-                      <a:prstDash val="solid"/>
-                      <a:round/>
-                      <a:headEnd type="none" w="med" len="med"/>
-                      <a:tailEnd type="none" w="med" len="med"/>
-                    </a:lnT>
-                    <a:lnB w="12700" cap="flat" cmpd="sng" algn="ctr">
-                      <a:solidFill>
-                        <a:schemeClr val="tx1"/>
-                      </a:solidFill>
-                      <a:prstDash val="solid"/>
-                      <a:round/>
-                      <a:headEnd type="none" w="med" len="med"/>
-                      <a:tailEnd type="none" w="med" len="med"/>
-                    </a:lnB>
-                  </a:tcPr>
-                </a:tc>
-                <a:tc>
-                  <a:txBody>
-                    <a:bodyPr/>
-                    <a:lstStyle/>
-                    <a:p>
-                      <a:pPr algn="r" fontAlgn="b"/>
-                      <a:r>
-                        <a:rPr lang="en-US" sz="1600" u="none" strike="noStrike" dirty="0">
-                          <a:effectLst/>
-                        </a:rPr>
-                        <a:t>5.6477</a:t>
-                      </a:r>
-                      <a:endParaRPr lang="en-US" sz="1600" b="0" i="0" u="none" strike="noStrike" dirty="0">
-                        <a:solidFill>
-                          <a:srgbClr val="000000"/>
-                        </a:solidFill>
-                        <a:effectLst/>
-                        <a:latin typeface="Calibri" panose="020F0502020204030204" pitchFamily="34" charset="0"/>
-                      </a:endParaRPr>
-                    </a:p>
-                  </a:txBody>
-                  <a:tcPr marL="9525" marR="9525" marT="9525" marB="0" anchor="b">
-                    <a:lnL w="12700" cap="flat" cmpd="sng" algn="ctr">
-                      <a:solidFill>
-                        <a:schemeClr val="tx1"/>
-                      </a:solidFill>
-                      <a:prstDash val="solid"/>
-                      <a:round/>
-                      <a:headEnd type="none" w="med" len="med"/>
-                      <a:tailEnd type="none" w="med" len="med"/>
-                    </a:lnL>
-                    <a:lnR w="12700" cap="flat" cmpd="sng" algn="ctr">
-                      <a:solidFill>
-                        <a:schemeClr val="tx1"/>
-                      </a:solidFill>
-                      <a:prstDash val="solid"/>
-                      <a:round/>
-                      <a:headEnd type="none" w="med" len="med"/>
-                      <a:tailEnd type="none" w="med" len="med"/>
-                    </a:lnR>
-                    <a:lnT w="12700" cap="flat" cmpd="sng" algn="ctr">
-                      <a:solidFill>
-                        <a:schemeClr val="tx1"/>
-                      </a:solidFill>
-                      <a:prstDash val="solid"/>
-                      <a:round/>
-                      <a:headEnd type="none" w="med" len="med"/>
-                      <a:tailEnd type="none" w="med" len="med"/>
-                    </a:lnT>
-                    <a:lnB w="12700" cap="flat" cmpd="sng" algn="ctr">
-                      <a:solidFill>
-                        <a:schemeClr val="tx1"/>
-                      </a:solidFill>
-                      <a:prstDash val="solid"/>
-                      <a:round/>
-                      <a:headEnd type="none" w="med" len="med"/>
-                      <a:tailEnd type="none" w="med" len="med"/>
-                    </a:lnB>
-                  </a:tcPr>
-                </a:tc>
-                <a:tc>
-                  <a:txBody>
-                    <a:bodyPr/>
-                    <a:lstStyle/>
-                    <a:p>
-                      <a:pPr algn="r" fontAlgn="b"/>
-                      <a:r>
-                        <a:rPr lang="en-US" sz="1600" u="none" strike="noStrike" dirty="0">
-                          <a:effectLst/>
-                        </a:rPr>
-                        <a:t>5.0792</a:t>
-                      </a:r>
-                      <a:endParaRPr lang="en-US" sz="1600" b="0" i="0" u="none" strike="noStrike" dirty="0">
-                        <a:solidFill>
-                          <a:srgbClr val="000000"/>
-                        </a:solidFill>
-                        <a:effectLst/>
-                        <a:latin typeface="Calibri" panose="020F0502020204030204" pitchFamily="34" charset="0"/>
-                      </a:endParaRPr>
-                    </a:p>
-                  </a:txBody>
-                  <a:tcPr marL="9525" marR="9525" marT="9525" marB="0" anchor="b">
-                    <a:lnL w="12700" cap="flat" cmpd="sng" algn="ctr">
-                      <a:solidFill>
-                        <a:schemeClr val="tx1"/>
-                      </a:solidFill>
-                      <a:prstDash val="solid"/>
-                      <a:round/>
-                      <a:headEnd type="none" w="med" len="med"/>
-                      <a:tailEnd type="none" w="med" len="med"/>
-                    </a:lnL>
-                    <a:lnR w="12700" cap="flat" cmpd="sng" algn="ctr">
-                      <a:solidFill>
-                        <a:schemeClr val="tx1"/>
-                      </a:solidFill>
-                      <a:prstDash val="solid"/>
-                      <a:round/>
-                      <a:headEnd type="none" w="med" len="med"/>
-                      <a:tailEnd type="none" w="med" len="med"/>
-                    </a:lnR>
-                    <a:lnT w="12700" cap="flat" cmpd="sng" algn="ctr">
-                      <a:solidFill>
-                        <a:schemeClr val="tx1"/>
-                      </a:solidFill>
-                      <a:prstDash val="solid"/>
-                      <a:round/>
-                      <a:headEnd type="none" w="med" len="med"/>
-                      <a:tailEnd type="none" w="med" len="med"/>
-                    </a:lnT>
-                    <a:lnB w="12700" cap="flat" cmpd="sng" algn="ctr">
-                      <a:solidFill>
-                        <a:schemeClr val="tx1"/>
-                      </a:solidFill>
-                      <a:prstDash val="solid"/>
-                      <a:round/>
-                      <a:headEnd type="none" w="med" len="med"/>
-                      <a:tailEnd type="none" w="med" len="med"/>
-                    </a:lnB>
-                  </a:tcPr>
-                </a:tc>
-                <a:extLst>
-                  <a:ext uri="{0D108BD9-81ED-4DB2-BD59-A6C34878D82A}">
-                    <a16:rowId xmlns:a16="http://schemas.microsoft.com/office/drawing/2014/main" val="2569904137"/>
-                  </a:ext>
-                </a:extLst>
-              </a:tr>
-            </a:tbl>
-          </a:graphicData>
-        </a:graphic>
-      </p:graphicFrame>
       <p:sp>
         <p:nvSpPr>
           <p:cNvPr id="42" name="TextBox 41">
@@ -6495,8 +5347,8 @@
         </p:nvSpPr>
         <p:spPr>
           <a:xfrm>
-            <a:off x="14628936" y="10487134"/>
-            <a:ext cx="3987992" cy="369332"/>
+            <a:off x="13164574" y="10710300"/>
+            <a:ext cx="6589251" cy="523220"/>
           </a:xfrm>
           <a:prstGeom prst="rect">
             <a:avLst/>
@@ -6518,7 +5370,7 @@
           <a:p>
             <a:pPr algn="ctr"/>
             <a:r>
-              <a:rPr lang="en-US" b="1" u="sng" dirty="0"/>
+              <a:rPr lang="en-US" sz="2800" b="1" u="sng" dirty="0"/>
               <a:t>Mediolateral Multiscale Sample Entropy</a:t>
             </a:r>
           </a:p>
@@ -6546,8 +5398,8 @@
         </p:blipFill>
         <p:spPr>
           <a:xfrm>
-            <a:off x="11637470" y="10899473"/>
-            <a:ext cx="4294790" cy="2813485"/>
+            <a:off x="10801682" y="11299818"/>
+            <a:ext cx="5686756" cy="3725352"/>
           </a:xfrm>
           <a:prstGeom prst="rect">
             <a:avLst/>
@@ -6568,8 +5420,8 @@
         </p:nvSpPr>
         <p:spPr>
           <a:xfrm>
-            <a:off x="14394082" y="14828095"/>
-            <a:ext cx="4457699" cy="369332"/>
+            <a:off x="12991982" y="15341819"/>
+            <a:ext cx="7060451" cy="523220"/>
           </a:xfrm>
           <a:prstGeom prst="rect">
             <a:avLst/>
@@ -6591,7 +5443,7 @@
           <a:p>
             <a:pPr algn="ctr"/>
             <a:r>
-              <a:rPr lang="en-US" b="1" u="sng" dirty="0"/>
+              <a:rPr lang="en-US" sz="2800" b="1" u="sng" dirty="0"/>
               <a:t>Anteroposterior Multiscale Sample Entropy</a:t>
             </a:r>
           </a:p>
@@ -6612,7 +5464,7 @@
           <p:nvPr>
             <p:extLst>
               <p:ext uri="{D42A27DB-BD31-4B8C-83A1-F6EECF244321}">
-                <p14:modId xmlns:p14="http://schemas.microsoft.com/office/powerpoint/2010/main" val="639171256"/>
+                <p14:modId xmlns:p14="http://schemas.microsoft.com/office/powerpoint/2010/main" val="3230856087"/>
               </p:ext>
             </p:extLst>
           </p:nvPr>
@@ -7332,13 +6184,13 @@
                     <a:p>
                       <a:pPr algn="r" fontAlgn="b"/>
                       <a:r>
-                        <a:rPr lang="en-US" sz="1800" u="none" strike="noStrike">
+                        <a:rPr lang="en-US" sz="1800" u="none" strike="noStrike" dirty="0">
                           <a:effectLst/>
                           <a:latin typeface="Helvetica" pitchFamily="2" charset="0"/>
                         </a:rPr>
-                        <a:t>0.7500</a:t>
+                        <a:t>0.17500</a:t>
                       </a:r>
-                      <a:endParaRPr lang="en-US" sz="1800" b="0" i="0" u="none" strike="noStrike">
+                      <a:endParaRPr lang="en-US" sz="1800" b="0" i="0" u="none" strike="noStrike" dirty="0">
                         <a:solidFill>
                           <a:srgbClr val="000000"/>
                         </a:solidFill>
@@ -13640,8 +12492,8 @@
         </p:blipFill>
         <p:spPr>
           <a:xfrm>
-            <a:off x="11454354" y="15237236"/>
-            <a:ext cx="4299164" cy="2816352"/>
+            <a:off x="10863496" y="16008511"/>
+            <a:ext cx="5686756" cy="3725354"/>
           </a:xfrm>
           <a:prstGeom prst="rect">
             <a:avLst/>
@@ -13670,3168 +12522,14 @@
         </p:blipFill>
         <p:spPr>
           <a:xfrm>
-            <a:off x="17273466" y="15256955"/>
-            <a:ext cx="4299167" cy="2816352"/>
+            <a:off x="16682608" y="16028230"/>
+            <a:ext cx="5686760" cy="3725354"/>
           </a:xfrm>
           <a:prstGeom prst="rect">
             <a:avLst/>
           </a:prstGeom>
         </p:spPr>
       </p:pic>
-      <p:graphicFrame>
-        <p:nvGraphicFramePr>
-          <p:cNvPr id="52" name="Table 51">
-            <a:extLst>
-              <a:ext uri="{FF2B5EF4-FFF2-40B4-BE49-F238E27FC236}">
-                <a16:creationId xmlns:a16="http://schemas.microsoft.com/office/drawing/2014/main" id="{4B63B2EA-DBF3-BA61-6A86-A2972DD302AB}"/>
-              </a:ext>
-            </a:extLst>
-          </p:cNvPr>
-          <p:cNvGraphicFramePr>
-            <a:graphicFrameLocks noGrp="1"/>
-          </p:cNvGraphicFramePr>
-          <p:nvPr>
-            <p:extLst>
-              <p:ext uri="{D42A27DB-BD31-4B8C-83A1-F6EECF244321}">
-                <p14:modId xmlns:p14="http://schemas.microsoft.com/office/powerpoint/2010/main" val="3330212339"/>
-              </p:ext>
-            </p:extLst>
-          </p:nvPr>
-        </p:nvGraphicFramePr>
-        <p:xfrm>
-          <a:off x="11328179" y="13735427"/>
-          <a:ext cx="10311928" cy="938531"/>
-        </p:xfrm>
-        <a:graphic>
-          <a:graphicData uri="http://schemas.openxmlformats.org/drawingml/2006/table">
-            <a:tbl>
-              <a:tblPr>
-                <a:tableStyleId>{5C22544A-7EE6-4342-B048-85BDC9FD1C3A}</a:tableStyleId>
-              </a:tblPr>
-              <a:tblGrid>
-                <a:gridCol w="1288991">
-                  <a:extLst>
-                    <a:ext uri="{9D8B030D-6E8A-4147-A177-3AD203B41FA5}">
-                      <a16:colId xmlns:a16="http://schemas.microsoft.com/office/drawing/2014/main" val="1038750702"/>
-                    </a:ext>
-                  </a:extLst>
-                </a:gridCol>
-                <a:gridCol w="1288991">
-                  <a:extLst>
-                    <a:ext uri="{9D8B030D-6E8A-4147-A177-3AD203B41FA5}">
-                      <a16:colId xmlns:a16="http://schemas.microsoft.com/office/drawing/2014/main" val="820294414"/>
-                    </a:ext>
-                  </a:extLst>
-                </a:gridCol>
-                <a:gridCol w="1288991">
-                  <a:extLst>
-                    <a:ext uri="{9D8B030D-6E8A-4147-A177-3AD203B41FA5}">
-                      <a16:colId xmlns:a16="http://schemas.microsoft.com/office/drawing/2014/main" val="2784979210"/>
-                    </a:ext>
-                  </a:extLst>
-                </a:gridCol>
-                <a:gridCol w="1288991">
-                  <a:extLst>
-                    <a:ext uri="{9D8B030D-6E8A-4147-A177-3AD203B41FA5}">
-                      <a16:colId xmlns:a16="http://schemas.microsoft.com/office/drawing/2014/main" val="3677508303"/>
-                    </a:ext>
-                  </a:extLst>
-                </a:gridCol>
-                <a:gridCol w="1288991">
-                  <a:extLst>
-                    <a:ext uri="{9D8B030D-6E8A-4147-A177-3AD203B41FA5}">
-                      <a16:colId xmlns:a16="http://schemas.microsoft.com/office/drawing/2014/main" val="1266368625"/>
-                    </a:ext>
-                  </a:extLst>
-                </a:gridCol>
-                <a:gridCol w="1288991">
-                  <a:extLst>
-                    <a:ext uri="{9D8B030D-6E8A-4147-A177-3AD203B41FA5}">
-                      <a16:colId xmlns:a16="http://schemas.microsoft.com/office/drawing/2014/main" val="3938598873"/>
-                    </a:ext>
-                  </a:extLst>
-                </a:gridCol>
-                <a:gridCol w="1288991">
-                  <a:extLst>
-                    <a:ext uri="{9D8B030D-6E8A-4147-A177-3AD203B41FA5}">
-                      <a16:colId xmlns:a16="http://schemas.microsoft.com/office/drawing/2014/main" val="2191038853"/>
-                    </a:ext>
-                  </a:extLst>
-                </a:gridCol>
-                <a:gridCol w="1288991">
-                  <a:extLst>
-                    <a:ext uri="{9D8B030D-6E8A-4147-A177-3AD203B41FA5}">
-                      <a16:colId xmlns:a16="http://schemas.microsoft.com/office/drawing/2014/main" val="2918166353"/>
-                    </a:ext>
-                  </a:extLst>
-                </a:gridCol>
-              </a:tblGrid>
-              <a:tr h="380667">
-                <a:tc>
-                  <a:txBody>
-                    <a:bodyPr/>
-                    <a:lstStyle/>
-                    <a:p>
-                      <a:pPr algn="ctr" fontAlgn="t"/>
-                      <a:r>
-                        <a:rPr lang="en-US" sz="1700" u="none" strike="noStrike">
-                          <a:effectLst/>
-                          <a:latin typeface="Helvetica" pitchFamily="2" charset="0"/>
-                        </a:rPr>
-                        <a:t>Subject</a:t>
-                      </a:r>
-                      <a:endParaRPr lang="en-US" sz="1700" b="1" i="0" u="none" strike="noStrike">
-                        <a:solidFill>
-                          <a:srgbClr val="000000"/>
-                        </a:solidFill>
-                        <a:effectLst/>
-                        <a:latin typeface="Helvetica" pitchFamily="2" charset="0"/>
-                      </a:endParaRPr>
-                    </a:p>
-                  </a:txBody>
-                  <a:tcPr marL="9525" marR="9525" marT="9525" marB="0" anchor="b">
-                    <a:lnL w="12700" cap="flat" cmpd="sng" algn="ctr">
-                      <a:solidFill>
-                        <a:schemeClr val="tx1"/>
-                      </a:solidFill>
-                      <a:prstDash val="solid"/>
-                      <a:round/>
-                      <a:headEnd type="none" w="med" len="med"/>
-                      <a:tailEnd type="none" w="med" len="med"/>
-                    </a:lnL>
-                    <a:lnR w="12700" cap="flat" cmpd="sng" algn="ctr">
-                      <a:solidFill>
-                        <a:schemeClr val="tx1"/>
-                      </a:solidFill>
-                      <a:prstDash val="solid"/>
-                      <a:round/>
-                      <a:headEnd type="none" w="med" len="med"/>
-                      <a:tailEnd type="none" w="med" len="med"/>
-                    </a:lnR>
-                    <a:lnT w="12700" cap="flat" cmpd="sng" algn="ctr">
-                      <a:solidFill>
-                        <a:schemeClr val="tx1"/>
-                      </a:solidFill>
-                      <a:prstDash val="solid"/>
-                      <a:round/>
-                      <a:headEnd type="none" w="med" len="med"/>
-                      <a:tailEnd type="none" w="med" len="med"/>
-                    </a:lnT>
-                    <a:lnB w="12700" cap="flat" cmpd="sng" algn="ctr">
-                      <a:solidFill>
-                        <a:schemeClr val="tx1"/>
-                      </a:solidFill>
-                      <a:prstDash val="solid"/>
-                      <a:round/>
-                      <a:headEnd type="none" w="med" len="med"/>
-                      <a:tailEnd type="none" w="med" len="med"/>
-                    </a:lnB>
-                  </a:tcPr>
-                </a:tc>
-                <a:tc>
-                  <a:txBody>
-                    <a:bodyPr/>
-                    <a:lstStyle/>
-                    <a:p>
-                      <a:pPr algn="ctr" fontAlgn="t"/>
-                      <a:r>
-                        <a:rPr lang="en-US" sz="1700" u="none" strike="noStrike">
-                          <a:effectLst/>
-                          <a:latin typeface="Helvetica" pitchFamily="2" charset="0"/>
-                        </a:rPr>
-                        <a:t>MLE1</a:t>
-                      </a:r>
-                      <a:endParaRPr lang="en-US" sz="1700" b="1" i="0" u="none" strike="noStrike">
-                        <a:solidFill>
-                          <a:srgbClr val="000000"/>
-                        </a:solidFill>
-                        <a:effectLst/>
-                        <a:latin typeface="Helvetica" pitchFamily="2" charset="0"/>
-                      </a:endParaRPr>
-                    </a:p>
-                  </a:txBody>
-                  <a:tcPr marL="9525" marR="9525" marT="9525" marB="0" anchor="b">
-                    <a:lnL w="12700" cap="flat" cmpd="sng" algn="ctr">
-                      <a:solidFill>
-                        <a:schemeClr val="tx1"/>
-                      </a:solidFill>
-                      <a:prstDash val="solid"/>
-                      <a:round/>
-                      <a:headEnd type="none" w="med" len="med"/>
-                      <a:tailEnd type="none" w="med" len="med"/>
-                    </a:lnL>
-                    <a:lnR w="12700" cap="flat" cmpd="sng" algn="ctr">
-                      <a:solidFill>
-                        <a:schemeClr val="tx1"/>
-                      </a:solidFill>
-                      <a:prstDash val="solid"/>
-                      <a:round/>
-                      <a:headEnd type="none" w="med" len="med"/>
-                      <a:tailEnd type="none" w="med" len="med"/>
-                    </a:lnR>
-                    <a:lnT w="12700" cap="flat" cmpd="sng" algn="ctr">
-                      <a:solidFill>
-                        <a:schemeClr val="tx1"/>
-                      </a:solidFill>
-                      <a:prstDash val="solid"/>
-                      <a:round/>
-                      <a:headEnd type="none" w="med" len="med"/>
-                      <a:tailEnd type="none" w="med" len="med"/>
-                    </a:lnT>
-                    <a:lnB w="12700" cap="flat" cmpd="sng" algn="ctr">
-                      <a:solidFill>
-                        <a:schemeClr val="tx1"/>
-                      </a:solidFill>
-                      <a:prstDash val="solid"/>
-                      <a:round/>
-                      <a:headEnd type="none" w="med" len="med"/>
-                      <a:tailEnd type="none" w="med" len="med"/>
-                    </a:lnB>
-                  </a:tcPr>
-                </a:tc>
-                <a:tc>
-                  <a:txBody>
-                    <a:bodyPr/>
-                    <a:lstStyle/>
-                    <a:p>
-                      <a:pPr algn="ctr" fontAlgn="t"/>
-                      <a:r>
-                        <a:rPr lang="en-US" sz="1700" u="none" strike="noStrike">
-                          <a:effectLst/>
-                          <a:latin typeface="Helvetica" pitchFamily="2" charset="0"/>
-                        </a:rPr>
-                        <a:t>MLE2</a:t>
-                      </a:r>
-                      <a:endParaRPr lang="en-US" sz="1700" b="1" i="0" u="none" strike="noStrike">
-                        <a:solidFill>
-                          <a:srgbClr val="000000"/>
-                        </a:solidFill>
-                        <a:effectLst/>
-                        <a:latin typeface="Helvetica" pitchFamily="2" charset="0"/>
-                      </a:endParaRPr>
-                    </a:p>
-                  </a:txBody>
-                  <a:tcPr marL="9525" marR="9525" marT="9525" marB="0" anchor="b">
-                    <a:lnL w="12700" cap="flat" cmpd="sng" algn="ctr">
-                      <a:solidFill>
-                        <a:schemeClr val="tx1"/>
-                      </a:solidFill>
-                      <a:prstDash val="solid"/>
-                      <a:round/>
-                      <a:headEnd type="none" w="med" len="med"/>
-                      <a:tailEnd type="none" w="med" len="med"/>
-                    </a:lnL>
-                    <a:lnR w="12700" cap="flat" cmpd="sng" algn="ctr">
-                      <a:solidFill>
-                        <a:schemeClr val="tx1"/>
-                      </a:solidFill>
-                      <a:prstDash val="solid"/>
-                      <a:round/>
-                      <a:headEnd type="none" w="med" len="med"/>
-                      <a:tailEnd type="none" w="med" len="med"/>
-                    </a:lnR>
-                    <a:lnT w="12700" cap="flat" cmpd="sng" algn="ctr">
-                      <a:solidFill>
-                        <a:schemeClr val="tx1"/>
-                      </a:solidFill>
-                      <a:prstDash val="solid"/>
-                      <a:round/>
-                      <a:headEnd type="none" w="med" len="med"/>
-                      <a:tailEnd type="none" w="med" len="med"/>
-                    </a:lnT>
-                    <a:lnB w="12700" cap="flat" cmpd="sng" algn="ctr">
-                      <a:solidFill>
-                        <a:schemeClr val="tx1"/>
-                      </a:solidFill>
-                      <a:prstDash val="solid"/>
-                      <a:round/>
-                      <a:headEnd type="none" w="med" len="med"/>
-                      <a:tailEnd type="none" w="med" len="med"/>
-                    </a:lnB>
-                  </a:tcPr>
-                </a:tc>
-                <a:tc>
-                  <a:txBody>
-                    <a:bodyPr/>
-                    <a:lstStyle/>
-                    <a:p>
-                      <a:pPr algn="ctr" fontAlgn="t"/>
-                      <a:r>
-                        <a:rPr lang="en-US" sz="1700" u="none" strike="noStrike" dirty="0">
-                          <a:effectLst/>
-                          <a:latin typeface="Helvetica" pitchFamily="2" charset="0"/>
-                        </a:rPr>
-                        <a:t>MLE3</a:t>
-                      </a:r>
-                      <a:endParaRPr lang="en-US" sz="1700" b="1" i="0" u="none" strike="noStrike" dirty="0">
-                        <a:solidFill>
-                          <a:srgbClr val="000000"/>
-                        </a:solidFill>
-                        <a:effectLst/>
-                        <a:latin typeface="Helvetica" pitchFamily="2" charset="0"/>
-                      </a:endParaRPr>
-                    </a:p>
-                  </a:txBody>
-                  <a:tcPr marL="9525" marR="9525" marT="9525" marB="0" anchor="b">
-                    <a:lnL w="12700" cap="flat" cmpd="sng" algn="ctr">
-                      <a:solidFill>
-                        <a:schemeClr val="tx1"/>
-                      </a:solidFill>
-                      <a:prstDash val="solid"/>
-                      <a:round/>
-                      <a:headEnd type="none" w="med" len="med"/>
-                      <a:tailEnd type="none" w="med" len="med"/>
-                    </a:lnL>
-                    <a:lnR w="12700" cap="flat" cmpd="sng" algn="ctr">
-                      <a:solidFill>
-                        <a:schemeClr val="tx1"/>
-                      </a:solidFill>
-                      <a:prstDash val="solid"/>
-                      <a:round/>
-                      <a:headEnd type="none" w="med" len="med"/>
-                      <a:tailEnd type="none" w="med" len="med"/>
-                    </a:lnR>
-                    <a:lnT w="12700" cap="flat" cmpd="sng" algn="ctr">
-                      <a:solidFill>
-                        <a:schemeClr val="tx1"/>
-                      </a:solidFill>
-                      <a:prstDash val="solid"/>
-                      <a:round/>
-                      <a:headEnd type="none" w="med" len="med"/>
-                      <a:tailEnd type="none" w="med" len="med"/>
-                    </a:lnT>
-                    <a:lnB w="12700" cap="flat" cmpd="sng" algn="ctr">
-                      <a:solidFill>
-                        <a:schemeClr val="tx1"/>
-                      </a:solidFill>
-                      <a:prstDash val="solid"/>
-                      <a:round/>
-                      <a:headEnd type="none" w="med" len="med"/>
-                      <a:tailEnd type="none" w="med" len="med"/>
-                    </a:lnB>
-                  </a:tcPr>
-                </a:tc>
-                <a:tc>
-                  <a:txBody>
-                    <a:bodyPr/>
-                    <a:lstStyle/>
-                    <a:p>
-                      <a:pPr algn="ctr" fontAlgn="t"/>
-                      <a:r>
-                        <a:rPr lang="en-US" sz="1700" u="none" strike="noStrike">
-                          <a:effectLst/>
-                          <a:latin typeface="Helvetica" pitchFamily="2" charset="0"/>
-                        </a:rPr>
-                        <a:t>MLE4</a:t>
-                      </a:r>
-                      <a:endParaRPr lang="en-US" sz="1700" b="1" i="0" u="none" strike="noStrike">
-                        <a:solidFill>
-                          <a:srgbClr val="000000"/>
-                        </a:solidFill>
-                        <a:effectLst/>
-                        <a:latin typeface="Helvetica" pitchFamily="2" charset="0"/>
-                      </a:endParaRPr>
-                    </a:p>
-                  </a:txBody>
-                  <a:tcPr marL="9525" marR="9525" marT="9525" marB="0" anchor="b">
-                    <a:lnL w="12700" cap="flat" cmpd="sng" algn="ctr">
-                      <a:solidFill>
-                        <a:schemeClr val="tx1"/>
-                      </a:solidFill>
-                      <a:prstDash val="solid"/>
-                      <a:round/>
-                      <a:headEnd type="none" w="med" len="med"/>
-                      <a:tailEnd type="none" w="med" len="med"/>
-                    </a:lnL>
-                    <a:lnR w="12700" cap="flat" cmpd="sng" algn="ctr">
-                      <a:solidFill>
-                        <a:schemeClr val="tx1"/>
-                      </a:solidFill>
-                      <a:prstDash val="solid"/>
-                      <a:round/>
-                      <a:headEnd type="none" w="med" len="med"/>
-                      <a:tailEnd type="none" w="med" len="med"/>
-                    </a:lnR>
-                    <a:lnT w="12700" cap="flat" cmpd="sng" algn="ctr">
-                      <a:solidFill>
-                        <a:schemeClr val="tx1"/>
-                      </a:solidFill>
-                      <a:prstDash val="solid"/>
-                      <a:round/>
-                      <a:headEnd type="none" w="med" len="med"/>
-                      <a:tailEnd type="none" w="med" len="med"/>
-                    </a:lnT>
-                    <a:lnB w="12700" cap="flat" cmpd="sng" algn="ctr">
-                      <a:solidFill>
-                        <a:schemeClr val="tx1"/>
-                      </a:solidFill>
-                      <a:prstDash val="solid"/>
-                      <a:round/>
-                      <a:headEnd type="none" w="med" len="med"/>
-                      <a:tailEnd type="none" w="med" len="med"/>
-                    </a:lnB>
-                  </a:tcPr>
-                </a:tc>
-                <a:tc>
-                  <a:txBody>
-                    <a:bodyPr/>
-                    <a:lstStyle/>
-                    <a:p>
-                      <a:pPr algn="ctr" fontAlgn="t"/>
-                      <a:r>
-                        <a:rPr lang="en-US" sz="1700" u="none" strike="noStrike" dirty="0">
-                          <a:effectLst/>
-                          <a:latin typeface="Helvetica" pitchFamily="2" charset="0"/>
-                        </a:rPr>
-                        <a:t>MLE5</a:t>
-                      </a:r>
-                      <a:endParaRPr lang="en-US" sz="1700" b="1" i="0" u="none" strike="noStrike" dirty="0">
-                        <a:solidFill>
-                          <a:srgbClr val="000000"/>
-                        </a:solidFill>
-                        <a:effectLst/>
-                        <a:latin typeface="Helvetica" pitchFamily="2" charset="0"/>
-                      </a:endParaRPr>
-                    </a:p>
-                  </a:txBody>
-                  <a:tcPr marL="9525" marR="9525" marT="9525" marB="0" anchor="b">
-                    <a:lnL w="12700" cap="flat" cmpd="sng" algn="ctr">
-                      <a:solidFill>
-                        <a:schemeClr val="tx1"/>
-                      </a:solidFill>
-                      <a:prstDash val="solid"/>
-                      <a:round/>
-                      <a:headEnd type="none" w="med" len="med"/>
-                      <a:tailEnd type="none" w="med" len="med"/>
-                    </a:lnL>
-                    <a:lnR w="12700" cap="flat" cmpd="sng" algn="ctr">
-                      <a:solidFill>
-                        <a:schemeClr val="tx1"/>
-                      </a:solidFill>
-                      <a:prstDash val="solid"/>
-                      <a:round/>
-                      <a:headEnd type="none" w="med" len="med"/>
-                      <a:tailEnd type="none" w="med" len="med"/>
-                    </a:lnR>
-                    <a:lnT w="12700" cap="flat" cmpd="sng" algn="ctr">
-                      <a:solidFill>
-                        <a:schemeClr val="tx1"/>
-                      </a:solidFill>
-                      <a:prstDash val="solid"/>
-                      <a:round/>
-                      <a:headEnd type="none" w="med" len="med"/>
-                      <a:tailEnd type="none" w="med" len="med"/>
-                    </a:lnT>
-                    <a:lnB w="12700" cap="flat" cmpd="sng" algn="ctr">
-                      <a:solidFill>
-                        <a:schemeClr val="tx1"/>
-                      </a:solidFill>
-                      <a:prstDash val="solid"/>
-                      <a:round/>
-                      <a:headEnd type="none" w="med" len="med"/>
-                      <a:tailEnd type="none" w="med" len="med"/>
-                    </a:lnB>
-                  </a:tcPr>
-                </a:tc>
-                <a:tc>
-                  <a:txBody>
-                    <a:bodyPr/>
-                    <a:lstStyle/>
-                    <a:p>
-                      <a:pPr algn="ctr" fontAlgn="t"/>
-                      <a:r>
-                        <a:rPr lang="en-US" sz="1700" u="none" strike="noStrike">
-                          <a:effectLst/>
-                          <a:latin typeface="Helvetica" pitchFamily="2" charset="0"/>
-                        </a:rPr>
-                        <a:t>MLE6</a:t>
-                      </a:r>
-                      <a:endParaRPr lang="en-US" sz="1700" b="1" i="0" u="none" strike="noStrike">
-                        <a:solidFill>
-                          <a:srgbClr val="000000"/>
-                        </a:solidFill>
-                        <a:effectLst/>
-                        <a:latin typeface="Helvetica" pitchFamily="2" charset="0"/>
-                      </a:endParaRPr>
-                    </a:p>
-                  </a:txBody>
-                  <a:tcPr marL="9525" marR="9525" marT="9525" marB="0" anchor="b">
-                    <a:lnL w="12700" cap="flat" cmpd="sng" algn="ctr">
-                      <a:solidFill>
-                        <a:schemeClr val="tx1"/>
-                      </a:solidFill>
-                      <a:prstDash val="solid"/>
-                      <a:round/>
-                      <a:headEnd type="none" w="med" len="med"/>
-                      <a:tailEnd type="none" w="med" len="med"/>
-                    </a:lnL>
-                    <a:lnR w="12700" cap="flat" cmpd="sng" algn="ctr">
-                      <a:solidFill>
-                        <a:schemeClr val="tx1"/>
-                      </a:solidFill>
-                      <a:prstDash val="solid"/>
-                      <a:round/>
-                      <a:headEnd type="none" w="med" len="med"/>
-                      <a:tailEnd type="none" w="med" len="med"/>
-                    </a:lnR>
-                    <a:lnT w="12700" cap="flat" cmpd="sng" algn="ctr">
-                      <a:solidFill>
-                        <a:schemeClr val="tx1"/>
-                      </a:solidFill>
-                      <a:prstDash val="solid"/>
-                      <a:round/>
-                      <a:headEnd type="none" w="med" len="med"/>
-                      <a:tailEnd type="none" w="med" len="med"/>
-                    </a:lnT>
-                    <a:lnB w="12700" cap="flat" cmpd="sng" algn="ctr">
-                      <a:solidFill>
-                        <a:schemeClr val="tx1"/>
-                      </a:solidFill>
-                      <a:prstDash val="solid"/>
-                      <a:round/>
-                      <a:headEnd type="none" w="med" len="med"/>
-                      <a:tailEnd type="none" w="med" len="med"/>
-                    </a:lnB>
-                  </a:tcPr>
-                </a:tc>
-                <a:tc>
-                  <a:txBody>
-                    <a:bodyPr/>
-                    <a:lstStyle/>
-                    <a:p>
-                      <a:pPr algn="ctr" fontAlgn="t"/>
-                      <a:r>
-                        <a:rPr lang="en-US" sz="1700" u="none" strike="noStrike">
-                          <a:effectLst/>
-                          <a:latin typeface="Helvetica" pitchFamily="2" charset="0"/>
-                        </a:rPr>
-                        <a:t>MLComplex</a:t>
-                      </a:r>
-                      <a:endParaRPr lang="en-US" sz="1700" b="1" i="0" u="none" strike="noStrike">
-                        <a:solidFill>
-                          <a:srgbClr val="000000"/>
-                        </a:solidFill>
-                        <a:effectLst/>
-                        <a:latin typeface="Helvetica" pitchFamily="2" charset="0"/>
-                      </a:endParaRPr>
-                    </a:p>
-                  </a:txBody>
-                  <a:tcPr marL="9525" marR="9525" marT="9525" marB="0" anchor="b">
-                    <a:lnL w="12700" cap="flat" cmpd="sng" algn="ctr">
-                      <a:solidFill>
-                        <a:schemeClr val="tx1"/>
-                      </a:solidFill>
-                      <a:prstDash val="solid"/>
-                      <a:round/>
-                      <a:headEnd type="none" w="med" len="med"/>
-                      <a:tailEnd type="none" w="med" len="med"/>
-                    </a:lnL>
-                    <a:lnR w="12700" cap="flat" cmpd="sng" algn="ctr">
-                      <a:solidFill>
-                        <a:schemeClr val="tx1"/>
-                      </a:solidFill>
-                      <a:prstDash val="solid"/>
-                      <a:round/>
-                      <a:headEnd type="none" w="med" len="med"/>
-                      <a:tailEnd type="none" w="med" len="med"/>
-                    </a:lnR>
-                    <a:lnT w="12700" cap="flat" cmpd="sng" algn="ctr">
-                      <a:solidFill>
-                        <a:schemeClr val="tx1"/>
-                      </a:solidFill>
-                      <a:prstDash val="solid"/>
-                      <a:round/>
-                      <a:headEnd type="none" w="med" len="med"/>
-                      <a:tailEnd type="none" w="med" len="med"/>
-                    </a:lnT>
-                    <a:lnB w="12700" cap="flat" cmpd="sng" algn="ctr">
-                      <a:solidFill>
-                        <a:schemeClr val="tx1"/>
-                      </a:solidFill>
-                      <a:prstDash val="solid"/>
-                      <a:round/>
-                      <a:headEnd type="none" w="med" len="med"/>
-                      <a:tailEnd type="none" w="med" len="med"/>
-                    </a:lnB>
-                  </a:tcPr>
-                </a:tc>
-                <a:extLst>
-                  <a:ext uri="{0D108BD9-81ED-4DB2-BD59-A6C34878D82A}">
-                    <a16:rowId xmlns:a16="http://schemas.microsoft.com/office/drawing/2014/main" val="1303870781"/>
-                  </a:ext>
-                </a:extLst>
-              </a:tr>
-              <a:tr h="278932">
-                <a:tc>
-                  <a:txBody>
-                    <a:bodyPr/>
-                    <a:lstStyle/>
-                    <a:p>
-                      <a:pPr algn="l" fontAlgn="b"/>
-                      <a:r>
-                        <a:rPr lang="en-US" sz="1700" u="none" strike="noStrike">
-                          <a:effectLst/>
-                          <a:latin typeface="Helvetica" pitchFamily="2" charset="0"/>
-                        </a:rPr>
-                        <a:t>S0802</a:t>
-                      </a:r>
-                      <a:endParaRPr lang="en-US" sz="1700" b="0" i="0" u="none" strike="noStrike">
-                        <a:solidFill>
-                          <a:srgbClr val="000000"/>
-                        </a:solidFill>
-                        <a:effectLst/>
-                        <a:latin typeface="Helvetica" pitchFamily="2" charset="0"/>
-                      </a:endParaRPr>
-                    </a:p>
-                  </a:txBody>
-                  <a:tcPr marL="9525" marR="9525" marT="9525" marB="0" anchor="b">
-                    <a:lnL w="12700" cap="flat" cmpd="sng" algn="ctr">
-                      <a:solidFill>
-                        <a:schemeClr val="tx1"/>
-                      </a:solidFill>
-                      <a:prstDash val="solid"/>
-                      <a:round/>
-                      <a:headEnd type="none" w="med" len="med"/>
-                      <a:tailEnd type="none" w="med" len="med"/>
-                    </a:lnL>
-                    <a:lnR w="12700" cap="flat" cmpd="sng" algn="ctr">
-                      <a:solidFill>
-                        <a:schemeClr val="tx1"/>
-                      </a:solidFill>
-                      <a:prstDash val="solid"/>
-                      <a:round/>
-                      <a:headEnd type="none" w="med" len="med"/>
-                      <a:tailEnd type="none" w="med" len="med"/>
-                    </a:lnR>
-                    <a:lnT w="12700" cap="flat" cmpd="sng" algn="ctr">
-                      <a:solidFill>
-                        <a:schemeClr val="tx1"/>
-                      </a:solidFill>
-                      <a:prstDash val="solid"/>
-                      <a:round/>
-                      <a:headEnd type="none" w="med" len="med"/>
-                      <a:tailEnd type="none" w="med" len="med"/>
-                    </a:lnT>
-                    <a:lnB w="12700" cap="flat" cmpd="sng" algn="ctr">
-                      <a:solidFill>
-                        <a:schemeClr val="tx1"/>
-                      </a:solidFill>
-                      <a:prstDash val="solid"/>
-                      <a:round/>
-                      <a:headEnd type="none" w="med" len="med"/>
-                      <a:tailEnd type="none" w="med" len="med"/>
-                    </a:lnB>
-                  </a:tcPr>
-                </a:tc>
-                <a:tc>
-                  <a:txBody>
-                    <a:bodyPr/>
-                    <a:lstStyle/>
-                    <a:p>
-                      <a:pPr algn="r" fontAlgn="b"/>
-                      <a:r>
-                        <a:rPr lang="en-US" sz="1700" u="none" strike="noStrike">
-                          <a:effectLst/>
-                          <a:latin typeface="Helvetica" pitchFamily="2" charset="0"/>
-                        </a:rPr>
-                        <a:t>0.285257</a:t>
-                      </a:r>
-                      <a:endParaRPr lang="en-US" sz="1700" b="0" i="0" u="none" strike="noStrike">
-                        <a:solidFill>
-                          <a:srgbClr val="000000"/>
-                        </a:solidFill>
-                        <a:effectLst/>
-                        <a:latin typeface="Helvetica" pitchFamily="2" charset="0"/>
-                      </a:endParaRPr>
-                    </a:p>
-                  </a:txBody>
-                  <a:tcPr marL="9525" marR="9525" marT="9525" marB="0" anchor="b">
-                    <a:lnL w="12700" cap="flat" cmpd="sng" algn="ctr">
-                      <a:solidFill>
-                        <a:schemeClr val="tx1"/>
-                      </a:solidFill>
-                      <a:prstDash val="solid"/>
-                      <a:round/>
-                      <a:headEnd type="none" w="med" len="med"/>
-                      <a:tailEnd type="none" w="med" len="med"/>
-                    </a:lnL>
-                    <a:lnR w="12700" cap="flat" cmpd="sng" algn="ctr">
-                      <a:solidFill>
-                        <a:schemeClr val="tx1"/>
-                      </a:solidFill>
-                      <a:prstDash val="solid"/>
-                      <a:round/>
-                      <a:headEnd type="none" w="med" len="med"/>
-                      <a:tailEnd type="none" w="med" len="med"/>
-                    </a:lnR>
-                    <a:lnT w="12700" cap="flat" cmpd="sng" algn="ctr">
-                      <a:solidFill>
-                        <a:schemeClr val="tx1"/>
-                      </a:solidFill>
-                      <a:prstDash val="solid"/>
-                      <a:round/>
-                      <a:headEnd type="none" w="med" len="med"/>
-                      <a:tailEnd type="none" w="med" len="med"/>
-                    </a:lnT>
-                    <a:lnB w="12700" cap="flat" cmpd="sng" algn="ctr">
-                      <a:solidFill>
-                        <a:schemeClr val="tx1"/>
-                      </a:solidFill>
-                      <a:prstDash val="solid"/>
-                      <a:round/>
-                      <a:headEnd type="none" w="med" len="med"/>
-                      <a:tailEnd type="none" w="med" len="med"/>
-                    </a:lnB>
-                  </a:tcPr>
-                </a:tc>
-                <a:tc>
-                  <a:txBody>
-                    <a:bodyPr/>
-                    <a:lstStyle/>
-                    <a:p>
-                      <a:pPr algn="r" fontAlgn="b"/>
-                      <a:r>
-                        <a:rPr lang="en-US" sz="1700" u="none" strike="noStrike">
-                          <a:effectLst/>
-                          <a:latin typeface="Helvetica" pitchFamily="2" charset="0"/>
-                        </a:rPr>
-                        <a:t>0.41612</a:t>
-                      </a:r>
-                      <a:endParaRPr lang="en-US" sz="1700" b="0" i="0" u="none" strike="noStrike">
-                        <a:solidFill>
-                          <a:srgbClr val="000000"/>
-                        </a:solidFill>
-                        <a:effectLst/>
-                        <a:latin typeface="Helvetica" pitchFamily="2" charset="0"/>
-                      </a:endParaRPr>
-                    </a:p>
-                  </a:txBody>
-                  <a:tcPr marL="9525" marR="9525" marT="9525" marB="0" anchor="b">
-                    <a:lnL w="12700" cap="flat" cmpd="sng" algn="ctr">
-                      <a:solidFill>
-                        <a:schemeClr val="tx1"/>
-                      </a:solidFill>
-                      <a:prstDash val="solid"/>
-                      <a:round/>
-                      <a:headEnd type="none" w="med" len="med"/>
-                      <a:tailEnd type="none" w="med" len="med"/>
-                    </a:lnL>
-                    <a:lnR w="12700" cap="flat" cmpd="sng" algn="ctr">
-                      <a:solidFill>
-                        <a:schemeClr val="tx1"/>
-                      </a:solidFill>
-                      <a:prstDash val="solid"/>
-                      <a:round/>
-                      <a:headEnd type="none" w="med" len="med"/>
-                      <a:tailEnd type="none" w="med" len="med"/>
-                    </a:lnR>
-                    <a:lnT w="12700" cap="flat" cmpd="sng" algn="ctr">
-                      <a:solidFill>
-                        <a:schemeClr val="tx1"/>
-                      </a:solidFill>
-                      <a:prstDash val="solid"/>
-                      <a:round/>
-                      <a:headEnd type="none" w="med" len="med"/>
-                      <a:tailEnd type="none" w="med" len="med"/>
-                    </a:lnT>
-                    <a:lnB w="12700" cap="flat" cmpd="sng" algn="ctr">
-                      <a:solidFill>
-                        <a:schemeClr val="tx1"/>
-                      </a:solidFill>
-                      <a:prstDash val="solid"/>
-                      <a:round/>
-                      <a:headEnd type="none" w="med" len="med"/>
-                      <a:tailEnd type="none" w="med" len="med"/>
-                    </a:lnB>
-                  </a:tcPr>
-                </a:tc>
-                <a:tc>
-                  <a:txBody>
-                    <a:bodyPr/>
-                    <a:lstStyle/>
-                    <a:p>
-                      <a:pPr algn="r" fontAlgn="b"/>
-                      <a:r>
-                        <a:rPr lang="en-US" sz="1700" u="none" strike="noStrike">
-                          <a:effectLst/>
-                          <a:latin typeface="Helvetica" pitchFamily="2" charset="0"/>
-                        </a:rPr>
-                        <a:t>0.414917</a:t>
-                      </a:r>
-                      <a:endParaRPr lang="en-US" sz="1700" b="0" i="0" u="none" strike="noStrike">
-                        <a:solidFill>
-                          <a:srgbClr val="000000"/>
-                        </a:solidFill>
-                        <a:effectLst/>
-                        <a:latin typeface="Helvetica" pitchFamily="2" charset="0"/>
-                      </a:endParaRPr>
-                    </a:p>
-                  </a:txBody>
-                  <a:tcPr marL="9525" marR="9525" marT="9525" marB="0" anchor="b">
-                    <a:lnL w="12700" cap="flat" cmpd="sng" algn="ctr">
-                      <a:solidFill>
-                        <a:schemeClr val="tx1"/>
-                      </a:solidFill>
-                      <a:prstDash val="solid"/>
-                      <a:round/>
-                      <a:headEnd type="none" w="med" len="med"/>
-                      <a:tailEnd type="none" w="med" len="med"/>
-                    </a:lnL>
-                    <a:lnR w="12700" cap="flat" cmpd="sng" algn="ctr">
-                      <a:solidFill>
-                        <a:schemeClr val="tx1"/>
-                      </a:solidFill>
-                      <a:prstDash val="solid"/>
-                      <a:round/>
-                      <a:headEnd type="none" w="med" len="med"/>
-                      <a:tailEnd type="none" w="med" len="med"/>
-                    </a:lnR>
-                    <a:lnT w="12700" cap="flat" cmpd="sng" algn="ctr">
-                      <a:solidFill>
-                        <a:schemeClr val="tx1"/>
-                      </a:solidFill>
-                      <a:prstDash val="solid"/>
-                      <a:round/>
-                      <a:headEnd type="none" w="med" len="med"/>
-                      <a:tailEnd type="none" w="med" len="med"/>
-                    </a:lnT>
-                    <a:lnB w="12700" cap="flat" cmpd="sng" algn="ctr">
-                      <a:solidFill>
-                        <a:schemeClr val="tx1"/>
-                      </a:solidFill>
-                      <a:prstDash val="solid"/>
-                      <a:round/>
-                      <a:headEnd type="none" w="med" len="med"/>
-                      <a:tailEnd type="none" w="med" len="med"/>
-                    </a:lnB>
-                  </a:tcPr>
-                </a:tc>
-                <a:tc>
-                  <a:txBody>
-                    <a:bodyPr/>
-                    <a:lstStyle/>
-                    <a:p>
-                      <a:pPr algn="r" fontAlgn="b"/>
-                      <a:r>
-                        <a:rPr lang="en-US" sz="1700" u="none" strike="noStrike">
-                          <a:effectLst/>
-                          <a:latin typeface="Helvetica" pitchFamily="2" charset="0"/>
-                        </a:rPr>
-                        <a:t>0.388872</a:t>
-                      </a:r>
-                      <a:endParaRPr lang="en-US" sz="1700" b="0" i="0" u="none" strike="noStrike">
-                        <a:solidFill>
-                          <a:srgbClr val="000000"/>
-                        </a:solidFill>
-                        <a:effectLst/>
-                        <a:latin typeface="Helvetica" pitchFamily="2" charset="0"/>
-                      </a:endParaRPr>
-                    </a:p>
-                  </a:txBody>
-                  <a:tcPr marL="9525" marR="9525" marT="9525" marB="0" anchor="b">
-                    <a:lnL w="12700" cap="flat" cmpd="sng" algn="ctr">
-                      <a:solidFill>
-                        <a:schemeClr val="tx1"/>
-                      </a:solidFill>
-                      <a:prstDash val="solid"/>
-                      <a:round/>
-                      <a:headEnd type="none" w="med" len="med"/>
-                      <a:tailEnd type="none" w="med" len="med"/>
-                    </a:lnL>
-                    <a:lnR w="12700" cap="flat" cmpd="sng" algn="ctr">
-                      <a:solidFill>
-                        <a:schemeClr val="tx1"/>
-                      </a:solidFill>
-                      <a:prstDash val="solid"/>
-                      <a:round/>
-                      <a:headEnd type="none" w="med" len="med"/>
-                      <a:tailEnd type="none" w="med" len="med"/>
-                    </a:lnR>
-                    <a:lnT w="12700" cap="flat" cmpd="sng" algn="ctr">
-                      <a:solidFill>
-                        <a:schemeClr val="tx1"/>
-                      </a:solidFill>
-                      <a:prstDash val="solid"/>
-                      <a:round/>
-                      <a:headEnd type="none" w="med" len="med"/>
-                      <a:tailEnd type="none" w="med" len="med"/>
-                    </a:lnT>
-                    <a:lnB w="12700" cap="flat" cmpd="sng" algn="ctr">
-                      <a:solidFill>
-                        <a:schemeClr val="tx1"/>
-                      </a:solidFill>
-                      <a:prstDash val="solid"/>
-                      <a:round/>
-                      <a:headEnd type="none" w="med" len="med"/>
-                      <a:tailEnd type="none" w="med" len="med"/>
-                    </a:lnB>
-                  </a:tcPr>
-                </a:tc>
-                <a:tc>
-                  <a:txBody>
-                    <a:bodyPr/>
-                    <a:lstStyle/>
-                    <a:p>
-                      <a:pPr algn="r" fontAlgn="b"/>
-                      <a:r>
-                        <a:rPr lang="en-US" sz="1700" u="none" strike="noStrike">
-                          <a:effectLst/>
-                          <a:latin typeface="Helvetica" pitchFamily="2" charset="0"/>
-                        </a:rPr>
-                        <a:t>0.393954</a:t>
-                      </a:r>
-                      <a:endParaRPr lang="en-US" sz="1700" b="0" i="0" u="none" strike="noStrike">
-                        <a:solidFill>
-                          <a:srgbClr val="000000"/>
-                        </a:solidFill>
-                        <a:effectLst/>
-                        <a:latin typeface="Helvetica" pitchFamily="2" charset="0"/>
-                      </a:endParaRPr>
-                    </a:p>
-                  </a:txBody>
-                  <a:tcPr marL="9525" marR="9525" marT="9525" marB="0" anchor="b">
-                    <a:lnL w="12700" cap="flat" cmpd="sng" algn="ctr">
-                      <a:solidFill>
-                        <a:schemeClr val="tx1"/>
-                      </a:solidFill>
-                      <a:prstDash val="solid"/>
-                      <a:round/>
-                      <a:headEnd type="none" w="med" len="med"/>
-                      <a:tailEnd type="none" w="med" len="med"/>
-                    </a:lnL>
-                    <a:lnR w="12700" cap="flat" cmpd="sng" algn="ctr">
-                      <a:solidFill>
-                        <a:schemeClr val="tx1"/>
-                      </a:solidFill>
-                      <a:prstDash val="solid"/>
-                      <a:round/>
-                      <a:headEnd type="none" w="med" len="med"/>
-                      <a:tailEnd type="none" w="med" len="med"/>
-                    </a:lnR>
-                    <a:lnT w="12700" cap="flat" cmpd="sng" algn="ctr">
-                      <a:solidFill>
-                        <a:schemeClr val="tx1"/>
-                      </a:solidFill>
-                      <a:prstDash val="solid"/>
-                      <a:round/>
-                      <a:headEnd type="none" w="med" len="med"/>
-                      <a:tailEnd type="none" w="med" len="med"/>
-                    </a:lnT>
-                    <a:lnB w="12700" cap="flat" cmpd="sng" algn="ctr">
-                      <a:solidFill>
-                        <a:schemeClr val="tx1"/>
-                      </a:solidFill>
-                      <a:prstDash val="solid"/>
-                      <a:round/>
-                      <a:headEnd type="none" w="med" len="med"/>
-                      <a:tailEnd type="none" w="med" len="med"/>
-                    </a:lnB>
-                  </a:tcPr>
-                </a:tc>
-                <a:tc>
-                  <a:txBody>
-                    <a:bodyPr/>
-                    <a:lstStyle/>
-                    <a:p>
-                      <a:pPr algn="r" fontAlgn="b"/>
-                      <a:r>
-                        <a:rPr lang="en-US" sz="1700" u="none" strike="noStrike" dirty="0">
-                          <a:effectLst/>
-                          <a:latin typeface="Helvetica" pitchFamily="2" charset="0"/>
-                        </a:rPr>
-                        <a:t>0.352623</a:t>
-                      </a:r>
-                      <a:endParaRPr lang="en-US" sz="1700" b="0" i="0" u="none" strike="noStrike" dirty="0">
-                        <a:solidFill>
-                          <a:srgbClr val="000000"/>
-                        </a:solidFill>
-                        <a:effectLst/>
-                        <a:latin typeface="Helvetica" pitchFamily="2" charset="0"/>
-                      </a:endParaRPr>
-                    </a:p>
-                  </a:txBody>
-                  <a:tcPr marL="9525" marR="9525" marT="9525" marB="0" anchor="b">
-                    <a:lnL w="12700" cap="flat" cmpd="sng" algn="ctr">
-                      <a:solidFill>
-                        <a:schemeClr val="tx1"/>
-                      </a:solidFill>
-                      <a:prstDash val="solid"/>
-                      <a:round/>
-                      <a:headEnd type="none" w="med" len="med"/>
-                      <a:tailEnd type="none" w="med" len="med"/>
-                    </a:lnL>
-                    <a:lnR w="12700" cap="flat" cmpd="sng" algn="ctr">
-                      <a:solidFill>
-                        <a:schemeClr val="tx1"/>
-                      </a:solidFill>
-                      <a:prstDash val="solid"/>
-                      <a:round/>
-                      <a:headEnd type="none" w="med" len="med"/>
-                      <a:tailEnd type="none" w="med" len="med"/>
-                    </a:lnR>
-                    <a:lnT w="12700" cap="flat" cmpd="sng" algn="ctr">
-                      <a:solidFill>
-                        <a:schemeClr val="tx1"/>
-                      </a:solidFill>
-                      <a:prstDash val="solid"/>
-                      <a:round/>
-                      <a:headEnd type="none" w="med" len="med"/>
-                      <a:tailEnd type="none" w="med" len="med"/>
-                    </a:lnT>
-                    <a:lnB w="12700" cap="flat" cmpd="sng" algn="ctr">
-                      <a:solidFill>
-                        <a:schemeClr val="tx1"/>
-                      </a:solidFill>
-                      <a:prstDash val="solid"/>
-                      <a:round/>
-                      <a:headEnd type="none" w="med" len="med"/>
-                      <a:tailEnd type="none" w="med" len="med"/>
-                    </a:lnB>
-                  </a:tcPr>
-                </a:tc>
-                <a:tc>
-                  <a:txBody>
-                    <a:bodyPr/>
-                    <a:lstStyle/>
-                    <a:p>
-                      <a:pPr algn="r" fontAlgn="b"/>
-                      <a:r>
-                        <a:rPr lang="en-US" sz="1700" u="none" strike="noStrike">
-                          <a:effectLst/>
-                          <a:latin typeface="Helvetica" pitchFamily="2" charset="0"/>
-                        </a:rPr>
-                        <a:t>2.251743</a:t>
-                      </a:r>
-                      <a:endParaRPr lang="en-US" sz="1700" b="0" i="0" u="none" strike="noStrike">
-                        <a:solidFill>
-                          <a:srgbClr val="000000"/>
-                        </a:solidFill>
-                        <a:effectLst/>
-                        <a:latin typeface="Helvetica" pitchFamily="2" charset="0"/>
-                      </a:endParaRPr>
-                    </a:p>
-                  </a:txBody>
-                  <a:tcPr marL="9525" marR="9525" marT="9525" marB="0" anchor="b">
-                    <a:lnL w="12700" cap="flat" cmpd="sng" algn="ctr">
-                      <a:solidFill>
-                        <a:schemeClr val="tx1"/>
-                      </a:solidFill>
-                      <a:prstDash val="solid"/>
-                      <a:round/>
-                      <a:headEnd type="none" w="med" len="med"/>
-                      <a:tailEnd type="none" w="med" len="med"/>
-                    </a:lnL>
-                    <a:lnR w="12700" cap="flat" cmpd="sng" algn="ctr">
-                      <a:solidFill>
-                        <a:schemeClr val="tx1"/>
-                      </a:solidFill>
-                      <a:prstDash val="solid"/>
-                      <a:round/>
-                      <a:headEnd type="none" w="med" len="med"/>
-                      <a:tailEnd type="none" w="med" len="med"/>
-                    </a:lnR>
-                    <a:lnT w="12700" cap="flat" cmpd="sng" algn="ctr">
-                      <a:solidFill>
-                        <a:schemeClr val="tx1"/>
-                      </a:solidFill>
-                      <a:prstDash val="solid"/>
-                      <a:round/>
-                      <a:headEnd type="none" w="med" len="med"/>
-                      <a:tailEnd type="none" w="med" len="med"/>
-                    </a:lnT>
-                    <a:lnB w="12700" cap="flat" cmpd="sng" algn="ctr">
-                      <a:solidFill>
-                        <a:schemeClr val="tx1"/>
-                      </a:solidFill>
-                      <a:prstDash val="solid"/>
-                      <a:round/>
-                      <a:headEnd type="none" w="med" len="med"/>
-                      <a:tailEnd type="none" w="med" len="med"/>
-                    </a:lnB>
-                  </a:tcPr>
-                </a:tc>
-                <a:extLst>
-                  <a:ext uri="{0D108BD9-81ED-4DB2-BD59-A6C34878D82A}">
-                    <a16:rowId xmlns:a16="http://schemas.microsoft.com/office/drawing/2014/main" val="569071680"/>
-                  </a:ext>
-                </a:extLst>
-              </a:tr>
-              <a:tr h="278932">
-                <a:tc>
-                  <a:txBody>
-                    <a:bodyPr/>
-                    <a:lstStyle/>
-                    <a:p>
-                      <a:pPr algn="l" fontAlgn="b"/>
-                      <a:r>
-                        <a:rPr lang="en-US" sz="1700" u="none" strike="noStrike">
-                          <a:effectLst/>
-                          <a:latin typeface="Helvetica" pitchFamily="2" charset="0"/>
-                        </a:rPr>
-                        <a:t>S0803</a:t>
-                      </a:r>
-                      <a:endParaRPr lang="en-US" sz="1700" b="0" i="0" u="none" strike="noStrike">
-                        <a:solidFill>
-                          <a:srgbClr val="000000"/>
-                        </a:solidFill>
-                        <a:effectLst/>
-                        <a:latin typeface="Helvetica" pitchFamily="2" charset="0"/>
-                      </a:endParaRPr>
-                    </a:p>
-                  </a:txBody>
-                  <a:tcPr marL="9525" marR="9525" marT="9525" marB="0" anchor="b">
-                    <a:lnL w="12700" cap="flat" cmpd="sng" algn="ctr">
-                      <a:solidFill>
-                        <a:schemeClr val="tx1"/>
-                      </a:solidFill>
-                      <a:prstDash val="solid"/>
-                      <a:round/>
-                      <a:headEnd type="none" w="med" len="med"/>
-                      <a:tailEnd type="none" w="med" len="med"/>
-                    </a:lnL>
-                    <a:lnR w="12700" cap="flat" cmpd="sng" algn="ctr">
-                      <a:solidFill>
-                        <a:schemeClr val="tx1"/>
-                      </a:solidFill>
-                      <a:prstDash val="solid"/>
-                      <a:round/>
-                      <a:headEnd type="none" w="med" len="med"/>
-                      <a:tailEnd type="none" w="med" len="med"/>
-                    </a:lnR>
-                    <a:lnT w="12700" cap="flat" cmpd="sng" algn="ctr">
-                      <a:solidFill>
-                        <a:schemeClr val="tx1"/>
-                      </a:solidFill>
-                      <a:prstDash val="solid"/>
-                      <a:round/>
-                      <a:headEnd type="none" w="med" len="med"/>
-                      <a:tailEnd type="none" w="med" len="med"/>
-                    </a:lnT>
-                    <a:lnB w="12700" cap="flat" cmpd="sng" algn="ctr">
-                      <a:solidFill>
-                        <a:schemeClr val="tx1"/>
-                      </a:solidFill>
-                      <a:prstDash val="solid"/>
-                      <a:round/>
-                      <a:headEnd type="none" w="med" len="med"/>
-                      <a:tailEnd type="none" w="med" len="med"/>
-                    </a:lnB>
-                  </a:tcPr>
-                </a:tc>
-                <a:tc>
-                  <a:txBody>
-                    <a:bodyPr/>
-                    <a:lstStyle/>
-                    <a:p>
-                      <a:pPr algn="r" fontAlgn="b"/>
-                      <a:r>
-                        <a:rPr lang="en-US" sz="1700" u="none" strike="noStrike">
-                          <a:effectLst/>
-                          <a:latin typeface="Helvetica" pitchFamily="2" charset="0"/>
-                        </a:rPr>
-                        <a:t>0.432649</a:t>
-                      </a:r>
-                      <a:endParaRPr lang="en-US" sz="1700" b="0" i="0" u="none" strike="noStrike">
-                        <a:solidFill>
-                          <a:srgbClr val="000000"/>
-                        </a:solidFill>
-                        <a:effectLst/>
-                        <a:latin typeface="Helvetica" pitchFamily="2" charset="0"/>
-                      </a:endParaRPr>
-                    </a:p>
-                  </a:txBody>
-                  <a:tcPr marL="9525" marR="9525" marT="9525" marB="0" anchor="b">
-                    <a:lnL w="12700" cap="flat" cmpd="sng" algn="ctr">
-                      <a:solidFill>
-                        <a:schemeClr val="tx1"/>
-                      </a:solidFill>
-                      <a:prstDash val="solid"/>
-                      <a:round/>
-                      <a:headEnd type="none" w="med" len="med"/>
-                      <a:tailEnd type="none" w="med" len="med"/>
-                    </a:lnL>
-                    <a:lnR w="12700" cap="flat" cmpd="sng" algn="ctr">
-                      <a:solidFill>
-                        <a:schemeClr val="tx1"/>
-                      </a:solidFill>
-                      <a:prstDash val="solid"/>
-                      <a:round/>
-                      <a:headEnd type="none" w="med" len="med"/>
-                      <a:tailEnd type="none" w="med" len="med"/>
-                    </a:lnR>
-                    <a:lnT w="12700" cap="flat" cmpd="sng" algn="ctr">
-                      <a:solidFill>
-                        <a:schemeClr val="tx1"/>
-                      </a:solidFill>
-                      <a:prstDash val="solid"/>
-                      <a:round/>
-                      <a:headEnd type="none" w="med" len="med"/>
-                      <a:tailEnd type="none" w="med" len="med"/>
-                    </a:lnT>
-                    <a:lnB w="12700" cap="flat" cmpd="sng" algn="ctr">
-                      <a:solidFill>
-                        <a:schemeClr val="tx1"/>
-                      </a:solidFill>
-                      <a:prstDash val="solid"/>
-                      <a:round/>
-                      <a:headEnd type="none" w="med" len="med"/>
-                      <a:tailEnd type="none" w="med" len="med"/>
-                    </a:lnB>
-                  </a:tcPr>
-                </a:tc>
-                <a:tc>
-                  <a:txBody>
-                    <a:bodyPr/>
-                    <a:lstStyle/>
-                    <a:p>
-                      <a:pPr algn="r" fontAlgn="b"/>
-                      <a:r>
-                        <a:rPr lang="en-US" sz="1700" u="none" strike="noStrike">
-                          <a:effectLst/>
-                          <a:latin typeface="Helvetica" pitchFamily="2" charset="0"/>
-                        </a:rPr>
-                        <a:t>0.353152</a:t>
-                      </a:r>
-                      <a:endParaRPr lang="en-US" sz="1700" b="0" i="0" u="none" strike="noStrike">
-                        <a:solidFill>
-                          <a:srgbClr val="000000"/>
-                        </a:solidFill>
-                        <a:effectLst/>
-                        <a:latin typeface="Helvetica" pitchFamily="2" charset="0"/>
-                      </a:endParaRPr>
-                    </a:p>
-                  </a:txBody>
-                  <a:tcPr marL="9525" marR="9525" marT="9525" marB="0" anchor="b">
-                    <a:lnL w="12700" cap="flat" cmpd="sng" algn="ctr">
-                      <a:solidFill>
-                        <a:schemeClr val="tx1"/>
-                      </a:solidFill>
-                      <a:prstDash val="solid"/>
-                      <a:round/>
-                      <a:headEnd type="none" w="med" len="med"/>
-                      <a:tailEnd type="none" w="med" len="med"/>
-                    </a:lnL>
-                    <a:lnR w="12700" cap="flat" cmpd="sng" algn="ctr">
-                      <a:solidFill>
-                        <a:schemeClr val="tx1"/>
-                      </a:solidFill>
-                      <a:prstDash val="solid"/>
-                      <a:round/>
-                      <a:headEnd type="none" w="med" len="med"/>
-                      <a:tailEnd type="none" w="med" len="med"/>
-                    </a:lnR>
-                    <a:lnT w="12700" cap="flat" cmpd="sng" algn="ctr">
-                      <a:solidFill>
-                        <a:schemeClr val="tx1"/>
-                      </a:solidFill>
-                      <a:prstDash val="solid"/>
-                      <a:round/>
-                      <a:headEnd type="none" w="med" len="med"/>
-                      <a:tailEnd type="none" w="med" len="med"/>
-                    </a:lnT>
-                    <a:lnB w="12700" cap="flat" cmpd="sng" algn="ctr">
-                      <a:solidFill>
-                        <a:schemeClr val="tx1"/>
-                      </a:solidFill>
-                      <a:prstDash val="solid"/>
-                      <a:round/>
-                      <a:headEnd type="none" w="med" len="med"/>
-                      <a:tailEnd type="none" w="med" len="med"/>
-                    </a:lnB>
-                  </a:tcPr>
-                </a:tc>
-                <a:tc>
-                  <a:txBody>
-                    <a:bodyPr/>
-                    <a:lstStyle/>
-                    <a:p>
-                      <a:pPr algn="r" fontAlgn="b"/>
-                      <a:r>
-                        <a:rPr lang="en-US" sz="1700" u="none" strike="noStrike">
-                          <a:effectLst/>
-                          <a:latin typeface="Helvetica" pitchFamily="2" charset="0"/>
-                        </a:rPr>
-                        <a:t>0.284234</a:t>
-                      </a:r>
-                      <a:endParaRPr lang="en-US" sz="1700" b="0" i="0" u="none" strike="noStrike">
-                        <a:solidFill>
-                          <a:srgbClr val="000000"/>
-                        </a:solidFill>
-                        <a:effectLst/>
-                        <a:latin typeface="Helvetica" pitchFamily="2" charset="0"/>
-                      </a:endParaRPr>
-                    </a:p>
-                  </a:txBody>
-                  <a:tcPr marL="9525" marR="9525" marT="9525" marB="0" anchor="b">
-                    <a:lnL w="12700" cap="flat" cmpd="sng" algn="ctr">
-                      <a:solidFill>
-                        <a:schemeClr val="tx1"/>
-                      </a:solidFill>
-                      <a:prstDash val="solid"/>
-                      <a:round/>
-                      <a:headEnd type="none" w="med" len="med"/>
-                      <a:tailEnd type="none" w="med" len="med"/>
-                    </a:lnL>
-                    <a:lnR w="12700" cap="flat" cmpd="sng" algn="ctr">
-                      <a:solidFill>
-                        <a:schemeClr val="tx1"/>
-                      </a:solidFill>
-                      <a:prstDash val="solid"/>
-                      <a:round/>
-                      <a:headEnd type="none" w="med" len="med"/>
-                      <a:tailEnd type="none" w="med" len="med"/>
-                    </a:lnR>
-                    <a:lnT w="12700" cap="flat" cmpd="sng" algn="ctr">
-                      <a:solidFill>
-                        <a:schemeClr val="tx1"/>
-                      </a:solidFill>
-                      <a:prstDash val="solid"/>
-                      <a:round/>
-                      <a:headEnd type="none" w="med" len="med"/>
-                      <a:tailEnd type="none" w="med" len="med"/>
-                    </a:lnT>
-                    <a:lnB w="12700" cap="flat" cmpd="sng" algn="ctr">
-                      <a:solidFill>
-                        <a:schemeClr val="tx1"/>
-                      </a:solidFill>
-                      <a:prstDash val="solid"/>
-                      <a:round/>
-                      <a:headEnd type="none" w="med" len="med"/>
-                      <a:tailEnd type="none" w="med" len="med"/>
-                    </a:lnB>
-                  </a:tcPr>
-                </a:tc>
-                <a:tc>
-                  <a:txBody>
-                    <a:bodyPr/>
-                    <a:lstStyle/>
-                    <a:p>
-                      <a:pPr algn="r" fontAlgn="b"/>
-                      <a:r>
-                        <a:rPr lang="en-US" sz="1700" u="none" strike="noStrike" dirty="0">
-                          <a:effectLst/>
-                          <a:latin typeface="Helvetica" pitchFamily="2" charset="0"/>
-                        </a:rPr>
-                        <a:t>0.266268</a:t>
-                      </a:r>
-                      <a:endParaRPr lang="en-US" sz="1700" b="0" i="0" u="none" strike="noStrike" dirty="0">
-                        <a:solidFill>
-                          <a:srgbClr val="000000"/>
-                        </a:solidFill>
-                        <a:effectLst/>
-                        <a:latin typeface="Helvetica" pitchFamily="2" charset="0"/>
-                      </a:endParaRPr>
-                    </a:p>
-                  </a:txBody>
-                  <a:tcPr marL="9525" marR="9525" marT="9525" marB="0" anchor="b">
-                    <a:lnL w="12700" cap="flat" cmpd="sng" algn="ctr">
-                      <a:solidFill>
-                        <a:schemeClr val="tx1"/>
-                      </a:solidFill>
-                      <a:prstDash val="solid"/>
-                      <a:round/>
-                      <a:headEnd type="none" w="med" len="med"/>
-                      <a:tailEnd type="none" w="med" len="med"/>
-                    </a:lnL>
-                    <a:lnR w="12700" cap="flat" cmpd="sng" algn="ctr">
-                      <a:solidFill>
-                        <a:schemeClr val="tx1"/>
-                      </a:solidFill>
-                      <a:prstDash val="solid"/>
-                      <a:round/>
-                      <a:headEnd type="none" w="med" len="med"/>
-                      <a:tailEnd type="none" w="med" len="med"/>
-                    </a:lnR>
-                    <a:lnT w="12700" cap="flat" cmpd="sng" algn="ctr">
-                      <a:solidFill>
-                        <a:schemeClr val="tx1"/>
-                      </a:solidFill>
-                      <a:prstDash val="solid"/>
-                      <a:round/>
-                      <a:headEnd type="none" w="med" len="med"/>
-                      <a:tailEnd type="none" w="med" len="med"/>
-                    </a:lnT>
-                    <a:lnB w="12700" cap="flat" cmpd="sng" algn="ctr">
-                      <a:solidFill>
-                        <a:schemeClr val="tx1"/>
-                      </a:solidFill>
-                      <a:prstDash val="solid"/>
-                      <a:round/>
-                      <a:headEnd type="none" w="med" len="med"/>
-                      <a:tailEnd type="none" w="med" len="med"/>
-                    </a:lnB>
-                  </a:tcPr>
-                </a:tc>
-                <a:tc>
-                  <a:txBody>
-                    <a:bodyPr/>
-                    <a:lstStyle/>
-                    <a:p>
-                      <a:pPr algn="r" fontAlgn="b"/>
-                      <a:r>
-                        <a:rPr lang="en-US" sz="1700" u="none" strike="noStrike">
-                          <a:effectLst/>
-                          <a:latin typeface="Helvetica" pitchFamily="2" charset="0"/>
-                        </a:rPr>
-                        <a:t>0.372129</a:t>
-                      </a:r>
-                      <a:endParaRPr lang="en-US" sz="1700" b="0" i="0" u="none" strike="noStrike">
-                        <a:solidFill>
-                          <a:srgbClr val="000000"/>
-                        </a:solidFill>
-                        <a:effectLst/>
-                        <a:latin typeface="Helvetica" pitchFamily="2" charset="0"/>
-                      </a:endParaRPr>
-                    </a:p>
-                  </a:txBody>
-                  <a:tcPr marL="9525" marR="9525" marT="9525" marB="0" anchor="b">
-                    <a:lnL w="12700" cap="flat" cmpd="sng" algn="ctr">
-                      <a:solidFill>
-                        <a:schemeClr val="tx1"/>
-                      </a:solidFill>
-                      <a:prstDash val="solid"/>
-                      <a:round/>
-                      <a:headEnd type="none" w="med" len="med"/>
-                      <a:tailEnd type="none" w="med" len="med"/>
-                    </a:lnL>
-                    <a:lnR w="12700" cap="flat" cmpd="sng" algn="ctr">
-                      <a:solidFill>
-                        <a:schemeClr val="tx1"/>
-                      </a:solidFill>
-                      <a:prstDash val="solid"/>
-                      <a:round/>
-                      <a:headEnd type="none" w="med" len="med"/>
-                      <a:tailEnd type="none" w="med" len="med"/>
-                    </a:lnR>
-                    <a:lnT w="12700" cap="flat" cmpd="sng" algn="ctr">
-                      <a:solidFill>
-                        <a:schemeClr val="tx1"/>
-                      </a:solidFill>
-                      <a:prstDash val="solid"/>
-                      <a:round/>
-                      <a:headEnd type="none" w="med" len="med"/>
-                      <a:tailEnd type="none" w="med" len="med"/>
-                    </a:lnT>
-                    <a:lnB w="12700" cap="flat" cmpd="sng" algn="ctr">
-                      <a:solidFill>
-                        <a:schemeClr val="tx1"/>
-                      </a:solidFill>
-                      <a:prstDash val="solid"/>
-                      <a:round/>
-                      <a:headEnd type="none" w="med" len="med"/>
-                      <a:tailEnd type="none" w="med" len="med"/>
-                    </a:lnB>
-                  </a:tcPr>
-                </a:tc>
-                <a:tc>
-                  <a:txBody>
-                    <a:bodyPr/>
-                    <a:lstStyle/>
-                    <a:p>
-                      <a:pPr algn="r" fontAlgn="b"/>
-                      <a:r>
-                        <a:rPr lang="en-US" sz="1700" u="none" strike="noStrike">
-                          <a:effectLst/>
-                          <a:latin typeface="Helvetica" pitchFamily="2" charset="0"/>
-                        </a:rPr>
-                        <a:t>0.318454</a:t>
-                      </a:r>
-                      <a:endParaRPr lang="en-US" sz="1700" b="0" i="0" u="none" strike="noStrike">
-                        <a:solidFill>
-                          <a:srgbClr val="000000"/>
-                        </a:solidFill>
-                        <a:effectLst/>
-                        <a:latin typeface="Helvetica" pitchFamily="2" charset="0"/>
-                      </a:endParaRPr>
-                    </a:p>
-                  </a:txBody>
-                  <a:tcPr marL="9525" marR="9525" marT="9525" marB="0" anchor="b">
-                    <a:lnL w="12700" cap="flat" cmpd="sng" algn="ctr">
-                      <a:solidFill>
-                        <a:schemeClr val="tx1"/>
-                      </a:solidFill>
-                      <a:prstDash val="solid"/>
-                      <a:round/>
-                      <a:headEnd type="none" w="med" len="med"/>
-                      <a:tailEnd type="none" w="med" len="med"/>
-                    </a:lnL>
-                    <a:lnR w="12700" cap="flat" cmpd="sng" algn="ctr">
-                      <a:solidFill>
-                        <a:schemeClr val="tx1"/>
-                      </a:solidFill>
-                      <a:prstDash val="solid"/>
-                      <a:round/>
-                      <a:headEnd type="none" w="med" len="med"/>
-                      <a:tailEnd type="none" w="med" len="med"/>
-                    </a:lnR>
-                    <a:lnT w="12700" cap="flat" cmpd="sng" algn="ctr">
-                      <a:solidFill>
-                        <a:schemeClr val="tx1"/>
-                      </a:solidFill>
-                      <a:prstDash val="solid"/>
-                      <a:round/>
-                      <a:headEnd type="none" w="med" len="med"/>
-                      <a:tailEnd type="none" w="med" len="med"/>
-                    </a:lnT>
-                    <a:lnB w="12700" cap="flat" cmpd="sng" algn="ctr">
-                      <a:solidFill>
-                        <a:schemeClr val="tx1"/>
-                      </a:solidFill>
-                      <a:prstDash val="solid"/>
-                      <a:round/>
-                      <a:headEnd type="none" w="med" len="med"/>
-                      <a:tailEnd type="none" w="med" len="med"/>
-                    </a:lnB>
-                  </a:tcPr>
-                </a:tc>
-                <a:tc>
-                  <a:txBody>
-                    <a:bodyPr/>
-                    <a:lstStyle/>
-                    <a:p>
-                      <a:pPr algn="r" fontAlgn="b"/>
-                      <a:r>
-                        <a:rPr lang="en-US" sz="1700" u="none" strike="noStrike" dirty="0">
-                          <a:effectLst/>
-                          <a:latin typeface="Helvetica" pitchFamily="2" charset="0"/>
-                        </a:rPr>
-                        <a:t>2.026885</a:t>
-                      </a:r>
-                      <a:endParaRPr lang="en-US" sz="1700" b="0" i="0" u="none" strike="noStrike" dirty="0">
-                        <a:solidFill>
-                          <a:srgbClr val="000000"/>
-                        </a:solidFill>
-                        <a:effectLst/>
-                        <a:latin typeface="Helvetica" pitchFamily="2" charset="0"/>
-                      </a:endParaRPr>
-                    </a:p>
-                  </a:txBody>
-                  <a:tcPr marL="9525" marR="9525" marT="9525" marB="0" anchor="b">
-                    <a:lnL w="12700" cap="flat" cmpd="sng" algn="ctr">
-                      <a:solidFill>
-                        <a:schemeClr val="tx1"/>
-                      </a:solidFill>
-                      <a:prstDash val="solid"/>
-                      <a:round/>
-                      <a:headEnd type="none" w="med" len="med"/>
-                      <a:tailEnd type="none" w="med" len="med"/>
-                    </a:lnL>
-                    <a:lnR w="12700" cap="flat" cmpd="sng" algn="ctr">
-                      <a:solidFill>
-                        <a:schemeClr val="tx1"/>
-                      </a:solidFill>
-                      <a:prstDash val="solid"/>
-                      <a:round/>
-                      <a:headEnd type="none" w="med" len="med"/>
-                      <a:tailEnd type="none" w="med" len="med"/>
-                    </a:lnR>
-                    <a:lnT w="12700" cap="flat" cmpd="sng" algn="ctr">
-                      <a:solidFill>
-                        <a:schemeClr val="tx1"/>
-                      </a:solidFill>
-                      <a:prstDash val="solid"/>
-                      <a:round/>
-                      <a:headEnd type="none" w="med" len="med"/>
-                      <a:tailEnd type="none" w="med" len="med"/>
-                    </a:lnT>
-                    <a:lnB w="12700" cap="flat" cmpd="sng" algn="ctr">
-                      <a:solidFill>
-                        <a:schemeClr val="tx1"/>
-                      </a:solidFill>
-                      <a:prstDash val="solid"/>
-                      <a:round/>
-                      <a:headEnd type="none" w="med" len="med"/>
-                      <a:tailEnd type="none" w="med" len="med"/>
-                    </a:lnB>
-                  </a:tcPr>
-                </a:tc>
-                <a:extLst>
-                  <a:ext uri="{0D108BD9-81ED-4DB2-BD59-A6C34878D82A}">
-                    <a16:rowId xmlns:a16="http://schemas.microsoft.com/office/drawing/2014/main" val="151850161"/>
-                  </a:ext>
-                </a:extLst>
-              </a:tr>
-            </a:tbl>
-          </a:graphicData>
-        </a:graphic>
-      </p:graphicFrame>
-      <p:graphicFrame>
-        <p:nvGraphicFramePr>
-          <p:cNvPr id="53" name="Table 52">
-            <a:extLst>
-              <a:ext uri="{FF2B5EF4-FFF2-40B4-BE49-F238E27FC236}">
-                <a16:creationId xmlns:a16="http://schemas.microsoft.com/office/drawing/2014/main" id="{5FD3753E-821B-8ACA-BAB6-279E8325BD2F}"/>
-              </a:ext>
-            </a:extLst>
-          </p:cNvPr>
-          <p:cNvGraphicFramePr>
-            <a:graphicFrameLocks noGrp="1"/>
-          </p:cNvGraphicFramePr>
-          <p:nvPr>
-            <p:extLst>
-              <p:ext uri="{D42A27DB-BD31-4B8C-83A1-F6EECF244321}">
-                <p14:modId xmlns:p14="http://schemas.microsoft.com/office/powerpoint/2010/main" val="1150624568"/>
-              </p:ext>
-            </p:extLst>
-          </p:nvPr>
-        </p:nvGraphicFramePr>
-        <p:xfrm>
-          <a:off x="11328179" y="18216901"/>
-          <a:ext cx="10314432" cy="938532"/>
-        </p:xfrm>
-        <a:graphic>
-          <a:graphicData uri="http://schemas.openxmlformats.org/drawingml/2006/table">
-            <a:tbl>
-              <a:tblPr>
-                <a:tableStyleId>{5C22544A-7EE6-4342-B048-85BDC9FD1C3A}</a:tableStyleId>
-              </a:tblPr>
-              <a:tblGrid>
-                <a:gridCol w="1289304">
-                  <a:extLst>
-                    <a:ext uri="{9D8B030D-6E8A-4147-A177-3AD203B41FA5}">
-                      <a16:colId xmlns:a16="http://schemas.microsoft.com/office/drawing/2014/main" val="3635539224"/>
-                    </a:ext>
-                  </a:extLst>
-                </a:gridCol>
-                <a:gridCol w="1289304">
-                  <a:extLst>
-                    <a:ext uri="{9D8B030D-6E8A-4147-A177-3AD203B41FA5}">
-                      <a16:colId xmlns:a16="http://schemas.microsoft.com/office/drawing/2014/main" val="712327151"/>
-                    </a:ext>
-                  </a:extLst>
-                </a:gridCol>
-                <a:gridCol w="1289304">
-                  <a:extLst>
-                    <a:ext uri="{9D8B030D-6E8A-4147-A177-3AD203B41FA5}">
-                      <a16:colId xmlns:a16="http://schemas.microsoft.com/office/drawing/2014/main" val="799108279"/>
-                    </a:ext>
-                  </a:extLst>
-                </a:gridCol>
-                <a:gridCol w="1289304">
-                  <a:extLst>
-                    <a:ext uri="{9D8B030D-6E8A-4147-A177-3AD203B41FA5}">
-                      <a16:colId xmlns:a16="http://schemas.microsoft.com/office/drawing/2014/main" val="1743849819"/>
-                    </a:ext>
-                  </a:extLst>
-                </a:gridCol>
-                <a:gridCol w="1289304">
-                  <a:extLst>
-                    <a:ext uri="{9D8B030D-6E8A-4147-A177-3AD203B41FA5}">
-                      <a16:colId xmlns:a16="http://schemas.microsoft.com/office/drawing/2014/main" val="3631794524"/>
-                    </a:ext>
-                  </a:extLst>
-                </a:gridCol>
-                <a:gridCol w="1289304">
-                  <a:extLst>
-                    <a:ext uri="{9D8B030D-6E8A-4147-A177-3AD203B41FA5}">
-                      <a16:colId xmlns:a16="http://schemas.microsoft.com/office/drawing/2014/main" val="2686616399"/>
-                    </a:ext>
-                  </a:extLst>
-                </a:gridCol>
-                <a:gridCol w="1289304">
-                  <a:extLst>
-                    <a:ext uri="{9D8B030D-6E8A-4147-A177-3AD203B41FA5}">
-                      <a16:colId xmlns:a16="http://schemas.microsoft.com/office/drawing/2014/main" val="3553846797"/>
-                    </a:ext>
-                  </a:extLst>
-                </a:gridCol>
-                <a:gridCol w="1289304">
-                  <a:extLst>
-                    <a:ext uri="{9D8B030D-6E8A-4147-A177-3AD203B41FA5}">
-                      <a16:colId xmlns:a16="http://schemas.microsoft.com/office/drawing/2014/main" val="4037102059"/>
-                    </a:ext>
-                  </a:extLst>
-                </a:gridCol>
-              </a:tblGrid>
-              <a:tr h="312844">
-                <a:tc>
-                  <a:txBody>
-                    <a:bodyPr/>
-                    <a:lstStyle/>
-                    <a:p>
-                      <a:pPr algn="ctr" fontAlgn="t"/>
-                      <a:r>
-                        <a:rPr lang="en-US" sz="1700" u="none" strike="noStrike">
-                          <a:effectLst/>
-                          <a:latin typeface="Helvetica" pitchFamily="2" charset="0"/>
-                        </a:rPr>
-                        <a:t>Subject</a:t>
-                      </a:r>
-                      <a:endParaRPr lang="en-US" sz="1700" b="1" i="0" u="none" strike="noStrike">
-                        <a:solidFill>
-                          <a:srgbClr val="000000"/>
-                        </a:solidFill>
-                        <a:effectLst/>
-                        <a:latin typeface="Helvetica" pitchFamily="2" charset="0"/>
-                      </a:endParaRPr>
-                    </a:p>
-                  </a:txBody>
-                  <a:tcPr marL="9525" marR="9525" marT="9525" marB="0" anchor="b">
-                    <a:lnL w="12700" cap="flat" cmpd="sng" algn="ctr">
-                      <a:solidFill>
-                        <a:schemeClr val="tx1"/>
-                      </a:solidFill>
-                      <a:prstDash val="solid"/>
-                      <a:round/>
-                      <a:headEnd type="none" w="med" len="med"/>
-                      <a:tailEnd type="none" w="med" len="med"/>
-                    </a:lnL>
-                    <a:lnR w="12700" cap="flat" cmpd="sng" algn="ctr">
-                      <a:solidFill>
-                        <a:schemeClr val="tx1"/>
-                      </a:solidFill>
-                      <a:prstDash val="solid"/>
-                      <a:round/>
-                      <a:headEnd type="none" w="med" len="med"/>
-                      <a:tailEnd type="none" w="med" len="med"/>
-                    </a:lnR>
-                    <a:lnT w="12700" cap="flat" cmpd="sng" algn="ctr">
-                      <a:solidFill>
-                        <a:schemeClr val="tx1"/>
-                      </a:solidFill>
-                      <a:prstDash val="solid"/>
-                      <a:round/>
-                      <a:headEnd type="none" w="med" len="med"/>
-                      <a:tailEnd type="none" w="med" len="med"/>
-                    </a:lnT>
-                    <a:lnB w="12700" cap="flat" cmpd="sng" algn="ctr">
-                      <a:solidFill>
-                        <a:schemeClr val="tx1"/>
-                      </a:solidFill>
-                      <a:prstDash val="solid"/>
-                      <a:round/>
-                      <a:headEnd type="none" w="med" len="med"/>
-                      <a:tailEnd type="none" w="med" len="med"/>
-                    </a:lnB>
-                  </a:tcPr>
-                </a:tc>
-                <a:tc>
-                  <a:txBody>
-                    <a:bodyPr/>
-                    <a:lstStyle/>
-                    <a:p>
-                      <a:pPr algn="ctr" fontAlgn="t"/>
-                      <a:r>
-                        <a:rPr lang="en-US" sz="1700" u="none" strike="noStrike">
-                          <a:effectLst/>
-                          <a:latin typeface="Helvetica" pitchFamily="2" charset="0"/>
-                        </a:rPr>
-                        <a:t>APE1</a:t>
-                      </a:r>
-                      <a:endParaRPr lang="en-US" sz="1700" b="1" i="0" u="none" strike="noStrike">
-                        <a:solidFill>
-                          <a:srgbClr val="000000"/>
-                        </a:solidFill>
-                        <a:effectLst/>
-                        <a:latin typeface="Helvetica" pitchFamily="2" charset="0"/>
-                      </a:endParaRPr>
-                    </a:p>
-                  </a:txBody>
-                  <a:tcPr marL="9525" marR="9525" marT="9525" marB="0" anchor="b">
-                    <a:lnL w="12700" cap="flat" cmpd="sng" algn="ctr">
-                      <a:solidFill>
-                        <a:schemeClr val="tx1"/>
-                      </a:solidFill>
-                      <a:prstDash val="solid"/>
-                      <a:round/>
-                      <a:headEnd type="none" w="med" len="med"/>
-                      <a:tailEnd type="none" w="med" len="med"/>
-                    </a:lnL>
-                    <a:lnR w="12700" cap="flat" cmpd="sng" algn="ctr">
-                      <a:solidFill>
-                        <a:schemeClr val="tx1"/>
-                      </a:solidFill>
-                      <a:prstDash val="solid"/>
-                      <a:round/>
-                      <a:headEnd type="none" w="med" len="med"/>
-                      <a:tailEnd type="none" w="med" len="med"/>
-                    </a:lnR>
-                    <a:lnT w="12700" cap="flat" cmpd="sng" algn="ctr">
-                      <a:solidFill>
-                        <a:schemeClr val="tx1"/>
-                      </a:solidFill>
-                      <a:prstDash val="solid"/>
-                      <a:round/>
-                      <a:headEnd type="none" w="med" len="med"/>
-                      <a:tailEnd type="none" w="med" len="med"/>
-                    </a:lnT>
-                    <a:lnB w="12700" cap="flat" cmpd="sng" algn="ctr">
-                      <a:solidFill>
-                        <a:schemeClr val="tx1"/>
-                      </a:solidFill>
-                      <a:prstDash val="solid"/>
-                      <a:round/>
-                      <a:headEnd type="none" w="med" len="med"/>
-                      <a:tailEnd type="none" w="med" len="med"/>
-                    </a:lnB>
-                  </a:tcPr>
-                </a:tc>
-                <a:tc>
-                  <a:txBody>
-                    <a:bodyPr/>
-                    <a:lstStyle/>
-                    <a:p>
-                      <a:pPr algn="ctr" fontAlgn="t"/>
-                      <a:r>
-                        <a:rPr lang="en-US" sz="1700" u="none" strike="noStrike">
-                          <a:effectLst/>
-                          <a:latin typeface="Helvetica" pitchFamily="2" charset="0"/>
-                        </a:rPr>
-                        <a:t>APE2</a:t>
-                      </a:r>
-                      <a:endParaRPr lang="en-US" sz="1700" b="1" i="0" u="none" strike="noStrike">
-                        <a:solidFill>
-                          <a:srgbClr val="000000"/>
-                        </a:solidFill>
-                        <a:effectLst/>
-                        <a:latin typeface="Helvetica" pitchFamily="2" charset="0"/>
-                      </a:endParaRPr>
-                    </a:p>
-                  </a:txBody>
-                  <a:tcPr marL="9525" marR="9525" marT="9525" marB="0" anchor="b">
-                    <a:lnL w="12700" cap="flat" cmpd="sng" algn="ctr">
-                      <a:solidFill>
-                        <a:schemeClr val="tx1"/>
-                      </a:solidFill>
-                      <a:prstDash val="solid"/>
-                      <a:round/>
-                      <a:headEnd type="none" w="med" len="med"/>
-                      <a:tailEnd type="none" w="med" len="med"/>
-                    </a:lnL>
-                    <a:lnR w="12700" cap="flat" cmpd="sng" algn="ctr">
-                      <a:solidFill>
-                        <a:schemeClr val="tx1"/>
-                      </a:solidFill>
-                      <a:prstDash val="solid"/>
-                      <a:round/>
-                      <a:headEnd type="none" w="med" len="med"/>
-                      <a:tailEnd type="none" w="med" len="med"/>
-                    </a:lnR>
-                    <a:lnT w="12700" cap="flat" cmpd="sng" algn="ctr">
-                      <a:solidFill>
-                        <a:schemeClr val="tx1"/>
-                      </a:solidFill>
-                      <a:prstDash val="solid"/>
-                      <a:round/>
-                      <a:headEnd type="none" w="med" len="med"/>
-                      <a:tailEnd type="none" w="med" len="med"/>
-                    </a:lnT>
-                    <a:lnB w="12700" cap="flat" cmpd="sng" algn="ctr">
-                      <a:solidFill>
-                        <a:schemeClr val="tx1"/>
-                      </a:solidFill>
-                      <a:prstDash val="solid"/>
-                      <a:round/>
-                      <a:headEnd type="none" w="med" len="med"/>
-                      <a:tailEnd type="none" w="med" len="med"/>
-                    </a:lnB>
-                  </a:tcPr>
-                </a:tc>
-                <a:tc>
-                  <a:txBody>
-                    <a:bodyPr/>
-                    <a:lstStyle/>
-                    <a:p>
-                      <a:pPr algn="ctr" fontAlgn="t"/>
-                      <a:r>
-                        <a:rPr lang="en-US" sz="1700" u="none" strike="noStrike" dirty="0">
-                          <a:effectLst/>
-                          <a:latin typeface="Helvetica" pitchFamily="2" charset="0"/>
-                        </a:rPr>
-                        <a:t>APE3</a:t>
-                      </a:r>
-                      <a:endParaRPr lang="en-US" sz="1700" b="1" i="0" u="none" strike="noStrike" dirty="0">
-                        <a:solidFill>
-                          <a:srgbClr val="000000"/>
-                        </a:solidFill>
-                        <a:effectLst/>
-                        <a:latin typeface="Helvetica" pitchFamily="2" charset="0"/>
-                      </a:endParaRPr>
-                    </a:p>
-                  </a:txBody>
-                  <a:tcPr marL="9525" marR="9525" marT="9525" marB="0" anchor="b">
-                    <a:lnL w="12700" cap="flat" cmpd="sng" algn="ctr">
-                      <a:solidFill>
-                        <a:schemeClr val="tx1"/>
-                      </a:solidFill>
-                      <a:prstDash val="solid"/>
-                      <a:round/>
-                      <a:headEnd type="none" w="med" len="med"/>
-                      <a:tailEnd type="none" w="med" len="med"/>
-                    </a:lnL>
-                    <a:lnR w="12700" cap="flat" cmpd="sng" algn="ctr">
-                      <a:solidFill>
-                        <a:schemeClr val="tx1"/>
-                      </a:solidFill>
-                      <a:prstDash val="solid"/>
-                      <a:round/>
-                      <a:headEnd type="none" w="med" len="med"/>
-                      <a:tailEnd type="none" w="med" len="med"/>
-                    </a:lnR>
-                    <a:lnT w="12700" cap="flat" cmpd="sng" algn="ctr">
-                      <a:solidFill>
-                        <a:schemeClr val="tx1"/>
-                      </a:solidFill>
-                      <a:prstDash val="solid"/>
-                      <a:round/>
-                      <a:headEnd type="none" w="med" len="med"/>
-                      <a:tailEnd type="none" w="med" len="med"/>
-                    </a:lnT>
-                    <a:lnB w="12700" cap="flat" cmpd="sng" algn="ctr">
-                      <a:solidFill>
-                        <a:schemeClr val="tx1"/>
-                      </a:solidFill>
-                      <a:prstDash val="solid"/>
-                      <a:round/>
-                      <a:headEnd type="none" w="med" len="med"/>
-                      <a:tailEnd type="none" w="med" len="med"/>
-                    </a:lnB>
-                  </a:tcPr>
-                </a:tc>
-                <a:tc>
-                  <a:txBody>
-                    <a:bodyPr/>
-                    <a:lstStyle/>
-                    <a:p>
-                      <a:pPr algn="ctr" fontAlgn="t"/>
-                      <a:r>
-                        <a:rPr lang="en-US" sz="1700" u="none" strike="noStrike">
-                          <a:effectLst/>
-                          <a:latin typeface="Helvetica" pitchFamily="2" charset="0"/>
-                        </a:rPr>
-                        <a:t>APE4</a:t>
-                      </a:r>
-                      <a:endParaRPr lang="en-US" sz="1700" b="1" i="0" u="none" strike="noStrike">
-                        <a:solidFill>
-                          <a:srgbClr val="000000"/>
-                        </a:solidFill>
-                        <a:effectLst/>
-                        <a:latin typeface="Helvetica" pitchFamily="2" charset="0"/>
-                      </a:endParaRPr>
-                    </a:p>
-                  </a:txBody>
-                  <a:tcPr marL="9525" marR="9525" marT="9525" marB="0" anchor="b">
-                    <a:lnL w="12700" cap="flat" cmpd="sng" algn="ctr">
-                      <a:solidFill>
-                        <a:schemeClr val="tx1"/>
-                      </a:solidFill>
-                      <a:prstDash val="solid"/>
-                      <a:round/>
-                      <a:headEnd type="none" w="med" len="med"/>
-                      <a:tailEnd type="none" w="med" len="med"/>
-                    </a:lnL>
-                    <a:lnR w="12700" cap="flat" cmpd="sng" algn="ctr">
-                      <a:solidFill>
-                        <a:schemeClr val="tx1"/>
-                      </a:solidFill>
-                      <a:prstDash val="solid"/>
-                      <a:round/>
-                      <a:headEnd type="none" w="med" len="med"/>
-                      <a:tailEnd type="none" w="med" len="med"/>
-                    </a:lnR>
-                    <a:lnT w="12700" cap="flat" cmpd="sng" algn="ctr">
-                      <a:solidFill>
-                        <a:schemeClr val="tx1"/>
-                      </a:solidFill>
-                      <a:prstDash val="solid"/>
-                      <a:round/>
-                      <a:headEnd type="none" w="med" len="med"/>
-                      <a:tailEnd type="none" w="med" len="med"/>
-                    </a:lnT>
-                    <a:lnB w="12700" cap="flat" cmpd="sng" algn="ctr">
-                      <a:solidFill>
-                        <a:schemeClr val="tx1"/>
-                      </a:solidFill>
-                      <a:prstDash val="solid"/>
-                      <a:round/>
-                      <a:headEnd type="none" w="med" len="med"/>
-                      <a:tailEnd type="none" w="med" len="med"/>
-                    </a:lnB>
-                  </a:tcPr>
-                </a:tc>
-                <a:tc>
-                  <a:txBody>
-                    <a:bodyPr/>
-                    <a:lstStyle/>
-                    <a:p>
-                      <a:pPr algn="ctr" fontAlgn="t"/>
-                      <a:r>
-                        <a:rPr lang="en-US" sz="1700" u="none" strike="noStrike">
-                          <a:effectLst/>
-                          <a:latin typeface="Helvetica" pitchFamily="2" charset="0"/>
-                        </a:rPr>
-                        <a:t>APE5</a:t>
-                      </a:r>
-                      <a:endParaRPr lang="en-US" sz="1700" b="1" i="0" u="none" strike="noStrike">
-                        <a:solidFill>
-                          <a:srgbClr val="000000"/>
-                        </a:solidFill>
-                        <a:effectLst/>
-                        <a:latin typeface="Helvetica" pitchFamily="2" charset="0"/>
-                      </a:endParaRPr>
-                    </a:p>
-                  </a:txBody>
-                  <a:tcPr marL="9525" marR="9525" marT="9525" marB="0" anchor="b">
-                    <a:lnL w="12700" cap="flat" cmpd="sng" algn="ctr">
-                      <a:solidFill>
-                        <a:schemeClr val="tx1"/>
-                      </a:solidFill>
-                      <a:prstDash val="solid"/>
-                      <a:round/>
-                      <a:headEnd type="none" w="med" len="med"/>
-                      <a:tailEnd type="none" w="med" len="med"/>
-                    </a:lnL>
-                    <a:lnR w="12700" cap="flat" cmpd="sng" algn="ctr">
-                      <a:solidFill>
-                        <a:schemeClr val="tx1"/>
-                      </a:solidFill>
-                      <a:prstDash val="solid"/>
-                      <a:round/>
-                      <a:headEnd type="none" w="med" len="med"/>
-                      <a:tailEnd type="none" w="med" len="med"/>
-                    </a:lnR>
-                    <a:lnT w="12700" cap="flat" cmpd="sng" algn="ctr">
-                      <a:solidFill>
-                        <a:schemeClr val="tx1"/>
-                      </a:solidFill>
-                      <a:prstDash val="solid"/>
-                      <a:round/>
-                      <a:headEnd type="none" w="med" len="med"/>
-                      <a:tailEnd type="none" w="med" len="med"/>
-                    </a:lnT>
-                    <a:lnB w="12700" cap="flat" cmpd="sng" algn="ctr">
-                      <a:solidFill>
-                        <a:schemeClr val="tx1"/>
-                      </a:solidFill>
-                      <a:prstDash val="solid"/>
-                      <a:round/>
-                      <a:headEnd type="none" w="med" len="med"/>
-                      <a:tailEnd type="none" w="med" len="med"/>
-                    </a:lnB>
-                  </a:tcPr>
-                </a:tc>
-                <a:tc>
-                  <a:txBody>
-                    <a:bodyPr/>
-                    <a:lstStyle/>
-                    <a:p>
-                      <a:pPr algn="ctr" fontAlgn="t"/>
-                      <a:r>
-                        <a:rPr lang="en-US" sz="1700" u="none" strike="noStrike">
-                          <a:effectLst/>
-                          <a:latin typeface="Helvetica" pitchFamily="2" charset="0"/>
-                        </a:rPr>
-                        <a:t>APE6</a:t>
-                      </a:r>
-                      <a:endParaRPr lang="en-US" sz="1700" b="1" i="0" u="none" strike="noStrike">
-                        <a:solidFill>
-                          <a:srgbClr val="000000"/>
-                        </a:solidFill>
-                        <a:effectLst/>
-                        <a:latin typeface="Helvetica" pitchFamily="2" charset="0"/>
-                      </a:endParaRPr>
-                    </a:p>
-                  </a:txBody>
-                  <a:tcPr marL="9525" marR="9525" marT="9525" marB="0" anchor="b">
-                    <a:lnL w="12700" cap="flat" cmpd="sng" algn="ctr">
-                      <a:solidFill>
-                        <a:schemeClr val="tx1"/>
-                      </a:solidFill>
-                      <a:prstDash val="solid"/>
-                      <a:round/>
-                      <a:headEnd type="none" w="med" len="med"/>
-                      <a:tailEnd type="none" w="med" len="med"/>
-                    </a:lnL>
-                    <a:lnR w="12700" cap="flat" cmpd="sng" algn="ctr">
-                      <a:solidFill>
-                        <a:schemeClr val="tx1"/>
-                      </a:solidFill>
-                      <a:prstDash val="solid"/>
-                      <a:round/>
-                      <a:headEnd type="none" w="med" len="med"/>
-                      <a:tailEnd type="none" w="med" len="med"/>
-                    </a:lnR>
-                    <a:lnT w="12700" cap="flat" cmpd="sng" algn="ctr">
-                      <a:solidFill>
-                        <a:schemeClr val="tx1"/>
-                      </a:solidFill>
-                      <a:prstDash val="solid"/>
-                      <a:round/>
-                      <a:headEnd type="none" w="med" len="med"/>
-                      <a:tailEnd type="none" w="med" len="med"/>
-                    </a:lnT>
-                    <a:lnB w="12700" cap="flat" cmpd="sng" algn="ctr">
-                      <a:solidFill>
-                        <a:schemeClr val="tx1"/>
-                      </a:solidFill>
-                      <a:prstDash val="solid"/>
-                      <a:round/>
-                      <a:headEnd type="none" w="med" len="med"/>
-                      <a:tailEnd type="none" w="med" len="med"/>
-                    </a:lnB>
-                  </a:tcPr>
-                </a:tc>
-                <a:tc>
-                  <a:txBody>
-                    <a:bodyPr/>
-                    <a:lstStyle/>
-                    <a:p>
-                      <a:pPr algn="ctr" fontAlgn="t"/>
-                      <a:r>
-                        <a:rPr lang="en-US" sz="1700" u="none" strike="noStrike">
-                          <a:effectLst/>
-                          <a:latin typeface="Helvetica" pitchFamily="2" charset="0"/>
-                        </a:rPr>
-                        <a:t>APComplex</a:t>
-                      </a:r>
-                      <a:endParaRPr lang="en-US" sz="1700" b="1" i="0" u="none" strike="noStrike">
-                        <a:solidFill>
-                          <a:srgbClr val="000000"/>
-                        </a:solidFill>
-                        <a:effectLst/>
-                        <a:latin typeface="Helvetica" pitchFamily="2" charset="0"/>
-                      </a:endParaRPr>
-                    </a:p>
-                  </a:txBody>
-                  <a:tcPr marL="9525" marR="9525" marT="9525" marB="0" anchor="b">
-                    <a:lnL w="12700" cap="flat" cmpd="sng" algn="ctr">
-                      <a:solidFill>
-                        <a:schemeClr val="tx1"/>
-                      </a:solidFill>
-                      <a:prstDash val="solid"/>
-                      <a:round/>
-                      <a:headEnd type="none" w="med" len="med"/>
-                      <a:tailEnd type="none" w="med" len="med"/>
-                    </a:lnL>
-                    <a:lnR w="12700" cap="flat" cmpd="sng" algn="ctr">
-                      <a:solidFill>
-                        <a:schemeClr val="tx1"/>
-                      </a:solidFill>
-                      <a:prstDash val="solid"/>
-                      <a:round/>
-                      <a:headEnd type="none" w="med" len="med"/>
-                      <a:tailEnd type="none" w="med" len="med"/>
-                    </a:lnR>
-                    <a:lnT w="12700" cap="flat" cmpd="sng" algn="ctr">
-                      <a:solidFill>
-                        <a:schemeClr val="tx1"/>
-                      </a:solidFill>
-                      <a:prstDash val="solid"/>
-                      <a:round/>
-                      <a:headEnd type="none" w="med" len="med"/>
-                      <a:tailEnd type="none" w="med" len="med"/>
-                    </a:lnT>
-                    <a:lnB w="12700" cap="flat" cmpd="sng" algn="ctr">
-                      <a:solidFill>
-                        <a:schemeClr val="tx1"/>
-                      </a:solidFill>
-                      <a:prstDash val="solid"/>
-                      <a:round/>
-                      <a:headEnd type="none" w="med" len="med"/>
-                      <a:tailEnd type="none" w="med" len="med"/>
-                    </a:lnB>
-                  </a:tcPr>
-                </a:tc>
-                <a:extLst>
-                  <a:ext uri="{0D108BD9-81ED-4DB2-BD59-A6C34878D82A}">
-                    <a16:rowId xmlns:a16="http://schemas.microsoft.com/office/drawing/2014/main" val="2052993009"/>
-                  </a:ext>
-                </a:extLst>
-              </a:tr>
-              <a:tr h="312844">
-                <a:tc>
-                  <a:txBody>
-                    <a:bodyPr/>
-                    <a:lstStyle/>
-                    <a:p>
-                      <a:pPr algn="l" fontAlgn="b"/>
-                      <a:r>
-                        <a:rPr lang="en-US" sz="1700" u="none" strike="noStrike">
-                          <a:effectLst/>
-                          <a:latin typeface="Helvetica" pitchFamily="2" charset="0"/>
-                        </a:rPr>
-                        <a:t>S0802</a:t>
-                      </a:r>
-                      <a:endParaRPr lang="en-US" sz="1700" b="0" i="0" u="none" strike="noStrike">
-                        <a:solidFill>
-                          <a:srgbClr val="000000"/>
-                        </a:solidFill>
-                        <a:effectLst/>
-                        <a:latin typeface="Helvetica" pitchFamily="2" charset="0"/>
-                      </a:endParaRPr>
-                    </a:p>
-                  </a:txBody>
-                  <a:tcPr marL="9525" marR="9525" marT="9525" marB="0" anchor="b">
-                    <a:lnL w="12700" cap="flat" cmpd="sng" algn="ctr">
-                      <a:solidFill>
-                        <a:schemeClr val="tx1"/>
-                      </a:solidFill>
-                      <a:prstDash val="solid"/>
-                      <a:round/>
-                      <a:headEnd type="none" w="med" len="med"/>
-                      <a:tailEnd type="none" w="med" len="med"/>
-                    </a:lnL>
-                    <a:lnR w="12700" cap="flat" cmpd="sng" algn="ctr">
-                      <a:solidFill>
-                        <a:schemeClr val="tx1"/>
-                      </a:solidFill>
-                      <a:prstDash val="solid"/>
-                      <a:round/>
-                      <a:headEnd type="none" w="med" len="med"/>
-                      <a:tailEnd type="none" w="med" len="med"/>
-                    </a:lnR>
-                    <a:lnT w="12700" cap="flat" cmpd="sng" algn="ctr">
-                      <a:solidFill>
-                        <a:schemeClr val="tx1"/>
-                      </a:solidFill>
-                      <a:prstDash val="solid"/>
-                      <a:round/>
-                      <a:headEnd type="none" w="med" len="med"/>
-                      <a:tailEnd type="none" w="med" len="med"/>
-                    </a:lnT>
-                    <a:lnB w="12700" cap="flat" cmpd="sng" algn="ctr">
-                      <a:solidFill>
-                        <a:schemeClr val="tx1"/>
-                      </a:solidFill>
-                      <a:prstDash val="solid"/>
-                      <a:round/>
-                      <a:headEnd type="none" w="med" len="med"/>
-                      <a:tailEnd type="none" w="med" len="med"/>
-                    </a:lnB>
-                  </a:tcPr>
-                </a:tc>
-                <a:tc>
-                  <a:txBody>
-                    <a:bodyPr/>
-                    <a:lstStyle/>
-                    <a:p>
-                      <a:pPr algn="r" fontAlgn="b"/>
-                      <a:r>
-                        <a:rPr lang="en-US" sz="1700" u="none" strike="noStrike">
-                          <a:effectLst/>
-                          <a:latin typeface="Helvetica" pitchFamily="2" charset="0"/>
-                        </a:rPr>
-                        <a:t>0.254191</a:t>
-                      </a:r>
-                      <a:endParaRPr lang="en-US" sz="1700" b="0" i="0" u="none" strike="noStrike">
-                        <a:solidFill>
-                          <a:srgbClr val="000000"/>
-                        </a:solidFill>
-                        <a:effectLst/>
-                        <a:latin typeface="Helvetica" pitchFamily="2" charset="0"/>
-                      </a:endParaRPr>
-                    </a:p>
-                  </a:txBody>
-                  <a:tcPr marL="9525" marR="9525" marT="9525" marB="0" anchor="b">
-                    <a:lnL w="12700" cap="flat" cmpd="sng" algn="ctr">
-                      <a:solidFill>
-                        <a:schemeClr val="tx1"/>
-                      </a:solidFill>
-                      <a:prstDash val="solid"/>
-                      <a:round/>
-                      <a:headEnd type="none" w="med" len="med"/>
-                      <a:tailEnd type="none" w="med" len="med"/>
-                    </a:lnL>
-                    <a:lnR w="12700" cap="flat" cmpd="sng" algn="ctr">
-                      <a:solidFill>
-                        <a:schemeClr val="tx1"/>
-                      </a:solidFill>
-                      <a:prstDash val="solid"/>
-                      <a:round/>
-                      <a:headEnd type="none" w="med" len="med"/>
-                      <a:tailEnd type="none" w="med" len="med"/>
-                    </a:lnR>
-                    <a:lnT w="12700" cap="flat" cmpd="sng" algn="ctr">
-                      <a:solidFill>
-                        <a:schemeClr val="tx1"/>
-                      </a:solidFill>
-                      <a:prstDash val="solid"/>
-                      <a:round/>
-                      <a:headEnd type="none" w="med" len="med"/>
-                      <a:tailEnd type="none" w="med" len="med"/>
-                    </a:lnT>
-                    <a:lnB w="12700" cap="flat" cmpd="sng" algn="ctr">
-                      <a:solidFill>
-                        <a:schemeClr val="tx1"/>
-                      </a:solidFill>
-                      <a:prstDash val="solid"/>
-                      <a:round/>
-                      <a:headEnd type="none" w="med" len="med"/>
-                      <a:tailEnd type="none" w="med" len="med"/>
-                    </a:lnB>
-                  </a:tcPr>
-                </a:tc>
-                <a:tc>
-                  <a:txBody>
-                    <a:bodyPr/>
-                    <a:lstStyle/>
-                    <a:p>
-                      <a:pPr algn="r" fontAlgn="b"/>
-                      <a:r>
-                        <a:rPr lang="en-US" sz="1700" u="none" strike="noStrike">
-                          <a:effectLst/>
-                          <a:latin typeface="Helvetica" pitchFamily="2" charset="0"/>
-                        </a:rPr>
-                        <a:t>0.312566</a:t>
-                      </a:r>
-                      <a:endParaRPr lang="en-US" sz="1700" b="0" i="0" u="none" strike="noStrike">
-                        <a:solidFill>
-                          <a:srgbClr val="000000"/>
-                        </a:solidFill>
-                        <a:effectLst/>
-                        <a:latin typeface="Helvetica" pitchFamily="2" charset="0"/>
-                      </a:endParaRPr>
-                    </a:p>
-                  </a:txBody>
-                  <a:tcPr marL="9525" marR="9525" marT="9525" marB="0" anchor="b">
-                    <a:lnL w="12700" cap="flat" cmpd="sng" algn="ctr">
-                      <a:solidFill>
-                        <a:schemeClr val="tx1"/>
-                      </a:solidFill>
-                      <a:prstDash val="solid"/>
-                      <a:round/>
-                      <a:headEnd type="none" w="med" len="med"/>
-                      <a:tailEnd type="none" w="med" len="med"/>
-                    </a:lnL>
-                    <a:lnR w="12700" cap="flat" cmpd="sng" algn="ctr">
-                      <a:solidFill>
-                        <a:schemeClr val="tx1"/>
-                      </a:solidFill>
-                      <a:prstDash val="solid"/>
-                      <a:round/>
-                      <a:headEnd type="none" w="med" len="med"/>
-                      <a:tailEnd type="none" w="med" len="med"/>
-                    </a:lnR>
-                    <a:lnT w="12700" cap="flat" cmpd="sng" algn="ctr">
-                      <a:solidFill>
-                        <a:schemeClr val="tx1"/>
-                      </a:solidFill>
-                      <a:prstDash val="solid"/>
-                      <a:round/>
-                      <a:headEnd type="none" w="med" len="med"/>
-                      <a:tailEnd type="none" w="med" len="med"/>
-                    </a:lnT>
-                    <a:lnB w="12700" cap="flat" cmpd="sng" algn="ctr">
-                      <a:solidFill>
-                        <a:schemeClr val="tx1"/>
-                      </a:solidFill>
-                      <a:prstDash val="solid"/>
-                      <a:round/>
-                      <a:headEnd type="none" w="med" len="med"/>
-                      <a:tailEnd type="none" w="med" len="med"/>
-                    </a:lnB>
-                  </a:tcPr>
-                </a:tc>
-                <a:tc>
-                  <a:txBody>
-                    <a:bodyPr/>
-                    <a:lstStyle/>
-                    <a:p>
-                      <a:pPr algn="r" fontAlgn="b"/>
-                      <a:r>
-                        <a:rPr lang="en-US" sz="1700" u="none" strike="noStrike" dirty="0">
-                          <a:effectLst/>
-                          <a:latin typeface="Helvetica" pitchFamily="2" charset="0"/>
-                        </a:rPr>
-                        <a:t>0.262593</a:t>
-                      </a:r>
-                      <a:endParaRPr lang="en-US" sz="1700" b="0" i="0" u="none" strike="noStrike" dirty="0">
-                        <a:solidFill>
-                          <a:srgbClr val="000000"/>
-                        </a:solidFill>
-                        <a:effectLst/>
-                        <a:latin typeface="Helvetica" pitchFamily="2" charset="0"/>
-                      </a:endParaRPr>
-                    </a:p>
-                  </a:txBody>
-                  <a:tcPr marL="9525" marR="9525" marT="9525" marB="0" anchor="b">
-                    <a:lnL w="12700" cap="flat" cmpd="sng" algn="ctr">
-                      <a:solidFill>
-                        <a:schemeClr val="tx1"/>
-                      </a:solidFill>
-                      <a:prstDash val="solid"/>
-                      <a:round/>
-                      <a:headEnd type="none" w="med" len="med"/>
-                      <a:tailEnd type="none" w="med" len="med"/>
-                    </a:lnL>
-                    <a:lnR w="12700" cap="flat" cmpd="sng" algn="ctr">
-                      <a:solidFill>
-                        <a:schemeClr val="tx1"/>
-                      </a:solidFill>
-                      <a:prstDash val="solid"/>
-                      <a:round/>
-                      <a:headEnd type="none" w="med" len="med"/>
-                      <a:tailEnd type="none" w="med" len="med"/>
-                    </a:lnR>
-                    <a:lnT w="12700" cap="flat" cmpd="sng" algn="ctr">
-                      <a:solidFill>
-                        <a:schemeClr val="tx1"/>
-                      </a:solidFill>
-                      <a:prstDash val="solid"/>
-                      <a:round/>
-                      <a:headEnd type="none" w="med" len="med"/>
-                      <a:tailEnd type="none" w="med" len="med"/>
-                    </a:lnT>
-                    <a:lnB w="12700" cap="flat" cmpd="sng" algn="ctr">
-                      <a:solidFill>
-                        <a:schemeClr val="tx1"/>
-                      </a:solidFill>
-                      <a:prstDash val="solid"/>
-                      <a:round/>
-                      <a:headEnd type="none" w="med" len="med"/>
-                      <a:tailEnd type="none" w="med" len="med"/>
-                    </a:lnB>
-                  </a:tcPr>
-                </a:tc>
-                <a:tc>
-                  <a:txBody>
-                    <a:bodyPr/>
-                    <a:lstStyle/>
-                    <a:p>
-                      <a:pPr algn="r" fontAlgn="b"/>
-                      <a:r>
-                        <a:rPr lang="en-US" sz="1700" u="none" strike="noStrike">
-                          <a:effectLst/>
-                          <a:latin typeface="Helvetica" pitchFamily="2" charset="0"/>
-                        </a:rPr>
-                        <a:t>0.2218</a:t>
-                      </a:r>
-                      <a:endParaRPr lang="en-US" sz="1700" b="0" i="0" u="none" strike="noStrike">
-                        <a:solidFill>
-                          <a:srgbClr val="000000"/>
-                        </a:solidFill>
-                        <a:effectLst/>
-                        <a:latin typeface="Helvetica" pitchFamily="2" charset="0"/>
-                      </a:endParaRPr>
-                    </a:p>
-                  </a:txBody>
-                  <a:tcPr marL="9525" marR="9525" marT="9525" marB="0" anchor="b">
-                    <a:lnL w="12700" cap="flat" cmpd="sng" algn="ctr">
-                      <a:solidFill>
-                        <a:schemeClr val="tx1"/>
-                      </a:solidFill>
-                      <a:prstDash val="solid"/>
-                      <a:round/>
-                      <a:headEnd type="none" w="med" len="med"/>
-                      <a:tailEnd type="none" w="med" len="med"/>
-                    </a:lnL>
-                    <a:lnR w="12700" cap="flat" cmpd="sng" algn="ctr">
-                      <a:solidFill>
-                        <a:schemeClr val="tx1"/>
-                      </a:solidFill>
-                      <a:prstDash val="solid"/>
-                      <a:round/>
-                      <a:headEnd type="none" w="med" len="med"/>
-                      <a:tailEnd type="none" w="med" len="med"/>
-                    </a:lnR>
-                    <a:lnT w="12700" cap="flat" cmpd="sng" algn="ctr">
-                      <a:solidFill>
-                        <a:schemeClr val="tx1"/>
-                      </a:solidFill>
-                      <a:prstDash val="solid"/>
-                      <a:round/>
-                      <a:headEnd type="none" w="med" len="med"/>
-                      <a:tailEnd type="none" w="med" len="med"/>
-                    </a:lnT>
-                    <a:lnB w="12700" cap="flat" cmpd="sng" algn="ctr">
-                      <a:solidFill>
-                        <a:schemeClr val="tx1"/>
-                      </a:solidFill>
-                      <a:prstDash val="solid"/>
-                      <a:round/>
-                      <a:headEnd type="none" w="med" len="med"/>
-                      <a:tailEnd type="none" w="med" len="med"/>
-                    </a:lnB>
-                  </a:tcPr>
-                </a:tc>
-                <a:tc>
-                  <a:txBody>
-                    <a:bodyPr/>
-                    <a:lstStyle/>
-                    <a:p>
-                      <a:pPr algn="r" fontAlgn="b"/>
-                      <a:r>
-                        <a:rPr lang="en-US" sz="1700" u="none" strike="noStrike">
-                          <a:effectLst/>
-                          <a:latin typeface="Helvetica" pitchFamily="2" charset="0"/>
-                        </a:rPr>
-                        <a:t>0.198246</a:t>
-                      </a:r>
-                      <a:endParaRPr lang="en-US" sz="1700" b="0" i="0" u="none" strike="noStrike">
-                        <a:solidFill>
-                          <a:srgbClr val="000000"/>
-                        </a:solidFill>
-                        <a:effectLst/>
-                        <a:latin typeface="Helvetica" pitchFamily="2" charset="0"/>
-                      </a:endParaRPr>
-                    </a:p>
-                  </a:txBody>
-                  <a:tcPr marL="9525" marR="9525" marT="9525" marB="0" anchor="b">
-                    <a:lnL w="12700" cap="flat" cmpd="sng" algn="ctr">
-                      <a:solidFill>
-                        <a:schemeClr val="tx1"/>
-                      </a:solidFill>
-                      <a:prstDash val="solid"/>
-                      <a:round/>
-                      <a:headEnd type="none" w="med" len="med"/>
-                      <a:tailEnd type="none" w="med" len="med"/>
-                    </a:lnL>
-                    <a:lnR w="12700" cap="flat" cmpd="sng" algn="ctr">
-                      <a:solidFill>
-                        <a:schemeClr val="tx1"/>
-                      </a:solidFill>
-                      <a:prstDash val="solid"/>
-                      <a:round/>
-                      <a:headEnd type="none" w="med" len="med"/>
-                      <a:tailEnd type="none" w="med" len="med"/>
-                    </a:lnR>
-                    <a:lnT w="12700" cap="flat" cmpd="sng" algn="ctr">
-                      <a:solidFill>
-                        <a:schemeClr val="tx1"/>
-                      </a:solidFill>
-                      <a:prstDash val="solid"/>
-                      <a:round/>
-                      <a:headEnd type="none" w="med" len="med"/>
-                      <a:tailEnd type="none" w="med" len="med"/>
-                    </a:lnT>
-                    <a:lnB w="12700" cap="flat" cmpd="sng" algn="ctr">
-                      <a:solidFill>
-                        <a:schemeClr val="tx1"/>
-                      </a:solidFill>
-                      <a:prstDash val="solid"/>
-                      <a:round/>
-                      <a:headEnd type="none" w="med" len="med"/>
-                      <a:tailEnd type="none" w="med" len="med"/>
-                    </a:lnB>
-                  </a:tcPr>
-                </a:tc>
-                <a:tc>
-                  <a:txBody>
-                    <a:bodyPr/>
-                    <a:lstStyle/>
-                    <a:p>
-                      <a:pPr algn="r" fontAlgn="b"/>
-                      <a:r>
-                        <a:rPr lang="en-US" sz="1700" u="none" strike="noStrike">
-                          <a:effectLst/>
-                          <a:latin typeface="Helvetica" pitchFamily="2" charset="0"/>
-                        </a:rPr>
-                        <a:t>0.150084</a:t>
-                      </a:r>
-                      <a:endParaRPr lang="en-US" sz="1700" b="0" i="0" u="none" strike="noStrike">
-                        <a:solidFill>
-                          <a:srgbClr val="000000"/>
-                        </a:solidFill>
-                        <a:effectLst/>
-                        <a:latin typeface="Helvetica" pitchFamily="2" charset="0"/>
-                      </a:endParaRPr>
-                    </a:p>
-                  </a:txBody>
-                  <a:tcPr marL="9525" marR="9525" marT="9525" marB="0" anchor="b">
-                    <a:lnL w="12700" cap="flat" cmpd="sng" algn="ctr">
-                      <a:solidFill>
-                        <a:schemeClr val="tx1"/>
-                      </a:solidFill>
-                      <a:prstDash val="solid"/>
-                      <a:round/>
-                      <a:headEnd type="none" w="med" len="med"/>
-                      <a:tailEnd type="none" w="med" len="med"/>
-                    </a:lnL>
-                    <a:lnR w="12700" cap="flat" cmpd="sng" algn="ctr">
-                      <a:solidFill>
-                        <a:schemeClr val="tx1"/>
-                      </a:solidFill>
-                      <a:prstDash val="solid"/>
-                      <a:round/>
-                      <a:headEnd type="none" w="med" len="med"/>
-                      <a:tailEnd type="none" w="med" len="med"/>
-                    </a:lnR>
-                    <a:lnT w="12700" cap="flat" cmpd="sng" algn="ctr">
-                      <a:solidFill>
-                        <a:schemeClr val="tx1"/>
-                      </a:solidFill>
-                      <a:prstDash val="solid"/>
-                      <a:round/>
-                      <a:headEnd type="none" w="med" len="med"/>
-                      <a:tailEnd type="none" w="med" len="med"/>
-                    </a:lnT>
-                    <a:lnB w="12700" cap="flat" cmpd="sng" algn="ctr">
-                      <a:solidFill>
-                        <a:schemeClr val="tx1"/>
-                      </a:solidFill>
-                      <a:prstDash val="solid"/>
-                      <a:round/>
-                      <a:headEnd type="none" w="med" len="med"/>
-                      <a:tailEnd type="none" w="med" len="med"/>
-                    </a:lnB>
-                  </a:tcPr>
-                </a:tc>
-                <a:tc>
-                  <a:txBody>
-                    <a:bodyPr/>
-                    <a:lstStyle/>
-                    <a:p>
-                      <a:pPr algn="r" fontAlgn="b"/>
-                      <a:r>
-                        <a:rPr lang="en-US" sz="1700" u="none" strike="noStrike">
-                          <a:effectLst/>
-                          <a:latin typeface="Helvetica" pitchFamily="2" charset="0"/>
-                        </a:rPr>
-                        <a:t>1.39948</a:t>
-                      </a:r>
-                      <a:endParaRPr lang="en-US" sz="1700" b="0" i="0" u="none" strike="noStrike">
-                        <a:solidFill>
-                          <a:srgbClr val="000000"/>
-                        </a:solidFill>
-                        <a:effectLst/>
-                        <a:latin typeface="Helvetica" pitchFamily="2" charset="0"/>
-                      </a:endParaRPr>
-                    </a:p>
-                  </a:txBody>
-                  <a:tcPr marL="9525" marR="9525" marT="9525" marB="0" anchor="b">
-                    <a:lnL w="12700" cap="flat" cmpd="sng" algn="ctr">
-                      <a:solidFill>
-                        <a:schemeClr val="tx1"/>
-                      </a:solidFill>
-                      <a:prstDash val="solid"/>
-                      <a:round/>
-                      <a:headEnd type="none" w="med" len="med"/>
-                      <a:tailEnd type="none" w="med" len="med"/>
-                    </a:lnL>
-                    <a:lnR w="12700" cap="flat" cmpd="sng" algn="ctr">
-                      <a:solidFill>
-                        <a:schemeClr val="tx1"/>
-                      </a:solidFill>
-                      <a:prstDash val="solid"/>
-                      <a:round/>
-                      <a:headEnd type="none" w="med" len="med"/>
-                      <a:tailEnd type="none" w="med" len="med"/>
-                    </a:lnR>
-                    <a:lnT w="12700" cap="flat" cmpd="sng" algn="ctr">
-                      <a:solidFill>
-                        <a:schemeClr val="tx1"/>
-                      </a:solidFill>
-                      <a:prstDash val="solid"/>
-                      <a:round/>
-                      <a:headEnd type="none" w="med" len="med"/>
-                      <a:tailEnd type="none" w="med" len="med"/>
-                    </a:lnT>
-                    <a:lnB w="12700" cap="flat" cmpd="sng" algn="ctr">
-                      <a:solidFill>
-                        <a:schemeClr val="tx1"/>
-                      </a:solidFill>
-                      <a:prstDash val="solid"/>
-                      <a:round/>
-                      <a:headEnd type="none" w="med" len="med"/>
-                      <a:tailEnd type="none" w="med" len="med"/>
-                    </a:lnB>
-                  </a:tcPr>
-                </a:tc>
-                <a:extLst>
-                  <a:ext uri="{0D108BD9-81ED-4DB2-BD59-A6C34878D82A}">
-                    <a16:rowId xmlns:a16="http://schemas.microsoft.com/office/drawing/2014/main" val="3906222682"/>
-                  </a:ext>
-                </a:extLst>
-              </a:tr>
-              <a:tr h="312844">
-                <a:tc>
-                  <a:txBody>
-                    <a:bodyPr/>
-                    <a:lstStyle/>
-                    <a:p>
-                      <a:pPr algn="l" fontAlgn="b"/>
-                      <a:r>
-                        <a:rPr lang="en-US" sz="1700" u="none" strike="noStrike">
-                          <a:effectLst/>
-                          <a:latin typeface="Helvetica" pitchFamily="2" charset="0"/>
-                        </a:rPr>
-                        <a:t>S0803</a:t>
-                      </a:r>
-                      <a:endParaRPr lang="en-US" sz="1700" b="0" i="0" u="none" strike="noStrike">
-                        <a:solidFill>
-                          <a:srgbClr val="000000"/>
-                        </a:solidFill>
-                        <a:effectLst/>
-                        <a:latin typeface="Helvetica" pitchFamily="2" charset="0"/>
-                      </a:endParaRPr>
-                    </a:p>
-                  </a:txBody>
-                  <a:tcPr marL="9525" marR="9525" marT="9525" marB="0" anchor="b">
-                    <a:lnL w="12700" cap="flat" cmpd="sng" algn="ctr">
-                      <a:solidFill>
-                        <a:schemeClr val="tx1"/>
-                      </a:solidFill>
-                      <a:prstDash val="solid"/>
-                      <a:round/>
-                      <a:headEnd type="none" w="med" len="med"/>
-                      <a:tailEnd type="none" w="med" len="med"/>
-                    </a:lnL>
-                    <a:lnR w="12700" cap="flat" cmpd="sng" algn="ctr">
-                      <a:solidFill>
-                        <a:schemeClr val="tx1"/>
-                      </a:solidFill>
-                      <a:prstDash val="solid"/>
-                      <a:round/>
-                      <a:headEnd type="none" w="med" len="med"/>
-                      <a:tailEnd type="none" w="med" len="med"/>
-                    </a:lnR>
-                    <a:lnT w="12700" cap="flat" cmpd="sng" algn="ctr">
-                      <a:solidFill>
-                        <a:schemeClr val="tx1"/>
-                      </a:solidFill>
-                      <a:prstDash val="solid"/>
-                      <a:round/>
-                      <a:headEnd type="none" w="med" len="med"/>
-                      <a:tailEnd type="none" w="med" len="med"/>
-                    </a:lnT>
-                    <a:lnB w="12700" cap="flat" cmpd="sng" algn="ctr">
-                      <a:solidFill>
-                        <a:schemeClr val="tx1"/>
-                      </a:solidFill>
-                      <a:prstDash val="solid"/>
-                      <a:round/>
-                      <a:headEnd type="none" w="med" len="med"/>
-                      <a:tailEnd type="none" w="med" len="med"/>
-                    </a:lnB>
-                  </a:tcPr>
-                </a:tc>
-                <a:tc>
-                  <a:txBody>
-                    <a:bodyPr/>
-                    <a:lstStyle/>
-                    <a:p>
-                      <a:pPr algn="r" fontAlgn="b"/>
-                      <a:r>
-                        <a:rPr lang="en-US" sz="1700" u="none" strike="noStrike">
-                          <a:effectLst/>
-                          <a:latin typeface="Helvetica" pitchFamily="2" charset="0"/>
-                        </a:rPr>
-                        <a:t>0.355048</a:t>
-                      </a:r>
-                      <a:endParaRPr lang="en-US" sz="1700" b="0" i="0" u="none" strike="noStrike">
-                        <a:solidFill>
-                          <a:srgbClr val="000000"/>
-                        </a:solidFill>
-                        <a:effectLst/>
-                        <a:latin typeface="Helvetica" pitchFamily="2" charset="0"/>
-                      </a:endParaRPr>
-                    </a:p>
-                  </a:txBody>
-                  <a:tcPr marL="9525" marR="9525" marT="9525" marB="0" anchor="b">
-                    <a:lnL w="12700" cap="flat" cmpd="sng" algn="ctr">
-                      <a:solidFill>
-                        <a:schemeClr val="tx1"/>
-                      </a:solidFill>
-                      <a:prstDash val="solid"/>
-                      <a:round/>
-                      <a:headEnd type="none" w="med" len="med"/>
-                      <a:tailEnd type="none" w="med" len="med"/>
-                    </a:lnL>
-                    <a:lnR w="12700" cap="flat" cmpd="sng" algn="ctr">
-                      <a:solidFill>
-                        <a:schemeClr val="tx1"/>
-                      </a:solidFill>
-                      <a:prstDash val="solid"/>
-                      <a:round/>
-                      <a:headEnd type="none" w="med" len="med"/>
-                      <a:tailEnd type="none" w="med" len="med"/>
-                    </a:lnR>
-                    <a:lnT w="12700" cap="flat" cmpd="sng" algn="ctr">
-                      <a:solidFill>
-                        <a:schemeClr val="tx1"/>
-                      </a:solidFill>
-                      <a:prstDash val="solid"/>
-                      <a:round/>
-                      <a:headEnd type="none" w="med" len="med"/>
-                      <a:tailEnd type="none" w="med" len="med"/>
-                    </a:lnT>
-                    <a:lnB w="12700" cap="flat" cmpd="sng" algn="ctr">
-                      <a:solidFill>
-                        <a:schemeClr val="tx1"/>
-                      </a:solidFill>
-                      <a:prstDash val="solid"/>
-                      <a:round/>
-                      <a:headEnd type="none" w="med" len="med"/>
-                      <a:tailEnd type="none" w="med" len="med"/>
-                    </a:lnB>
-                  </a:tcPr>
-                </a:tc>
-                <a:tc>
-                  <a:txBody>
-                    <a:bodyPr/>
-                    <a:lstStyle/>
-                    <a:p>
-                      <a:pPr algn="r" fontAlgn="b"/>
-                      <a:r>
-                        <a:rPr lang="en-US" sz="1700" u="none" strike="noStrike">
-                          <a:effectLst/>
-                          <a:latin typeface="Helvetica" pitchFamily="2" charset="0"/>
-                        </a:rPr>
-                        <a:t>0.375845</a:t>
-                      </a:r>
-                      <a:endParaRPr lang="en-US" sz="1700" b="0" i="0" u="none" strike="noStrike">
-                        <a:solidFill>
-                          <a:srgbClr val="000000"/>
-                        </a:solidFill>
-                        <a:effectLst/>
-                        <a:latin typeface="Helvetica" pitchFamily="2" charset="0"/>
-                      </a:endParaRPr>
-                    </a:p>
-                  </a:txBody>
-                  <a:tcPr marL="9525" marR="9525" marT="9525" marB="0" anchor="b">
-                    <a:lnL w="12700" cap="flat" cmpd="sng" algn="ctr">
-                      <a:solidFill>
-                        <a:schemeClr val="tx1"/>
-                      </a:solidFill>
-                      <a:prstDash val="solid"/>
-                      <a:round/>
-                      <a:headEnd type="none" w="med" len="med"/>
-                      <a:tailEnd type="none" w="med" len="med"/>
-                    </a:lnL>
-                    <a:lnR w="12700" cap="flat" cmpd="sng" algn="ctr">
-                      <a:solidFill>
-                        <a:schemeClr val="tx1"/>
-                      </a:solidFill>
-                      <a:prstDash val="solid"/>
-                      <a:round/>
-                      <a:headEnd type="none" w="med" len="med"/>
-                      <a:tailEnd type="none" w="med" len="med"/>
-                    </a:lnR>
-                    <a:lnT w="12700" cap="flat" cmpd="sng" algn="ctr">
-                      <a:solidFill>
-                        <a:schemeClr val="tx1"/>
-                      </a:solidFill>
-                      <a:prstDash val="solid"/>
-                      <a:round/>
-                      <a:headEnd type="none" w="med" len="med"/>
-                      <a:tailEnd type="none" w="med" len="med"/>
-                    </a:lnT>
-                    <a:lnB w="12700" cap="flat" cmpd="sng" algn="ctr">
-                      <a:solidFill>
-                        <a:schemeClr val="tx1"/>
-                      </a:solidFill>
-                      <a:prstDash val="solid"/>
-                      <a:round/>
-                      <a:headEnd type="none" w="med" len="med"/>
-                      <a:tailEnd type="none" w="med" len="med"/>
-                    </a:lnB>
-                  </a:tcPr>
-                </a:tc>
-                <a:tc>
-                  <a:txBody>
-                    <a:bodyPr/>
-                    <a:lstStyle/>
-                    <a:p>
-                      <a:pPr algn="r" fontAlgn="b"/>
-                      <a:r>
-                        <a:rPr lang="en-US" sz="1700" u="none" strike="noStrike">
-                          <a:effectLst/>
-                          <a:latin typeface="Helvetica" pitchFamily="2" charset="0"/>
-                        </a:rPr>
-                        <a:t>0.221677</a:t>
-                      </a:r>
-                      <a:endParaRPr lang="en-US" sz="1700" b="0" i="0" u="none" strike="noStrike">
-                        <a:solidFill>
-                          <a:srgbClr val="000000"/>
-                        </a:solidFill>
-                        <a:effectLst/>
-                        <a:latin typeface="Helvetica" pitchFamily="2" charset="0"/>
-                      </a:endParaRPr>
-                    </a:p>
-                  </a:txBody>
-                  <a:tcPr marL="9525" marR="9525" marT="9525" marB="0" anchor="b">
-                    <a:lnL w="12700" cap="flat" cmpd="sng" algn="ctr">
-                      <a:solidFill>
-                        <a:schemeClr val="tx1"/>
-                      </a:solidFill>
-                      <a:prstDash val="solid"/>
-                      <a:round/>
-                      <a:headEnd type="none" w="med" len="med"/>
-                      <a:tailEnd type="none" w="med" len="med"/>
-                    </a:lnL>
-                    <a:lnR w="12700" cap="flat" cmpd="sng" algn="ctr">
-                      <a:solidFill>
-                        <a:schemeClr val="tx1"/>
-                      </a:solidFill>
-                      <a:prstDash val="solid"/>
-                      <a:round/>
-                      <a:headEnd type="none" w="med" len="med"/>
-                      <a:tailEnd type="none" w="med" len="med"/>
-                    </a:lnR>
-                    <a:lnT w="12700" cap="flat" cmpd="sng" algn="ctr">
-                      <a:solidFill>
-                        <a:schemeClr val="tx1"/>
-                      </a:solidFill>
-                      <a:prstDash val="solid"/>
-                      <a:round/>
-                      <a:headEnd type="none" w="med" len="med"/>
-                      <a:tailEnd type="none" w="med" len="med"/>
-                    </a:lnT>
-                    <a:lnB w="12700" cap="flat" cmpd="sng" algn="ctr">
-                      <a:solidFill>
-                        <a:schemeClr val="tx1"/>
-                      </a:solidFill>
-                      <a:prstDash val="solid"/>
-                      <a:round/>
-                      <a:headEnd type="none" w="med" len="med"/>
-                      <a:tailEnd type="none" w="med" len="med"/>
-                    </a:lnB>
-                  </a:tcPr>
-                </a:tc>
-                <a:tc>
-                  <a:txBody>
-                    <a:bodyPr/>
-                    <a:lstStyle/>
-                    <a:p>
-                      <a:pPr algn="r" fontAlgn="b"/>
-                      <a:r>
-                        <a:rPr lang="en-US" sz="1700" u="none" strike="noStrike">
-                          <a:effectLst/>
-                          <a:latin typeface="Helvetica" pitchFamily="2" charset="0"/>
-                        </a:rPr>
-                        <a:t>0.202124</a:t>
-                      </a:r>
-                      <a:endParaRPr lang="en-US" sz="1700" b="0" i="0" u="none" strike="noStrike">
-                        <a:solidFill>
-                          <a:srgbClr val="000000"/>
-                        </a:solidFill>
-                        <a:effectLst/>
-                        <a:latin typeface="Helvetica" pitchFamily="2" charset="0"/>
-                      </a:endParaRPr>
-                    </a:p>
-                  </a:txBody>
-                  <a:tcPr marL="9525" marR="9525" marT="9525" marB="0" anchor="b">
-                    <a:lnL w="12700" cap="flat" cmpd="sng" algn="ctr">
-                      <a:solidFill>
-                        <a:schemeClr val="tx1"/>
-                      </a:solidFill>
-                      <a:prstDash val="solid"/>
-                      <a:round/>
-                      <a:headEnd type="none" w="med" len="med"/>
-                      <a:tailEnd type="none" w="med" len="med"/>
-                    </a:lnL>
-                    <a:lnR w="12700" cap="flat" cmpd="sng" algn="ctr">
-                      <a:solidFill>
-                        <a:schemeClr val="tx1"/>
-                      </a:solidFill>
-                      <a:prstDash val="solid"/>
-                      <a:round/>
-                      <a:headEnd type="none" w="med" len="med"/>
-                      <a:tailEnd type="none" w="med" len="med"/>
-                    </a:lnR>
-                    <a:lnT w="12700" cap="flat" cmpd="sng" algn="ctr">
-                      <a:solidFill>
-                        <a:schemeClr val="tx1"/>
-                      </a:solidFill>
-                      <a:prstDash val="solid"/>
-                      <a:round/>
-                      <a:headEnd type="none" w="med" len="med"/>
-                      <a:tailEnd type="none" w="med" len="med"/>
-                    </a:lnT>
-                    <a:lnB w="12700" cap="flat" cmpd="sng" algn="ctr">
-                      <a:solidFill>
-                        <a:schemeClr val="tx1"/>
-                      </a:solidFill>
-                      <a:prstDash val="solid"/>
-                      <a:round/>
-                      <a:headEnd type="none" w="med" len="med"/>
-                      <a:tailEnd type="none" w="med" len="med"/>
-                    </a:lnB>
-                  </a:tcPr>
-                </a:tc>
-                <a:tc>
-                  <a:txBody>
-                    <a:bodyPr/>
-                    <a:lstStyle/>
-                    <a:p>
-                      <a:pPr algn="r" fontAlgn="b"/>
-                      <a:r>
-                        <a:rPr lang="en-US" sz="1700" u="none" strike="noStrike">
-                          <a:effectLst/>
-                          <a:latin typeface="Helvetica" pitchFamily="2" charset="0"/>
-                        </a:rPr>
-                        <a:t>0.16734</a:t>
-                      </a:r>
-                      <a:endParaRPr lang="en-US" sz="1700" b="0" i="0" u="none" strike="noStrike">
-                        <a:solidFill>
-                          <a:srgbClr val="000000"/>
-                        </a:solidFill>
-                        <a:effectLst/>
-                        <a:latin typeface="Helvetica" pitchFamily="2" charset="0"/>
-                      </a:endParaRPr>
-                    </a:p>
-                  </a:txBody>
-                  <a:tcPr marL="9525" marR="9525" marT="9525" marB="0" anchor="b">
-                    <a:lnL w="12700" cap="flat" cmpd="sng" algn="ctr">
-                      <a:solidFill>
-                        <a:schemeClr val="tx1"/>
-                      </a:solidFill>
-                      <a:prstDash val="solid"/>
-                      <a:round/>
-                      <a:headEnd type="none" w="med" len="med"/>
-                      <a:tailEnd type="none" w="med" len="med"/>
-                    </a:lnL>
-                    <a:lnR w="12700" cap="flat" cmpd="sng" algn="ctr">
-                      <a:solidFill>
-                        <a:schemeClr val="tx1"/>
-                      </a:solidFill>
-                      <a:prstDash val="solid"/>
-                      <a:round/>
-                      <a:headEnd type="none" w="med" len="med"/>
-                      <a:tailEnd type="none" w="med" len="med"/>
-                    </a:lnR>
-                    <a:lnT w="12700" cap="flat" cmpd="sng" algn="ctr">
-                      <a:solidFill>
-                        <a:schemeClr val="tx1"/>
-                      </a:solidFill>
-                      <a:prstDash val="solid"/>
-                      <a:round/>
-                      <a:headEnd type="none" w="med" len="med"/>
-                      <a:tailEnd type="none" w="med" len="med"/>
-                    </a:lnT>
-                    <a:lnB w="12700" cap="flat" cmpd="sng" algn="ctr">
-                      <a:solidFill>
-                        <a:schemeClr val="tx1"/>
-                      </a:solidFill>
-                      <a:prstDash val="solid"/>
-                      <a:round/>
-                      <a:headEnd type="none" w="med" len="med"/>
-                      <a:tailEnd type="none" w="med" len="med"/>
-                    </a:lnB>
-                  </a:tcPr>
-                </a:tc>
-                <a:tc>
-                  <a:txBody>
-                    <a:bodyPr/>
-                    <a:lstStyle/>
-                    <a:p>
-                      <a:pPr algn="r" fontAlgn="b"/>
-                      <a:r>
-                        <a:rPr lang="en-US" sz="1700" u="none" strike="noStrike">
-                          <a:effectLst/>
-                          <a:latin typeface="Helvetica" pitchFamily="2" charset="0"/>
-                        </a:rPr>
-                        <a:t>0.203295</a:t>
-                      </a:r>
-                      <a:endParaRPr lang="en-US" sz="1700" b="0" i="0" u="none" strike="noStrike">
-                        <a:solidFill>
-                          <a:srgbClr val="000000"/>
-                        </a:solidFill>
-                        <a:effectLst/>
-                        <a:latin typeface="Helvetica" pitchFamily="2" charset="0"/>
-                      </a:endParaRPr>
-                    </a:p>
-                  </a:txBody>
-                  <a:tcPr marL="9525" marR="9525" marT="9525" marB="0" anchor="b">
-                    <a:lnL w="12700" cap="flat" cmpd="sng" algn="ctr">
-                      <a:solidFill>
-                        <a:schemeClr val="tx1"/>
-                      </a:solidFill>
-                      <a:prstDash val="solid"/>
-                      <a:round/>
-                      <a:headEnd type="none" w="med" len="med"/>
-                      <a:tailEnd type="none" w="med" len="med"/>
-                    </a:lnL>
-                    <a:lnR w="12700" cap="flat" cmpd="sng" algn="ctr">
-                      <a:solidFill>
-                        <a:schemeClr val="tx1"/>
-                      </a:solidFill>
-                      <a:prstDash val="solid"/>
-                      <a:round/>
-                      <a:headEnd type="none" w="med" len="med"/>
-                      <a:tailEnd type="none" w="med" len="med"/>
-                    </a:lnR>
-                    <a:lnT w="12700" cap="flat" cmpd="sng" algn="ctr">
-                      <a:solidFill>
-                        <a:schemeClr val="tx1"/>
-                      </a:solidFill>
-                      <a:prstDash val="solid"/>
-                      <a:round/>
-                      <a:headEnd type="none" w="med" len="med"/>
-                      <a:tailEnd type="none" w="med" len="med"/>
-                    </a:lnT>
-                    <a:lnB w="12700" cap="flat" cmpd="sng" algn="ctr">
-                      <a:solidFill>
-                        <a:schemeClr val="tx1"/>
-                      </a:solidFill>
-                      <a:prstDash val="solid"/>
-                      <a:round/>
-                      <a:headEnd type="none" w="med" len="med"/>
-                      <a:tailEnd type="none" w="med" len="med"/>
-                    </a:lnB>
-                  </a:tcPr>
-                </a:tc>
-                <a:tc>
-                  <a:txBody>
-                    <a:bodyPr/>
-                    <a:lstStyle/>
-                    <a:p>
-                      <a:pPr algn="r" fontAlgn="b"/>
-                      <a:r>
-                        <a:rPr lang="en-US" sz="1700" u="none" strike="noStrike" dirty="0">
-                          <a:effectLst/>
-                          <a:latin typeface="Helvetica" pitchFamily="2" charset="0"/>
-                        </a:rPr>
-                        <a:t>1.525329</a:t>
-                      </a:r>
-                      <a:endParaRPr lang="en-US" sz="1700" b="0" i="0" u="none" strike="noStrike" dirty="0">
-                        <a:solidFill>
-                          <a:srgbClr val="000000"/>
-                        </a:solidFill>
-                        <a:effectLst/>
-                        <a:latin typeface="Helvetica" pitchFamily="2" charset="0"/>
-                      </a:endParaRPr>
-                    </a:p>
-                  </a:txBody>
-                  <a:tcPr marL="9525" marR="9525" marT="9525" marB="0" anchor="b">
-                    <a:lnL w="12700" cap="flat" cmpd="sng" algn="ctr">
-                      <a:solidFill>
-                        <a:schemeClr val="tx1"/>
-                      </a:solidFill>
-                      <a:prstDash val="solid"/>
-                      <a:round/>
-                      <a:headEnd type="none" w="med" len="med"/>
-                      <a:tailEnd type="none" w="med" len="med"/>
-                    </a:lnL>
-                    <a:lnR w="12700" cap="flat" cmpd="sng" algn="ctr">
-                      <a:solidFill>
-                        <a:schemeClr val="tx1"/>
-                      </a:solidFill>
-                      <a:prstDash val="solid"/>
-                      <a:round/>
-                      <a:headEnd type="none" w="med" len="med"/>
-                      <a:tailEnd type="none" w="med" len="med"/>
-                    </a:lnR>
-                    <a:lnT w="12700" cap="flat" cmpd="sng" algn="ctr">
-                      <a:solidFill>
-                        <a:schemeClr val="tx1"/>
-                      </a:solidFill>
-                      <a:prstDash val="solid"/>
-                      <a:round/>
-                      <a:headEnd type="none" w="med" len="med"/>
-                      <a:tailEnd type="none" w="med" len="med"/>
-                    </a:lnT>
-                    <a:lnB w="12700" cap="flat" cmpd="sng" algn="ctr">
-                      <a:solidFill>
-                        <a:schemeClr val="tx1"/>
-                      </a:solidFill>
-                      <a:prstDash val="solid"/>
-                      <a:round/>
-                      <a:headEnd type="none" w="med" len="med"/>
-                      <a:tailEnd type="none" w="med" len="med"/>
-                    </a:lnB>
-                  </a:tcPr>
-                </a:tc>
-                <a:extLst>
-                  <a:ext uri="{0D108BD9-81ED-4DB2-BD59-A6C34878D82A}">
-                    <a16:rowId xmlns:a16="http://schemas.microsoft.com/office/drawing/2014/main" val="3742299938"/>
-                  </a:ext>
-                </a:extLst>
-              </a:tr>
-            </a:tbl>
-          </a:graphicData>
-        </a:graphic>
-      </p:graphicFrame>
       <p:pic>
         <p:nvPicPr>
           <p:cNvPr id="57" name="Picture 56" descr="Chart, line chart&#10;&#10;Description automatically generated">
@@ -16854,8 +12552,8 @@
         </p:blipFill>
         <p:spPr>
           <a:xfrm>
-            <a:off x="17273466" y="10907541"/>
-            <a:ext cx="4297680" cy="2776811"/>
+            <a:off x="16436741" y="11307886"/>
+            <a:ext cx="5690583" cy="3676792"/>
           </a:xfrm>
           <a:prstGeom prst="rect">
             <a:avLst/>

--- a/PosterPresentation.pptx
+++ b/PosterPresentation.pptx
@@ -1097,7 +1097,7 @@
           <a:p>
             <a:fld id="{C0C879F5-FACF-7142-AF02-D40C8EE9EF74}" type="datetimeFigureOut">
               <a:rPr lang="en-US" smtClean="0"/>
-              <a:t>7/22/22</a:t>
+              <a:t>7/23/22</a:t>
             </a:fld>
             <a:endParaRPr lang="en-US"/>
           </a:p>
@@ -1584,7 +1584,7 @@
           <a:p>
             <a:fld id="{63C8CE8D-F073-5543-9253-FAF9CC6C9F73}" type="datetimeFigureOut">
               <a:rPr lang="en-US" smtClean="0"/>
-              <a:t>7/22/22</a:t>
+              <a:t>7/23/22</a:t>
             </a:fld>
             <a:endParaRPr lang="en-US"/>
           </a:p>
@@ -1754,7 +1754,7 @@
           <a:p>
             <a:fld id="{63C8CE8D-F073-5543-9253-FAF9CC6C9F73}" type="datetimeFigureOut">
               <a:rPr lang="en-US" smtClean="0"/>
-              <a:t>7/22/22</a:t>
+              <a:t>7/23/22</a:t>
             </a:fld>
             <a:endParaRPr lang="en-US"/>
           </a:p>
@@ -1934,7 +1934,7 @@
           <a:p>
             <a:fld id="{63C8CE8D-F073-5543-9253-FAF9CC6C9F73}" type="datetimeFigureOut">
               <a:rPr lang="en-US" smtClean="0"/>
-              <a:t>7/22/22</a:t>
+              <a:t>7/23/22</a:t>
             </a:fld>
             <a:endParaRPr lang="en-US"/>
           </a:p>
@@ -2104,7 +2104,7 @@
           <a:p>
             <a:fld id="{63C8CE8D-F073-5543-9253-FAF9CC6C9F73}" type="datetimeFigureOut">
               <a:rPr lang="en-US" smtClean="0"/>
-              <a:t>7/22/22</a:t>
+              <a:t>7/23/22</a:t>
             </a:fld>
             <a:endParaRPr lang="en-US"/>
           </a:p>
@@ -2348,7 +2348,7 @@
           <a:p>
             <a:fld id="{63C8CE8D-F073-5543-9253-FAF9CC6C9F73}" type="datetimeFigureOut">
               <a:rPr lang="en-US" smtClean="0"/>
-              <a:t>7/22/22</a:t>
+              <a:t>7/23/22</a:t>
             </a:fld>
             <a:endParaRPr lang="en-US"/>
           </a:p>
@@ -2580,7 +2580,7 @@
           <a:p>
             <a:fld id="{63C8CE8D-F073-5543-9253-FAF9CC6C9F73}" type="datetimeFigureOut">
               <a:rPr lang="en-US" smtClean="0"/>
-              <a:t>7/22/22</a:t>
+              <a:t>7/23/22</a:t>
             </a:fld>
             <a:endParaRPr lang="en-US"/>
           </a:p>
@@ -2947,7 +2947,7 @@
           <a:p>
             <a:fld id="{63C8CE8D-F073-5543-9253-FAF9CC6C9F73}" type="datetimeFigureOut">
               <a:rPr lang="en-US" smtClean="0"/>
-              <a:t>7/22/22</a:t>
+              <a:t>7/23/22</a:t>
             </a:fld>
             <a:endParaRPr lang="en-US"/>
           </a:p>
@@ -3065,7 +3065,7 @@
           <a:p>
             <a:fld id="{63C8CE8D-F073-5543-9253-FAF9CC6C9F73}" type="datetimeFigureOut">
               <a:rPr lang="en-US" smtClean="0"/>
-              <a:t>7/22/22</a:t>
+              <a:t>7/23/22</a:t>
             </a:fld>
             <a:endParaRPr lang="en-US"/>
           </a:p>
@@ -3160,7 +3160,7 @@
           <a:p>
             <a:fld id="{63C8CE8D-F073-5543-9253-FAF9CC6C9F73}" type="datetimeFigureOut">
               <a:rPr lang="en-US" smtClean="0"/>
-              <a:t>7/22/22</a:t>
+              <a:t>7/23/22</a:t>
             </a:fld>
             <a:endParaRPr lang="en-US"/>
           </a:p>
@@ -3437,7 +3437,7 @@
           <a:p>
             <a:fld id="{63C8CE8D-F073-5543-9253-FAF9CC6C9F73}" type="datetimeFigureOut">
               <a:rPr lang="en-US" smtClean="0"/>
-              <a:t>7/22/22</a:t>
+              <a:t>7/23/22</a:t>
             </a:fld>
             <a:endParaRPr lang="en-US"/>
           </a:p>
@@ -3694,7 +3694,7 @@
           <a:p>
             <a:fld id="{63C8CE8D-F073-5543-9253-FAF9CC6C9F73}" type="datetimeFigureOut">
               <a:rPr lang="en-US" smtClean="0"/>
-              <a:t>7/22/22</a:t>
+              <a:t>7/23/22</a:t>
             </a:fld>
             <a:endParaRPr lang="en-US"/>
           </a:p>
@@ -3907,7 +3907,7 @@
           <a:p>
             <a:fld id="{63C8CE8D-F073-5543-9253-FAF9CC6C9F73}" type="datetimeFigureOut">
               <a:rPr lang="en-US" smtClean="0"/>
-              <a:t>7/22/22</a:t>
+              <a:t>7/23/22</a:t>
             </a:fld>
             <a:endParaRPr lang="en-US"/>
           </a:p>
@@ -4443,7 +4443,7 @@
         </p:blipFill>
         <p:spPr>
           <a:xfrm>
-            <a:off x="4188422" y="692180"/>
+            <a:off x="4056873" y="693443"/>
             <a:ext cx="2459142" cy="1205749"/>
           </a:xfrm>
           <a:prstGeom prst="rect">
@@ -4484,38 +4484,8 @@
         </p:blipFill>
         <p:spPr>
           <a:xfrm>
-            <a:off x="382822" y="469427"/>
+            <a:off x="66855" y="510340"/>
             <a:ext cx="2908197" cy="1660343"/>
-          </a:xfrm>
-          <a:prstGeom prst="rect">
-            <a:avLst/>
-          </a:prstGeom>
-        </p:spPr>
-      </p:pic>
-      <p:pic>
-        <p:nvPicPr>
-          <p:cNvPr id="12" name="Picture 11" descr="A picture containing transport, wheel&#10;&#10;Description automatically generated">
-            <a:extLst>
-              <a:ext uri="{FF2B5EF4-FFF2-40B4-BE49-F238E27FC236}">
-                <a16:creationId xmlns:a16="http://schemas.microsoft.com/office/drawing/2014/main" id="{078E0EFB-3BA2-8D42-6AFC-B2297B1F3382}"/>
-              </a:ext>
-            </a:extLst>
-          </p:cNvPr>
-          <p:cNvPicPr>
-            <a:picLocks noChangeAspect="1"/>
-          </p:cNvPicPr>
-          <p:nvPr/>
-        </p:nvPicPr>
-        <p:blipFill>
-          <a:blip r:embed="rId5"/>
-          <a:stretch>
-            <a:fillRect/>
-          </a:stretch>
-        </p:blipFill>
-        <p:spPr>
-          <a:xfrm>
-            <a:off x="2937880" y="530953"/>
-            <a:ext cx="1451190" cy="1457934"/>
           </a:xfrm>
           <a:prstGeom prst="rect">
             <a:avLst/>
@@ -4895,7 +4865,7 @@
                 <a:highlight>
                   <a:srgbClr val="FFFF00"/>
                 </a:highlight>
-                <a:hlinkClick r:id="rId6"/>
+                <a:hlinkClick r:id="rId5"/>
               </a:rPr>
               <a:t>https://www.ncbi.nlm.nih.gov/pmc/articles/PMC4267489/</a:t>
             </a:r>
@@ -4914,7 +4884,7 @@
                 <a:highlight>
                   <a:srgbClr val="00FF00"/>
                 </a:highlight>
-                <a:hlinkClick r:id="rId7"/>
+                <a:hlinkClick r:id="rId6"/>
               </a:rPr>
               <a:t>https://www.autismspeaks.org/autism-statistics-asd</a:t>
             </a:r>
@@ -5269,7 +5239,7 @@
         </p:xfrm>
         <a:graphic>
           <a:graphicData uri="http://schemas.openxmlformats.org/drawingml/2006/chart">
-            <c:chart xmlns:c="http://schemas.openxmlformats.org/drawingml/2006/chart" xmlns:r="http://schemas.openxmlformats.org/officeDocument/2006/relationships" r:id="rId8"/>
+            <c:chart xmlns:c="http://schemas.openxmlformats.org/drawingml/2006/chart" xmlns:r="http://schemas.openxmlformats.org/officeDocument/2006/relationships" r:id="rId7"/>
           </a:graphicData>
         </a:graphic>
       </p:graphicFrame>
@@ -5288,7 +5258,7 @@
           <p:nvPr/>
         </p:nvPicPr>
         <p:blipFill>
-          <a:blip r:embed="rId9"/>
+          <a:blip r:embed="rId8"/>
           <a:stretch>
             <a:fillRect/>
           </a:stretch>
@@ -5318,7 +5288,7 @@
           <p:nvPr/>
         </p:nvPicPr>
         <p:blipFill>
-          <a:blip r:embed="rId10"/>
+          <a:blip r:embed="rId9"/>
           <a:stretch>
             <a:fillRect/>
           </a:stretch>
@@ -5391,7 +5361,7 @@
           <p:nvPr/>
         </p:nvPicPr>
         <p:blipFill>
-          <a:blip r:embed="rId11"/>
+          <a:blip r:embed="rId10"/>
           <a:stretch>
             <a:fillRect/>
           </a:stretch>
@@ -12485,7 +12455,7 @@
           <p:nvPr/>
         </p:nvPicPr>
         <p:blipFill>
-          <a:blip r:embed="rId12"/>
+          <a:blip r:embed="rId11"/>
           <a:stretch>
             <a:fillRect/>
           </a:stretch>
@@ -12515,7 +12485,7 @@
           <p:nvPr/>
         </p:nvPicPr>
         <p:blipFill>
-          <a:blip r:embed="rId13"/>
+          <a:blip r:embed="rId12"/>
           <a:stretch>
             <a:fillRect/>
           </a:stretch>
@@ -12545,7 +12515,7 @@
           <p:nvPr/>
         </p:nvPicPr>
         <p:blipFill>
-          <a:blip r:embed="rId14"/>
+          <a:blip r:embed="rId13"/>
           <a:stretch>
             <a:fillRect/>
           </a:stretch>
@@ -12554,6 +12524,47 @@
           <a:xfrm>
             <a:off x="16436741" y="11307886"/>
             <a:ext cx="5690583" cy="3676792"/>
+          </a:xfrm>
+          <a:prstGeom prst="rect">
+            <a:avLst/>
+          </a:prstGeom>
+        </p:spPr>
+      </p:pic>
+      <p:pic>
+        <p:nvPicPr>
+          <p:cNvPr id="16" name="Picture 15" descr="A picture containing text, clock, gauge&#10;&#10;Description automatically generated">
+            <a:extLst>
+              <a:ext uri="{FF2B5EF4-FFF2-40B4-BE49-F238E27FC236}">
+                <a16:creationId xmlns:a16="http://schemas.microsoft.com/office/drawing/2014/main" id="{BA6D9E3B-D486-685F-C32A-343D5BDCD785}"/>
+              </a:ext>
+            </a:extLst>
+          </p:cNvPr>
+          <p:cNvPicPr>
+            <a:picLocks noChangeAspect="1"/>
+          </p:cNvPicPr>
+          <p:nvPr/>
+        </p:nvPicPr>
+        <p:blipFill>
+          <a:blip r:embed="rId14">
+            <a:clrChange>
+              <a:clrFrom>
+                <a:srgbClr val="FFFFFF"/>
+              </a:clrFrom>
+              <a:clrTo>
+                <a:srgbClr val="FFFFFF">
+                  <a:alpha val="0"/>
+                </a:srgbClr>
+              </a:clrTo>
+            </a:clrChange>
+          </a:blip>
+          <a:stretch>
+            <a:fillRect/>
+          </a:stretch>
+        </p:blipFill>
+        <p:spPr>
+          <a:xfrm>
+            <a:off x="2474546" y="577452"/>
+            <a:ext cx="1903278" cy="1522622"/>
           </a:xfrm>
           <a:prstGeom prst="rect">
             <a:avLst/>

--- a/PosterPresentation.pptx
+++ b/PosterPresentation.pptx
@@ -115,6 +115,2010 @@
 </p:presentation>
 </file>
 
+<file path=ppt/charts/chart1.xml><?xml version="1.0" encoding="utf-8"?>
+<c:chartSpace xmlns:c="http://schemas.openxmlformats.org/drawingml/2006/chart" xmlns:a="http://schemas.openxmlformats.org/drawingml/2006/main" xmlns:r="http://schemas.openxmlformats.org/officeDocument/2006/relationships" xmlns:c16r2="http://schemas.microsoft.com/office/drawing/2015/06/chart">
+  <c:date1904 val="0"/>
+  <c:lang val="en-US"/>
+  <c:roundedCorners val="1"/>
+  <mc:AlternateContent xmlns:mc="http://schemas.openxmlformats.org/markup-compatibility/2006">
+    <mc:Choice xmlns:c14="http://schemas.microsoft.com/office/drawing/2007/8/2/chart" Requires="c14">
+      <c14:style val="102"/>
+    </mc:Choice>
+    <mc:Fallback>
+      <c:style val="2"/>
+    </mc:Fallback>
+  </mc:AlternateContent>
+  <c:chart>
+    <c:title>
+      <c:tx>
+        <c:rich>
+          <a:bodyPr rot="0" spcFirstLastPara="1" vertOverflow="ellipsis" vert="horz" wrap="square" anchor="ctr" anchorCtr="1"/>
+          <a:lstStyle/>
+          <a:p>
+            <a:pPr>
+              <a:defRPr sz="2800" b="0" i="0" u="none" strike="noStrike" kern="1200" spc="0" baseline="0">
+                <a:solidFill>
+                  <a:schemeClr val="tx1">
+                    <a:lumMod val="65000"/>
+                    <a:lumOff val="35000"/>
+                  </a:schemeClr>
+                </a:solidFill>
+                <a:latin typeface="+mn-lt"/>
+                <a:ea typeface="+mn-ea"/>
+                <a:cs typeface="+mn-cs"/>
+              </a:defRPr>
+            </a:pPr>
+            <a:r>
+              <a:rPr lang="en-US" sz="2800" dirty="0">
+                <a:latin typeface="Helvetica" panose="020B0604020202020204" pitchFamily="34" charset="0"/>
+                <a:cs typeface="Helvetica" panose="020B0604020202020204" pitchFamily="34" charset="0"/>
+              </a:rPr>
+              <a:t>Average Multiscale Sample Entropy</a:t>
+            </a:r>
+          </a:p>
+        </c:rich>
+      </c:tx>
+      <c:overlay val="0"/>
+      <c:spPr>
+        <a:noFill/>
+        <a:ln>
+          <a:noFill/>
+        </a:ln>
+        <a:effectLst/>
+      </c:spPr>
+      <c:txPr>
+        <a:bodyPr rot="0" spcFirstLastPara="1" vertOverflow="ellipsis" vert="horz" wrap="square" anchor="ctr" anchorCtr="1"/>
+        <a:lstStyle/>
+        <a:p>
+          <a:pPr>
+            <a:defRPr sz="2800" b="0" i="0" u="none" strike="noStrike" kern="1200" spc="0" baseline="0">
+              <a:solidFill>
+                <a:schemeClr val="tx1">
+                  <a:lumMod val="65000"/>
+                  <a:lumOff val="35000"/>
+                </a:schemeClr>
+              </a:solidFill>
+              <a:latin typeface="+mn-lt"/>
+              <a:ea typeface="+mn-ea"/>
+              <a:cs typeface="+mn-cs"/>
+            </a:defRPr>
+          </a:pPr>
+          <a:endParaRPr lang="en-US"/>
+        </a:p>
+      </c:txPr>
+    </c:title>
+    <c:autoTitleDeleted val="0"/>
+    <c:plotArea>
+      <c:layout/>
+      <c:scatterChart>
+        <c:scatterStyle val="lineMarker"/>
+        <c:varyColors val="0"/>
+        <c:ser>
+          <c:idx val="0"/>
+          <c:order val="0"/>
+          <c:tx>
+            <c:strRef>
+              <c:f>'All Data'!$T$129</c:f>
+              <c:strCache>
+                <c:ptCount val="1"/>
+                <c:pt idx="0">
+                  <c:v>Control Entropy</c:v>
+                </c:pt>
+              </c:strCache>
+            </c:strRef>
+          </c:tx>
+          <c:spPr>
+            <a:ln w="38100" cap="rnd">
+              <a:solidFill>
+                <a:schemeClr val="accent2"/>
+              </a:solidFill>
+              <a:round/>
+            </a:ln>
+            <a:effectLst/>
+          </c:spPr>
+          <c:marker>
+            <c:symbol val="circle"/>
+            <c:size val="5"/>
+            <c:spPr>
+              <a:solidFill>
+                <a:schemeClr val="accent2"/>
+              </a:solidFill>
+              <a:ln w="38100">
+                <a:solidFill>
+                  <a:schemeClr val="accent2"/>
+                </a:solidFill>
+              </a:ln>
+              <a:effectLst/>
+            </c:spPr>
+          </c:marker>
+          <c:xVal>
+            <c:strRef>
+              <c:f>'All Data'!$U$128:$Z$128</c:f>
+              <c:strCache>
+                <c:ptCount val="6"/>
+                <c:pt idx="0">
+                  <c:v>E1</c:v>
+                </c:pt>
+                <c:pt idx="1">
+                  <c:v>E2</c:v>
+                </c:pt>
+                <c:pt idx="2">
+                  <c:v>E3</c:v>
+                </c:pt>
+                <c:pt idx="3">
+                  <c:v>E4</c:v>
+                </c:pt>
+                <c:pt idx="4">
+                  <c:v>E5</c:v>
+                </c:pt>
+                <c:pt idx="5">
+                  <c:v>E6</c:v>
+                </c:pt>
+              </c:strCache>
+            </c:strRef>
+          </c:xVal>
+          <c:yVal>
+            <c:numRef>
+              <c:f>'All Data'!$U$129:$Z$129</c:f>
+              <c:numCache>
+                <c:formatCode>General</c:formatCode>
+                <c:ptCount val="6"/>
+                <c:pt idx="0">
+                  <c:v>0.44840020876294351</c:v>
+                </c:pt>
+                <c:pt idx="1">
+                  <c:v>0.50710095636622199</c:v>
+                </c:pt>
+                <c:pt idx="2">
+                  <c:v>0.47981865369215254</c:v>
+                </c:pt>
+                <c:pt idx="3">
+                  <c:v>0.43399967591095484</c:v>
+                </c:pt>
+                <c:pt idx="4">
+                  <c:v>0.40605933517042619</c:v>
+                </c:pt>
+                <c:pt idx="5">
+                  <c:v>0.39691034028656602</c:v>
+                </c:pt>
+              </c:numCache>
+            </c:numRef>
+          </c:yVal>
+          <c:smooth val="0"/>
+          <c:extLst>
+            <c:ext xmlns:c16="http://schemas.microsoft.com/office/drawing/2014/chart" uri="{C3380CC4-5D6E-409C-BE32-E72D297353CC}">
+              <c16:uniqueId val="{00000000-E20A-4C68-BFF0-56A1DEDA91A6}"/>
+            </c:ext>
+          </c:extLst>
+        </c:ser>
+        <c:ser>
+          <c:idx val="1"/>
+          <c:order val="1"/>
+          <c:tx>
+            <c:strRef>
+              <c:f>'All Data'!$T$130</c:f>
+              <c:strCache>
+                <c:ptCount val="1"/>
+                <c:pt idx="0">
+                  <c:v>ASD Entropy</c:v>
+                </c:pt>
+              </c:strCache>
+            </c:strRef>
+          </c:tx>
+          <c:spPr>
+            <a:ln w="38100" cap="rnd">
+              <a:solidFill>
+                <a:srgbClr val="FF0000"/>
+              </a:solidFill>
+              <a:round/>
+            </a:ln>
+            <a:effectLst/>
+          </c:spPr>
+          <c:marker>
+            <c:symbol val="circle"/>
+            <c:size val="5"/>
+            <c:spPr>
+              <a:solidFill>
+                <a:schemeClr val="accent4"/>
+              </a:solidFill>
+              <a:ln w="38100">
+                <a:solidFill>
+                  <a:srgbClr val="FF0000"/>
+                </a:solidFill>
+              </a:ln>
+              <a:effectLst/>
+            </c:spPr>
+          </c:marker>
+          <c:xVal>
+            <c:strRef>
+              <c:f>'All Data'!$U$128:$Z$128</c:f>
+              <c:strCache>
+                <c:ptCount val="6"/>
+                <c:pt idx="0">
+                  <c:v>E1</c:v>
+                </c:pt>
+                <c:pt idx="1">
+                  <c:v>E2</c:v>
+                </c:pt>
+                <c:pt idx="2">
+                  <c:v>E3</c:v>
+                </c:pt>
+                <c:pt idx="3">
+                  <c:v>E4</c:v>
+                </c:pt>
+                <c:pt idx="4">
+                  <c:v>E5</c:v>
+                </c:pt>
+                <c:pt idx="5">
+                  <c:v>E6</c:v>
+                </c:pt>
+              </c:strCache>
+            </c:strRef>
+          </c:xVal>
+          <c:yVal>
+            <c:numRef>
+              <c:f>'All Data'!$U$130:$Z$130</c:f>
+              <c:numCache>
+                <c:formatCode>General</c:formatCode>
+                <c:ptCount val="6"/>
+                <c:pt idx="0">
+                  <c:v>0.28667170508609174</c:v>
+                </c:pt>
+                <c:pt idx="1">
+                  <c:v>0.32508008506834973</c:v>
+                </c:pt>
+                <c:pt idx="2">
+                  <c:v>0.28485049725155864</c:v>
+                </c:pt>
+                <c:pt idx="3">
+                  <c:v>0.26558394265519952</c:v>
+                </c:pt>
+                <c:pt idx="4">
+                  <c:v>0.26243686058346161</c:v>
+                </c:pt>
+                <c:pt idx="5">
+                  <c:v>0.28024467361286109</c:v>
+                </c:pt>
+              </c:numCache>
+            </c:numRef>
+          </c:yVal>
+          <c:smooth val="0"/>
+          <c:extLst>
+            <c:ext xmlns:c16="http://schemas.microsoft.com/office/drawing/2014/chart" uri="{C3380CC4-5D6E-409C-BE32-E72D297353CC}">
+              <c16:uniqueId val="{00000001-E20A-4C68-BFF0-56A1DEDA91A6}"/>
+            </c:ext>
+          </c:extLst>
+        </c:ser>
+        <c:dLbls>
+          <c:showLegendKey val="0"/>
+          <c:showVal val="0"/>
+          <c:showCatName val="0"/>
+          <c:showSerName val="0"/>
+          <c:showPercent val="0"/>
+          <c:showBubbleSize val="0"/>
+        </c:dLbls>
+        <c:axId val="1492584176"/>
+        <c:axId val="1492585840"/>
+      </c:scatterChart>
+      <c:valAx>
+        <c:axId val="1492584176"/>
+        <c:scaling>
+          <c:orientation val="minMax"/>
+        </c:scaling>
+        <c:delete val="0"/>
+        <c:axPos val="b"/>
+        <c:majorGridlines>
+          <c:spPr>
+            <a:ln w="9525" cap="flat" cmpd="sng" algn="ctr">
+              <a:solidFill>
+                <a:schemeClr val="tx1">
+                  <a:lumMod val="15000"/>
+                  <a:lumOff val="85000"/>
+                </a:schemeClr>
+              </a:solidFill>
+              <a:round/>
+            </a:ln>
+            <a:effectLst/>
+          </c:spPr>
+        </c:majorGridlines>
+        <c:title>
+          <c:tx>
+            <c:rich>
+              <a:bodyPr rot="0" spcFirstLastPara="1" vertOverflow="ellipsis" vert="horz" wrap="square" anchor="ctr" anchorCtr="1"/>
+              <a:lstStyle/>
+              <a:p>
+                <a:pPr>
+                  <a:defRPr sz="2400" b="0" i="0" u="none" strike="noStrike" kern="1200" baseline="0">
+                    <a:solidFill>
+                      <a:schemeClr val="tx1">
+                        <a:lumMod val="65000"/>
+                        <a:lumOff val="35000"/>
+                      </a:schemeClr>
+                    </a:solidFill>
+                    <a:latin typeface="+mn-lt"/>
+                    <a:ea typeface="+mn-ea"/>
+                    <a:cs typeface="+mn-cs"/>
+                  </a:defRPr>
+                </a:pPr>
+                <a:r>
+                  <a:rPr lang="en-US" sz="2400" u="none">
+                    <a:latin typeface="Helvetica" panose="020B0604020202020204" pitchFamily="34" charset="0"/>
+                    <a:cs typeface="Helvetica" panose="020B0604020202020204" pitchFamily="34" charset="0"/>
+                  </a:rPr>
+                  <a:t>Time Scales</a:t>
+                </a:r>
+              </a:p>
+            </c:rich>
+          </c:tx>
+          <c:overlay val="0"/>
+          <c:spPr>
+            <a:noFill/>
+            <a:ln>
+              <a:noFill/>
+            </a:ln>
+            <a:effectLst/>
+          </c:spPr>
+          <c:txPr>
+            <a:bodyPr rot="0" spcFirstLastPara="1" vertOverflow="ellipsis" vert="horz" wrap="square" anchor="ctr" anchorCtr="1"/>
+            <a:lstStyle/>
+            <a:p>
+              <a:pPr>
+                <a:defRPr sz="2400" b="0" i="0" u="none" strike="noStrike" kern="1200" baseline="0">
+                  <a:solidFill>
+                    <a:schemeClr val="tx1">
+                      <a:lumMod val="65000"/>
+                      <a:lumOff val="35000"/>
+                    </a:schemeClr>
+                  </a:solidFill>
+                  <a:latin typeface="+mn-lt"/>
+                  <a:ea typeface="+mn-ea"/>
+                  <a:cs typeface="+mn-cs"/>
+                </a:defRPr>
+              </a:pPr>
+              <a:endParaRPr lang="en-US"/>
+            </a:p>
+          </c:txPr>
+        </c:title>
+        <c:majorTickMark val="none"/>
+        <c:minorTickMark val="none"/>
+        <c:tickLblPos val="nextTo"/>
+        <c:spPr>
+          <a:noFill/>
+          <a:ln w="9525" cap="flat" cmpd="sng" algn="ctr">
+            <a:solidFill>
+              <a:schemeClr val="tx1">
+                <a:lumMod val="25000"/>
+                <a:lumOff val="75000"/>
+              </a:schemeClr>
+            </a:solidFill>
+            <a:round/>
+          </a:ln>
+          <a:effectLst/>
+        </c:spPr>
+        <c:txPr>
+          <a:bodyPr rot="-60000000" spcFirstLastPara="1" vertOverflow="ellipsis" vert="horz" wrap="square" anchor="ctr" anchorCtr="1"/>
+          <a:lstStyle/>
+          <a:p>
+            <a:pPr>
+              <a:defRPr sz="2400" b="0" i="0" u="none" strike="noStrike" kern="1200" baseline="0">
+                <a:solidFill>
+                  <a:schemeClr val="tx1">
+                    <a:lumMod val="65000"/>
+                    <a:lumOff val="35000"/>
+                  </a:schemeClr>
+                </a:solidFill>
+                <a:latin typeface="+mn-lt"/>
+                <a:ea typeface="+mn-ea"/>
+                <a:cs typeface="+mn-cs"/>
+              </a:defRPr>
+            </a:pPr>
+            <a:endParaRPr lang="en-US"/>
+          </a:p>
+        </c:txPr>
+        <c:crossAx val="1492585840"/>
+        <c:crosses val="autoZero"/>
+        <c:crossBetween val="midCat"/>
+      </c:valAx>
+      <c:valAx>
+        <c:axId val="1492585840"/>
+        <c:scaling>
+          <c:orientation val="minMax"/>
+        </c:scaling>
+        <c:delete val="0"/>
+        <c:axPos val="l"/>
+        <c:majorGridlines>
+          <c:spPr>
+            <a:ln w="9525" cap="flat" cmpd="sng" algn="ctr">
+              <a:solidFill>
+                <a:schemeClr val="tx1">
+                  <a:lumMod val="15000"/>
+                  <a:lumOff val="85000"/>
+                </a:schemeClr>
+              </a:solidFill>
+              <a:round/>
+            </a:ln>
+            <a:effectLst/>
+          </c:spPr>
+        </c:majorGridlines>
+        <c:title>
+          <c:tx>
+            <c:rich>
+              <a:bodyPr rot="-5400000" spcFirstLastPara="1" vertOverflow="ellipsis" vert="horz" wrap="square" anchor="ctr" anchorCtr="1"/>
+              <a:lstStyle/>
+              <a:p>
+                <a:pPr>
+                  <a:defRPr sz="2400" b="0" i="0" u="none" strike="noStrike" kern="1200" baseline="0">
+                    <a:solidFill>
+                      <a:schemeClr val="tx1">
+                        <a:lumMod val="65000"/>
+                        <a:lumOff val="35000"/>
+                      </a:schemeClr>
+                    </a:solidFill>
+                    <a:latin typeface="+mn-lt"/>
+                    <a:ea typeface="+mn-ea"/>
+                    <a:cs typeface="+mn-cs"/>
+                  </a:defRPr>
+                </a:pPr>
+                <a:r>
+                  <a:rPr lang="en-US" sz="2400" u="none">
+                    <a:latin typeface="Helvetica" panose="020B0604020202020204" pitchFamily="34" charset="0"/>
+                    <a:cs typeface="Helvetica" panose="020B0604020202020204" pitchFamily="34" charset="0"/>
+                  </a:rPr>
+                  <a:t>Sample Entropy</a:t>
+                </a:r>
+              </a:p>
+            </c:rich>
+          </c:tx>
+          <c:layout>
+            <c:manualLayout>
+              <c:xMode val="edge"/>
+              <c:yMode val="edge"/>
+              <c:x val="9.3611598108456033E-3"/>
+              <c:y val="0.18269775176536596"/>
+            </c:manualLayout>
+          </c:layout>
+          <c:overlay val="0"/>
+          <c:spPr>
+            <a:noFill/>
+            <a:ln>
+              <a:noFill/>
+            </a:ln>
+            <a:effectLst/>
+          </c:spPr>
+          <c:txPr>
+            <a:bodyPr rot="-5400000" spcFirstLastPara="1" vertOverflow="ellipsis" vert="horz" wrap="square" anchor="ctr" anchorCtr="1"/>
+            <a:lstStyle/>
+            <a:p>
+              <a:pPr>
+                <a:defRPr sz="2400" b="0" i="0" u="none" strike="noStrike" kern="1200" baseline="0">
+                  <a:solidFill>
+                    <a:schemeClr val="tx1">
+                      <a:lumMod val="65000"/>
+                      <a:lumOff val="35000"/>
+                    </a:schemeClr>
+                  </a:solidFill>
+                  <a:latin typeface="+mn-lt"/>
+                  <a:ea typeface="+mn-ea"/>
+                  <a:cs typeface="+mn-cs"/>
+                </a:defRPr>
+              </a:pPr>
+              <a:endParaRPr lang="en-US"/>
+            </a:p>
+          </c:txPr>
+        </c:title>
+        <c:numFmt formatCode="General" sourceLinked="1"/>
+        <c:majorTickMark val="none"/>
+        <c:minorTickMark val="none"/>
+        <c:tickLblPos val="nextTo"/>
+        <c:spPr>
+          <a:noFill/>
+          <a:ln w="9525" cap="flat" cmpd="sng" algn="ctr">
+            <a:solidFill>
+              <a:schemeClr val="tx1">
+                <a:lumMod val="25000"/>
+                <a:lumOff val="75000"/>
+              </a:schemeClr>
+            </a:solidFill>
+            <a:round/>
+          </a:ln>
+          <a:effectLst/>
+        </c:spPr>
+        <c:txPr>
+          <a:bodyPr rot="-60000000" spcFirstLastPara="1" vertOverflow="ellipsis" vert="horz" wrap="square" anchor="ctr" anchorCtr="1"/>
+          <a:lstStyle/>
+          <a:p>
+            <a:pPr>
+              <a:defRPr sz="2400" b="0" i="0" u="none" strike="noStrike" kern="1200" baseline="0">
+                <a:solidFill>
+                  <a:schemeClr val="tx1">
+                    <a:lumMod val="65000"/>
+                    <a:lumOff val="35000"/>
+                  </a:schemeClr>
+                </a:solidFill>
+                <a:latin typeface="+mn-lt"/>
+                <a:ea typeface="+mn-ea"/>
+                <a:cs typeface="+mn-cs"/>
+              </a:defRPr>
+            </a:pPr>
+            <a:endParaRPr lang="en-US"/>
+          </a:p>
+        </c:txPr>
+        <c:crossAx val="1492584176"/>
+        <c:crosses val="autoZero"/>
+        <c:crossBetween val="midCat"/>
+      </c:valAx>
+      <c:spPr>
+        <a:noFill/>
+        <a:ln>
+          <a:noFill/>
+        </a:ln>
+        <a:effectLst/>
+      </c:spPr>
+    </c:plotArea>
+    <c:legend>
+      <c:legendPos val="b"/>
+      <c:overlay val="0"/>
+      <c:spPr>
+        <a:noFill/>
+        <a:ln>
+          <a:noFill/>
+        </a:ln>
+        <a:effectLst/>
+      </c:spPr>
+      <c:txPr>
+        <a:bodyPr rot="0" spcFirstLastPara="1" vertOverflow="ellipsis" vert="horz" wrap="square" anchor="ctr" anchorCtr="1"/>
+        <a:lstStyle/>
+        <a:p>
+          <a:pPr>
+            <a:defRPr sz="2400" b="0" i="0" u="none" strike="noStrike" kern="1200" baseline="0">
+              <a:solidFill>
+                <a:schemeClr val="tx1">
+                  <a:lumMod val="65000"/>
+                  <a:lumOff val="35000"/>
+                </a:schemeClr>
+              </a:solidFill>
+              <a:latin typeface="Helvetica" panose="020B0604020202020204" pitchFamily="34" charset="0"/>
+              <a:ea typeface="+mn-ea"/>
+              <a:cs typeface="Helvetica" panose="020B0604020202020204" pitchFamily="34" charset="0"/>
+            </a:defRPr>
+          </a:pPr>
+          <a:endParaRPr lang="en-US"/>
+        </a:p>
+      </c:txPr>
+    </c:legend>
+    <c:plotVisOnly val="1"/>
+    <c:dispBlanksAs val="gap"/>
+    <c:extLst>
+      <c:ext xmlns:c16r3="http://schemas.microsoft.com/office/drawing/2017/03/chart" uri="{56B9EC1D-385E-4148-901F-78D8002777C0}">
+        <c16r3:dataDisplayOptions16>
+          <c16r3:dispNaAsBlank val="1"/>
+        </c16r3:dataDisplayOptions16>
+      </c:ext>
+    </c:extLst>
+    <c:showDLblsOverMax val="0"/>
+  </c:chart>
+  <c:spPr>
+    <a:noFill/>
+    <a:ln w="38100">
+      <a:solidFill>
+        <a:schemeClr val="accent2">
+          <a:lumMod val="75000"/>
+        </a:schemeClr>
+      </a:solidFill>
+    </a:ln>
+    <a:effectLst/>
+  </c:spPr>
+  <c:txPr>
+    <a:bodyPr/>
+    <a:lstStyle/>
+    <a:p>
+      <a:pPr>
+        <a:defRPr/>
+      </a:pPr>
+      <a:endParaRPr lang="en-US"/>
+    </a:p>
+  </c:txPr>
+  <c:externalData r:id="rId3">
+    <c:autoUpdate val="0"/>
+  </c:externalData>
+</c:chartSpace>
+</file>
+
+<file path=ppt/charts/chart2.xml><?xml version="1.0" encoding="utf-8"?>
+<c:chartSpace xmlns:c="http://schemas.openxmlformats.org/drawingml/2006/chart" xmlns:a="http://schemas.openxmlformats.org/drawingml/2006/main" xmlns:r="http://schemas.openxmlformats.org/officeDocument/2006/relationships" xmlns:c16r2="http://schemas.microsoft.com/office/drawing/2015/06/chart">
+  <c:date1904 val="0"/>
+  <c:lang val="en-US"/>
+  <c:roundedCorners val="0"/>
+  <mc:AlternateContent xmlns:mc="http://schemas.openxmlformats.org/markup-compatibility/2006">
+    <mc:Choice xmlns:c14="http://schemas.microsoft.com/office/drawing/2007/8/2/chart" Requires="c14">
+      <c14:style val="102"/>
+    </mc:Choice>
+    <mc:Fallback>
+      <c:style val="2"/>
+    </mc:Fallback>
+  </mc:AlternateContent>
+  <c:chart>
+    <c:title>
+      <c:overlay val="0"/>
+      <c:spPr>
+        <a:noFill/>
+        <a:ln>
+          <a:noFill/>
+        </a:ln>
+        <a:effectLst/>
+      </c:spPr>
+      <c:txPr>
+        <a:bodyPr rot="0" spcFirstLastPara="1" vertOverflow="ellipsis" vert="horz" wrap="square" anchor="ctr" anchorCtr="1"/>
+        <a:lstStyle/>
+        <a:p>
+          <a:pPr>
+            <a:defRPr sz="2880" b="0" i="0" u="none" strike="noStrike" kern="1200" spc="0" baseline="0">
+              <a:solidFill>
+                <a:schemeClr val="tx1">
+                  <a:lumMod val="65000"/>
+                  <a:lumOff val="35000"/>
+                </a:schemeClr>
+              </a:solidFill>
+              <a:latin typeface="+mn-lt"/>
+              <a:ea typeface="+mn-ea"/>
+              <a:cs typeface="+mn-cs"/>
+            </a:defRPr>
+          </a:pPr>
+          <a:endParaRPr lang="en-US"/>
+        </a:p>
+      </c:txPr>
+    </c:title>
+    <c:autoTitleDeleted val="0"/>
+    <c:plotArea>
+      <c:layout/>
+      <c:barChart>
+        <c:barDir val="col"/>
+        <c:grouping val="clustered"/>
+        <c:varyColors val="0"/>
+        <c:ser>
+          <c:idx val="0"/>
+          <c:order val="0"/>
+          <c:tx>
+            <c:strRef>
+              <c:f>'All Data'!$R$3</c:f>
+              <c:strCache>
+                <c:ptCount val="1"/>
+                <c:pt idx="0">
+                  <c:v>F1 Score</c:v>
+                </c:pt>
+              </c:strCache>
+            </c:strRef>
+          </c:tx>
+          <c:spPr>
+            <a:solidFill>
+              <a:schemeClr val="accent1"/>
+            </a:solidFill>
+            <a:ln>
+              <a:noFill/>
+            </a:ln>
+            <a:effectLst/>
+          </c:spPr>
+          <c:invertIfNegative val="0"/>
+          <c:cat>
+            <c:strRef>
+              <c:f>'All Data'!$Q$4:$Q$10</c:f>
+              <c:strCache>
+                <c:ptCount val="7"/>
+                <c:pt idx="0">
+                  <c:v>Knearest</c:v>
+                </c:pt>
+                <c:pt idx="1">
+                  <c:v>Logistic Regression</c:v>
+                </c:pt>
+                <c:pt idx="2">
+                  <c:v>Decision Tree</c:v>
+                </c:pt>
+                <c:pt idx="3">
+                  <c:v>Naïve Bayes</c:v>
+                </c:pt>
+                <c:pt idx="4">
+                  <c:v>Random Forest</c:v>
+                </c:pt>
+                <c:pt idx="5">
+                  <c:v>Discriminant Analysis</c:v>
+                </c:pt>
+                <c:pt idx="6">
+                  <c:v>Support Vector Analysis</c:v>
+                </c:pt>
+              </c:strCache>
+            </c:strRef>
+          </c:cat>
+          <c:val>
+            <c:numRef>
+              <c:f>'All Data'!$R$4:$R$10</c:f>
+              <c:numCache>
+                <c:formatCode>0.0000</c:formatCode>
+                <c:ptCount val="7"/>
+                <c:pt idx="0">
+                  <c:v>0.73863636363636365</c:v>
+                </c:pt>
+                <c:pt idx="1">
+                  <c:v>0.86857142857142855</c:v>
+                </c:pt>
+                <c:pt idx="2">
+                  <c:v>0.91287878787878785</c:v>
+                </c:pt>
+                <c:pt idx="3">
+                  <c:v>0.60571428571428576</c:v>
+                </c:pt>
+                <c:pt idx="4">
+                  <c:v>0.91287878787878785</c:v>
+                </c:pt>
+                <c:pt idx="5">
+                  <c:v>0.8257575757575758</c:v>
+                </c:pt>
+                <c:pt idx="6">
+                  <c:v>0.82307692307692304</c:v>
+                </c:pt>
+              </c:numCache>
+            </c:numRef>
+          </c:val>
+          <c:extLst>
+            <c:ext xmlns:c16="http://schemas.microsoft.com/office/drawing/2014/chart" uri="{C3380CC4-5D6E-409C-BE32-E72D297353CC}">
+              <c16:uniqueId val="{00000000-2E50-4EF7-8380-2AAC2A97725B}"/>
+            </c:ext>
+          </c:extLst>
+        </c:ser>
+        <c:dLbls>
+          <c:showLegendKey val="0"/>
+          <c:showVal val="0"/>
+          <c:showCatName val="0"/>
+          <c:showSerName val="0"/>
+          <c:showPercent val="0"/>
+          <c:showBubbleSize val="0"/>
+        </c:dLbls>
+        <c:gapWidth val="219"/>
+        <c:overlap val="-27"/>
+        <c:axId val="1811021472"/>
+        <c:axId val="1811019808"/>
+      </c:barChart>
+      <c:catAx>
+        <c:axId val="1811021472"/>
+        <c:scaling>
+          <c:orientation val="minMax"/>
+        </c:scaling>
+        <c:delete val="0"/>
+        <c:axPos val="b"/>
+        <c:numFmt formatCode="General" sourceLinked="1"/>
+        <c:majorTickMark val="none"/>
+        <c:minorTickMark val="none"/>
+        <c:tickLblPos val="nextTo"/>
+        <c:spPr>
+          <a:noFill/>
+          <a:ln w="9525" cap="flat" cmpd="sng" algn="ctr">
+            <a:solidFill>
+              <a:schemeClr val="tx1">
+                <a:lumMod val="15000"/>
+                <a:lumOff val="85000"/>
+              </a:schemeClr>
+            </a:solidFill>
+            <a:round/>
+          </a:ln>
+          <a:effectLst/>
+        </c:spPr>
+        <c:txPr>
+          <a:bodyPr rot="-60000000" spcFirstLastPara="1" vertOverflow="ellipsis" vert="horz" wrap="square" anchor="ctr" anchorCtr="1"/>
+          <a:lstStyle/>
+          <a:p>
+            <a:pPr>
+              <a:defRPr sz="2000" b="0" i="0" u="none" strike="noStrike" kern="1200" baseline="0">
+                <a:solidFill>
+                  <a:schemeClr val="tx1">
+                    <a:lumMod val="65000"/>
+                    <a:lumOff val="35000"/>
+                  </a:schemeClr>
+                </a:solidFill>
+                <a:latin typeface="+mn-lt"/>
+                <a:ea typeface="+mn-ea"/>
+                <a:cs typeface="+mn-cs"/>
+              </a:defRPr>
+            </a:pPr>
+            <a:endParaRPr lang="en-US"/>
+          </a:p>
+        </c:txPr>
+        <c:crossAx val="1811019808"/>
+        <c:crosses val="autoZero"/>
+        <c:auto val="1"/>
+        <c:lblAlgn val="ctr"/>
+        <c:lblOffset val="100"/>
+        <c:noMultiLvlLbl val="0"/>
+      </c:catAx>
+      <c:valAx>
+        <c:axId val="1811019808"/>
+        <c:scaling>
+          <c:orientation val="minMax"/>
+        </c:scaling>
+        <c:delete val="0"/>
+        <c:axPos val="l"/>
+        <c:majorGridlines>
+          <c:spPr>
+            <a:ln w="9525" cap="flat" cmpd="sng" algn="ctr">
+              <a:solidFill>
+                <a:schemeClr val="tx1">
+                  <a:lumMod val="15000"/>
+                  <a:lumOff val="85000"/>
+                </a:schemeClr>
+              </a:solidFill>
+              <a:round/>
+            </a:ln>
+            <a:effectLst/>
+          </c:spPr>
+        </c:majorGridlines>
+        <c:numFmt formatCode="0.0" sourceLinked="0"/>
+        <c:majorTickMark val="none"/>
+        <c:minorTickMark val="none"/>
+        <c:tickLblPos val="nextTo"/>
+        <c:spPr>
+          <a:noFill/>
+          <a:ln>
+            <a:noFill/>
+          </a:ln>
+          <a:effectLst/>
+        </c:spPr>
+        <c:txPr>
+          <a:bodyPr rot="-60000000" spcFirstLastPara="1" vertOverflow="ellipsis" vert="horz" wrap="square" anchor="ctr" anchorCtr="1"/>
+          <a:lstStyle/>
+          <a:p>
+            <a:pPr>
+              <a:defRPr sz="2400" b="0" i="0" u="none" strike="noStrike" kern="1200" baseline="0">
+                <a:solidFill>
+                  <a:schemeClr val="tx1">
+                    <a:lumMod val="65000"/>
+                    <a:lumOff val="35000"/>
+                  </a:schemeClr>
+                </a:solidFill>
+                <a:latin typeface="+mn-lt"/>
+                <a:ea typeface="+mn-ea"/>
+                <a:cs typeface="+mn-cs"/>
+              </a:defRPr>
+            </a:pPr>
+            <a:endParaRPr lang="en-US"/>
+          </a:p>
+        </c:txPr>
+        <c:crossAx val="1811021472"/>
+        <c:crosses val="autoZero"/>
+        <c:crossBetween val="between"/>
+      </c:valAx>
+      <c:spPr>
+        <a:noFill/>
+        <a:ln>
+          <a:noFill/>
+        </a:ln>
+        <a:effectLst/>
+      </c:spPr>
+    </c:plotArea>
+    <c:plotVisOnly val="1"/>
+    <c:dispBlanksAs val="gap"/>
+    <c:showDLblsOverMax val="0"/>
+  </c:chart>
+  <c:spPr>
+    <a:noFill/>
+    <a:ln w="19050">
+      <a:solidFill>
+        <a:schemeClr val="accent2">
+          <a:lumMod val="75000"/>
+        </a:schemeClr>
+      </a:solidFill>
+    </a:ln>
+    <a:effectLst/>
+  </c:spPr>
+  <c:txPr>
+    <a:bodyPr/>
+    <a:lstStyle/>
+    <a:p>
+      <a:pPr>
+        <a:defRPr sz="2400"/>
+      </a:pPr>
+      <a:endParaRPr lang="en-US"/>
+    </a:p>
+  </c:txPr>
+  <c:externalData r:id="rId3">
+    <c:autoUpdate val="0"/>
+  </c:externalData>
+</c:chartSpace>
+</file>
+
+<file path=ppt/charts/colors1.xml><?xml version="1.0" encoding="utf-8"?>
+<cs:colorStyle xmlns:cs="http://schemas.microsoft.com/office/drawing/2012/chartStyle" xmlns:a="http://schemas.openxmlformats.org/drawingml/2006/main" meth="cycle" id="12">
+  <a:schemeClr val="accent2"/>
+  <a:schemeClr val="accent4"/>
+  <a:schemeClr val="accent6"/>
+  <cs:variation/>
+  <cs:variation>
+    <a:lumMod val="60000"/>
+  </cs:variation>
+  <cs:variation>
+    <a:lumMod val="80000"/>
+    <a:lumOff val="20000"/>
+  </cs:variation>
+  <cs:variation>
+    <a:lumMod val="80000"/>
+  </cs:variation>
+  <cs:variation>
+    <a:lumMod val="60000"/>
+    <a:lumOff val="40000"/>
+  </cs:variation>
+  <cs:variation>
+    <a:lumMod val="50000"/>
+  </cs:variation>
+  <cs:variation>
+    <a:lumMod val="70000"/>
+    <a:lumOff val="30000"/>
+  </cs:variation>
+  <cs:variation>
+    <a:lumMod val="70000"/>
+  </cs:variation>
+  <cs:variation>
+    <a:lumMod val="50000"/>
+    <a:lumOff val="50000"/>
+  </cs:variation>
+</cs:colorStyle>
+</file>
+
+<file path=ppt/charts/colors2.xml><?xml version="1.0" encoding="utf-8"?>
+<cs:colorStyle xmlns:cs="http://schemas.microsoft.com/office/drawing/2012/chartStyle" xmlns:a="http://schemas.openxmlformats.org/drawingml/2006/main" meth="cycle" id="10">
+  <a:schemeClr val="accent1"/>
+  <a:schemeClr val="accent2"/>
+  <a:schemeClr val="accent3"/>
+  <a:schemeClr val="accent4"/>
+  <a:schemeClr val="accent5"/>
+  <a:schemeClr val="accent6"/>
+  <cs:variation/>
+  <cs:variation>
+    <a:lumMod val="60000"/>
+  </cs:variation>
+  <cs:variation>
+    <a:lumMod val="80000"/>
+    <a:lumOff val="20000"/>
+  </cs:variation>
+  <cs:variation>
+    <a:lumMod val="80000"/>
+  </cs:variation>
+  <cs:variation>
+    <a:lumMod val="60000"/>
+    <a:lumOff val="40000"/>
+  </cs:variation>
+  <cs:variation>
+    <a:lumMod val="50000"/>
+  </cs:variation>
+  <cs:variation>
+    <a:lumMod val="70000"/>
+    <a:lumOff val="30000"/>
+  </cs:variation>
+  <cs:variation>
+    <a:lumMod val="70000"/>
+  </cs:variation>
+  <cs:variation>
+    <a:lumMod val="50000"/>
+    <a:lumOff val="50000"/>
+  </cs:variation>
+</cs:colorStyle>
+</file>
+
+<file path=ppt/charts/style1.xml><?xml version="1.0" encoding="utf-8"?>
+<cs:chartStyle xmlns:cs="http://schemas.microsoft.com/office/drawing/2012/chartStyle" xmlns:a="http://schemas.openxmlformats.org/drawingml/2006/main" id="240">
+  <cs:axisTitle>
+    <cs:lnRef idx="0"/>
+    <cs:fillRef idx="0"/>
+    <cs:effectRef idx="0"/>
+    <cs:fontRef idx="minor">
+      <a:schemeClr val="tx1">
+        <a:lumMod val="65000"/>
+        <a:lumOff val="35000"/>
+      </a:schemeClr>
+    </cs:fontRef>
+    <cs:defRPr sz="1000" kern="1200"/>
+  </cs:axisTitle>
+  <cs:categoryAxis>
+    <cs:lnRef idx="0"/>
+    <cs:fillRef idx="0"/>
+    <cs:effectRef idx="0"/>
+    <cs:fontRef idx="minor">
+      <a:schemeClr val="tx1">
+        <a:lumMod val="65000"/>
+        <a:lumOff val="35000"/>
+      </a:schemeClr>
+    </cs:fontRef>
+    <cs:spPr>
+      <a:ln w="9525" cap="flat" cmpd="sng" algn="ctr">
+        <a:solidFill>
+          <a:schemeClr val="tx1">
+            <a:lumMod val="25000"/>
+            <a:lumOff val="75000"/>
+          </a:schemeClr>
+        </a:solidFill>
+        <a:round/>
+      </a:ln>
+    </cs:spPr>
+    <cs:defRPr sz="900" kern="1200"/>
+  </cs:categoryAxis>
+  <cs:chartArea mods="allowNoFillOverride allowNoLineOverride">
+    <cs:lnRef idx="0"/>
+    <cs:fillRef idx="0"/>
+    <cs:effectRef idx="0"/>
+    <cs:fontRef idx="minor">
+      <a:schemeClr val="tx1"/>
+    </cs:fontRef>
+    <cs:spPr>
+      <a:solidFill>
+        <a:schemeClr val="bg1"/>
+      </a:solidFill>
+      <a:ln w="9525" cap="flat" cmpd="sng" algn="ctr">
+        <a:solidFill>
+          <a:schemeClr val="tx1">
+            <a:lumMod val="15000"/>
+            <a:lumOff val="85000"/>
+          </a:schemeClr>
+        </a:solidFill>
+        <a:round/>
+      </a:ln>
+    </cs:spPr>
+    <cs:defRPr sz="1000" kern="1200"/>
+  </cs:chartArea>
+  <cs:dataLabel>
+    <cs:lnRef idx="0"/>
+    <cs:fillRef idx="0"/>
+    <cs:effectRef idx="0"/>
+    <cs:fontRef idx="minor">
+      <a:schemeClr val="tx1">
+        <a:lumMod val="75000"/>
+        <a:lumOff val="25000"/>
+      </a:schemeClr>
+    </cs:fontRef>
+    <cs:defRPr sz="900" kern="1200"/>
+  </cs:dataLabel>
+  <cs:dataLabelCallout>
+    <cs:lnRef idx="0"/>
+    <cs:fillRef idx="0"/>
+    <cs:effectRef idx="0"/>
+    <cs:fontRef idx="minor">
+      <a:schemeClr val="dk1">
+        <a:lumMod val="65000"/>
+        <a:lumOff val="35000"/>
+      </a:schemeClr>
+    </cs:fontRef>
+    <cs:spPr>
+      <a:solidFill>
+        <a:schemeClr val="lt1"/>
+      </a:solidFill>
+      <a:ln>
+        <a:solidFill>
+          <a:schemeClr val="dk1">
+            <a:lumMod val="25000"/>
+            <a:lumOff val="75000"/>
+          </a:schemeClr>
+        </a:solidFill>
+      </a:ln>
+    </cs:spPr>
+    <cs:defRPr sz="900" kern="1200"/>
+    <cs:bodyPr rot="0" spcFirstLastPara="1" vertOverflow="clip" horzOverflow="clip" vert="horz" wrap="square" lIns="36576" tIns="18288" rIns="36576" bIns="18288" anchor="ctr" anchorCtr="1">
+      <a:spAutoFit/>
+    </cs:bodyPr>
+  </cs:dataLabelCallout>
+  <cs:dataPoint>
+    <cs:lnRef idx="0"/>
+    <cs:fillRef idx="1">
+      <cs:styleClr val="auto"/>
+    </cs:fillRef>
+    <cs:effectRef idx="0"/>
+    <cs:fontRef idx="minor">
+      <a:schemeClr val="tx1"/>
+    </cs:fontRef>
+  </cs:dataPoint>
+  <cs:dataPoint3D>
+    <cs:lnRef idx="0"/>
+    <cs:fillRef idx="1">
+      <cs:styleClr val="auto"/>
+    </cs:fillRef>
+    <cs:effectRef idx="0"/>
+    <cs:fontRef idx="minor">
+      <a:schemeClr val="tx1"/>
+    </cs:fontRef>
+  </cs:dataPoint3D>
+  <cs:dataPointLine>
+    <cs:lnRef idx="0">
+      <cs:styleClr val="auto"/>
+    </cs:lnRef>
+    <cs:fillRef idx="1"/>
+    <cs:effectRef idx="0"/>
+    <cs:fontRef idx="minor">
+      <a:schemeClr val="tx1"/>
+    </cs:fontRef>
+    <cs:spPr>
+      <a:ln w="19050" cap="rnd">
+        <a:solidFill>
+          <a:schemeClr val="phClr"/>
+        </a:solidFill>
+        <a:round/>
+      </a:ln>
+    </cs:spPr>
+  </cs:dataPointLine>
+  <cs:dataPointMarker>
+    <cs:lnRef idx="0">
+      <cs:styleClr val="auto"/>
+    </cs:lnRef>
+    <cs:fillRef idx="1">
+      <cs:styleClr val="auto"/>
+    </cs:fillRef>
+    <cs:effectRef idx="0"/>
+    <cs:fontRef idx="minor">
+      <a:schemeClr val="tx1"/>
+    </cs:fontRef>
+    <cs:spPr>
+      <a:ln w="9525">
+        <a:solidFill>
+          <a:schemeClr val="phClr"/>
+        </a:solidFill>
+      </a:ln>
+    </cs:spPr>
+  </cs:dataPointMarker>
+  <cs:dataPointMarkerLayout symbol="circle" size="5"/>
+  <cs:dataPointWireframe>
+    <cs:lnRef idx="0">
+      <cs:styleClr val="auto"/>
+    </cs:lnRef>
+    <cs:fillRef idx="0"/>
+    <cs:effectRef idx="0"/>
+    <cs:fontRef idx="minor">
+      <a:schemeClr val="dk1"/>
+    </cs:fontRef>
+    <cs:spPr>
+      <a:ln w="9525" cap="rnd">
+        <a:solidFill>
+          <a:schemeClr val="phClr"/>
+        </a:solidFill>
+        <a:round/>
+      </a:ln>
+    </cs:spPr>
+  </cs:dataPointWireframe>
+  <cs:dataTable>
+    <cs:lnRef idx="0"/>
+    <cs:fillRef idx="0"/>
+    <cs:effectRef idx="0"/>
+    <cs:fontRef idx="minor">
+      <a:schemeClr val="tx1">
+        <a:lumMod val="65000"/>
+        <a:lumOff val="35000"/>
+      </a:schemeClr>
+    </cs:fontRef>
+    <cs:spPr>
+      <a:noFill/>
+      <a:ln w="9525" cap="flat" cmpd="sng" algn="ctr">
+        <a:solidFill>
+          <a:schemeClr val="tx1">
+            <a:lumMod val="15000"/>
+            <a:lumOff val="85000"/>
+          </a:schemeClr>
+        </a:solidFill>
+        <a:round/>
+      </a:ln>
+    </cs:spPr>
+    <cs:defRPr sz="900" kern="1200"/>
+  </cs:dataTable>
+  <cs:downBar>
+    <cs:lnRef idx="0"/>
+    <cs:fillRef idx="0"/>
+    <cs:effectRef idx="0"/>
+    <cs:fontRef idx="minor">
+      <a:schemeClr val="tx1"/>
+    </cs:fontRef>
+    <cs:spPr>
+      <a:solidFill>
+        <a:schemeClr val="dk1">
+          <a:lumMod val="75000"/>
+          <a:lumOff val="25000"/>
+        </a:schemeClr>
+      </a:solidFill>
+      <a:ln w="9525" cap="flat" cmpd="sng" algn="ctr">
+        <a:solidFill>
+          <a:schemeClr val="tx1">
+            <a:lumMod val="65000"/>
+            <a:lumOff val="35000"/>
+          </a:schemeClr>
+        </a:solidFill>
+        <a:round/>
+      </a:ln>
+    </cs:spPr>
+  </cs:downBar>
+  <cs:dropLine>
+    <cs:lnRef idx="0"/>
+    <cs:fillRef idx="0"/>
+    <cs:effectRef idx="0"/>
+    <cs:fontRef idx="minor">
+      <a:schemeClr val="tx1"/>
+    </cs:fontRef>
+    <cs:spPr>
+      <a:ln w="9525" cap="flat" cmpd="sng" algn="ctr">
+        <a:solidFill>
+          <a:schemeClr val="tx1">
+            <a:lumMod val="35000"/>
+            <a:lumOff val="65000"/>
+          </a:schemeClr>
+        </a:solidFill>
+        <a:round/>
+      </a:ln>
+    </cs:spPr>
+  </cs:dropLine>
+  <cs:errorBar>
+    <cs:lnRef idx="0"/>
+    <cs:fillRef idx="0"/>
+    <cs:effectRef idx="0"/>
+    <cs:fontRef idx="minor">
+      <a:schemeClr val="tx1"/>
+    </cs:fontRef>
+    <cs:spPr>
+      <a:ln w="9525" cap="flat" cmpd="sng" algn="ctr">
+        <a:solidFill>
+          <a:schemeClr val="tx1">
+            <a:lumMod val="65000"/>
+            <a:lumOff val="35000"/>
+          </a:schemeClr>
+        </a:solidFill>
+        <a:round/>
+      </a:ln>
+    </cs:spPr>
+  </cs:errorBar>
+  <cs:floor>
+    <cs:lnRef idx="0"/>
+    <cs:fillRef idx="0"/>
+    <cs:effectRef idx="0"/>
+    <cs:fontRef idx="minor">
+      <a:schemeClr val="tx1"/>
+    </cs:fontRef>
+    <cs:spPr>
+      <a:noFill/>
+      <a:ln>
+        <a:noFill/>
+      </a:ln>
+    </cs:spPr>
+  </cs:floor>
+  <cs:gridlineMajor>
+    <cs:lnRef idx="0"/>
+    <cs:fillRef idx="0"/>
+    <cs:effectRef idx="0"/>
+    <cs:fontRef idx="minor">
+      <a:schemeClr val="tx1"/>
+    </cs:fontRef>
+    <cs:spPr>
+      <a:ln w="9525" cap="flat" cmpd="sng" algn="ctr">
+        <a:solidFill>
+          <a:schemeClr val="tx1">
+            <a:lumMod val="15000"/>
+            <a:lumOff val="85000"/>
+          </a:schemeClr>
+        </a:solidFill>
+        <a:round/>
+      </a:ln>
+    </cs:spPr>
+  </cs:gridlineMajor>
+  <cs:gridlineMinor>
+    <cs:lnRef idx="0"/>
+    <cs:fillRef idx="0"/>
+    <cs:effectRef idx="0"/>
+    <cs:fontRef idx="minor">
+      <a:schemeClr val="tx1"/>
+    </cs:fontRef>
+    <cs:spPr>
+      <a:ln w="9525" cap="flat" cmpd="sng" algn="ctr">
+        <a:solidFill>
+          <a:schemeClr val="tx1">
+            <a:lumMod val="5000"/>
+            <a:lumOff val="95000"/>
+          </a:schemeClr>
+        </a:solidFill>
+        <a:round/>
+      </a:ln>
+    </cs:spPr>
+  </cs:gridlineMinor>
+  <cs:hiLoLine>
+    <cs:lnRef idx="0"/>
+    <cs:fillRef idx="0"/>
+    <cs:effectRef idx="0"/>
+    <cs:fontRef idx="minor">
+      <a:schemeClr val="tx1"/>
+    </cs:fontRef>
+    <cs:spPr>
+      <a:ln w="9525" cap="flat" cmpd="sng" algn="ctr">
+        <a:solidFill>
+          <a:schemeClr val="tx1">
+            <a:lumMod val="50000"/>
+            <a:lumOff val="50000"/>
+          </a:schemeClr>
+        </a:solidFill>
+        <a:round/>
+      </a:ln>
+    </cs:spPr>
+  </cs:hiLoLine>
+  <cs:leaderLine>
+    <cs:lnRef idx="0"/>
+    <cs:fillRef idx="0"/>
+    <cs:effectRef idx="0"/>
+    <cs:fontRef idx="minor">
+      <a:schemeClr val="tx1"/>
+    </cs:fontRef>
+    <cs:spPr>
+      <a:ln w="9525" cap="flat" cmpd="sng" algn="ctr">
+        <a:solidFill>
+          <a:schemeClr val="tx1">
+            <a:lumMod val="35000"/>
+            <a:lumOff val="65000"/>
+          </a:schemeClr>
+        </a:solidFill>
+        <a:round/>
+      </a:ln>
+    </cs:spPr>
+  </cs:leaderLine>
+  <cs:legend>
+    <cs:lnRef idx="0"/>
+    <cs:fillRef idx="0"/>
+    <cs:effectRef idx="0"/>
+    <cs:fontRef idx="minor">
+      <a:schemeClr val="tx1">
+        <a:lumMod val="65000"/>
+        <a:lumOff val="35000"/>
+      </a:schemeClr>
+    </cs:fontRef>
+    <cs:defRPr sz="900" kern="1200"/>
+  </cs:legend>
+  <cs:plotArea mods="allowNoFillOverride allowNoLineOverride">
+    <cs:lnRef idx="0"/>
+    <cs:fillRef idx="0"/>
+    <cs:effectRef idx="0"/>
+    <cs:fontRef idx="minor">
+      <a:schemeClr val="tx1"/>
+    </cs:fontRef>
+  </cs:plotArea>
+  <cs:plotArea3D mods="allowNoFillOverride allowNoLineOverride">
+    <cs:lnRef idx="0"/>
+    <cs:fillRef idx="0"/>
+    <cs:effectRef idx="0"/>
+    <cs:fontRef idx="minor">
+      <a:schemeClr val="tx1"/>
+    </cs:fontRef>
+  </cs:plotArea3D>
+  <cs:seriesAxis>
+    <cs:lnRef idx="0"/>
+    <cs:fillRef idx="0"/>
+    <cs:effectRef idx="0"/>
+    <cs:fontRef idx="minor">
+      <a:schemeClr val="tx1">
+        <a:lumMod val="65000"/>
+        <a:lumOff val="35000"/>
+      </a:schemeClr>
+    </cs:fontRef>
+    <cs:defRPr sz="900" kern="1200"/>
+  </cs:seriesAxis>
+  <cs:seriesLine>
+    <cs:lnRef idx="0"/>
+    <cs:fillRef idx="0"/>
+    <cs:effectRef idx="0"/>
+    <cs:fontRef idx="minor">
+      <a:schemeClr val="tx1"/>
+    </cs:fontRef>
+    <cs:spPr>
+      <a:ln w="9525" cap="flat" cmpd="sng" algn="ctr">
+        <a:solidFill>
+          <a:schemeClr val="tx1">
+            <a:lumMod val="35000"/>
+            <a:lumOff val="65000"/>
+          </a:schemeClr>
+        </a:solidFill>
+        <a:round/>
+      </a:ln>
+    </cs:spPr>
+  </cs:seriesLine>
+  <cs:title>
+    <cs:lnRef idx="0"/>
+    <cs:fillRef idx="0"/>
+    <cs:effectRef idx="0"/>
+    <cs:fontRef idx="minor">
+      <a:schemeClr val="tx1">
+        <a:lumMod val="65000"/>
+        <a:lumOff val="35000"/>
+      </a:schemeClr>
+    </cs:fontRef>
+    <cs:defRPr sz="1400" b="0" kern="1200" spc="0" baseline="0"/>
+  </cs:title>
+  <cs:trendline>
+    <cs:lnRef idx="0">
+      <cs:styleClr val="auto"/>
+    </cs:lnRef>
+    <cs:fillRef idx="0"/>
+    <cs:effectRef idx="0"/>
+    <cs:fontRef idx="minor">
+      <a:schemeClr val="tx1"/>
+    </cs:fontRef>
+    <cs:spPr>
+      <a:ln w="19050" cap="rnd">
+        <a:solidFill>
+          <a:schemeClr val="phClr"/>
+        </a:solidFill>
+        <a:prstDash val="sysDot"/>
+      </a:ln>
+    </cs:spPr>
+  </cs:trendline>
+  <cs:trendlineLabel>
+    <cs:lnRef idx="0"/>
+    <cs:fillRef idx="0"/>
+    <cs:effectRef idx="0"/>
+    <cs:fontRef idx="minor">
+      <a:schemeClr val="tx1">
+        <a:lumMod val="65000"/>
+        <a:lumOff val="35000"/>
+      </a:schemeClr>
+    </cs:fontRef>
+    <cs:defRPr sz="900" kern="1200"/>
+  </cs:trendlineLabel>
+  <cs:upBar>
+    <cs:lnRef idx="0"/>
+    <cs:fillRef idx="0"/>
+    <cs:effectRef idx="0"/>
+    <cs:fontRef idx="minor">
+      <a:schemeClr val="tx1"/>
+    </cs:fontRef>
+    <cs:spPr>
+      <a:solidFill>
+        <a:schemeClr val="lt1"/>
+      </a:solidFill>
+      <a:ln w="9525" cap="flat" cmpd="sng" algn="ctr">
+        <a:solidFill>
+          <a:schemeClr val="tx1">
+            <a:lumMod val="65000"/>
+            <a:lumOff val="35000"/>
+          </a:schemeClr>
+        </a:solidFill>
+        <a:round/>
+      </a:ln>
+    </cs:spPr>
+  </cs:upBar>
+  <cs:valueAxis>
+    <cs:lnRef idx="0"/>
+    <cs:fillRef idx="0"/>
+    <cs:effectRef idx="0"/>
+    <cs:fontRef idx="minor">
+      <a:schemeClr val="tx1">
+        <a:lumMod val="65000"/>
+        <a:lumOff val="35000"/>
+      </a:schemeClr>
+    </cs:fontRef>
+    <cs:spPr>
+      <a:ln w="9525" cap="flat" cmpd="sng" algn="ctr">
+        <a:solidFill>
+          <a:schemeClr val="tx1">
+            <a:lumMod val="25000"/>
+            <a:lumOff val="75000"/>
+          </a:schemeClr>
+        </a:solidFill>
+        <a:round/>
+      </a:ln>
+    </cs:spPr>
+    <cs:defRPr sz="900" kern="1200"/>
+  </cs:valueAxis>
+  <cs:wall>
+    <cs:lnRef idx="0"/>
+    <cs:fillRef idx="0"/>
+    <cs:effectRef idx="0"/>
+    <cs:fontRef idx="minor">
+      <a:schemeClr val="tx1"/>
+    </cs:fontRef>
+    <cs:spPr>
+      <a:noFill/>
+      <a:ln>
+        <a:noFill/>
+      </a:ln>
+    </cs:spPr>
+  </cs:wall>
+</cs:chartStyle>
+</file>
+
+<file path=ppt/charts/style2.xml><?xml version="1.0" encoding="utf-8"?>
+<cs:chartStyle xmlns:cs="http://schemas.microsoft.com/office/drawing/2012/chartStyle" xmlns:a="http://schemas.openxmlformats.org/drawingml/2006/main" id="201">
+  <cs:axisTitle>
+    <cs:lnRef idx="0"/>
+    <cs:fillRef idx="0"/>
+    <cs:effectRef idx="0"/>
+    <cs:fontRef idx="minor">
+      <a:schemeClr val="tx1">
+        <a:lumMod val="65000"/>
+        <a:lumOff val="35000"/>
+      </a:schemeClr>
+    </cs:fontRef>
+    <cs:defRPr sz="1000" kern="1200"/>
+  </cs:axisTitle>
+  <cs:categoryAxis>
+    <cs:lnRef idx="0"/>
+    <cs:fillRef idx="0"/>
+    <cs:effectRef idx="0"/>
+    <cs:fontRef idx="minor">
+      <a:schemeClr val="tx1">
+        <a:lumMod val="65000"/>
+        <a:lumOff val="35000"/>
+      </a:schemeClr>
+    </cs:fontRef>
+    <cs:spPr>
+      <a:ln w="9525" cap="flat" cmpd="sng" algn="ctr">
+        <a:solidFill>
+          <a:schemeClr val="tx1">
+            <a:lumMod val="15000"/>
+            <a:lumOff val="85000"/>
+          </a:schemeClr>
+        </a:solidFill>
+        <a:round/>
+      </a:ln>
+    </cs:spPr>
+    <cs:defRPr sz="900" kern="1200"/>
+  </cs:categoryAxis>
+  <cs:chartArea mods="allowNoFillOverride allowNoLineOverride">
+    <cs:lnRef idx="0"/>
+    <cs:fillRef idx="0"/>
+    <cs:effectRef idx="0"/>
+    <cs:fontRef idx="minor">
+      <a:schemeClr val="tx1"/>
+    </cs:fontRef>
+    <cs:spPr>
+      <a:solidFill>
+        <a:schemeClr val="bg1"/>
+      </a:solidFill>
+      <a:ln w="9525" cap="flat" cmpd="sng" algn="ctr">
+        <a:solidFill>
+          <a:schemeClr val="tx1">
+            <a:lumMod val="15000"/>
+            <a:lumOff val="85000"/>
+          </a:schemeClr>
+        </a:solidFill>
+        <a:round/>
+      </a:ln>
+    </cs:spPr>
+    <cs:defRPr sz="1000" kern="1200"/>
+  </cs:chartArea>
+  <cs:dataLabel>
+    <cs:lnRef idx="0"/>
+    <cs:fillRef idx="0"/>
+    <cs:effectRef idx="0"/>
+    <cs:fontRef idx="minor">
+      <a:schemeClr val="tx1">
+        <a:lumMod val="75000"/>
+        <a:lumOff val="25000"/>
+      </a:schemeClr>
+    </cs:fontRef>
+    <cs:defRPr sz="900" kern="1200"/>
+  </cs:dataLabel>
+  <cs:dataLabelCallout>
+    <cs:lnRef idx="0"/>
+    <cs:fillRef idx="0"/>
+    <cs:effectRef idx="0"/>
+    <cs:fontRef idx="minor">
+      <a:schemeClr val="dk1">
+        <a:lumMod val="65000"/>
+        <a:lumOff val="35000"/>
+      </a:schemeClr>
+    </cs:fontRef>
+    <cs:spPr>
+      <a:solidFill>
+        <a:schemeClr val="lt1"/>
+      </a:solidFill>
+      <a:ln>
+        <a:solidFill>
+          <a:schemeClr val="dk1">
+            <a:lumMod val="25000"/>
+            <a:lumOff val="75000"/>
+          </a:schemeClr>
+        </a:solidFill>
+      </a:ln>
+    </cs:spPr>
+    <cs:defRPr sz="900" kern="1200"/>
+    <cs:bodyPr rot="0" spcFirstLastPara="1" vertOverflow="clip" horzOverflow="clip" vert="horz" wrap="square" lIns="36576" tIns="18288" rIns="36576" bIns="18288" anchor="ctr" anchorCtr="1">
+      <a:spAutoFit/>
+    </cs:bodyPr>
+  </cs:dataLabelCallout>
+  <cs:dataPoint>
+    <cs:lnRef idx="0"/>
+    <cs:fillRef idx="1">
+      <cs:styleClr val="auto"/>
+    </cs:fillRef>
+    <cs:effectRef idx="0"/>
+    <cs:fontRef idx="minor">
+      <a:schemeClr val="tx1"/>
+    </cs:fontRef>
+  </cs:dataPoint>
+  <cs:dataPoint3D>
+    <cs:lnRef idx="0"/>
+    <cs:fillRef idx="1">
+      <cs:styleClr val="auto"/>
+    </cs:fillRef>
+    <cs:effectRef idx="0"/>
+    <cs:fontRef idx="minor">
+      <a:schemeClr val="tx1"/>
+    </cs:fontRef>
+  </cs:dataPoint3D>
+  <cs:dataPointLine>
+    <cs:lnRef idx="0">
+      <cs:styleClr val="auto"/>
+    </cs:lnRef>
+    <cs:fillRef idx="1"/>
+    <cs:effectRef idx="0"/>
+    <cs:fontRef idx="minor">
+      <a:schemeClr val="tx1"/>
+    </cs:fontRef>
+    <cs:spPr>
+      <a:ln w="28575" cap="rnd">
+        <a:solidFill>
+          <a:schemeClr val="phClr"/>
+        </a:solidFill>
+        <a:round/>
+      </a:ln>
+    </cs:spPr>
+  </cs:dataPointLine>
+  <cs:dataPointMarker>
+    <cs:lnRef idx="0">
+      <cs:styleClr val="auto"/>
+    </cs:lnRef>
+    <cs:fillRef idx="1">
+      <cs:styleClr val="auto"/>
+    </cs:fillRef>
+    <cs:effectRef idx="0"/>
+    <cs:fontRef idx="minor">
+      <a:schemeClr val="tx1"/>
+    </cs:fontRef>
+    <cs:spPr>
+      <a:ln w="9525">
+        <a:solidFill>
+          <a:schemeClr val="phClr"/>
+        </a:solidFill>
+      </a:ln>
+    </cs:spPr>
+  </cs:dataPointMarker>
+  <cs:dataPointMarkerLayout symbol="circle" size="5"/>
+  <cs:dataPointWireframe>
+    <cs:lnRef idx="0">
+      <cs:styleClr val="auto"/>
+    </cs:lnRef>
+    <cs:fillRef idx="1"/>
+    <cs:effectRef idx="0"/>
+    <cs:fontRef idx="minor">
+      <a:schemeClr val="tx1"/>
+    </cs:fontRef>
+    <cs:spPr>
+      <a:ln w="9525" cap="rnd">
+        <a:solidFill>
+          <a:schemeClr val="phClr"/>
+        </a:solidFill>
+        <a:round/>
+      </a:ln>
+    </cs:spPr>
+  </cs:dataPointWireframe>
+  <cs:dataTable>
+    <cs:lnRef idx="0"/>
+    <cs:fillRef idx="0"/>
+    <cs:effectRef idx="0"/>
+    <cs:fontRef idx="minor">
+      <a:schemeClr val="tx1">
+        <a:lumMod val="65000"/>
+        <a:lumOff val="35000"/>
+      </a:schemeClr>
+    </cs:fontRef>
+    <cs:spPr>
+      <a:noFill/>
+      <a:ln w="9525" cap="flat" cmpd="sng" algn="ctr">
+        <a:solidFill>
+          <a:schemeClr val="tx1">
+            <a:lumMod val="15000"/>
+            <a:lumOff val="85000"/>
+          </a:schemeClr>
+        </a:solidFill>
+        <a:round/>
+      </a:ln>
+    </cs:spPr>
+    <cs:defRPr sz="900" kern="1200"/>
+  </cs:dataTable>
+  <cs:downBar>
+    <cs:lnRef idx="0"/>
+    <cs:fillRef idx="0"/>
+    <cs:effectRef idx="0"/>
+    <cs:fontRef idx="minor">
+      <a:schemeClr val="dk1"/>
+    </cs:fontRef>
+    <cs:spPr>
+      <a:solidFill>
+        <a:schemeClr val="dk1">
+          <a:lumMod val="65000"/>
+          <a:lumOff val="35000"/>
+        </a:schemeClr>
+      </a:solidFill>
+      <a:ln w="9525">
+        <a:solidFill>
+          <a:schemeClr val="tx1">
+            <a:lumMod val="65000"/>
+            <a:lumOff val="35000"/>
+          </a:schemeClr>
+        </a:solidFill>
+      </a:ln>
+    </cs:spPr>
+  </cs:downBar>
+  <cs:dropLine>
+    <cs:lnRef idx="0"/>
+    <cs:fillRef idx="0"/>
+    <cs:effectRef idx="0"/>
+    <cs:fontRef idx="minor">
+      <a:schemeClr val="tx1"/>
+    </cs:fontRef>
+    <cs:spPr>
+      <a:ln w="9525" cap="flat" cmpd="sng" algn="ctr">
+        <a:solidFill>
+          <a:schemeClr val="tx1">
+            <a:lumMod val="35000"/>
+            <a:lumOff val="65000"/>
+          </a:schemeClr>
+        </a:solidFill>
+        <a:round/>
+      </a:ln>
+    </cs:spPr>
+  </cs:dropLine>
+  <cs:errorBar>
+    <cs:lnRef idx="0"/>
+    <cs:fillRef idx="0"/>
+    <cs:effectRef idx="0"/>
+    <cs:fontRef idx="minor">
+      <a:schemeClr val="tx1"/>
+    </cs:fontRef>
+    <cs:spPr>
+      <a:ln w="9525" cap="flat" cmpd="sng" algn="ctr">
+        <a:solidFill>
+          <a:schemeClr val="tx1">
+            <a:lumMod val="65000"/>
+            <a:lumOff val="35000"/>
+          </a:schemeClr>
+        </a:solidFill>
+        <a:round/>
+      </a:ln>
+    </cs:spPr>
+  </cs:errorBar>
+  <cs:floor>
+    <cs:lnRef idx="0"/>
+    <cs:fillRef idx="0"/>
+    <cs:effectRef idx="0"/>
+    <cs:fontRef idx="minor">
+      <a:schemeClr val="tx1"/>
+    </cs:fontRef>
+    <cs:spPr>
+      <a:noFill/>
+      <a:ln>
+        <a:noFill/>
+      </a:ln>
+    </cs:spPr>
+  </cs:floor>
+  <cs:gridlineMajor>
+    <cs:lnRef idx="0"/>
+    <cs:fillRef idx="0"/>
+    <cs:effectRef idx="0"/>
+    <cs:fontRef idx="minor">
+      <a:schemeClr val="tx1"/>
+    </cs:fontRef>
+    <cs:spPr>
+      <a:ln w="9525" cap="flat" cmpd="sng" algn="ctr">
+        <a:solidFill>
+          <a:schemeClr val="tx1">
+            <a:lumMod val="15000"/>
+            <a:lumOff val="85000"/>
+          </a:schemeClr>
+        </a:solidFill>
+        <a:round/>
+      </a:ln>
+    </cs:spPr>
+  </cs:gridlineMajor>
+  <cs:gridlineMinor>
+    <cs:lnRef idx="0"/>
+    <cs:fillRef idx="0"/>
+    <cs:effectRef idx="0"/>
+    <cs:fontRef idx="minor">
+      <a:schemeClr val="tx1"/>
+    </cs:fontRef>
+    <cs:spPr>
+      <a:ln w="9525" cap="flat" cmpd="sng" algn="ctr">
+        <a:solidFill>
+          <a:schemeClr val="tx1">
+            <a:lumMod val="5000"/>
+            <a:lumOff val="95000"/>
+          </a:schemeClr>
+        </a:solidFill>
+        <a:round/>
+      </a:ln>
+    </cs:spPr>
+  </cs:gridlineMinor>
+  <cs:hiLoLine>
+    <cs:lnRef idx="0"/>
+    <cs:fillRef idx="0"/>
+    <cs:effectRef idx="0"/>
+    <cs:fontRef idx="minor">
+      <a:schemeClr val="tx1"/>
+    </cs:fontRef>
+    <cs:spPr>
+      <a:ln w="9525" cap="flat" cmpd="sng" algn="ctr">
+        <a:solidFill>
+          <a:schemeClr val="tx1">
+            <a:lumMod val="75000"/>
+            <a:lumOff val="25000"/>
+          </a:schemeClr>
+        </a:solidFill>
+        <a:round/>
+      </a:ln>
+    </cs:spPr>
+  </cs:hiLoLine>
+  <cs:leaderLine>
+    <cs:lnRef idx="0"/>
+    <cs:fillRef idx="0"/>
+    <cs:effectRef idx="0"/>
+    <cs:fontRef idx="minor">
+      <a:schemeClr val="tx1"/>
+    </cs:fontRef>
+    <cs:spPr>
+      <a:ln w="9525" cap="flat" cmpd="sng" algn="ctr">
+        <a:solidFill>
+          <a:schemeClr val="tx1">
+            <a:lumMod val="35000"/>
+            <a:lumOff val="65000"/>
+          </a:schemeClr>
+        </a:solidFill>
+        <a:round/>
+      </a:ln>
+    </cs:spPr>
+  </cs:leaderLine>
+  <cs:legend>
+    <cs:lnRef idx="0"/>
+    <cs:fillRef idx="0"/>
+    <cs:effectRef idx="0"/>
+    <cs:fontRef idx="minor">
+      <a:schemeClr val="tx1">
+        <a:lumMod val="65000"/>
+        <a:lumOff val="35000"/>
+      </a:schemeClr>
+    </cs:fontRef>
+    <cs:defRPr sz="900" kern="1200"/>
+  </cs:legend>
+  <cs:plotArea mods="allowNoFillOverride allowNoLineOverride">
+    <cs:lnRef idx="0"/>
+    <cs:fillRef idx="0"/>
+    <cs:effectRef idx="0"/>
+    <cs:fontRef idx="minor">
+      <a:schemeClr val="tx1"/>
+    </cs:fontRef>
+  </cs:plotArea>
+  <cs:plotArea3D mods="allowNoFillOverride allowNoLineOverride">
+    <cs:lnRef idx="0"/>
+    <cs:fillRef idx="0"/>
+    <cs:effectRef idx="0"/>
+    <cs:fontRef idx="minor">
+      <a:schemeClr val="tx1"/>
+    </cs:fontRef>
+  </cs:plotArea3D>
+  <cs:seriesAxis>
+    <cs:lnRef idx="0"/>
+    <cs:fillRef idx="0"/>
+    <cs:effectRef idx="0"/>
+    <cs:fontRef idx="minor">
+      <a:schemeClr val="tx1">
+        <a:lumMod val="65000"/>
+        <a:lumOff val="35000"/>
+      </a:schemeClr>
+    </cs:fontRef>
+    <cs:defRPr sz="900" kern="1200"/>
+  </cs:seriesAxis>
+  <cs:seriesLine>
+    <cs:lnRef idx="0"/>
+    <cs:fillRef idx="0"/>
+    <cs:effectRef idx="0"/>
+    <cs:fontRef idx="minor">
+      <a:schemeClr val="tx1"/>
+    </cs:fontRef>
+    <cs:spPr>
+      <a:ln w="9525" cap="flat" cmpd="sng" algn="ctr">
+        <a:solidFill>
+          <a:schemeClr val="tx1">
+            <a:lumMod val="35000"/>
+            <a:lumOff val="65000"/>
+          </a:schemeClr>
+        </a:solidFill>
+        <a:round/>
+      </a:ln>
+    </cs:spPr>
+  </cs:seriesLine>
+  <cs:title>
+    <cs:lnRef idx="0"/>
+    <cs:fillRef idx="0"/>
+    <cs:effectRef idx="0"/>
+    <cs:fontRef idx="minor">
+      <a:schemeClr val="tx1">
+        <a:lumMod val="65000"/>
+        <a:lumOff val="35000"/>
+      </a:schemeClr>
+    </cs:fontRef>
+    <cs:defRPr sz="1400" b="0" kern="1200" spc="0" baseline="0"/>
+  </cs:title>
+  <cs:trendline>
+    <cs:lnRef idx="0">
+      <cs:styleClr val="auto"/>
+    </cs:lnRef>
+    <cs:fillRef idx="0"/>
+    <cs:effectRef idx="0"/>
+    <cs:fontRef idx="minor">
+      <a:schemeClr val="tx1"/>
+    </cs:fontRef>
+    <cs:spPr>
+      <a:ln w="19050" cap="rnd">
+        <a:solidFill>
+          <a:schemeClr val="phClr"/>
+        </a:solidFill>
+        <a:prstDash val="sysDot"/>
+      </a:ln>
+    </cs:spPr>
+  </cs:trendline>
+  <cs:trendlineLabel>
+    <cs:lnRef idx="0"/>
+    <cs:fillRef idx="0"/>
+    <cs:effectRef idx="0"/>
+    <cs:fontRef idx="minor">
+      <a:schemeClr val="tx1">
+        <a:lumMod val="65000"/>
+        <a:lumOff val="35000"/>
+      </a:schemeClr>
+    </cs:fontRef>
+    <cs:defRPr sz="900" kern="1200"/>
+  </cs:trendlineLabel>
+  <cs:upBar>
+    <cs:lnRef idx="0"/>
+    <cs:fillRef idx="0"/>
+    <cs:effectRef idx="0"/>
+    <cs:fontRef idx="minor">
+      <a:schemeClr val="dk1"/>
+    </cs:fontRef>
+    <cs:spPr>
+      <a:solidFill>
+        <a:schemeClr val="lt1"/>
+      </a:solidFill>
+      <a:ln w="9525">
+        <a:solidFill>
+          <a:schemeClr val="tx1">
+            <a:lumMod val="15000"/>
+            <a:lumOff val="85000"/>
+          </a:schemeClr>
+        </a:solidFill>
+      </a:ln>
+    </cs:spPr>
+  </cs:upBar>
+  <cs:valueAxis>
+    <cs:lnRef idx="0"/>
+    <cs:fillRef idx="0"/>
+    <cs:effectRef idx="0"/>
+    <cs:fontRef idx="minor">
+      <a:schemeClr val="tx1">
+        <a:lumMod val="65000"/>
+        <a:lumOff val="35000"/>
+      </a:schemeClr>
+    </cs:fontRef>
+    <cs:defRPr sz="900" kern="1200"/>
+  </cs:valueAxis>
+  <cs:wall>
+    <cs:lnRef idx="0"/>
+    <cs:fillRef idx="0"/>
+    <cs:effectRef idx="0"/>
+    <cs:fontRef idx="minor">
+      <a:schemeClr val="tx1"/>
+    </cs:fontRef>
+    <cs:spPr>
+      <a:noFill/>
+      <a:ln>
+        <a:noFill/>
+      </a:ln>
+    </cs:spPr>
+  </cs:wall>
+</cs:chartStyle>
+</file>
+
 <file path=ppt/notesMasters/notesMaster1.xml><?xml version="1.0" encoding="utf-8"?>
 <p:notesMaster xmlns:a="http://schemas.openxmlformats.org/drawingml/2006/main" xmlns:r="http://schemas.openxmlformats.org/officeDocument/2006/relationships" xmlns:p="http://schemas.openxmlformats.org/presentationml/2006/main">
   <p:cSld>
@@ -197,7 +2201,7 @@
           <a:p>
             <a:fld id="{C0C879F5-FACF-7142-AF02-D40C8EE9EF74}" type="datetimeFigureOut">
               <a:rPr lang="en-US" smtClean="0"/>
-              <a:t>7/24/22</a:t>
+              <a:t>7/26/2022</a:t>
             </a:fld>
             <a:endParaRPr lang="en-US"/>
           </a:p>
@@ -684,7 +2688,7 @@
           <a:p>
             <a:fld id="{63C8CE8D-F073-5543-9253-FAF9CC6C9F73}" type="datetimeFigureOut">
               <a:rPr lang="en-US" smtClean="0"/>
-              <a:t>7/24/22</a:t>
+              <a:t>7/26/2022</a:t>
             </a:fld>
             <a:endParaRPr lang="en-US"/>
           </a:p>
@@ -854,7 +2858,7 @@
           <a:p>
             <a:fld id="{63C8CE8D-F073-5543-9253-FAF9CC6C9F73}" type="datetimeFigureOut">
               <a:rPr lang="en-US" smtClean="0"/>
-              <a:t>7/24/22</a:t>
+              <a:t>7/26/2022</a:t>
             </a:fld>
             <a:endParaRPr lang="en-US"/>
           </a:p>
@@ -1034,7 +3038,7 @@
           <a:p>
             <a:fld id="{63C8CE8D-F073-5543-9253-FAF9CC6C9F73}" type="datetimeFigureOut">
               <a:rPr lang="en-US" smtClean="0"/>
-              <a:t>7/24/22</a:t>
+              <a:t>7/26/2022</a:t>
             </a:fld>
             <a:endParaRPr lang="en-US"/>
           </a:p>
@@ -1204,7 +3208,7 @@
           <a:p>
             <a:fld id="{63C8CE8D-F073-5543-9253-FAF9CC6C9F73}" type="datetimeFigureOut">
               <a:rPr lang="en-US" smtClean="0"/>
-              <a:t>7/24/22</a:t>
+              <a:t>7/26/2022</a:t>
             </a:fld>
             <a:endParaRPr lang="en-US"/>
           </a:p>
@@ -1448,7 +3452,7 @@
           <a:p>
             <a:fld id="{63C8CE8D-F073-5543-9253-FAF9CC6C9F73}" type="datetimeFigureOut">
               <a:rPr lang="en-US" smtClean="0"/>
-              <a:t>7/24/22</a:t>
+              <a:t>7/26/2022</a:t>
             </a:fld>
             <a:endParaRPr lang="en-US"/>
           </a:p>
@@ -1680,7 +3684,7 @@
           <a:p>
             <a:fld id="{63C8CE8D-F073-5543-9253-FAF9CC6C9F73}" type="datetimeFigureOut">
               <a:rPr lang="en-US" smtClean="0"/>
-              <a:t>7/24/22</a:t>
+              <a:t>7/26/2022</a:t>
             </a:fld>
             <a:endParaRPr lang="en-US"/>
           </a:p>
@@ -2047,7 +4051,7 @@
           <a:p>
             <a:fld id="{63C8CE8D-F073-5543-9253-FAF9CC6C9F73}" type="datetimeFigureOut">
               <a:rPr lang="en-US" smtClean="0"/>
-              <a:t>7/24/22</a:t>
+              <a:t>7/26/2022</a:t>
             </a:fld>
             <a:endParaRPr lang="en-US"/>
           </a:p>
@@ -2165,7 +4169,7 @@
           <a:p>
             <a:fld id="{63C8CE8D-F073-5543-9253-FAF9CC6C9F73}" type="datetimeFigureOut">
               <a:rPr lang="en-US" smtClean="0"/>
-              <a:t>7/24/22</a:t>
+              <a:t>7/26/2022</a:t>
             </a:fld>
             <a:endParaRPr lang="en-US"/>
           </a:p>
@@ -2260,7 +4264,7 @@
           <a:p>
             <a:fld id="{63C8CE8D-F073-5543-9253-FAF9CC6C9F73}" type="datetimeFigureOut">
               <a:rPr lang="en-US" smtClean="0"/>
-              <a:t>7/24/22</a:t>
+              <a:t>7/26/2022</a:t>
             </a:fld>
             <a:endParaRPr lang="en-US"/>
           </a:p>
@@ -2537,7 +4541,7 @@
           <a:p>
             <a:fld id="{63C8CE8D-F073-5543-9253-FAF9CC6C9F73}" type="datetimeFigureOut">
               <a:rPr lang="en-US" smtClean="0"/>
-              <a:t>7/24/22</a:t>
+              <a:t>7/26/2022</a:t>
             </a:fld>
             <a:endParaRPr lang="en-US"/>
           </a:p>
@@ -2794,7 +4798,7 @@
           <a:p>
             <a:fld id="{63C8CE8D-F073-5543-9253-FAF9CC6C9F73}" type="datetimeFigureOut">
               <a:rPr lang="en-US" smtClean="0"/>
-              <a:t>7/24/22</a:t>
+              <a:t>7/26/2022</a:t>
             </a:fld>
             <a:endParaRPr lang="en-US"/>
           </a:p>
@@ -3007,7 +5011,7 @@
           <a:p>
             <a:fld id="{63C8CE8D-F073-5543-9253-FAF9CC6C9F73}" type="datetimeFigureOut">
               <a:rPr lang="en-US" smtClean="0"/>
-              <a:t>7/24/22</a:t>
+              <a:t>7/26/2022</a:t>
             </a:fld>
             <a:endParaRPr lang="en-US"/>
           </a:p>
@@ -3421,7 +5425,9 @@
               </a:ext>
             </a:extLst>
           </p:cNvPr>
-          <p:cNvSpPr/>
+          <p:cNvSpPr>
+            <a:spLocks noGrp="1" noRot="1" noMove="1" noResize="1" noEditPoints="1" noAdjustHandles="1" noChangeArrowheads="1" noChangeShapeType="1"/>
+          </p:cNvSpPr>
           <p:nvPr/>
         </p:nvSpPr>
         <p:spPr>
@@ -3694,8 +5700,8 @@
         </p:nvSpPr>
         <p:spPr>
           <a:xfrm>
-            <a:off x="629734" y="16008511"/>
-            <a:ext cx="9085765" cy="1938992"/>
+            <a:off x="603394" y="16565721"/>
+            <a:ext cx="9735284" cy="2246769"/>
           </a:xfrm>
           <a:prstGeom prst="rect">
             <a:avLst/>
@@ -3715,12 +5721,29 @@
           </a:bodyPr>
           <a:lstStyle/>
           <a:p>
-            <a:r>
-              <a:rPr lang="en-US" sz="2400" dirty="0">
+            <a:pPr marL="342900" indent="-342900">
+              <a:buFont typeface="Arial" panose="020B0604020202020204" pitchFamily="34" charset="0"/>
+              <a:buChar char="•"/>
+            </a:pPr>
+            <a:r>
+              <a:rPr lang="en-US" sz="2800" dirty="0">
                 <a:latin typeface="Helvetica" panose="020B0604020202020204" pitchFamily="34" charset="0"/>
                 <a:cs typeface="Helvetica" panose="020B0604020202020204" pitchFamily="34" charset="0"/>
               </a:rPr>
-              <a:t>There exists many tests both behavioral and physical to diagnose autism in an individual. However, there is no absolute medical test for diagnosis. By using the data from a child's postural sway, we can use machine learning to devise a method of accurately predicting and classifying autism at an early age.</a:t>
+              <a:t>There currently exists no direct clinical test for Autism Spectrum Disorder.</a:t>
+            </a:r>
+          </a:p>
+          <a:p>
+            <a:pPr marL="342900" indent="-342900">
+              <a:buFont typeface="Arial" panose="020B0604020202020204" pitchFamily="34" charset="0"/>
+              <a:buChar char="•"/>
+            </a:pPr>
+            <a:r>
+              <a:rPr lang="en-US" sz="2800" dirty="0">
+                <a:latin typeface="Helvetica" panose="020B0604020202020204" pitchFamily="34" charset="0"/>
+                <a:cs typeface="Helvetica" panose="020B0604020202020204" pitchFamily="34" charset="0"/>
+              </a:rPr>
+              <a:t>Using machine learning and classification models we can assist in the early diagnosis of autism through center of pressure data.</a:t>
             </a:r>
           </a:p>
         </p:txBody>
@@ -3798,7 +5821,7 @@
         </p:nvSpPr>
         <p:spPr>
           <a:xfrm>
-            <a:off x="629736" y="2641687"/>
+            <a:off x="875281" y="2650040"/>
             <a:ext cx="7323121" cy="646331"/>
           </a:xfrm>
           <a:prstGeom prst="rect">
@@ -3836,7 +5859,7 @@
         </p:nvSpPr>
         <p:spPr>
           <a:xfrm>
-            <a:off x="678197" y="3325423"/>
+            <a:off x="875281" y="3336497"/>
             <a:ext cx="9402382" cy="1569660"/>
           </a:xfrm>
           <a:prstGeom prst="rect">
@@ -4023,7 +6046,7 @@
         </p:nvSpPr>
         <p:spPr>
           <a:xfrm>
-            <a:off x="629735" y="15328299"/>
+            <a:off x="549395" y="15821860"/>
             <a:ext cx="3864333" cy="646331"/>
           </a:xfrm>
           <a:prstGeom prst="rect">
@@ -4061,8 +6084,8 @@
         </p:nvSpPr>
         <p:spPr>
           <a:xfrm>
-            <a:off x="11575065" y="3209435"/>
-            <a:ext cx="10336668" cy="2554545"/>
+            <a:off x="11290865" y="3125972"/>
+            <a:ext cx="10336668" cy="3046988"/>
           </a:xfrm>
           <a:prstGeom prst="rect">
             <a:avLst/>
@@ -4083,57 +6106,57 @@
           <a:lstStyle/>
           <a:p>
             <a:r>
-              <a:rPr lang="en-US" sz="2000" dirty="0">
+              <a:rPr lang="en-US" sz="2400" dirty="0">
                 <a:latin typeface="Helvetica" panose="020B0604020202020204" pitchFamily="34" charset="0"/>
                 <a:cs typeface="Helvetica" panose="020B0604020202020204" pitchFamily="34" charset="0"/>
               </a:rPr>
               <a:t>In total there were </a:t>
             </a:r>
             <a:r>
-              <a:rPr lang="en-US" sz="2000" u="sng" dirty="0">
+              <a:rPr lang="en-US" sz="2400" u="sng" dirty="0">
                 <a:latin typeface="Helvetica" panose="020B0604020202020204" pitchFamily="34" charset="0"/>
                 <a:cs typeface="Helvetica" panose="020B0604020202020204" pitchFamily="34" charset="0"/>
               </a:rPr>
               <a:t>40 TD subject trials </a:t>
             </a:r>
             <a:r>
-              <a:rPr lang="en-US" sz="2000" dirty="0">
+              <a:rPr lang="en-US" sz="2400" dirty="0">
                 <a:latin typeface="Helvetica" panose="020B0604020202020204" pitchFamily="34" charset="0"/>
                 <a:cs typeface="Helvetica" panose="020B0604020202020204" pitchFamily="34" charset="0"/>
               </a:rPr>
               <a:t>and </a:t>
             </a:r>
             <a:r>
-              <a:rPr lang="en-US" sz="2000" u="sng" dirty="0">
+              <a:rPr lang="en-US" sz="2400" u="sng" dirty="0">
                 <a:latin typeface="Helvetica" panose="020B0604020202020204" pitchFamily="34" charset="0"/>
                 <a:cs typeface="Helvetica" panose="020B0604020202020204" pitchFamily="34" charset="0"/>
               </a:rPr>
-              <a:t>37 ASD subject trials</a:t>
-            </a:r>
-            <a:r>
-              <a:rPr lang="en-US" sz="2000" dirty="0">
+              <a:t>36 ASD subject trials</a:t>
+            </a:r>
+            <a:r>
+              <a:rPr lang="en-US" sz="2400" dirty="0">
                 <a:latin typeface="Helvetica" panose="020B0604020202020204" pitchFamily="34" charset="0"/>
                 <a:cs typeface="Helvetica" panose="020B0604020202020204" pitchFamily="34" charset="0"/>
               </a:rPr>
-              <a:t>. For this test we used a force plate and ran each trial for 30 seconds at a sampling rate of 60 </a:t>
-            </a:r>
-            <a:r>
-              <a:rPr lang="en-US" sz="2000" dirty="0" err="1">
+              <a:t>. From each trial we extracted </a:t>
+            </a:r>
+            <a:r>
+              <a:rPr lang="en-US" sz="2400" u="sng" dirty="0">
                 <a:latin typeface="Helvetica" panose="020B0604020202020204" pitchFamily="34" charset="0"/>
                 <a:cs typeface="Helvetica" panose="020B0604020202020204" pitchFamily="34" charset="0"/>
               </a:rPr>
-              <a:t>hz</a:t>
-            </a:r>
-            <a:r>
-              <a:rPr lang="en-US" sz="2000" dirty="0">
+              <a:t>7 unique attributes </a:t>
+            </a:r>
+            <a:r>
+              <a:rPr lang="en-US" sz="2400" dirty="0">
                 <a:latin typeface="Helvetica" panose="020B0604020202020204" pitchFamily="34" charset="0"/>
                 <a:cs typeface="Helvetica" panose="020B0604020202020204" pitchFamily="34" charset="0"/>
               </a:rPr>
-              <a:t>. This gives us their center of pressure data from which we can determine several things such as:</a:t>
-            </a:r>
-          </a:p>
-          <a:p>
-            <a:endParaRPr lang="en-US" sz="2000" dirty="0">
+              <a:t>used in the machine learning classifiers.</a:t>
+            </a:r>
+          </a:p>
+          <a:p>
+            <a:endParaRPr lang="en-US" sz="2400" dirty="0">
               <a:latin typeface="Helvetica" panose="020B0604020202020204" pitchFamily="34" charset="0"/>
               <a:cs typeface="Helvetica" panose="020B0604020202020204" pitchFamily="34" charset="0"/>
             </a:endParaRPr>
@@ -4144,11 +6167,39 @@
               <a:buChar char="•"/>
             </a:pPr>
             <a:r>
-              <a:rPr lang="en-US" sz="2000" dirty="0">
+              <a:rPr lang="en-US" sz="2400" dirty="0">
                 <a:latin typeface="Helvetica" panose="020B0604020202020204" pitchFamily="34" charset="0"/>
                 <a:cs typeface="Helvetica" panose="020B0604020202020204" pitchFamily="34" charset="0"/>
               </a:rPr>
-              <a:t>Displacement in the Mediolateral and Anteroposterior Directions</a:t>
+              <a:t>Displacement in the </a:t>
+            </a:r>
+            <a:r>
+              <a:rPr lang="en-US" sz="2400" u="sng" dirty="0">
+                <a:latin typeface="Helvetica" panose="020B0604020202020204" pitchFamily="34" charset="0"/>
+                <a:cs typeface="Helvetica" panose="020B0604020202020204" pitchFamily="34" charset="0"/>
+              </a:rPr>
+              <a:t>Mediolateral</a:t>
+            </a:r>
+            <a:r>
+              <a:rPr lang="en-US" sz="2400" dirty="0">
+                <a:latin typeface="Helvetica" panose="020B0604020202020204" pitchFamily="34" charset="0"/>
+                <a:cs typeface="Helvetica" panose="020B0604020202020204" pitchFamily="34" charset="0"/>
+              </a:rPr>
+              <a:t> and </a:t>
+            </a:r>
+            <a:r>
+              <a:rPr lang="en-US" sz="2400" u="sng" dirty="0">
+                <a:latin typeface="Helvetica" panose="020B0604020202020204" pitchFamily="34" charset="0"/>
+                <a:cs typeface="Helvetica" panose="020B0604020202020204" pitchFamily="34" charset="0"/>
+              </a:rPr>
+              <a:t>Anteroposterior</a:t>
+            </a:r>
+            <a:r>
+              <a:rPr lang="en-US" sz="2400" dirty="0">
+                <a:latin typeface="Helvetica" panose="020B0604020202020204" pitchFamily="34" charset="0"/>
+                <a:cs typeface="Helvetica" panose="020B0604020202020204" pitchFamily="34" charset="0"/>
+              </a:rPr>
+              <a:t> Directions</a:t>
             </a:r>
           </a:p>
           <a:p>
@@ -4157,11 +6208,18 @@
               <a:buChar char="•"/>
             </a:pPr>
             <a:r>
-              <a:rPr lang="en-US" sz="2000" dirty="0">
+              <a:rPr lang="en-US" sz="2400" u="sng" dirty="0">
                 <a:latin typeface="Helvetica" panose="020B0604020202020204" pitchFamily="34" charset="0"/>
                 <a:cs typeface="Helvetica" panose="020B0604020202020204" pitchFamily="34" charset="0"/>
               </a:rPr>
-              <a:t>Area of Postural Sway</a:t>
+              <a:t>Area</a:t>
+            </a:r>
+            <a:r>
+              <a:rPr lang="en-US" sz="2400" dirty="0">
+                <a:latin typeface="Helvetica" panose="020B0604020202020204" pitchFamily="34" charset="0"/>
+                <a:cs typeface="Helvetica" panose="020B0604020202020204" pitchFamily="34" charset="0"/>
+              </a:rPr>
+              <a:t> of Postural Sway</a:t>
             </a:r>
           </a:p>
           <a:p>
@@ -4170,11 +6228,53 @@
               <a:buChar char="•"/>
             </a:pPr>
             <a:r>
-              <a:rPr lang="en-US" sz="2000" dirty="0">
+              <a:rPr lang="en-US" sz="2400" dirty="0">
                 <a:latin typeface="Helvetica" panose="020B0604020202020204" pitchFamily="34" charset="0"/>
                 <a:cs typeface="Helvetica" panose="020B0604020202020204" pitchFamily="34" charset="0"/>
               </a:rPr>
-              <a:t>Multiscale Entropy in the Mediolateral and Anteroposterior Directions</a:t>
+              <a:t>Multiscale </a:t>
+            </a:r>
+            <a:r>
+              <a:rPr lang="en-US" sz="2400" u="sng" dirty="0">
+                <a:latin typeface="Helvetica" panose="020B0604020202020204" pitchFamily="34" charset="0"/>
+                <a:cs typeface="Helvetica" panose="020B0604020202020204" pitchFamily="34" charset="0"/>
+              </a:rPr>
+              <a:t>Entropy</a:t>
+            </a:r>
+            <a:r>
+              <a:rPr lang="en-US" sz="2400" dirty="0">
+                <a:latin typeface="Helvetica" panose="020B0604020202020204" pitchFamily="34" charset="0"/>
+                <a:cs typeface="Helvetica" panose="020B0604020202020204" pitchFamily="34" charset="0"/>
+              </a:rPr>
+              <a:t> in the </a:t>
+            </a:r>
+            <a:r>
+              <a:rPr lang="en-US" sz="2400" u="sng" dirty="0">
+                <a:latin typeface="Helvetica" panose="020B0604020202020204" pitchFamily="34" charset="0"/>
+                <a:cs typeface="Helvetica" panose="020B0604020202020204" pitchFamily="34" charset="0"/>
+              </a:rPr>
+              <a:t>Mediolateral</a:t>
+            </a:r>
+            <a:r>
+              <a:rPr lang="en-US" sz="2400" dirty="0">
+                <a:latin typeface="Helvetica" panose="020B0604020202020204" pitchFamily="34" charset="0"/>
+                <a:cs typeface="Helvetica" panose="020B0604020202020204" pitchFamily="34" charset="0"/>
+              </a:rPr>
+              <a:t> and </a:t>
+            </a:r>
+            <a:r>
+              <a:rPr lang="en-US" sz="2400" u="sng" dirty="0">
+                <a:latin typeface="Helvetica" panose="020B0604020202020204" pitchFamily="34" charset="0"/>
+                <a:cs typeface="Helvetica" panose="020B0604020202020204" pitchFamily="34" charset="0"/>
+              </a:rPr>
+              <a:t>Anteroposterior</a:t>
+            </a:r>
+            <a:r>
+              <a:rPr lang="en-US" sz="2400" dirty="0">
+                <a:latin typeface="Helvetica" panose="020B0604020202020204" pitchFamily="34" charset="0"/>
+                <a:cs typeface="Helvetica" panose="020B0604020202020204" pitchFamily="34" charset="0"/>
+              </a:rPr>
+              <a:t> Directions</a:t>
             </a:r>
           </a:p>
           <a:p>
@@ -4183,11 +6283,18 @@
               <a:buChar char="•"/>
             </a:pPr>
             <a:r>
-              <a:rPr lang="en-US" sz="2000" dirty="0">
+              <a:rPr lang="en-US" sz="2400" u="sng" dirty="0">
                 <a:latin typeface="Helvetica" panose="020B0604020202020204" pitchFamily="34" charset="0"/>
                 <a:cs typeface="Helvetica" panose="020B0604020202020204" pitchFamily="34" charset="0"/>
               </a:rPr>
-              <a:t>Complexity Index based off the Multiscale Entropy</a:t>
+              <a:t>Complexity Index </a:t>
+            </a:r>
+            <a:r>
+              <a:rPr lang="en-US" sz="2400" dirty="0">
+                <a:latin typeface="Helvetica" panose="020B0604020202020204" pitchFamily="34" charset="0"/>
+                <a:cs typeface="Helvetica" panose="020B0604020202020204" pitchFamily="34" charset="0"/>
+              </a:rPr>
+              <a:t>based off the Multiscale Entropy</a:t>
             </a:r>
           </a:p>
         </p:txBody>
@@ -4206,7 +6313,7 @@
         </p:nvSpPr>
         <p:spPr>
           <a:xfrm>
-            <a:off x="11575065" y="2592591"/>
+            <a:off x="11575065" y="2540699"/>
             <a:ext cx="4419600" cy="646331"/>
           </a:xfrm>
           <a:prstGeom prst="rect">
@@ -4226,51 +6333,6 @@
                 <a:cs typeface="Helvetica" panose="020B0604020202020204" pitchFamily="34" charset="0"/>
               </a:rPr>
               <a:t>Methods</a:t>
-            </a:r>
-          </a:p>
-        </p:txBody>
-      </p:sp>
-      <p:sp>
-        <p:nvSpPr>
-          <p:cNvPr id="26" name="TextBox 25">
-            <a:extLst>
-              <a:ext uri="{FF2B5EF4-FFF2-40B4-BE49-F238E27FC236}">
-                <a16:creationId xmlns:a16="http://schemas.microsoft.com/office/drawing/2014/main" id="{2B888319-45CC-4AF8-C52E-BF8E451EBC81}"/>
-              </a:ext>
-            </a:extLst>
-          </p:cNvPr>
-          <p:cNvSpPr txBox="1"/>
-          <p:nvPr/>
-        </p:nvSpPr>
-        <p:spPr>
-          <a:xfrm>
-            <a:off x="22963834" y="3620410"/>
-            <a:ext cx="9324830" cy="1569660"/>
-          </a:xfrm>
-          <a:prstGeom prst="rect">
-            <a:avLst/>
-          </a:prstGeom>
-          <a:noFill/>
-          <a:ln w="38100">
-            <a:solidFill>
-              <a:schemeClr val="accent2">
-                <a:lumMod val="75000"/>
-              </a:schemeClr>
-            </a:solidFill>
-          </a:ln>
-        </p:spPr>
-        <p:txBody>
-          <a:bodyPr wrap="square" rtlCol="0">
-            <a:spAutoFit/>
-          </a:bodyPr>
-          <a:lstStyle/>
-          <a:p>
-            <a:r>
-              <a:rPr lang="en-US" sz="2400" dirty="0">
-                <a:latin typeface="Helvetica" panose="020B0604020202020204" pitchFamily="34" charset="0"/>
-                <a:cs typeface="Helvetica" panose="020B0604020202020204" pitchFamily="34" charset="0"/>
-              </a:rPr>
-              <a:t>The precision of each classification model can be seen below. Since we are working with a small sample size with possibility of outliers, the precision is fairly high all around. The data was run using a 70-30 training-test split on the total data set.</a:t>
             </a:r>
           </a:p>
         </p:txBody>
@@ -4289,7 +6351,7 @@
         </p:nvSpPr>
         <p:spPr>
           <a:xfrm>
-            <a:off x="22963834" y="2845787"/>
+            <a:off x="23271914" y="2661788"/>
             <a:ext cx="5011397" cy="646331"/>
           </a:xfrm>
           <a:prstGeom prst="rect">
@@ -4308,93 +6370,7 @@
                 <a:latin typeface="Helvetica" panose="020B0604020202020204" pitchFamily="34" charset="0"/>
                 <a:cs typeface="Helvetica" panose="020B0604020202020204" pitchFamily="34" charset="0"/>
               </a:rPr>
-              <a:t>Findings</a:t>
-            </a:r>
-          </a:p>
-        </p:txBody>
-      </p:sp>
-      <p:sp>
-        <p:nvSpPr>
-          <p:cNvPr id="42" name="TextBox 41">
-            <a:extLst>
-              <a:ext uri="{FF2B5EF4-FFF2-40B4-BE49-F238E27FC236}">
-                <a16:creationId xmlns:a16="http://schemas.microsoft.com/office/drawing/2014/main" id="{7D183E87-BC58-8512-0842-3A162DC93F47}"/>
-              </a:ext>
-            </a:extLst>
-          </p:cNvPr>
-          <p:cNvSpPr txBox="1"/>
-          <p:nvPr/>
-        </p:nvSpPr>
-        <p:spPr>
-          <a:xfrm>
-            <a:off x="13448773" y="10711190"/>
-            <a:ext cx="6589251" cy="523220"/>
-          </a:xfrm>
-          <a:prstGeom prst="rect">
-            <a:avLst/>
-          </a:prstGeom>
-          <a:noFill/>
-          <a:ln w="28575">
-            <a:solidFill>
-              <a:schemeClr val="accent2">
-                <a:lumMod val="75000"/>
-              </a:schemeClr>
-            </a:solidFill>
-          </a:ln>
-        </p:spPr>
-        <p:txBody>
-          <a:bodyPr wrap="square" rtlCol="0">
-            <a:spAutoFit/>
-          </a:bodyPr>
-          <a:lstStyle/>
-          <a:p>
-            <a:pPr algn="ctr"/>
-            <a:r>
-              <a:rPr lang="en-US" sz="2800" b="1" u="sng" dirty="0"/>
-              <a:t>Mediolateral Multiscale Sample Entropy</a:t>
-            </a:r>
-          </a:p>
-        </p:txBody>
-      </p:sp>
-      <p:sp>
-        <p:nvSpPr>
-          <p:cNvPr id="45" name="TextBox 44">
-            <a:extLst>
-              <a:ext uri="{FF2B5EF4-FFF2-40B4-BE49-F238E27FC236}">
-                <a16:creationId xmlns:a16="http://schemas.microsoft.com/office/drawing/2014/main" id="{BACBB033-7194-4E89-5888-C970A183B157}"/>
-              </a:ext>
-            </a:extLst>
-          </p:cNvPr>
-          <p:cNvSpPr txBox="1"/>
-          <p:nvPr/>
-        </p:nvSpPr>
-        <p:spPr>
-          <a:xfrm>
-            <a:off x="12991982" y="15341819"/>
-            <a:ext cx="7060451" cy="523220"/>
-          </a:xfrm>
-          <a:prstGeom prst="rect">
-            <a:avLst/>
-          </a:prstGeom>
-          <a:noFill/>
-          <a:ln w="28575">
-            <a:solidFill>
-              <a:schemeClr val="accent2">
-                <a:lumMod val="75000"/>
-              </a:schemeClr>
-            </a:solidFill>
-          </a:ln>
-        </p:spPr>
-        <p:txBody>
-          <a:bodyPr wrap="square" rtlCol="0">
-            <a:spAutoFit/>
-          </a:bodyPr>
-          <a:lstStyle/>
-          <a:p>
-            <a:pPr algn="ctr"/>
-            <a:r>
-              <a:rPr lang="en-US" sz="2800" b="1" u="sng" dirty="0"/>
-              <a:t>Anteroposterior Multiscale Sample Entropy</a:t>
+              <a:t>Results</a:t>
             </a:r>
           </a:p>
         </p:txBody>
@@ -4462,7 +6438,7 @@
         </p:blipFill>
         <p:spPr>
           <a:xfrm>
-            <a:off x="1235998" y="6426739"/>
+            <a:off x="1130562" y="5574952"/>
             <a:ext cx="8680949" cy="8557939"/>
           </a:xfrm>
           <a:prstGeom prst="rect">
@@ -4484,7 +6460,7 @@
         </p:nvSpPr>
         <p:spPr>
           <a:xfrm>
-            <a:off x="1654065" y="5736474"/>
+            <a:off x="1612876" y="5075089"/>
             <a:ext cx="2495550" cy="461665"/>
           </a:xfrm>
           <a:prstGeom prst="rect">
@@ -4520,7 +6496,7 @@
         </p:nvSpPr>
         <p:spPr>
           <a:xfrm>
-            <a:off x="6243387" y="5763980"/>
+            <a:off x="6084411" y="5062703"/>
             <a:ext cx="2495550" cy="461665"/>
           </a:xfrm>
           <a:prstGeom prst="rect">
@@ -4557,27 +6533,89 @@
           <p:nvPr/>
         </p:nvPicPr>
         <p:blipFill>
-          <a:blip r:embed="rId9"/>
+          <a:blip r:embed="rId9">
+            <a:clrChange>
+              <a:clrFrom>
+                <a:srgbClr val="FFFFFF"/>
+              </a:clrFrom>
+              <a:clrTo>
+                <a:srgbClr val="FFFFFF">
+                  <a:alpha val="0"/>
+                </a:srgbClr>
+              </a:clrTo>
+            </a:clrChange>
+          </a:blip>
           <a:stretch>
             <a:fillRect/>
           </a:stretch>
         </p:blipFill>
         <p:spPr>
           <a:xfrm>
-            <a:off x="9477707" y="6073236"/>
+            <a:off x="9811511" y="6372117"/>
             <a:ext cx="6647688" cy="4535424"/>
           </a:xfrm>
           <a:prstGeom prst="rect">
             <a:avLst/>
           </a:prstGeom>
+          <a:ln w="19050">
+            <a:noFill/>
+          </a:ln>
         </p:spPr>
       </p:pic>
+      <p:sp>
+        <p:nvSpPr>
+          <p:cNvPr id="43" name="TextBox 42">
+            <a:extLst>
+              <a:ext uri="{FF2B5EF4-FFF2-40B4-BE49-F238E27FC236}">
+                <a16:creationId xmlns:a16="http://schemas.microsoft.com/office/drawing/2014/main" id="{FB24CEAF-3C8B-D8D7-23A3-110AC36001BB}"/>
+              </a:ext>
+            </a:extLst>
+          </p:cNvPr>
+          <p:cNvSpPr txBox="1"/>
+          <p:nvPr/>
+        </p:nvSpPr>
+        <p:spPr>
+          <a:xfrm>
+            <a:off x="11575065" y="6344504"/>
+            <a:ext cx="3534306" cy="400110"/>
+          </a:xfrm>
+          <a:prstGeom prst="rect">
+            <a:avLst/>
+          </a:prstGeom>
+          <a:solidFill>
+            <a:schemeClr val="bg1"/>
+          </a:solidFill>
+          <a:ln w="38100">
+            <a:solidFill>
+              <a:schemeClr val="accent2">
+                <a:lumMod val="75000"/>
+              </a:schemeClr>
+            </a:solidFill>
+          </a:ln>
+        </p:spPr>
+        <p:txBody>
+          <a:bodyPr wrap="square" rtlCol="0">
+            <a:spAutoFit/>
+          </a:bodyPr>
+          <a:lstStyle/>
+          <a:p>
+            <a:pPr algn="ctr"/>
+            <a:r>
+              <a:rPr lang="en-US" sz="2000" b="1" dirty="0">
+                <a:latin typeface="Helvetica" panose="020B0604020202020204" pitchFamily="34" charset="0"/>
+                <a:cs typeface="Helvetica" panose="020B0604020202020204" pitchFamily="34" charset="0"/>
+              </a:rPr>
+              <a:t>Eyes Open ASD Subject 08</a:t>
+            </a:r>
+          </a:p>
+        </p:txBody>
+      </p:sp>
       <p:pic>
         <p:nvPicPr>
-          <p:cNvPr id="23" name="Picture 22" descr="Chart, diagram&#10;&#10;Description automatically generated with medium confidence">
+          <p:cNvPr id="19" name="Picture 18" descr="Diagram&#10;&#10;Description automatically generated">
             <a:extLst>
               <a:ext uri="{FF2B5EF4-FFF2-40B4-BE49-F238E27FC236}">
-                <a16:creationId xmlns:a16="http://schemas.microsoft.com/office/drawing/2014/main" id="{58A934A5-3D3C-0202-A5E6-B139B1593478}"/>
+                <a16:creationId xmlns:a16="http://schemas.microsoft.com/office/drawing/2014/main" id="{9B98F892-3651-5909-B0EA-3622033CC146}"/>
               </a:ext>
             </a:extLst>
           </p:cNvPr>
@@ -4587,21 +6625,815 @@
           <p:nvPr/>
         </p:nvPicPr>
         <p:blipFill>
-          <a:blip r:embed="rId10"/>
+          <a:blip r:embed="rId10">
+            <a:clrChange>
+              <a:clrFrom>
+                <a:srgbClr val="FFFFFF"/>
+              </a:clrFrom>
+              <a:clrTo>
+                <a:srgbClr val="FFFFFF">
+                  <a:alpha val="0"/>
+                </a:srgbClr>
+              </a:clrTo>
+            </a:clrChange>
+          </a:blip>
           <a:stretch>
             <a:fillRect/>
           </a:stretch>
         </p:blipFill>
         <p:spPr>
           <a:xfrm>
-            <a:off x="16980646" y="6071947"/>
-            <a:ext cx="6650409" cy="4536713"/>
+            <a:off x="16459199" y="6372117"/>
+            <a:ext cx="6631339" cy="4535424"/>
           </a:xfrm>
           <a:prstGeom prst="rect">
             <a:avLst/>
           </a:prstGeom>
         </p:spPr>
       </p:pic>
+      <p:sp>
+        <p:nvSpPr>
+          <p:cNvPr id="46" name="TextBox 45">
+            <a:extLst>
+              <a:ext uri="{FF2B5EF4-FFF2-40B4-BE49-F238E27FC236}">
+                <a16:creationId xmlns:a16="http://schemas.microsoft.com/office/drawing/2014/main" id="{964A3068-72EA-B5C8-073B-78E2F85FD82F}"/>
+              </a:ext>
+            </a:extLst>
+          </p:cNvPr>
+          <p:cNvSpPr txBox="1"/>
+          <p:nvPr/>
+        </p:nvSpPr>
+        <p:spPr>
+          <a:xfrm>
+            <a:off x="17809027" y="6344396"/>
+            <a:ext cx="4037732" cy="400110"/>
+          </a:xfrm>
+          <a:prstGeom prst="rect">
+            <a:avLst/>
+          </a:prstGeom>
+          <a:solidFill>
+            <a:schemeClr val="bg1"/>
+          </a:solidFill>
+          <a:ln w="38100">
+            <a:solidFill>
+              <a:schemeClr val="accent2">
+                <a:lumMod val="75000"/>
+              </a:schemeClr>
+            </a:solidFill>
+          </a:ln>
+        </p:spPr>
+        <p:txBody>
+          <a:bodyPr wrap="square" rtlCol="0">
+            <a:spAutoFit/>
+          </a:bodyPr>
+          <a:lstStyle/>
+          <a:p>
+            <a:pPr algn="ctr"/>
+            <a:r>
+              <a:rPr lang="en-US" sz="2000" b="1" dirty="0">
+                <a:latin typeface="Helvetica" panose="020B0604020202020204" pitchFamily="34" charset="0"/>
+                <a:cs typeface="Helvetica" panose="020B0604020202020204" pitchFamily="34" charset="0"/>
+              </a:rPr>
+              <a:t>Eyes Closed ASD Subject 08</a:t>
+            </a:r>
+          </a:p>
+        </p:txBody>
+      </p:sp>
+      <p:sp>
+        <p:nvSpPr>
+          <p:cNvPr id="54" name="TextBox 53">
+            <a:extLst>
+              <a:ext uri="{FF2B5EF4-FFF2-40B4-BE49-F238E27FC236}">
+                <a16:creationId xmlns:a16="http://schemas.microsoft.com/office/drawing/2014/main" id="{BA46F33E-59B3-1AB8-D573-1A9ABDE4EA73}"/>
+              </a:ext>
+            </a:extLst>
+          </p:cNvPr>
+          <p:cNvSpPr txBox="1"/>
+          <p:nvPr/>
+        </p:nvSpPr>
+        <p:spPr>
+          <a:xfrm>
+            <a:off x="3892433" y="14235700"/>
+            <a:ext cx="2495550" cy="369332"/>
+          </a:xfrm>
+          <a:prstGeom prst="rect">
+            <a:avLst/>
+          </a:prstGeom>
+          <a:noFill/>
+        </p:spPr>
+        <p:txBody>
+          <a:bodyPr wrap="square" rtlCol="0">
+            <a:spAutoFit/>
+          </a:bodyPr>
+          <a:lstStyle/>
+          <a:p>
+            <a:pPr algn="ctr"/>
+            <a:r>
+              <a:rPr lang="en-US" b="1" dirty="0">
+                <a:latin typeface="Helvetica" panose="020B0604020202020204" pitchFamily="34" charset="0"/>
+                <a:cs typeface="Helvetica" panose="020B0604020202020204" pitchFamily="34" charset="0"/>
+              </a:rPr>
+              <a:t>Figure 1</a:t>
+            </a:r>
+          </a:p>
+        </p:txBody>
+      </p:sp>
+      <p:sp>
+        <p:nvSpPr>
+          <p:cNvPr id="55" name="TextBox 54">
+            <a:extLst>
+              <a:ext uri="{FF2B5EF4-FFF2-40B4-BE49-F238E27FC236}">
+                <a16:creationId xmlns:a16="http://schemas.microsoft.com/office/drawing/2014/main" id="{03A419A2-87BF-E598-C91C-DF8F6C238BEC}"/>
+              </a:ext>
+            </a:extLst>
+          </p:cNvPr>
+          <p:cNvSpPr txBox="1"/>
+          <p:nvPr/>
+        </p:nvSpPr>
+        <p:spPr>
+          <a:xfrm>
+            <a:off x="12342093" y="10737366"/>
+            <a:ext cx="2000250" cy="369332"/>
+          </a:xfrm>
+          <a:prstGeom prst="rect">
+            <a:avLst/>
+          </a:prstGeom>
+          <a:noFill/>
+        </p:spPr>
+        <p:txBody>
+          <a:bodyPr wrap="square" rtlCol="0">
+            <a:spAutoFit/>
+          </a:bodyPr>
+          <a:lstStyle/>
+          <a:p>
+            <a:pPr algn="ctr"/>
+            <a:r>
+              <a:rPr lang="en-US" b="1" dirty="0">
+                <a:latin typeface="Helvetica" panose="020B0604020202020204" pitchFamily="34" charset="0"/>
+                <a:cs typeface="Helvetica" panose="020B0604020202020204" pitchFamily="34" charset="0"/>
+              </a:rPr>
+              <a:t>Figure 2</a:t>
+            </a:r>
+          </a:p>
+        </p:txBody>
+      </p:sp>
+      <p:sp>
+        <p:nvSpPr>
+          <p:cNvPr id="56" name="TextBox 55">
+            <a:extLst>
+              <a:ext uri="{FF2B5EF4-FFF2-40B4-BE49-F238E27FC236}">
+                <a16:creationId xmlns:a16="http://schemas.microsoft.com/office/drawing/2014/main" id="{615A7308-1924-9F27-9802-C63C7444939F}"/>
+              </a:ext>
+            </a:extLst>
+          </p:cNvPr>
+          <p:cNvSpPr txBox="1"/>
+          <p:nvPr/>
+        </p:nvSpPr>
+        <p:spPr>
+          <a:xfrm>
+            <a:off x="18827768" y="10727058"/>
+            <a:ext cx="2000250" cy="369332"/>
+          </a:xfrm>
+          <a:prstGeom prst="rect">
+            <a:avLst/>
+          </a:prstGeom>
+          <a:noFill/>
+        </p:spPr>
+        <p:txBody>
+          <a:bodyPr wrap="square" rtlCol="0">
+            <a:spAutoFit/>
+          </a:bodyPr>
+          <a:lstStyle/>
+          <a:p>
+            <a:pPr algn="ctr"/>
+            <a:r>
+              <a:rPr lang="en-US" b="1" dirty="0">
+                <a:latin typeface="Helvetica" panose="020B0604020202020204" pitchFamily="34" charset="0"/>
+                <a:cs typeface="Helvetica" panose="020B0604020202020204" pitchFamily="34" charset="0"/>
+              </a:rPr>
+              <a:t>Figure 3</a:t>
+            </a:r>
+          </a:p>
+        </p:txBody>
+      </p:sp>
+      <p:grpSp>
+        <p:nvGrpSpPr>
+          <p:cNvPr id="24" name="Group 23">
+            <a:extLst>
+              <a:ext uri="{FF2B5EF4-FFF2-40B4-BE49-F238E27FC236}">
+                <a16:creationId xmlns:a16="http://schemas.microsoft.com/office/drawing/2014/main" id="{CDED7A0F-133E-C3EC-F683-D2E5E8452810}"/>
+              </a:ext>
+            </a:extLst>
+          </p:cNvPr>
+          <p:cNvGrpSpPr/>
+          <p:nvPr/>
+        </p:nvGrpSpPr>
+        <p:grpSpPr>
+          <a:xfrm>
+            <a:off x="11549209" y="16806081"/>
+            <a:ext cx="10336668" cy="2687021"/>
+            <a:chOff x="11575065" y="16468948"/>
+            <a:chExt cx="10336668" cy="2687021"/>
+          </a:xfrm>
+        </p:grpSpPr>
+        <p:sp>
+          <p:nvSpPr>
+            <p:cNvPr id="26" name="TextBox 25">
+              <a:extLst>
+                <a:ext uri="{FF2B5EF4-FFF2-40B4-BE49-F238E27FC236}">
+                  <a16:creationId xmlns:a16="http://schemas.microsoft.com/office/drawing/2014/main" id="{2B888319-45CC-4AF8-C52E-BF8E451EBC81}"/>
+                </a:ext>
+              </a:extLst>
+            </p:cNvPr>
+            <p:cNvSpPr txBox="1"/>
+            <p:nvPr/>
+          </p:nvSpPr>
+          <p:spPr>
+            <a:xfrm>
+              <a:off x="11575065" y="16508699"/>
+              <a:ext cx="10336668" cy="2647270"/>
+            </a:xfrm>
+            <a:prstGeom prst="rect">
+              <a:avLst/>
+            </a:prstGeom>
+            <a:noFill/>
+            <a:ln w="38100">
+              <a:solidFill>
+                <a:schemeClr val="accent2">
+                  <a:lumMod val="75000"/>
+                </a:schemeClr>
+              </a:solidFill>
+            </a:ln>
+          </p:spPr>
+          <p:txBody>
+            <a:bodyPr wrap="square" numCol="2" spcCol="1371600" rtlCol="0">
+              <a:noAutofit/>
+            </a:bodyPr>
+            <a:lstStyle/>
+            <a:p>
+              <a:pPr marL="342900" indent="-342900">
+                <a:buFont typeface="Arial" panose="020B0604020202020204" pitchFamily="34" charset="0"/>
+                <a:buChar char="•"/>
+              </a:pPr>
+              <a:endParaRPr lang="en-US" sz="2400" dirty="0">
+                <a:latin typeface="Helvetica" panose="020B0604020202020204" pitchFamily="34" charset="0"/>
+                <a:cs typeface="Helvetica" panose="020B0604020202020204" pitchFamily="34" charset="0"/>
+              </a:endParaRPr>
+            </a:p>
+            <a:p>
+              <a:pPr marL="342900" indent="-342900">
+                <a:buFont typeface="Arial" panose="020B0604020202020204" pitchFamily="34" charset="0"/>
+                <a:buChar char="•"/>
+              </a:pPr>
+              <a:endParaRPr lang="en-US" sz="2400" dirty="0">
+                <a:latin typeface="Helvetica" panose="020B0604020202020204" pitchFamily="34" charset="0"/>
+                <a:cs typeface="Helvetica" panose="020B0604020202020204" pitchFamily="34" charset="0"/>
+              </a:endParaRPr>
+            </a:p>
+            <a:p>
+              <a:pPr marL="342900" indent="-342900">
+                <a:buFont typeface="Arial" panose="020B0604020202020204" pitchFamily="34" charset="0"/>
+                <a:buChar char="•"/>
+              </a:pPr>
+              <a:endParaRPr lang="en-US" sz="2400" dirty="0">
+                <a:latin typeface="Helvetica" panose="020B0604020202020204" pitchFamily="34" charset="0"/>
+                <a:cs typeface="Helvetica" panose="020B0604020202020204" pitchFamily="34" charset="0"/>
+              </a:endParaRPr>
+            </a:p>
+            <a:p>
+              <a:pPr marL="342900" indent="-342900">
+                <a:buFont typeface="Arial" panose="020B0604020202020204" pitchFamily="34" charset="0"/>
+                <a:buChar char="•"/>
+              </a:pPr>
+              <a:r>
+                <a:rPr lang="en-US" sz="2400" dirty="0">
+                  <a:latin typeface="Helvetica" panose="020B0604020202020204" pitchFamily="34" charset="0"/>
+                  <a:cs typeface="Helvetica" panose="020B0604020202020204" pitchFamily="34" charset="0"/>
+                </a:rPr>
+                <a:t>K-Nearest Neighbors</a:t>
+              </a:r>
+            </a:p>
+            <a:p>
+              <a:pPr marL="342900" indent="-342900">
+                <a:buFont typeface="Arial" panose="020B0604020202020204" pitchFamily="34" charset="0"/>
+                <a:buChar char="•"/>
+              </a:pPr>
+              <a:r>
+                <a:rPr lang="en-US" sz="2400" dirty="0">
+                  <a:latin typeface="Helvetica" panose="020B0604020202020204" pitchFamily="34" charset="0"/>
+                  <a:cs typeface="Helvetica" panose="020B0604020202020204" pitchFamily="34" charset="0"/>
+                </a:rPr>
+                <a:t>Logistic Regression</a:t>
+              </a:r>
+            </a:p>
+            <a:p>
+              <a:pPr marL="342900" indent="-342900">
+                <a:buFont typeface="Arial" panose="020B0604020202020204" pitchFamily="34" charset="0"/>
+                <a:buChar char="•"/>
+              </a:pPr>
+              <a:r>
+                <a:rPr lang="en-US" sz="2400" dirty="0">
+                  <a:latin typeface="Helvetica" panose="020B0604020202020204" pitchFamily="34" charset="0"/>
+                  <a:cs typeface="Helvetica" panose="020B0604020202020204" pitchFamily="34" charset="0"/>
+                </a:rPr>
+                <a:t>Decision Tree</a:t>
+              </a:r>
+            </a:p>
+            <a:p>
+              <a:pPr marL="342900" indent="-342900">
+                <a:buFont typeface="Arial" panose="020B0604020202020204" pitchFamily="34" charset="0"/>
+                <a:buChar char="•"/>
+              </a:pPr>
+              <a:r>
+                <a:rPr lang="en-US" sz="2400" dirty="0">
+                  <a:latin typeface="Helvetica" panose="020B0604020202020204" pitchFamily="34" charset="0"/>
+                  <a:cs typeface="Helvetica" panose="020B0604020202020204" pitchFamily="34" charset="0"/>
+                </a:rPr>
+                <a:t>Multinominal Naïve Bayes</a:t>
+              </a:r>
+            </a:p>
+            <a:p>
+              <a:pPr marL="342900" indent="-342900">
+                <a:buFont typeface="Arial" panose="020B0604020202020204" pitchFamily="34" charset="0"/>
+                <a:buChar char="•"/>
+              </a:pPr>
+              <a:endParaRPr lang="en-US" sz="2400" dirty="0">
+                <a:latin typeface="Helvetica" panose="020B0604020202020204" pitchFamily="34" charset="0"/>
+                <a:cs typeface="Helvetica" panose="020B0604020202020204" pitchFamily="34" charset="0"/>
+              </a:endParaRPr>
+            </a:p>
+            <a:p>
+              <a:pPr marL="342900" indent="-342900">
+                <a:buFont typeface="Arial" panose="020B0604020202020204" pitchFamily="34" charset="0"/>
+                <a:buChar char="•"/>
+              </a:pPr>
+              <a:endParaRPr lang="en-US" sz="2400" dirty="0">
+                <a:latin typeface="Helvetica" panose="020B0604020202020204" pitchFamily="34" charset="0"/>
+                <a:cs typeface="Helvetica" panose="020B0604020202020204" pitchFamily="34" charset="0"/>
+              </a:endParaRPr>
+            </a:p>
+            <a:p>
+              <a:pPr marL="342900" indent="-342900">
+                <a:buFont typeface="Arial" panose="020B0604020202020204" pitchFamily="34" charset="0"/>
+                <a:buChar char="•"/>
+              </a:pPr>
+              <a:endParaRPr lang="en-US" sz="2400" dirty="0">
+                <a:latin typeface="Helvetica" panose="020B0604020202020204" pitchFamily="34" charset="0"/>
+                <a:cs typeface="Helvetica" panose="020B0604020202020204" pitchFamily="34" charset="0"/>
+              </a:endParaRPr>
+            </a:p>
+            <a:p>
+              <a:pPr marL="342900" indent="-342900">
+                <a:buFont typeface="Arial" panose="020B0604020202020204" pitchFamily="34" charset="0"/>
+                <a:buChar char="•"/>
+              </a:pPr>
+              <a:r>
+                <a:rPr lang="en-US" sz="2400" dirty="0">
+                  <a:latin typeface="Helvetica" panose="020B0604020202020204" pitchFamily="34" charset="0"/>
+                  <a:cs typeface="Helvetica" panose="020B0604020202020204" pitchFamily="34" charset="0"/>
+                </a:rPr>
+                <a:t>Random Forest</a:t>
+              </a:r>
+            </a:p>
+            <a:p>
+              <a:pPr marL="342900" indent="-342900">
+                <a:buFont typeface="Arial" panose="020B0604020202020204" pitchFamily="34" charset="0"/>
+                <a:buChar char="•"/>
+              </a:pPr>
+              <a:r>
+                <a:rPr lang="en-US" sz="2400" dirty="0">
+                  <a:latin typeface="Helvetica" panose="020B0604020202020204" pitchFamily="34" charset="0"/>
+                  <a:cs typeface="Helvetica" panose="020B0604020202020204" pitchFamily="34" charset="0"/>
+                </a:rPr>
+                <a:t>Linear Discriminant Analysis</a:t>
+              </a:r>
+            </a:p>
+            <a:p>
+              <a:pPr marL="342900" indent="-342900">
+                <a:buFont typeface="Arial" panose="020B0604020202020204" pitchFamily="34" charset="0"/>
+                <a:buChar char="•"/>
+              </a:pPr>
+              <a:r>
+                <a:rPr lang="en-US" sz="2400" dirty="0">
+                  <a:latin typeface="Helvetica" panose="020B0604020202020204" pitchFamily="34" charset="0"/>
+                  <a:cs typeface="Helvetica" panose="020B0604020202020204" pitchFamily="34" charset="0"/>
+                </a:rPr>
+                <a:t>Support Vector Machine</a:t>
+              </a:r>
+            </a:p>
+          </p:txBody>
+        </p:sp>
+        <p:sp>
+          <p:nvSpPr>
+            <p:cNvPr id="57" name="TextBox 56">
+              <a:extLst>
+                <a:ext uri="{FF2B5EF4-FFF2-40B4-BE49-F238E27FC236}">
+                  <a16:creationId xmlns:a16="http://schemas.microsoft.com/office/drawing/2014/main" id="{285266BC-64EB-237B-C45B-904BA41F7E06}"/>
+                </a:ext>
+              </a:extLst>
+            </p:cNvPr>
+            <p:cNvSpPr txBox="1"/>
+            <p:nvPr/>
+          </p:nvSpPr>
+          <p:spPr>
+            <a:xfrm>
+              <a:off x="11575065" y="16468948"/>
+              <a:ext cx="10336667" cy="830997"/>
+            </a:xfrm>
+            <a:prstGeom prst="rect">
+              <a:avLst/>
+            </a:prstGeom>
+            <a:noFill/>
+          </p:spPr>
+          <p:txBody>
+            <a:bodyPr wrap="square" rtlCol="0">
+              <a:spAutoFit/>
+            </a:bodyPr>
+            <a:lstStyle/>
+            <a:p>
+              <a:r>
+                <a:rPr lang="en-US" sz="2400" dirty="0">
+                  <a:latin typeface="Helvetica" panose="020B0604020202020204" pitchFamily="34" charset="0"/>
+                  <a:cs typeface="Helvetica" panose="020B0604020202020204" pitchFamily="34" charset="0"/>
+                </a:rPr>
+                <a:t>Several supervised machine learning classifiers were used in order to analyze the attributes and make predictions:</a:t>
+              </a:r>
+            </a:p>
+          </p:txBody>
+        </p:sp>
+      </p:grpSp>
+      <p:graphicFrame>
+        <p:nvGraphicFramePr>
+          <p:cNvPr id="33" name="Chart 32">
+            <a:extLst>
+              <a:ext uri="{FF2B5EF4-FFF2-40B4-BE49-F238E27FC236}">
+                <a16:creationId xmlns:a16="http://schemas.microsoft.com/office/drawing/2014/main" id="{3F87222E-A00B-A4AE-C5B1-CDE7D1C25FF8}"/>
+              </a:ext>
+            </a:extLst>
+          </p:cNvPr>
+          <p:cNvGraphicFramePr>
+            <a:graphicFrameLocks/>
+          </p:cNvGraphicFramePr>
+          <p:nvPr>
+            <p:extLst>
+              <p:ext uri="{D42A27DB-BD31-4B8C-83A1-F6EECF244321}">
+                <p14:modId xmlns:p14="http://schemas.microsoft.com/office/powerpoint/2010/main" val="2553799281"/>
+              </p:ext>
+            </p:extLst>
+          </p:nvPr>
+        </p:nvGraphicFramePr>
+        <p:xfrm>
+          <a:off x="11290865" y="11365745"/>
+          <a:ext cx="10853356" cy="5084923"/>
+        </p:xfrm>
+        <a:graphic>
+          <a:graphicData uri="http://schemas.openxmlformats.org/drawingml/2006/chart">
+            <c:chart xmlns:c="http://schemas.openxmlformats.org/drawingml/2006/chart" xmlns:r="http://schemas.openxmlformats.org/officeDocument/2006/relationships" r:id="rId11"/>
+          </a:graphicData>
+        </a:graphic>
+      </p:graphicFrame>
+      <p:sp>
+        <p:nvSpPr>
+          <p:cNvPr id="25" name="TextBox 24">
+            <a:extLst>
+              <a:ext uri="{FF2B5EF4-FFF2-40B4-BE49-F238E27FC236}">
+                <a16:creationId xmlns:a16="http://schemas.microsoft.com/office/drawing/2014/main" id="{2AD31A9D-96C9-3FB2-436C-D5500174BDE1}"/>
+              </a:ext>
+            </a:extLst>
+          </p:cNvPr>
+          <p:cNvSpPr txBox="1"/>
+          <p:nvPr/>
+        </p:nvSpPr>
+        <p:spPr>
+          <a:xfrm>
+            <a:off x="23271914" y="3449137"/>
+            <a:ext cx="8590961" cy="1200329"/>
+          </a:xfrm>
+          <a:prstGeom prst="rect">
+            <a:avLst/>
+          </a:prstGeom>
+          <a:noFill/>
+          <a:ln w="38100">
+            <a:solidFill>
+              <a:schemeClr val="accent2">
+                <a:lumMod val="75000"/>
+              </a:schemeClr>
+            </a:solidFill>
+          </a:ln>
+        </p:spPr>
+        <p:txBody>
+          <a:bodyPr wrap="square" rtlCol="0">
+            <a:spAutoFit/>
+          </a:bodyPr>
+          <a:lstStyle/>
+          <a:p>
+            <a:r>
+              <a:rPr lang="en-US" sz="2400" dirty="0">
+                <a:latin typeface="Helvetica" panose="020B0604020202020204" pitchFamily="34" charset="0"/>
+                <a:cs typeface="Helvetica" panose="020B0604020202020204" pitchFamily="34" charset="0"/>
+              </a:rPr>
+              <a:t>The effectiveness of each learning algorithm at predicting ASD and TD individuals can be seen below, denoted by an overall F1 quality score.</a:t>
+            </a:r>
+          </a:p>
+        </p:txBody>
+      </p:sp>
+      <p:graphicFrame>
+        <p:nvGraphicFramePr>
+          <p:cNvPr id="37" name="Chart 36">
+            <a:extLst>
+              <a:ext uri="{FF2B5EF4-FFF2-40B4-BE49-F238E27FC236}">
+                <a16:creationId xmlns:a16="http://schemas.microsoft.com/office/drawing/2014/main" id="{7A02A25F-12F2-4133-5F3E-E4F3D4B05313}"/>
+              </a:ext>
+            </a:extLst>
+          </p:cNvPr>
+          <p:cNvGraphicFramePr>
+            <a:graphicFrameLocks/>
+          </p:cNvGraphicFramePr>
+          <p:nvPr>
+            <p:extLst>
+              <p:ext uri="{D42A27DB-BD31-4B8C-83A1-F6EECF244321}">
+                <p14:modId xmlns:p14="http://schemas.microsoft.com/office/powerpoint/2010/main" val="2411075651"/>
+              </p:ext>
+            </p:extLst>
+          </p:nvPr>
+        </p:nvGraphicFramePr>
+        <p:xfrm>
+          <a:off x="23271914" y="5058380"/>
+          <a:ext cx="8590961" cy="5218920"/>
+        </p:xfrm>
+        <a:graphic>
+          <a:graphicData uri="http://schemas.openxmlformats.org/drawingml/2006/chart">
+            <c:chart xmlns:c="http://schemas.openxmlformats.org/drawingml/2006/chart" xmlns:r="http://schemas.openxmlformats.org/officeDocument/2006/relationships" r:id="rId12"/>
+          </a:graphicData>
+        </a:graphic>
+      </p:graphicFrame>
+      <p:sp>
+        <p:nvSpPr>
+          <p:cNvPr id="29" name="TextBox 28">
+            <a:extLst>
+              <a:ext uri="{FF2B5EF4-FFF2-40B4-BE49-F238E27FC236}">
+                <a16:creationId xmlns:a16="http://schemas.microsoft.com/office/drawing/2014/main" id="{1718618C-FA4A-F6E6-FF6C-D48CE8B24CF1}"/>
+              </a:ext>
+            </a:extLst>
+          </p:cNvPr>
+          <p:cNvSpPr txBox="1"/>
+          <p:nvPr/>
+        </p:nvSpPr>
+        <p:spPr>
+          <a:xfrm>
+            <a:off x="23271914" y="13869279"/>
+            <a:ext cx="7570036" cy="646331"/>
+          </a:xfrm>
+          <a:prstGeom prst="rect">
+            <a:avLst/>
+          </a:prstGeom>
+          <a:noFill/>
+        </p:spPr>
+        <p:txBody>
+          <a:bodyPr wrap="square" rtlCol="0">
+            <a:spAutoFit/>
+          </a:bodyPr>
+          <a:lstStyle/>
+          <a:p>
+            <a:r>
+              <a:rPr lang="en-US" sz="3600" b="1" dirty="0">
+                <a:latin typeface="Helvetica" panose="020B0604020202020204" pitchFamily="34" charset="0"/>
+                <a:cs typeface="Helvetica" panose="020B0604020202020204" pitchFamily="34" charset="0"/>
+              </a:rPr>
+              <a:t>Conclusion and Future Work</a:t>
+            </a:r>
+          </a:p>
+        </p:txBody>
+      </p:sp>
+      <p:sp>
+        <p:nvSpPr>
+          <p:cNvPr id="30" name="TextBox 29">
+            <a:extLst>
+              <a:ext uri="{FF2B5EF4-FFF2-40B4-BE49-F238E27FC236}">
+                <a16:creationId xmlns:a16="http://schemas.microsoft.com/office/drawing/2014/main" id="{4C71BB09-595D-DEE3-6AF8-BD7D5EF0F6DD}"/>
+              </a:ext>
+            </a:extLst>
+          </p:cNvPr>
+          <p:cNvSpPr txBox="1"/>
+          <p:nvPr/>
+        </p:nvSpPr>
+        <p:spPr>
+          <a:xfrm>
+            <a:off x="23271914" y="14518397"/>
+            <a:ext cx="8590961" cy="3046988"/>
+          </a:xfrm>
+          <a:prstGeom prst="rect">
+            <a:avLst/>
+          </a:prstGeom>
+          <a:noFill/>
+          <a:ln w="38100">
+            <a:solidFill>
+              <a:schemeClr val="accent2">
+                <a:lumMod val="75000"/>
+              </a:schemeClr>
+            </a:solidFill>
+          </a:ln>
+        </p:spPr>
+        <p:txBody>
+          <a:bodyPr wrap="square" rtlCol="0">
+            <a:spAutoFit/>
+          </a:bodyPr>
+          <a:lstStyle/>
+          <a:p>
+            <a:r>
+              <a:rPr lang="en-US" sz="2400" dirty="0">
+                <a:latin typeface="Helvetica" panose="020B0604020202020204" pitchFamily="34" charset="0"/>
+                <a:cs typeface="Helvetica" panose="020B0604020202020204" pitchFamily="34" charset="0"/>
+              </a:rPr>
+              <a:t>Through the classifiers used we can see that some are able to outperform others, however overall, their ability to distinguish between ASD and TD subjects is high given the small sample size. Some key factors to modify going forward include:</a:t>
+            </a:r>
+          </a:p>
+          <a:p>
+            <a:pPr marL="342900" indent="-342900">
+              <a:buFont typeface="Arial" panose="020B0604020202020204" pitchFamily="34" charset="0"/>
+              <a:buChar char="•"/>
+            </a:pPr>
+            <a:r>
+              <a:rPr lang="en-US" sz="2400" dirty="0">
+                <a:latin typeface="Helvetica" panose="020B0604020202020204" pitchFamily="34" charset="0"/>
+                <a:cs typeface="Helvetica" panose="020B0604020202020204" pitchFamily="34" charset="0"/>
+              </a:rPr>
+              <a:t>Larger sample sizes</a:t>
+            </a:r>
+          </a:p>
+          <a:p>
+            <a:pPr marL="342900" indent="-342900">
+              <a:buFont typeface="Arial" panose="020B0604020202020204" pitchFamily="34" charset="0"/>
+              <a:buChar char="•"/>
+            </a:pPr>
+            <a:r>
+              <a:rPr lang="en-US" sz="2400" dirty="0">
+                <a:latin typeface="Helvetica" panose="020B0604020202020204" pitchFamily="34" charset="0"/>
+                <a:cs typeface="Helvetica" panose="020B0604020202020204" pitchFamily="34" charset="0"/>
+              </a:rPr>
+              <a:t>Modified attribute weights</a:t>
+            </a:r>
+          </a:p>
+          <a:p>
+            <a:pPr marL="342900" indent="-342900">
+              <a:buFont typeface="Arial" panose="020B0604020202020204" pitchFamily="34" charset="0"/>
+              <a:buChar char="•"/>
+            </a:pPr>
+            <a:r>
+              <a:rPr lang="en-US" sz="2400" dirty="0">
+                <a:latin typeface="Helvetica" panose="020B0604020202020204" pitchFamily="34" charset="0"/>
+                <a:cs typeface="Helvetica" panose="020B0604020202020204" pitchFamily="34" charset="0"/>
+              </a:rPr>
+              <a:t>Better standardization of acquired data</a:t>
+            </a:r>
+          </a:p>
+          <a:p>
+            <a:pPr marL="342900" indent="-342900">
+              <a:buFont typeface="Arial" panose="020B0604020202020204" pitchFamily="34" charset="0"/>
+              <a:buChar char="•"/>
+            </a:pPr>
+            <a:r>
+              <a:rPr lang="en-US" sz="2400" dirty="0">
+                <a:latin typeface="Helvetica" panose="020B0604020202020204" pitchFamily="34" charset="0"/>
+                <a:cs typeface="Helvetica" panose="020B0604020202020204" pitchFamily="34" charset="0"/>
+              </a:rPr>
+              <a:t>Inclusion of more classification models</a:t>
+            </a:r>
+          </a:p>
+        </p:txBody>
+      </p:sp>
+      <p:sp>
+        <p:nvSpPr>
+          <p:cNvPr id="31" name="TextBox 30">
+            <a:extLst>
+              <a:ext uri="{FF2B5EF4-FFF2-40B4-BE49-F238E27FC236}">
+                <a16:creationId xmlns:a16="http://schemas.microsoft.com/office/drawing/2014/main" id="{6E6C5AFE-31DA-1FF0-A2CF-B6E5AE2A1071}"/>
+              </a:ext>
+            </a:extLst>
+          </p:cNvPr>
+          <p:cNvSpPr txBox="1"/>
+          <p:nvPr/>
+        </p:nvSpPr>
+        <p:spPr>
+          <a:xfrm>
+            <a:off x="23271914" y="17770192"/>
+            <a:ext cx="4730423" cy="646331"/>
+          </a:xfrm>
+          <a:prstGeom prst="rect">
+            <a:avLst/>
+          </a:prstGeom>
+          <a:noFill/>
+        </p:spPr>
+        <p:txBody>
+          <a:bodyPr wrap="square" rtlCol="0">
+            <a:spAutoFit/>
+          </a:bodyPr>
+          <a:lstStyle/>
+          <a:p>
+            <a:r>
+              <a:rPr lang="en-US" sz="3600" b="1" dirty="0">
+                <a:latin typeface="Helvetica" panose="020B0604020202020204" pitchFamily="34" charset="0"/>
+                <a:cs typeface="Helvetica" panose="020B0604020202020204" pitchFamily="34" charset="0"/>
+              </a:rPr>
+              <a:t>Acknowledgments</a:t>
+            </a:r>
+          </a:p>
+        </p:txBody>
+      </p:sp>
+      <p:sp>
+        <p:nvSpPr>
+          <p:cNvPr id="32" name="Rectangle 31">
+            <a:extLst>
+              <a:ext uri="{FF2B5EF4-FFF2-40B4-BE49-F238E27FC236}">
+                <a16:creationId xmlns:a16="http://schemas.microsoft.com/office/drawing/2014/main" id="{5B432150-F2D8-6066-0EC1-4962F9C70F80}"/>
+              </a:ext>
+            </a:extLst>
+          </p:cNvPr>
+          <p:cNvSpPr/>
+          <p:nvPr/>
+        </p:nvSpPr>
+        <p:spPr>
+          <a:xfrm>
+            <a:off x="23271914" y="10580941"/>
+            <a:ext cx="8515924" cy="2978796"/>
+          </a:xfrm>
+          <a:prstGeom prst="rect">
+            <a:avLst/>
+          </a:prstGeom>
+        </p:spPr>
+        <p:style>
+          <a:lnRef idx="2">
+            <a:schemeClr val="accent1">
+              <a:shade val="50000"/>
+            </a:schemeClr>
+          </a:lnRef>
+          <a:fillRef idx="1">
+            <a:schemeClr val="accent1"/>
+          </a:fillRef>
+          <a:effectRef idx="0">
+            <a:schemeClr val="accent1"/>
+          </a:effectRef>
+          <a:fontRef idx="minor">
+            <a:schemeClr val="lt1"/>
+          </a:fontRef>
+        </p:style>
+        <p:txBody>
+          <a:bodyPr rtlCol="0" anchor="ctr"/>
+          <a:lstStyle/>
+          <a:p>
+            <a:pPr algn="ctr"/>
+            <a:r>
+              <a:rPr lang="en-US" dirty="0"/>
+              <a:t>CONFUSION MATRICES GOES HERE</a:t>
+            </a:r>
+          </a:p>
+        </p:txBody>
+      </p:sp>
+      <p:sp>
+        <p:nvSpPr>
+          <p:cNvPr id="11" name="TextBox 10">
+            <a:extLst>
+              <a:ext uri="{FF2B5EF4-FFF2-40B4-BE49-F238E27FC236}">
+                <a16:creationId xmlns:a16="http://schemas.microsoft.com/office/drawing/2014/main" id="{694AE842-A587-F955-1A32-11967FDA76F2}"/>
+              </a:ext>
+            </a:extLst>
+          </p:cNvPr>
+          <p:cNvSpPr txBox="1"/>
+          <p:nvPr/>
+        </p:nvSpPr>
+        <p:spPr>
+          <a:xfrm>
+            <a:off x="23271914" y="18474151"/>
+            <a:ext cx="8590961" cy="461665"/>
+          </a:xfrm>
+          <a:prstGeom prst="rect">
+            <a:avLst/>
+          </a:prstGeom>
+          <a:noFill/>
+          <a:ln w="38100">
+            <a:solidFill>
+              <a:schemeClr val="accent2">
+                <a:lumMod val="75000"/>
+              </a:schemeClr>
+            </a:solidFill>
+          </a:ln>
+        </p:spPr>
+        <p:txBody>
+          <a:bodyPr wrap="square" rtlCol="0">
+            <a:spAutoFit/>
+          </a:bodyPr>
+          <a:lstStyle/>
+          <a:p>
+            <a:r>
+              <a:rPr lang="en-US" sz="2400" dirty="0">
+                <a:latin typeface="Helvetica" panose="020B0604020202020204" pitchFamily="34" charset="0"/>
+                <a:cs typeface="Helvetica" panose="020B0604020202020204" pitchFamily="34" charset="0"/>
+              </a:rPr>
+              <a:t>This work is funded by NSF and hosted by Texas State</a:t>
+            </a:r>
+          </a:p>
+        </p:txBody>
+      </p:sp>
     </p:spTree>
     <p:extLst>
       <p:ext uri="{BB962C8B-B14F-4D97-AF65-F5344CB8AC3E}">
